--- a/PPT/Class period 16.pptx
+++ b/PPT/Class period 16.pptx
@@ -137,7 +137,7 @@
           <p:cNvPr id="2" name="Title 1">
             <a:extLst>
               <a:ext uri="{FF2B5EF4-FFF2-40B4-BE49-F238E27FC236}">
-                <a16:creationId xmlns:a16="http://schemas.microsoft.com/office/drawing/2014/main" id="{75CD4807-6584-C94E-91A0-1FAF3A84DB31}"/>
+                <a16:creationId xmlns:a16="http://schemas.microsoft.com/office/drawing/2014/main" id="{C7DCEE1D-E286-760B-39AD-63A2F913C83E}"/>
               </a:ext>
             </a:extLst>
           </p:cNvPr>
@@ -174,7 +174,7 @@
           <p:cNvPr id="3" name="Subtitle 2">
             <a:extLst>
               <a:ext uri="{FF2B5EF4-FFF2-40B4-BE49-F238E27FC236}">
-                <a16:creationId xmlns:a16="http://schemas.microsoft.com/office/drawing/2014/main" id="{1634A689-3464-99FA-D137-B179BEC19A1F}"/>
+                <a16:creationId xmlns:a16="http://schemas.microsoft.com/office/drawing/2014/main" id="{B90B7682-2A0A-CB54-DE2D-3711092B8480}"/>
               </a:ext>
             </a:extLst>
           </p:cNvPr>
@@ -244,7 +244,7 @@
           <p:cNvPr id="4" name="Date Placeholder 3">
             <a:extLst>
               <a:ext uri="{FF2B5EF4-FFF2-40B4-BE49-F238E27FC236}">
-                <a16:creationId xmlns:a16="http://schemas.microsoft.com/office/drawing/2014/main" id="{2CA328C9-0551-3C05-280C-B890231799F7}"/>
+                <a16:creationId xmlns:a16="http://schemas.microsoft.com/office/drawing/2014/main" id="{350C53C3-B558-225F-E804-7C04C739E54A}"/>
               </a:ext>
             </a:extLst>
           </p:cNvPr>
@@ -260,9 +260,9 @@
           <a:bodyPr/>
           <a:lstStyle/>
           <a:p>
-            <a:fld id="{A99B4A17-6A9D-46B7-85BA-CC3DC302714D}" type="datetimeFigureOut">
+            <a:fld id="{27D31E1D-BADE-49B8-9826-9B4BF933C2FC}" type="datetimeFigureOut">
               <a:rPr lang="en-US" smtClean="0"/>
-              <a:t>3/21/2024</a:t>
+              <a:t>4/20/2024</a:t>
             </a:fld>
             <a:endParaRPr lang="en-US"/>
           </a:p>
@@ -273,7 +273,7 @@
           <p:cNvPr id="5" name="Footer Placeholder 4">
             <a:extLst>
               <a:ext uri="{FF2B5EF4-FFF2-40B4-BE49-F238E27FC236}">
-                <a16:creationId xmlns:a16="http://schemas.microsoft.com/office/drawing/2014/main" id="{B7F57978-05D9-999A-14FF-69E8CC046601}"/>
+                <a16:creationId xmlns:a16="http://schemas.microsoft.com/office/drawing/2014/main" id="{7F60C6B6-FE77-08DB-2356-D45913D357EB}"/>
               </a:ext>
             </a:extLst>
           </p:cNvPr>
@@ -298,7 +298,7 @@
           <p:cNvPr id="6" name="Slide Number Placeholder 5">
             <a:extLst>
               <a:ext uri="{FF2B5EF4-FFF2-40B4-BE49-F238E27FC236}">
-                <a16:creationId xmlns:a16="http://schemas.microsoft.com/office/drawing/2014/main" id="{91E36BE5-B93C-CA8B-8630-2AEB17184384}"/>
+                <a16:creationId xmlns:a16="http://schemas.microsoft.com/office/drawing/2014/main" id="{225B8669-C938-F98F-1434-BDCD2DDFD087}"/>
               </a:ext>
             </a:extLst>
           </p:cNvPr>
@@ -314,7 +314,7 @@
           <a:bodyPr/>
           <a:lstStyle/>
           <a:p>
-            <a:fld id="{FC9CC46B-AA53-4793-AFFF-35B3F9E71FD6}" type="slidenum">
+            <a:fld id="{DFC98CB0-4276-437B-BC61-F90983AB98E8}" type="slidenum">
               <a:rPr lang="en-US" smtClean="0"/>
               <a:t>‹#›</a:t>
             </a:fld>
@@ -325,7 +325,7 @@
     </p:spTree>
     <p:extLst>
       <p:ext uri="{BB962C8B-B14F-4D97-AF65-F5344CB8AC3E}">
-        <p14:creationId xmlns:p14="http://schemas.microsoft.com/office/powerpoint/2010/main" val="1790021368"/>
+        <p14:creationId xmlns:p14="http://schemas.microsoft.com/office/powerpoint/2010/main" val="889420112"/>
       </p:ext>
     </p:extLst>
   </p:cSld>
@@ -357,7 +357,7 @@
           <p:cNvPr id="2" name="Title 1">
             <a:extLst>
               <a:ext uri="{FF2B5EF4-FFF2-40B4-BE49-F238E27FC236}">
-                <a16:creationId xmlns:a16="http://schemas.microsoft.com/office/drawing/2014/main" id="{B92A8065-CC48-47A1-A3DE-2CC975736D8C}"/>
+                <a16:creationId xmlns:a16="http://schemas.microsoft.com/office/drawing/2014/main" id="{F4639091-1CB2-A103-7BE7-8B0ADF737AEF}"/>
               </a:ext>
             </a:extLst>
           </p:cNvPr>
@@ -385,7 +385,7 @@
           <p:cNvPr id="3" name="Vertical Text Placeholder 2">
             <a:extLst>
               <a:ext uri="{FF2B5EF4-FFF2-40B4-BE49-F238E27FC236}">
-                <a16:creationId xmlns:a16="http://schemas.microsoft.com/office/drawing/2014/main" id="{95DD2150-4FCC-449A-12F0-8AD3D500CFD0}"/>
+                <a16:creationId xmlns:a16="http://schemas.microsoft.com/office/drawing/2014/main" id="{6101E0E3-C477-A4D2-6EE0-9031B69BDFBA}"/>
               </a:ext>
             </a:extLst>
           </p:cNvPr>
@@ -442,7 +442,7 @@
           <p:cNvPr id="4" name="Date Placeholder 3">
             <a:extLst>
               <a:ext uri="{FF2B5EF4-FFF2-40B4-BE49-F238E27FC236}">
-                <a16:creationId xmlns:a16="http://schemas.microsoft.com/office/drawing/2014/main" id="{E41978A2-0298-E553-DF62-3BE3BED7439C}"/>
+                <a16:creationId xmlns:a16="http://schemas.microsoft.com/office/drawing/2014/main" id="{03D247FB-1E90-70C3-6FE8-B95AA02161C0}"/>
               </a:ext>
             </a:extLst>
           </p:cNvPr>
@@ -458,9 +458,9 @@
           <a:bodyPr/>
           <a:lstStyle/>
           <a:p>
-            <a:fld id="{A99B4A17-6A9D-46B7-85BA-CC3DC302714D}" type="datetimeFigureOut">
+            <a:fld id="{27D31E1D-BADE-49B8-9826-9B4BF933C2FC}" type="datetimeFigureOut">
               <a:rPr lang="en-US" smtClean="0"/>
-              <a:t>3/21/2024</a:t>
+              <a:t>4/20/2024</a:t>
             </a:fld>
             <a:endParaRPr lang="en-US"/>
           </a:p>
@@ -471,7 +471,7 @@
           <p:cNvPr id="5" name="Footer Placeholder 4">
             <a:extLst>
               <a:ext uri="{FF2B5EF4-FFF2-40B4-BE49-F238E27FC236}">
-                <a16:creationId xmlns:a16="http://schemas.microsoft.com/office/drawing/2014/main" id="{7FDE4168-A97C-968B-32FB-2C9F4D267D58}"/>
+                <a16:creationId xmlns:a16="http://schemas.microsoft.com/office/drawing/2014/main" id="{4DCED180-E927-081F-06EA-ABEE7F5D9058}"/>
               </a:ext>
             </a:extLst>
           </p:cNvPr>
@@ -496,7 +496,7 @@
           <p:cNvPr id="6" name="Slide Number Placeholder 5">
             <a:extLst>
               <a:ext uri="{FF2B5EF4-FFF2-40B4-BE49-F238E27FC236}">
-                <a16:creationId xmlns:a16="http://schemas.microsoft.com/office/drawing/2014/main" id="{5B48E8A7-192F-8ED0-AE59-686919512231}"/>
+                <a16:creationId xmlns:a16="http://schemas.microsoft.com/office/drawing/2014/main" id="{385F7B2E-75E4-CE77-8DA8-0D23D925D8D1}"/>
               </a:ext>
             </a:extLst>
           </p:cNvPr>
@@ -512,7 +512,7 @@
           <a:bodyPr/>
           <a:lstStyle/>
           <a:p>
-            <a:fld id="{FC9CC46B-AA53-4793-AFFF-35B3F9E71FD6}" type="slidenum">
+            <a:fld id="{DFC98CB0-4276-437B-BC61-F90983AB98E8}" type="slidenum">
               <a:rPr lang="en-US" smtClean="0"/>
               <a:t>‹#›</a:t>
             </a:fld>
@@ -523,7 +523,7 @@
     </p:spTree>
     <p:extLst>
       <p:ext uri="{BB962C8B-B14F-4D97-AF65-F5344CB8AC3E}">
-        <p14:creationId xmlns:p14="http://schemas.microsoft.com/office/powerpoint/2010/main" val="1392080734"/>
+        <p14:creationId xmlns:p14="http://schemas.microsoft.com/office/powerpoint/2010/main" val="77583235"/>
       </p:ext>
     </p:extLst>
   </p:cSld>
@@ -555,7 +555,7 @@
           <p:cNvPr id="2" name="Vertical Title 1">
             <a:extLst>
               <a:ext uri="{FF2B5EF4-FFF2-40B4-BE49-F238E27FC236}">
-                <a16:creationId xmlns:a16="http://schemas.microsoft.com/office/drawing/2014/main" id="{1E7EF366-9034-8B9D-13A5-5CA59807FCDA}"/>
+                <a16:creationId xmlns:a16="http://schemas.microsoft.com/office/drawing/2014/main" id="{8CD20061-D0A9-ABD1-75CC-6BBE688BCAA1}"/>
               </a:ext>
             </a:extLst>
           </p:cNvPr>
@@ -588,7 +588,7 @@
           <p:cNvPr id="3" name="Vertical Text Placeholder 2">
             <a:extLst>
               <a:ext uri="{FF2B5EF4-FFF2-40B4-BE49-F238E27FC236}">
-                <a16:creationId xmlns:a16="http://schemas.microsoft.com/office/drawing/2014/main" id="{9C41EE84-DAB6-35D8-0492-35BD0BCD707E}"/>
+                <a16:creationId xmlns:a16="http://schemas.microsoft.com/office/drawing/2014/main" id="{140C67B8-CB4B-0603-99C5-8F76CDC46BA4}"/>
               </a:ext>
             </a:extLst>
           </p:cNvPr>
@@ -650,7 +650,7 @@
           <p:cNvPr id="4" name="Date Placeholder 3">
             <a:extLst>
               <a:ext uri="{FF2B5EF4-FFF2-40B4-BE49-F238E27FC236}">
-                <a16:creationId xmlns:a16="http://schemas.microsoft.com/office/drawing/2014/main" id="{F683E35B-88BB-F6A3-3033-B64C69015F60}"/>
+                <a16:creationId xmlns:a16="http://schemas.microsoft.com/office/drawing/2014/main" id="{221CEE24-19FF-41DC-7A36-5553B284872A}"/>
               </a:ext>
             </a:extLst>
           </p:cNvPr>
@@ -666,9 +666,9 @@
           <a:bodyPr/>
           <a:lstStyle/>
           <a:p>
-            <a:fld id="{A99B4A17-6A9D-46B7-85BA-CC3DC302714D}" type="datetimeFigureOut">
+            <a:fld id="{27D31E1D-BADE-49B8-9826-9B4BF933C2FC}" type="datetimeFigureOut">
               <a:rPr lang="en-US" smtClean="0"/>
-              <a:t>3/21/2024</a:t>
+              <a:t>4/20/2024</a:t>
             </a:fld>
             <a:endParaRPr lang="en-US"/>
           </a:p>
@@ -679,7 +679,7 @@
           <p:cNvPr id="5" name="Footer Placeholder 4">
             <a:extLst>
               <a:ext uri="{FF2B5EF4-FFF2-40B4-BE49-F238E27FC236}">
-                <a16:creationId xmlns:a16="http://schemas.microsoft.com/office/drawing/2014/main" id="{DBE8367B-AEE2-163A-F756-11AF63775D99}"/>
+                <a16:creationId xmlns:a16="http://schemas.microsoft.com/office/drawing/2014/main" id="{77234690-0F98-6D87-58C3-C4F9240CF445}"/>
               </a:ext>
             </a:extLst>
           </p:cNvPr>
@@ -704,7 +704,7 @@
           <p:cNvPr id="6" name="Slide Number Placeholder 5">
             <a:extLst>
               <a:ext uri="{FF2B5EF4-FFF2-40B4-BE49-F238E27FC236}">
-                <a16:creationId xmlns:a16="http://schemas.microsoft.com/office/drawing/2014/main" id="{79DBC9AB-48B4-C921-50EC-800C5478DDE5}"/>
+                <a16:creationId xmlns:a16="http://schemas.microsoft.com/office/drawing/2014/main" id="{9D806B9F-F967-3998-AB75-3034CE579E62}"/>
               </a:ext>
             </a:extLst>
           </p:cNvPr>
@@ -720,7 +720,7 @@
           <a:bodyPr/>
           <a:lstStyle/>
           <a:p>
-            <a:fld id="{FC9CC46B-AA53-4793-AFFF-35B3F9E71FD6}" type="slidenum">
+            <a:fld id="{DFC98CB0-4276-437B-BC61-F90983AB98E8}" type="slidenum">
               <a:rPr lang="en-US" smtClean="0"/>
               <a:t>‹#›</a:t>
             </a:fld>
@@ -731,7 +731,7 @@
     </p:spTree>
     <p:extLst>
       <p:ext uri="{BB962C8B-B14F-4D97-AF65-F5344CB8AC3E}">
-        <p14:creationId xmlns:p14="http://schemas.microsoft.com/office/powerpoint/2010/main" val="3171560353"/>
+        <p14:creationId xmlns:p14="http://schemas.microsoft.com/office/powerpoint/2010/main" val="3174050905"/>
       </p:ext>
     </p:extLst>
   </p:cSld>
@@ -763,7 +763,7 @@
           <p:cNvPr id="2" name="Title 1">
             <a:extLst>
               <a:ext uri="{FF2B5EF4-FFF2-40B4-BE49-F238E27FC236}">
-                <a16:creationId xmlns:a16="http://schemas.microsoft.com/office/drawing/2014/main" id="{A16B0445-4067-922A-E6E2-197FFD7C93BE}"/>
+                <a16:creationId xmlns:a16="http://schemas.microsoft.com/office/drawing/2014/main" id="{7CE46CBA-5B56-14E8-242D-C69702C62195}"/>
               </a:ext>
             </a:extLst>
           </p:cNvPr>
@@ -791,7 +791,7 @@
           <p:cNvPr id="3" name="Content Placeholder 2">
             <a:extLst>
               <a:ext uri="{FF2B5EF4-FFF2-40B4-BE49-F238E27FC236}">
-                <a16:creationId xmlns:a16="http://schemas.microsoft.com/office/drawing/2014/main" id="{8C93A21F-1021-7839-9BEF-637BAB8B8861}"/>
+                <a16:creationId xmlns:a16="http://schemas.microsoft.com/office/drawing/2014/main" id="{293E173C-7DE2-E77A-7576-E0D9AC0B923F}"/>
               </a:ext>
             </a:extLst>
           </p:cNvPr>
@@ -848,7 +848,7 @@
           <p:cNvPr id="4" name="Date Placeholder 3">
             <a:extLst>
               <a:ext uri="{FF2B5EF4-FFF2-40B4-BE49-F238E27FC236}">
-                <a16:creationId xmlns:a16="http://schemas.microsoft.com/office/drawing/2014/main" id="{65CBA2CA-B806-BEC9-5389-AD4118137F87}"/>
+                <a16:creationId xmlns:a16="http://schemas.microsoft.com/office/drawing/2014/main" id="{170C891D-69DE-4722-4FBD-9A0BC4242882}"/>
               </a:ext>
             </a:extLst>
           </p:cNvPr>
@@ -864,9 +864,9 @@
           <a:bodyPr/>
           <a:lstStyle/>
           <a:p>
-            <a:fld id="{A99B4A17-6A9D-46B7-85BA-CC3DC302714D}" type="datetimeFigureOut">
+            <a:fld id="{27D31E1D-BADE-49B8-9826-9B4BF933C2FC}" type="datetimeFigureOut">
               <a:rPr lang="en-US" smtClean="0"/>
-              <a:t>3/21/2024</a:t>
+              <a:t>4/20/2024</a:t>
             </a:fld>
             <a:endParaRPr lang="en-US"/>
           </a:p>
@@ -877,7 +877,7 @@
           <p:cNvPr id="5" name="Footer Placeholder 4">
             <a:extLst>
               <a:ext uri="{FF2B5EF4-FFF2-40B4-BE49-F238E27FC236}">
-                <a16:creationId xmlns:a16="http://schemas.microsoft.com/office/drawing/2014/main" id="{460836B1-4DE0-87F7-D615-4F884E1F8398}"/>
+                <a16:creationId xmlns:a16="http://schemas.microsoft.com/office/drawing/2014/main" id="{D937E2BC-7E29-3A26-99AE-0A9065E993C7}"/>
               </a:ext>
             </a:extLst>
           </p:cNvPr>
@@ -902,7 +902,7 @@
           <p:cNvPr id="6" name="Slide Number Placeholder 5">
             <a:extLst>
               <a:ext uri="{FF2B5EF4-FFF2-40B4-BE49-F238E27FC236}">
-                <a16:creationId xmlns:a16="http://schemas.microsoft.com/office/drawing/2014/main" id="{B514A79D-F3D3-861D-939E-63AF58E4CA50}"/>
+                <a16:creationId xmlns:a16="http://schemas.microsoft.com/office/drawing/2014/main" id="{A48B4AA4-C179-33FA-058D-956A3E48D575}"/>
               </a:ext>
             </a:extLst>
           </p:cNvPr>
@@ -918,7 +918,7 @@
           <a:bodyPr/>
           <a:lstStyle/>
           <a:p>
-            <a:fld id="{FC9CC46B-AA53-4793-AFFF-35B3F9E71FD6}" type="slidenum">
+            <a:fld id="{DFC98CB0-4276-437B-BC61-F90983AB98E8}" type="slidenum">
               <a:rPr lang="en-US" smtClean="0"/>
               <a:t>‹#›</a:t>
             </a:fld>
@@ -929,7 +929,7 @@
     </p:spTree>
     <p:extLst>
       <p:ext uri="{BB962C8B-B14F-4D97-AF65-F5344CB8AC3E}">
-        <p14:creationId xmlns:p14="http://schemas.microsoft.com/office/powerpoint/2010/main" val="2662995155"/>
+        <p14:creationId xmlns:p14="http://schemas.microsoft.com/office/powerpoint/2010/main" val="3452173819"/>
       </p:ext>
     </p:extLst>
   </p:cSld>
@@ -961,7 +961,7 @@
           <p:cNvPr id="2" name="Title 1">
             <a:extLst>
               <a:ext uri="{FF2B5EF4-FFF2-40B4-BE49-F238E27FC236}">
-                <a16:creationId xmlns:a16="http://schemas.microsoft.com/office/drawing/2014/main" id="{F8ADC89E-57B1-0036-7537-EFF952EE6CB6}"/>
+                <a16:creationId xmlns:a16="http://schemas.microsoft.com/office/drawing/2014/main" id="{2E2A3E8E-C5D1-34B5-7A80-3426840AAF64}"/>
               </a:ext>
             </a:extLst>
           </p:cNvPr>
@@ -998,7 +998,7 @@
           <p:cNvPr id="3" name="Text Placeholder 2">
             <a:extLst>
               <a:ext uri="{FF2B5EF4-FFF2-40B4-BE49-F238E27FC236}">
-                <a16:creationId xmlns:a16="http://schemas.microsoft.com/office/drawing/2014/main" id="{0A8F2454-24CB-7E15-CA2F-6DF5AAE312FE}"/>
+                <a16:creationId xmlns:a16="http://schemas.microsoft.com/office/drawing/2014/main" id="{A4A9ED16-9EAA-37CE-FD09-9F8A39D714F6}"/>
               </a:ext>
             </a:extLst>
           </p:cNvPr>
@@ -1123,7 +1123,7 @@
           <p:cNvPr id="4" name="Date Placeholder 3">
             <a:extLst>
               <a:ext uri="{FF2B5EF4-FFF2-40B4-BE49-F238E27FC236}">
-                <a16:creationId xmlns:a16="http://schemas.microsoft.com/office/drawing/2014/main" id="{29DE8DEE-32C5-BAF3-B4B2-F6AF8A4BC26A}"/>
+                <a16:creationId xmlns:a16="http://schemas.microsoft.com/office/drawing/2014/main" id="{21510452-18F0-25FD-0005-4B3AB0635D87}"/>
               </a:ext>
             </a:extLst>
           </p:cNvPr>
@@ -1139,9 +1139,9 @@
           <a:bodyPr/>
           <a:lstStyle/>
           <a:p>
-            <a:fld id="{A99B4A17-6A9D-46B7-85BA-CC3DC302714D}" type="datetimeFigureOut">
+            <a:fld id="{27D31E1D-BADE-49B8-9826-9B4BF933C2FC}" type="datetimeFigureOut">
               <a:rPr lang="en-US" smtClean="0"/>
-              <a:t>3/21/2024</a:t>
+              <a:t>4/20/2024</a:t>
             </a:fld>
             <a:endParaRPr lang="en-US"/>
           </a:p>
@@ -1152,7 +1152,7 @@
           <p:cNvPr id="5" name="Footer Placeholder 4">
             <a:extLst>
               <a:ext uri="{FF2B5EF4-FFF2-40B4-BE49-F238E27FC236}">
-                <a16:creationId xmlns:a16="http://schemas.microsoft.com/office/drawing/2014/main" id="{0936EFE0-CE39-C803-3C8E-869F179895EE}"/>
+                <a16:creationId xmlns:a16="http://schemas.microsoft.com/office/drawing/2014/main" id="{556CBB14-3A33-F2A7-F160-DE4DD5D030EA}"/>
               </a:ext>
             </a:extLst>
           </p:cNvPr>
@@ -1177,7 +1177,7 @@
           <p:cNvPr id="6" name="Slide Number Placeholder 5">
             <a:extLst>
               <a:ext uri="{FF2B5EF4-FFF2-40B4-BE49-F238E27FC236}">
-                <a16:creationId xmlns:a16="http://schemas.microsoft.com/office/drawing/2014/main" id="{12264970-BDF4-9634-9FDD-0915583D3F19}"/>
+                <a16:creationId xmlns:a16="http://schemas.microsoft.com/office/drawing/2014/main" id="{113276A0-CD2B-03E1-1F31-30571C5FBAD0}"/>
               </a:ext>
             </a:extLst>
           </p:cNvPr>
@@ -1193,7 +1193,7 @@
           <a:bodyPr/>
           <a:lstStyle/>
           <a:p>
-            <a:fld id="{FC9CC46B-AA53-4793-AFFF-35B3F9E71FD6}" type="slidenum">
+            <a:fld id="{DFC98CB0-4276-437B-BC61-F90983AB98E8}" type="slidenum">
               <a:rPr lang="en-US" smtClean="0"/>
               <a:t>‹#›</a:t>
             </a:fld>
@@ -1204,7 +1204,7 @@
     </p:spTree>
     <p:extLst>
       <p:ext uri="{BB962C8B-B14F-4D97-AF65-F5344CB8AC3E}">
-        <p14:creationId xmlns:p14="http://schemas.microsoft.com/office/powerpoint/2010/main" val="1552992056"/>
+        <p14:creationId xmlns:p14="http://schemas.microsoft.com/office/powerpoint/2010/main" val="2113071187"/>
       </p:ext>
     </p:extLst>
   </p:cSld>
@@ -1236,7 +1236,7 @@
           <p:cNvPr id="2" name="Title 1">
             <a:extLst>
               <a:ext uri="{FF2B5EF4-FFF2-40B4-BE49-F238E27FC236}">
-                <a16:creationId xmlns:a16="http://schemas.microsoft.com/office/drawing/2014/main" id="{ACFE7340-F315-0CF2-A9FB-BF84A2C04859}"/>
+                <a16:creationId xmlns:a16="http://schemas.microsoft.com/office/drawing/2014/main" id="{09384E4B-3B9C-5752-49D0-EEB512352297}"/>
               </a:ext>
             </a:extLst>
           </p:cNvPr>
@@ -1264,7 +1264,7 @@
           <p:cNvPr id="3" name="Content Placeholder 2">
             <a:extLst>
               <a:ext uri="{FF2B5EF4-FFF2-40B4-BE49-F238E27FC236}">
-                <a16:creationId xmlns:a16="http://schemas.microsoft.com/office/drawing/2014/main" id="{78AF27D4-066F-5B44-757F-5235F595BB9F}"/>
+                <a16:creationId xmlns:a16="http://schemas.microsoft.com/office/drawing/2014/main" id="{E7BB8542-0019-6B69-3040-4A146C65789F}"/>
               </a:ext>
             </a:extLst>
           </p:cNvPr>
@@ -1326,7 +1326,7 @@
           <p:cNvPr id="4" name="Content Placeholder 3">
             <a:extLst>
               <a:ext uri="{FF2B5EF4-FFF2-40B4-BE49-F238E27FC236}">
-                <a16:creationId xmlns:a16="http://schemas.microsoft.com/office/drawing/2014/main" id="{197CB3C6-0B6B-2031-F05D-C9B4365EA56D}"/>
+                <a16:creationId xmlns:a16="http://schemas.microsoft.com/office/drawing/2014/main" id="{34CA4F8F-E7A9-AABE-D104-CDCD7B941A87}"/>
               </a:ext>
             </a:extLst>
           </p:cNvPr>
@@ -1388,7 +1388,7 @@
           <p:cNvPr id="5" name="Date Placeholder 4">
             <a:extLst>
               <a:ext uri="{FF2B5EF4-FFF2-40B4-BE49-F238E27FC236}">
-                <a16:creationId xmlns:a16="http://schemas.microsoft.com/office/drawing/2014/main" id="{64229A9C-615B-4DF7-D0E9-45F2A51DF2F2}"/>
+                <a16:creationId xmlns:a16="http://schemas.microsoft.com/office/drawing/2014/main" id="{947AE69D-EAA7-EB7A-EA31-814BA52E70D0}"/>
               </a:ext>
             </a:extLst>
           </p:cNvPr>
@@ -1404,9 +1404,9 @@
           <a:bodyPr/>
           <a:lstStyle/>
           <a:p>
-            <a:fld id="{A99B4A17-6A9D-46B7-85BA-CC3DC302714D}" type="datetimeFigureOut">
+            <a:fld id="{27D31E1D-BADE-49B8-9826-9B4BF933C2FC}" type="datetimeFigureOut">
               <a:rPr lang="en-US" smtClean="0"/>
-              <a:t>3/21/2024</a:t>
+              <a:t>4/20/2024</a:t>
             </a:fld>
             <a:endParaRPr lang="en-US"/>
           </a:p>
@@ -1417,7 +1417,7 @@
           <p:cNvPr id="6" name="Footer Placeholder 5">
             <a:extLst>
               <a:ext uri="{FF2B5EF4-FFF2-40B4-BE49-F238E27FC236}">
-                <a16:creationId xmlns:a16="http://schemas.microsoft.com/office/drawing/2014/main" id="{296CD2E9-3ED7-B4A8-8E43-F2355832D740}"/>
+                <a16:creationId xmlns:a16="http://schemas.microsoft.com/office/drawing/2014/main" id="{C893588C-5DE2-3AB1-E14F-4D05DF87354D}"/>
               </a:ext>
             </a:extLst>
           </p:cNvPr>
@@ -1442,7 +1442,7 @@
           <p:cNvPr id="7" name="Slide Number Placeholder 6">
             <a:extLst>
               <a:ext uri="{FF2B5EF4-FFF2-40B4-BE49-F238E27FC236}">
-                <a16:creationId xmlns:a16="http://schemas.microsoft.com/office/drawing/2014/main" id="{7AA999B4-899D-B6EC-BCE5-8C2C18214875}"/>
+                <a16:creationId xmlns:a16="http://schemas.microsoft.com/office/drawing/2014/main" id="{B35DD151-62FD-BC18-5243-554D8C643E01}"/>
               </a:ext>
             </a:extLst>
           </p:cNvPr>
@@ -1458,7 +1458,7 @@
           <a:bodyPr/>
           <a:lstStyle/>
           <a:p>
-            <a:fld id="{FC9CC46B-AA53-4793-AFFF-35B3F9E71FD6}" type="slidenum">
+            <a:fld id="{DFC98CB0-4276-437B-BC61-F90983AB98E8}" type="slidenum">
               <a:rPr lang="en-US" smtClean="0"/>
               <a:t>‹#›</a:t>
             </a:fld>
@@ -1469,7 +1469,7 @@
     </p:spTree>
     <p:extLst>
       <p:ext uri="{BB962C8B-B14F-4D97-AF65-F5344CB8AC3E}">
-        <p14:creationId xmlns:p14="http://schemas.microsoft.com/office/powerpoint/2010/main" val="1676275161"/>
+        <p14:creationId xmlns:p14="http://schemas.microsoft.com/office/powerpoint/2010/main" val="3735938096"/>
       </p:ext>
     </p:extLst>
   </p:cSld>
@@ -1501,7 +1501,7 @@
           <p:cNvPr id="2" name="Title 1">
             <a:extLst>
               <a:ext uri="{FF2B5EF4-FFF2-40B4-BE49-F238E27FC236}">
-                <a16:creationId xmlns:a16="http://schemas.microsoft.com/office/drawing/2014/main" id="{82647212-65CF-79A3-9D8F-01A69C4C0878}"/>
+                <a16:creationId xmlns:a16="http://schemas.microsoft.com/office/drawing/2014/main" id="{15791377-86D2-3AFB-F02E-2F547DA11321}"/>
               </a:ext>
             </a:extLst>
           </p:cNvPr>
@@ -1534,7 +1534,7 @@
           <p:cNvPr id="3" name="Text Placeholder 2">
             <a:extLst>
               <a:ext uri="{FF2B5EF4-FFF2-40B4-BE49-F238E27FC236}">
-                <a16:creationId xmlns:a16="http://schemas.microsoft.com/office/drawing/2014/main" id="{CF3DB822-1494-16E1-0B96-01B55DF63C81}"/>
+                <a16:creationId xmlns:a16="http://schemas.microsoft.com/office/drawing/2014/main" id="{4E2F64D7-EA8C-AC53-28C7-D655CF57234E}"/>
               </a:ext>
             </a:extLst>
           </p:cNvPr>
@@ -1605,7 +1605,7 @@
           <p:cNvPr id="4" name="Content Placeholder 3">
             <a:extLst>
               <a:ext uri="{FF2B5EF4-FFF2-40B4-BE49-F238E27FC236}">
-                <a16:creationId xmlns:a16="http://schemas.microsoft.com/office/drawing/2014/main" id="{52103CD0-8D1B-C121-EB5D-59969591EE0B}"/>
+                <a16:creationId xmlns:a16="http://schemas.microsoft.com/office/drawing/2014/main" id="{6FBAB2CF-D152-F3A3-B7A2-5C4FE8DF2537}"/>
               </a:ext>
             </a:extLst>
           </p:cNvPr>
@@ -1667,7 +1667,7 @@
           <p:cNvPr id="5" name="Text Placeholder 4">
             <a:extLst>
               <a:ext uri="{FF2B5EF4-FFF2-40B4-BE49-F238E27FC236}">
-                <a16:creationId xmlns:a16="http://schemas.microsoft.com/office/drawing/2014/main" id="{B429B82C-CE6E-C30C-E90D-878F819A8C71}"/>
+                <a16:creationId xmlns:a16="http://schemas.microsoft.com/office/drawing/2014/main" id="{2BF0E78F-914A-B7E7-8F81-20453B3BFD72}"/>
               </a:ext>
             </a:extLst>
           </p:cNvPr>
@@ -1738,7 +1738,7 @@
           <p:cNvPr id="6" name="Content Placeholder 5">
             <a:extLst>
               <a:ext uri="{FF2B5EF4-FFF2-40B4-BE49-F238E27FC236}">
-                <a16:creationId xmlns:a16="http://schemas.microsoft.com/office/drawing/2014/main" id="{D34D6EB0-13BE-DA51-F08C-649A95BD520F}"/>
+                <a16:creationId xmlns:a16="http://schemas.microsoft.com/office/drawing/2014/main" id="{E3373D71-A8DF-A6AF-8B90-9D5A994AEA68}"/>
               </a:ext>
             </a:extLst>
           </p:cNvPr>
@@ -1800,7 +1800,7 @@
           <p:cNvPr id="7" name="Date Placeholder 6">
             <a:extLst>
               <a:ext uri="{FF2B5EF4-FFF2-40B4-BE49-F238E27FC236}">
-                <a16:creationId xmlns:a16="http://schemas.microsoft.com/office/drawing/2014/main" id="{DF728755-A24E-BA77-FFCA-F826B20B6F8D}"/>
+                <a16:creationId xmlns:a16="http://schemas.microsoft.com/office/drawing/2014/main" id="{4AB42BE9-6344-8D1E-7D78-AC21761BA5D6}"/>
               </a:ext>
             </a:extLst>
           </p:cNvPr>
@@ -1816,9 +1816,9 @@
           <a:bodyPr/>
           <a:lstStyle/>
           <a:p>
-            <a:fld id="{A99B4A17-6A9D-46B7-85BA-CC3DC302714D}" type="datetimeFigureOut">
+            <a:fld id="{27D31E1D-BADE-49B8-9826-9B4BF933C2FC}" type="datetimeFigureOut">
               <a:rPr lang="en-US" smtClean="0"/>
-              <a:t>3/21/2024</a:t>
+              <a:t>4/20/2024</a:t>
             </a:fld>
             <a:endParaRPr lang="en-US"/>
           </a:p>
@@ -1829,7 +1829,7 @@
           <p:cNvPr id="8" name="Footer Placeholder 7">
             <a:extLst>
               <a:ext uri="{FF2B5EF4-FFF2-40B4-BE49-F238E27FC236}">
-                <a16:creationId xmlns:a16="http://schemas.microsoft.com/office/drawing/2014/main" id="{85F02919-3DE4-DB90-BD30-207615A278CB}"/>
+                <a16:creationId xmlns:a16="http://schemas.microsoft.com/office/drawing/2014/main" id="{0038B8FD-D85B-704D-1AF5-18D39B62363F}"/>
               </a:ext>
             </a:extLst>
           </p:cNvPr>
@@ -1854,7 +1854,7 @@
           <p:cNvPr id="9" name="Slide Number Placeholder 8">
             <a:extLst>
               <a:ext uri="{FF2B5EF4-FFF2-40B4-BE49-F238E27FC236}">
-                <a16:creationId xmlns:a16="http://schemas.microsoft.com/office/drawing/2014/main" id="{0A7F0275-AC7F-04F1-2300-8CD5D590ED5A}"/>
+                <a16:creationId xmlns:a16="http://schemas.microsoft.com/office/drawing/2014/main" id="{8986214B-0286-176D-032D-8E9EDBDC46F1}"/>
               </a:ext>
             </a:extLst>
           </p:cNvPr>
@@ -1870,7 +1870,7 @@
           <a:bodyPr/>
           <a:lstStyle/>
           <a:p>
-            <a:fld id="{FC9CC46B-AA53-4793-AFFF-35B3F9E71FD6}" type="slidenum">
+            <a:fld id="{DFC98CB0-4276-437B-BC61-F90983AB98E8}" type="slidenum">
               <a:rPr lang="en-US" smtClean="0"/>
               <a:t>‹#›</a:t>
             </a:fld>
@@ -1881,7 +1881,7 @@
     </p:spTree>
     <p:extLst>
       <p:ext uri="{BB962C8B-B14F-4D97-AF65-F5344CB8AC3E}">
-        <p14:creationId xmlns:p14="http://schemas.microsoft.com/office/powerpoint/2010/main" val="735784984"/>
+        <p14:creationId xmlns:p14="http://schemas.microsoft.com/office/powerpoint/2010/main" val="2454952766"/>
       </p:ext>
     </p:extLst>
   </p:cSld>
@@ -1913,7 +1913,7 @@
           <p:cNvPr id="2" name="Title 1">
             <a:extLst>
               <a:ext uri="{FF2B5EF4-FFF2-40B4-BE49-F238E27FC236}">
-                <a16:creationId xmlns:a16="http://schemas.microsoft.com/office/drawing/2014/main" id="{568D25AF-748D-9A67-0598-64F07FB436D9}"/>
+                <a16:creationId xmlns:a16="http://schemas.microsoft.com/office/drawing/2014/main" id="{5AC06E12-FBC4-4743-2689-D7A45861D0BE}"/>
               </a:ext>
             </a:extLst>
           </p:cNvPr>
@@ -1941,7 +1941,7 @@
           <p:cNvPr id="3" name="Date Placeholder 2">
             <a:extLst>
               <a:ext uri="{FF2B5EF4-FFF2-40B4-BE49-F238E27FC236}">
-                <a16:creationId xmlns:a16="http://schemas.microsoft.com/office/drawing/2014/main" id="{BFC17A69-42F7-73D4-2649-B6AFABED1D8A}"/>
+                <a16:creationId xmlns:a16="http://schemas.microsoft.com/office/drawing/2014/main" id="{E7E83897-F05A-9D05-4B92-05CFEAC4218E}"/>
               </a:ext>
             </a:extLst>
           </p:cNvPr>
@@ -1957,9 +1957,9 @@
           <a:bodyPr/>
           <a:lstStyle/>
           <a:p>
-            <a:fld id="{A99B4A17-6A9D-46B7-85BA-CC3DC302714D}" type="datetimeFigureOut">
+            <a:fld id="{27D31E1D-BADE-49B8-9826-9B4BF933C2FC}" type="datetimeFigureOut">
               <a:rPr lang="en-US" smtClean="0"/>
-              <a:t>3/21/2024</a:t>
+              <a:t>4/20/2024</a:t>
             </a:fld>
             <a:endParaRPr lang="en-US"/>
           </a:p>
@@ -1970,7 +1970,7 @@
           <p:cNvPr id="4" name="Footer Placeholder 3">
             <a:extLst>
               <a:ext uri="{FF2B5EF4-FFF2-40B4-BE49-F238E27FC236}">
-                <a16:creationId xmlns:a16="http://schemas.microsoft.com/office/drawing/2014/main" id="{C725E1CE-2C21-16C4-A962-3494296AEB99}"/>
+                <a16:creationId xmlns:a16="http://schemas.microsoft.com/office/drawing/2014/main" id="{C73A33E7-DA1C-F35F-EF0D-4C16F947416C}"/>
               </a:ext>
             </a:extLst>
           </p:cNvPr>
@@ -1995,7 +1995,7 @@
           <p:cNvPr id="5" name="Slide Number Placeholder 4">
             <a:extLst>
               <a:ext uri="{FF2B5EF4-FFF2-40B4-BE49-F238E27FC236}">
-                <a16:creationId xmlns:a16="http://schemas.microsoft.com/office/drawing/2014/main" id="{2C89C174-7ED3-16EE-4C41-849229966DD2}"/>
+                <a16:creationId xmlns:a16="http://schemas.microsoft.com/office/drawing/2014/main" id="{3295DE96-03BB-00F8-9EB5-9D6260DDDE48}"/>
               </a:ext>
             </a:extLst>
           </p:cNvPr>
@@ -2011,7 +2011,7 @@
           <a:bodyPr/>
           <a:lstStyle/>
           <a:p>
-            <a:fld id="{FC9CC46B-AA53-4793-AFFF-35B3F9E71FD6}" type="slidenum">
+            <a:fld id="{DFC98CB0-4276-437B-BC61-F90983AB98E8}" type="slidenum">
               <a:rPr lang="en-US" smtClean="0"/>
               <a:t>‹#›</a:t>
             </a:fld>
@@ -2022,7 +2022,7 @@
     </p:spTree>
     <p:extLst>
       <p:ext uri="{BB962C8B-B14F-4D97-AF65-F5344CB8AC3E}">
-        <p14:creationId xmlns:p14="http://schemas.microsoft.com/office/powerpoint/2010/main" val="231007275"/>
+        <p14:creationId xmlns:p14="http://schemas.microsoft.com/office/powerpoint/2010/main" val="2041954075"/>
       </p:ext>
     </p:extLst>
   </p:cSld>
@@ -2054,7 +2054,7 @@
           <p:cNvPr id="2" name="Date Placeholder 1">
             <a:extLst>
               <a:ext uri="{FF2B5EF4-FFF2-40B4-BE49-F238E27FC236}">
-                <a16:creationId xmlns:a16="http://schemas.microsoft.com/office/drawing/2014/main" id="{9A7E6D1D-6BBD-6E6E-3A69-E59FABF05836}"/>
+                <a16:creationId xmlns:a16="http://schemas.microsoft.com/office/drawing/2014/main" id="{2A298064-03B6-5E20-7BDB-7CFFD6519FAF}"/>
               </a:ext>
             </a:extLst>
           </p:cNvPr>
@@ -2070,9 +2070,9 @@
           <a:bodyPr/>
           <a:lstStyle/>
           <a:p>
-            <a:fld id="{A99B4A17-6A9D-46B7-85BA-CC3DC302714D}" type="datetimeFigureOut">
+            <a:fld id="{27D31E1D-BADE-49B8-9826-9B4BF933C2FC}" type="datetimeFigureOut">
               <a:rPr lang="en-US" smtClean="0"/>
-              <a:t>3/21/2024</a:t>
+              <a:t>4/20/2024</a:t>
             </a:fld>
             <a:endParaRPr lang="en-US"/>
           </a:p>
@@ -2083,7 +2083,7 @@
           <p:cNvPr id="3" name="Footer Placeholder 2">
             <a:extLst>
               <a:ext uri="{FF2B5EF4-FFF2-40B4-BE49-F238E27FC236}">
-                <a16:creationId xmlns:a16="http://schemas.microsoft.com/office/drawing/2014/main" id="{A5BB9FBB-7DE8-A4F3-9C2E-7B13B9640B5B}"/>
+                <a16:creationId xmlns:a16="http://schemas.microsoft.com/office/drawing/2014/main" id="{C0B72324-D573-D31A-DAF0-E163E8A06CD4}"/>
               </a:ext>
             </a:extLst>
           </p:cNvPr>
@@ -2108,7 +2108,7 @@
           <p:cNvPr id="4" name="Slide Number Placeholder 3">
             <a:extLst>
               <a:ext uri="{FF2B5EF4-FFF2-40B4-BE49-F238E27FC236}">
-                <a16:creationId xmlns:a16="http://schemas.microsoft.com/office/drawing/2014/main" id="{CF24AB2C-27BC-8CEF-6766-24CA80475206}"/>
+                <a16:creationId xmlns:a16="http://schemas.microsoft.com/office/drawing/2014/main" id="{E6771A87-2AFC-2D4A-0D2E-9969FB102F80}"/>
               </a:ext>
             </a:extLst>
           </p:cNvPr>
@@ -2124,7 +2124,7 @@
           <a:bodyPr/>
           <a:lstStyle/>
           <a:p>
-            <a:fld id="{FC9CC46B-AA53-4793-AFFF-35B3F9E71FD6}" type="slidenum">
+            <a:fld id="{DFC98CB0-4276-437B-BC61-F90983AB98E8}" type="slidenum">
               <a:rPr lang="en-US" smtClean="0"/>
               <a:t>‹#›</a:t>
             </a:fld>
@@ -2135,7 +2135,7 @@
     </p:spTree>
     <p:extLst>
       <p:ext uri="{BB962C8B-B14F-4D97-AF65-F5344CB8AC3E}">
-        <p14:creationId xmlns:p14="http://schemas.microsoft.com/office/powerpoint/2010/main" val="2837460718"/>
+        <p14:creationId xmlns:p14="http://schemas.microsoft.com/office/powerpoint/2010/main" val="1712974297"/>
       </p:ext>
     </p:extLst>
   </p:cSld>
@@ -2167,7 +2167,7 @@
           <p:cNvPr id="2" name="Title 1">
             <a:extLst>
               <a:ext uri="{FF2B5EF4-FFF2-40B4-BE49-F238E27FC236}">
-                <a16:creationId xmlns:a16="http://schemas.microsoft.com/office/drawing/2014/main" id="{5FFB04AC-AF02-023C-46F7-7B5776B6D465}"/>
+                <a16:creationId xmlns:a16="http://schemas.microsoft.com/office/drawing/2014/main" id="{9B1F6CB5-4475-8778-C8D8-C86D893587E2}"/>
               </a:ext>
             </a:extLst>
           </p:cNvPr>
@@ -2204,7 +2204,7 @@
           <p:cNvPr id="3" name="Content Placeholder 2">
             <a:extLst>
               <a:ext uri="{FF2B5EF4-FFF2-40B4-BE49-F238E27FC236}">
-                <a16:creationId xmlns:a16="http://schemas.microsoft.com/office/drawing/2014/main" id="{86854F37-99CF-9E0A-75E1-35972D232473}"/>
+                <a16:creationId xmlns:a16="http://schemas.microsoft.com/office/drawing/2014/main" id="{B3E6607E-D6EA-8B8E-3534-51DF0CABD599}"/>
               </a:ext>
             </a:extLst>
           </p:cNvPr>
@@ -2294,7 +2294,7 @@
           <p:cNvPr id="4" name="Text Placeholder 3">
             <a:extLst>
               <a:ext uri="{FF2B5EF4-FFF2-40B4-BE49-F238E27FC236}">
-                <a16:creationId xmlns:a16="http://schemas.microsoft.com/office/drawing/2014/main" id="{33B8FFE7-C5B9-9F87-B9EC-967F19782A0B}"/>
+                <a16:creationId xmlns:a16="http://schemas.microsoft.com/office/drawing/2014/main" id="{36E19165-CA6D-602F-D7CD-0B4CE5631ACE}"/>
               </a:ext>
             </a:extLst>
           </p:cNvPr>
@@ -2365,7 +2365,7 @@
           <p:cNvPr id="5" name="Date Placeholder 4">
             <a:extLst>
               <a:ext uri="{FF2B5EF4-FFF2-40B4-BE49-F238E27FC236}">
-                <a16:creationId xmlns:a16="http://schemas.microsoft.com/office/drawing/2014/main" id="{A55FB1AA-DBC3-871A-077E-15F86B69C871}"/>
+                <a16:creationId xmlns:a16="http://schemas.microsoft.com/office/drawing/2014/main" id="{238F81A7-E49C-2FAD-BA42-EF3F40B1C454}"/>
               </a:ext>
             </a:extLst>
           </p:cNvPr>
@@ -2381,9 +2381,9 @@
           <a:bodyPr/>
           <a:lstStyle/>
           <a:p>
-            <a:fld id="{A99B4A17-6A9D-46B7-85BA-CC3DC302714D}" type="datetimeFigureOut">
+            <a:fld id="{27D31E1D-BADE-49B8-9826-9B4BF933C2FC}" type="datetimeFigureOut">
               <a:rPr lang="en-US" smtClean="0"/>
-              <a:t>3/21/2024</a:t>
+              <a:t>4/20/2024</a:t>
             </a:fld>
             <a:endParaRPr lang="en-US"/>
           </a:p>
@@ -2394,7 +2394,7 @@
           <p:cNvPr id="6" name="Footer Placeholder 5">
             <a:extLst>
               <a:ext uri="{FF2B5EF4-FFF2-40B4-BE49-F238E27FC236}">
-                <a16:creationId xmlns:a16="http://schemas.microsoft.com/office/drawing/2014/main" id="{19CFD1FD-21B4-0BF2-4DB2-61E95A2FCB92}"/>
+                <a16:creationId xmlns:a16="http://schemas.microsoft.com/office/drawing/2014/main" id="{FF3EBB20-CFC5-8D37-D0B3-4C4118137858}"/>
               </a:ext>
             </a:extLst>
           </p:cNvPr>
@@ -2419,7 +2419,7 @@
           <p:cNvPr id="7" name="Slide Number Placeholder 6">
             <a:extLst>
               <a:ext uri="{FF2B5EF4-FFF2-40B4-BE49-F238E27FC236}">
-                <a16:creationId xmlns:a16="http://schemas.microsoft.com/office/drawing/2014/main" id="{BF010E11-9449-372C-ABB2-3D6AAA1A3D3D}"/>
+                <a16:creationId xmlns:a16="http://schemas.microsoft.com/office/drawing/2014/main" id="{3131A109-343E-6071-F2F1-ED6A46445365}"/>
               </a:ext>
             </a:extLst>
           </p:cNvPr>
@@ -2435,7 +2435,7 @@
           <a:bodyPr/>
           <a:lstStyle/>
           <a:p>
-            <a:fld id="{FC9CC46B-AA53-4793-AFFF-35B3F9E71FD6}" type="slidenum">
+            <a:fld id="{DFC98CB0-4276-437B-BC61-F90983AB98E8}" type="slidenum">
               <a:rPr lang="en-US" smtClean="0"/>
               <a:t>‹#›</a:t>
             </a:fld>
@@ -2446,7 +2446,7 @@
     </p:spTree>
     <p:extLst>
       <p:ext uri="{BB962C8B-B14F-4D97-AF65-F5344CB8AC3E}">
-        <p14:creationId xmlns:p14="http://schemas.microsoft.com/office/powerpoint/2010/main" val="3308970296"/>
+        <p14:creationId xmlns:p14="http://schemas.microsoft.com/office/powerpoint/2010/main" val="2999830044"/>
       </p:ext>
     </p:extLst>
   </p:cSld>
@@ -2478,7 +2478,7 @@
           <p:cNvPr id="2" name="Title 1">
             <a:extLst>
               <a:ext uri="{FF2B5EF4-FFF2-40B4-BE49-F238E27FC236}">
-                <a16:creationId xmlns:a16="http://schemas.microsoft.com/office/drawing/2014/main" id="{8A51C7DE-A4BB-95ED-3481-38013B563127}"/>
+                <a16:creationId xmlns:a16="http://schemas.microsoft.com/office/drawing/2014/main" id="{EDD9B8F2-C6D2-8EFE-002D-9560F15A371A}"/>
               </a:ext>
             </a:extLst>
           </p:cNvPr>
@@ -2515,7 +2515,7 @@
           <p:cNvPr id="3" name="Picture Placeholder 2">
             <a:extLst>
               <a:ext uri="{FF2B5EF4-FFF2-40B4-BE49-F238E27FC236}">
-                <a16:creationId xmlns:a16="http://schemas.microsoft.com/office/drawing/2014/main" id="{5E6DE658-FF8B-AA0B-F198-C92816256FC6}"/>
+                <a16:creationId xmlns:a16="http://schemas.microsoft.com/office/drawing/2014/main" id="{38101AE3-C694-DB48-0029-E4FBFD3CE25C}"/>
               </a:ext>
             </a:extLst>
           </p:cNvPr>
@@ -2582,7 +2582,7 @@
           <p:cNvPr id="4" name="Text Placeholder 3">
             <a:extLst>
               <a:ext uri="{FF2B5EF4-FFF2-40B4-BE49-F238E27FC236}">
-                <a16:creationId xmlns:a16="http://schemas.microsoft.com/office/drawing/2014/main" id="{9F5AB0FE-AE2B-452C-73AB-17186206715F}"/>
+                <a16:creationId xmlns:a16="http://schemas.microsoft.com/office/drawing/2014/main" id="{17356A7B-8BA2-10B1-2472-904755B58D14}"/>
               </a:ext>
             </a:extLst>
           </p:cNvPr>
@@ -2653,7 +2653,7 @@
           <p:cNvPr id="5" name="Date Placeholder 4">
             <a:extLst>
               <a:ext uri="{FF2B5EF4-FFF2-40B4-BE49-F238E27FC236}">
-                <a16:creationId xmlns:a16="http://schemas.microsoft.com/office/drawing/2014/main" id="{20B0F880-9DA3-FA08-9E78-8C90ABDF194E}"/>
+                <a16:creationId xmlns:a16="http://schemas.microsoft.com/office/drawing/2014/main" id="{B8E05B14-3120-7B5B-AB92-A24BCC6783CF}"/>
               </a:ext>
             </a:extLst>
           </p:cNvPr>
@@ -2669,9 +2669,9 @@
           <a:bodyPr/>
           <a:lstStyle/>
           <a:p>
-            <a:fld id="{A99B4A17-6A9D-46B7-85BA-CC3DC302714D}" type="datetimeFigureOut">
+            <a:fld id="{27D31E1D-BADE-49B8-9826-9B4BF933C2FC}" type="datetimeFigureOut">
               <a:rPr lang="en-US" smtClean="0"/>
-              <a:t>3/21/2024</a:t>
+              <a:t>4/20/2024</a:t>
             </a:fld>
             <a:endParaRPr lang="en-US"/>
           </a:p>
@@ -2682,7 +2682,7 @@
           <p:cNvPr id="6" name="Footer Placeholder 5">
             <a:extLst>
               <a:ext uri="{FF2B5EF4-FFF2-40B4-BE49-F238E27FC236}">
-                <a16:creationId xmlns:a16="http://schemas.microsoft.com/office/drawing/2014/main" id="{0873E1B9-3AA9-5B1E-83CB-15B7C9A644D1}"/>
+                <a16:creationId xmlns:a16="http://schemas.microsoft.com/office/drawing/2014/main" id="{5491D369-B732-C21E-3053-705D4C93C13D}"/>
               </a:ext>
             </a:extLst>
           </p:cNvPr>
@@ -2707,7 +2707,7 @@
           <p:cNvPr id="7" name="Slide Number Placeholder 6">
             <a:extLst>
               <a:ext uri="{FF2B5EF4-FFF2-40B4-BE49-F238E27FC236}">
-                <a16:creationId xmlns:a16="http://schemas.microsoft.com/office/drawing/2014/main" id="{989383EA-8370-EA59-4BAE-0B85CC350EE4}"/>
+                <a16:creationId xmlns:a16="http://schemas.microsoft.com/office/drawing/2014/main" id="{D021994A-F286-BEC9-6E76-EAE82B5985CE}"/>
               </a:ext>
             </a:extLst>
           </p:cNvPr>
@@ -2723,7 +2723,7 @@
           <a:bodyPr/>
           <a:lstStyle/>
           <a:p>
-            <a:fld id="{FC9CC46B-AA53-4793-AFFF-35B3F9E71FD6}" type="slidenum">
+            <a:fld id="{DFC98CB0-4276-437B-BC61-F90983AB98E8}" type="slidenum">
               <a:rPr lang="en-US" smtClean="0"/>
               <a:t>‹#›</a:t>
             </a:fld>
@@ -2734,7 +2734,7 @@
     </p:spTree>
     <p:extLst>
       <p:ext uri="{BB962C8B-B14F-4D97-AF65-F5344CB8AC3E}">
-        <p14:creationId xmlns:p14="http://schemas.microsoft.com/office/powerpoint/2010/main" val="1540837533"/>
+        <p14:creationId xmlns:p14="http://schemas.microsoft.com/office/powerpoint/2010/main" val="3129880223"/>
       </p:ext>
     </p:extLst>
   </p:cSld>
@@ -2771,7 +2771,7 @@
           <p:cNvPr id="2" name="Title Placeholder 1">
             <a:extLst>
               <a:ext uri="{FF2B5EF4-FFF2-40B4-BE49-F238E27FC236}">
-                <a16:creationId xmlns:a16="http://schemas.microsoft.com/office/drawing/2014/main" id="{AF865485-3181-24E4-D665-D3391A606BBD}"/>
+                <a16:creationId xmlns:a16="http://schemas.microsoft.com/office/drawing/2014/main" id="{F4F72F24-0A74-1DD6-AAEE-CF62047F9933}"/>
               </a:ext>
             </a:extLst>
           </p:cNvPr>
@@ -2809,7 +2809,7 @@
           <p:cNvPr id="3" name="Text Placeholder 2">
             <a:extLst>
               <a:ext uri="{FF2B5EF4-FFF2-40B4-BE49-F238E27FC236}">
-                <a16:creationId xmlns:a16="http://schemas.microsoft.com/office/drawing/2014/main" id="{195AB518-C10A-2802-B300-B6422A337B79}"/>
+                <a16:creationId xmlns:a16="http://schemas.microsoft.com/office/drawing/2014/main" id="{306CD510-2CC9-1BA0-CB25-C37933A94381}"/>
               </a:ext>
             </a:extLst>
           </p:cNvPr>
@@ -2876,7 +2876,7 @@
           <p:cNvPr id="4" name="Date Placeholder 3">
             <a:extLst>
               <a:ext uri="{FF2B5EF4-FFF2-40B4-BE49-F238E27FC236}">
-                <a16:creationId xmlns:a16="http://schemas.microsoft.com/office/drawing/2014/main" id="{1069DC55-7C8F-BFEA-7214-94E92F63BA06}"/>
+                <a16:creationId xmlns:a16="http://schemas.microsoft.com/office/drawing/2014/main" id="{CC4F87EE-1F32-8600-7417-AE939B7EFD00}"/>
               </a:ext>
             </a:extLst>
           </p:cNvPr>
@@ -2910,9 +2910,9 @@
             </a:lvl1pPr>
           </a:lstStyle>
           <a:p>
-            <a:fld id="{A99B4A17-6A9D-46B7-85BA-CC3DC302714D}" type="datetimeFigureOut">
+            <a:fld id="{27D31E1D-BADE-49B8-9826-9B4BF933C2FC}" type="datetimeFigureOut">
               <a:rPr lang="en-US" smtClean="0"/>
-              <a:t>3/21/2024</a:t>
+              <a:t>4/20/2024</a:t>
             </a:fld>
             <a:endParaRPr lang="en-US"/>
           </a:p>
@@ -2923,7 +2923,7 @@
           <p:cNvPr id="5" name="Footer Placeholder 4">
             <a:extLst>
               <a:ext uri="{FF2B5EF4-FFF2-40B4-BE49-F238E27FC236}">
-                <a16:creationId xmlns:a16="http://schemas.microsoft.com/office/drawing/2014/main" id="{FF377AE0-E87B-2C05-46BE-DF3B3B8B05B8}"/>
+                <a16:creationId xmlns:a16="http://schemas.microsoft.com/office/drawing/2014/main" id="{F59BEDF4-1295-7BD2-237F-C5902ACC57AE}"/>
               </a:ext>
             </a:extLst>
           </p:cNvPr>
@@ -2966,7 +2966,7 @@
           <p:cNvPr id="6" name="Slide Number Placeholder 5">
             <a:extLst>
               <a:ext uri="{FF2B5EF4-FFF2-40B4-BE49-F238E27FC236}">
-                <a16:creationId xmlns:a16="http://schemas.microsoft.com/office/drawing/2014/main" id="{C850BF89-4917-1BE9-E76F-D340809AF43E}"/>
+                <a16:creationId xmlns:a16="http://schemas.microsoft.com/office/drawing/2014/main" id="{6059A307-9150-505E-0E92-9A37A782B0E4}"/>
               </a:ext>
             </a:extLst>
           </p:cNvPr>
@@ -3000,7 +3000,7 @@
             </a:lvl1pPr>
           </a:lstStyle>
           <a:p>
-            <a:fld id="{FC9CC46B-AA53-4793-AFFF-35B3F9E71FD6}" type="slidenum">
+            <a:fld id="{DFC98CB0-4276-437B-BC61-F90983AB98E8}" type="slidenum">
               <a:rPr lang="en-US" smtClean="0"/>
               <a:t>‹#›</a:t>
             </a:fld>
@@ -3011,7 +3011,7 @@
     </p:spTree>
     <p:extLst>
       <p:ext uri="{BB962C8B-B14F-4D97-AF65-F5344CB8AC3E}">
-        <p14:creationId xmlns:p14="http://schemas.microsoft.com/office/powerpoint/2010/main" val="1219320980"/>
+        <p14:creationId xmlns:p14="http://schemas.microsoft.com/office/powerpoint/2010/main" val="2109168364"/>
       </p:ext>
     </p:extLst>
   </p:cSld>
@@ -3331,6 +3331,152 @@
       </p:grpSpPr>
       <p:sp>
         <p:nvSpPr>
+          <p:cNvPr id="4" name="Rectangle 3">
+            <a:extLst>
+              <a:ext uri="{FF2B5EF4-FFF2-40B4-BE49-F238E27FC236}">
+                <a16:creationId xmlns:a16="http://schemas.microsoft.com/office/drawing/2014/main" id="{00599CAB-E79D-986D-D624-F9472064267C}"/>
+              </a:ext>
+            </a:extLst>
+          </p:cNvPr>
+          <p:cNvSpPr/>
+          <p:nvPr/>
+        </p:nvSpPr>
+        <p:spPr>
+          <a:xfrm>
+            <a:off x="0" y="5840991"/>
+            <a:ext cx="12192000" cy="1017009"/>
+          </a:xfrm>
+          <a:prstGeom prst="rect">
+            <a:avLst/>
+          </a:prstGeom>
+          <a:solidFill>
+            <a:srgbClr val="FFCC99"/>
+          </a:solidFill>
+          <a:ln>
+            <a:solidFill>
+              <a:srgbClr val="FFCC99"/>
+            </a:solidFill>
+          </a:ln>
+        </p:spPr>
+        <p:style>
+          <a:lnRef idx="2">
+            <a:schemeClr val="accent1">
+              <a:shade val="15000"/>
+            </a:schemeClr>
+          </a:lnRef>
+          <a:fillRef idx="1">
+            <a:schemeClr val="accent1"/>
+          </a:fillRef>
+          <a:effectRef idx="0">
+            <a:schemeClr val="accent1"/>
+          </a:effectRef>
+          <a:fontRef idx="minor">
+            <a:schemeClr val="lt1"/>
+          </a:fontRef>
+        </p:style>
+        <p:txBody>
+          <a:bodyPr rtlCol="0" anchor="ctr"/>
+          <a:lstStyle/>
+          <a:p>
+            <a:pPr algn="ctr"/>
+            <a:endParaRPr lang="en-US"/>
+          </a:p>
+        </p:txBody>
+      </p:sp>
+      <p:sp>
+        <p:nvSpPr>
+          <p:cNvPr id="5" name="Rectangle 4">
+            <a:extLst>
+              <a:ext uri="{FF2B5EF4-FFF2-40B4-BE49-F238E27FC236}">
+                <a16:creationId xmlns:a16="http://schemas.microsoft.com/office/drawing/2014/main" id="{7569465A-65F1-32D1-A3A8-2CDCE14C1732}"/>
+              </a:ext>
+            </a:extLst>
+          </p:cNvPr>
+          <p:cNvSpPr/>
+          <p:nvPr/>
+        </p:nvSpPr>
+        <p:spPr>
+          <a:xfrm>
+            <a:off x="0" y="0"/>
+            <a:ext cx="12192000" cy="1136342"/>
+          </a:xfrm>
+          <a:prstGeom prst="rect">
+            <a:avLst/>
+          </a:prstGeom>
+          <a:solidFill>
+            <a:srgbClr val="FFCC99"/>
+          </a:solidFill>
+          <a:ln>
+            <a:solidFill>
+              <a:srgbClr val="FFCC99"/>
+            </a:solidFill>
+          </a:ln>
+        </p:spPr>
+        <p:style>
+          <a:lnRef idx="2">
+            <a:schemeClr val="accent1">
+              <a:shade val="15000"/>
+            </a:schemeClr>
+          </a:lnRef>
+          <a:fillRef idx="1">
+            <a:schemeClr val="accent1"/>
+          </a:fillRef>
+          <a:effectRef idx="0">
+            <a:schemeClr val="accent1"/>
+          </a:effectRef>
+          <a:fontRef idx="minor">
+            <a:schemeClr val="lt1"/>
+          </a:fontRef>
+        </p:style>
+        <p:txBody>
+          <a:bodyPr rtlCol="0" anchor="ctr"/>
+          <a:lstStyle/>
+          <a:p>
+            <a:pPr algn="ctr"/>
+            <a:endParaRPr lang="en-US" dirty="0">
+              <a:noFill/>
+            </a:endParaRPr>
+          </a:p>
+        </p:txBody>
+      </p:sp>
+      <p:pic>
+        <p:nvPicPr>
+          <p:cNvPr id="6" name="Picture 5" descr="A black and white logo&#10;&#10;Description automatically generated">
+            <a:extLst>
+              <a:ext uri="{FF2B5EF4-FFF2-40B4-BE49-F238E27FC236}">
+                <a16:creationId xmlns:a16="http://schemas.microsoft.com/office/drawing/2014/main" id="{221DB733-B392-3EB8-608A-D1E9FB7E969C}"/>
+              </a:ext>
+            </a:extLst>
+          </p:cNvPr>
+          <p:cNvPicPr>
+            <a:picLocks noChangeAspect="1"/>
+          </p:cNvPicPr>
+          <p:nvPr/>
+        </p:nvPicPr>
+        <p:blipFill>
+          <a:blip r:embed="rId2">
+            <a:extLst>
+              <a:ext uri="{28A0092B-C50C-407E-A947-70E740481C1C}">
+                <a14:useLocalDpi xmlns:a14="http://schemas.microsoft.com/office/drawing/2010/main" val="0"/>
+              </a:ext>
+            </a:extLst>
+          </a:blip>
+          <a:stretch>
+            <a:fillRect/>
+          </a:stretch>
+        </p:blipFill>
+        <p:spPr>
+          <a:xfrm>
+            <a:off x="11051882" y="119333"/>
+            <a:ext cx="1093483" cy="1017009"/>
+          </a:xfrm>
+          <a:prstGeom prst="rect">
+            <a:avLst/>
+          </a:prstGeom>
+        </p:spPr>
+      </p:pic>
+      <p:sp>
+        <p:nvSpPr>
           <p:cNvPr id="2" name="Title 1"/>
           <p:cNvSpPr>
             <a:spLocks noGrp="1"/>
@@ -3345,7 +3491,10 @@
           <a:lstStyle/>
           <a:p>
             <a:r>
-              <a:rPr lang="en-US" dirty="0"/>
+              <a:rPr lang="en-US" dirty="0">
+                <a:latin typeface="TH SarabunPSK" panose="020B0500040200020003" pitchFamily="34" charset="-34"/>
+                <a:cs typeface="TH SarabunPSK" panose="020B0500040200020003" pitchFamily="34" charset="-34"/>
+              </a:rPr>
               <a:t>Class period 16</a:t>
             </a:r>
           </a:p>
@@ -3373,18 +3522,23 @@
                 <a:solidFill>
                   <a:srgbClr val="000000"/>
                 </a:solidFill>
-                <a:latin typeface="Aptos"/>
+                <a:latin typeface="TH SarabunPSK" panose="020B0500040200020003" pitchFamily="34" charset="-34"/>
+                <a:cs typeface="TH SarabunPSK" panose="020B0500040200020003" pitchFamily="34" charset="-34"/>
               </a:rPr>
               <a:t>timestamp</a:t>
             </a:r>
             <a:r>
               <a:rPr lang="en-US" dirty="0">
+                <a:latin typeface="TH SarabunPSK" panose="020B0500040200020003" pitchFamily="34" charset="-34"/>
                 <a:ea typeface="+mj-lt"/>
-                <a:cs typeface="+mj-lt"/>
+                <a:cs typeface="TH SarabunPSK" panose="020B0500040200020003" pitchFamily="34" charset="-34"/>
               </a:rPr>
               <a:t> - datetime</a:t>
             </a:r>
-            <a:endParaRPr lang="en-US" dirty="0"/>
+            <a:endParaRPr lang="en-US" dirty="0">
+              <a:latin typeface="TH SarabunPSK" panose="020B0500040200020003" pitchFamily="34" charset="-34"/>
+              <a:cs typeface="TH SarabunPSK" panose="020B0500040200020003" pitchFamily="34" charset="-34"/>
+            </a:endParaRPr>
           </a:p>
         </p:txBody>
       </p:sp>
@@ -3420,6 +3574,377 @@
       </p:grpSpPr>
       <p:sp>
         <p:nvSpPr>
+          <p:cNvPr id="4" name="Rectangle 3">
+            <a:extLst>
+              <a:ext uri="{FF2B5EF4-FFF2-40B4-BE49-F238E27FC236}">
+                <a16:creationId xmlns:a16="http://schemas.microsoft.com/office/drawing/2014/main" id="{EA6D4370-F28B-1E19-890F-97884AD225DE}"/>
+              </a:ext>
+            </a:extLst>
+          </p:cNvPr>
+          <p:cNvSpPr/>
+          <p:nvPr/>
+        </p:nvSpPr>
+        <p:spPr>
+          <a:xfrm>
+            <a:off x="0" y="5840991"/>
+            <a:ext cx="12192000" cy="1017009"/>
+          </a:xfrm>
+          <a:prstGeom prst="rect">
+            <a:avLst/>
+          </a:prstGeom>
+          <a:solidFill>
+            <a:srgbClr val="FFCC99"/>
+          </a:solidFill>
+          <a:ln>
+            <a:solidFill>
+              <a:srgbClr val="FFCC99"/>
+            </a:solidFill>
+          </a:ln>
+        </p:spPr>
+        <p:style>
+          <a:lnRef idx="2">
+            <a:schemeClr val="accent1">
+              <a:shade val="15000"/>
+            </a:schemeClr>
+          </a:lnRef>
+          <a:fillRef idx="1">
+            <a:schemeClr val="accent1"/>
+          </a:fillRef>
+          <a:effectRef idx="0">
+            <a:schemeClr val="accent1"/>
+          </a:effectRef>
+          <a:fontRef idx="minor">
+            <a:schemeClr val="lt1"/>
+          </a:fontRef>
+        </p:style>
+        <p:txBody>
+          <a:bodyPr rtlCol="0" anchor="ctr"/>
+          <a:lstStyle/>
+          <a:p>
+            <a:pPr algn="ctr"/>
+            <a:endParaRPr lang="en-US"/>
+          </a:p>
+        </p:txBody>
+      </p:sp>
+      <p:sp>
+        <p:nvSpPr>
+          <p:cNvPr id="5" name="Rectangle 4">
+            <a:extLst>
+              <a:ext uri="{FF2B5EF4-FFF2-40B4-BE49-F238E27FC236}">
+                <a16:creationId xmlns:a16="http://schemas.microsoft.com/office/drawing/2014/main" id="{B9F4E5A9-15B1-583C-B981-0ABA8132A052}"/>
+              </a:ext>
+            </a:extLst>
+          </p:cNvPr>
+          <p:cNvSpPr/>
+          <p:nvPr/>
+        </p:nvSpPr>
+        <p:spPr>
+          <a:xfrm>
+            <a:off x="0" y="0"/>
+            <a:ext cx="12192000" cy="1136342"/>
+          </a:xfrm>
+          <a:prstGeom prst="rect">
+            <a:avLst/>
+          </a:prstGeom>
+          <a:solidFill>
+            <a:srgbClr val="FFCC99"/>
+          </a:solidFill>
+          <a:ln>
+            <a:solidFill>
+              <a:srgbClr val="FFCC99"/>
+            </a:solidFill>
+          </a:ln>
+        </p:spPr>
+        <p:style>
+          <a:lnRef idx="2">
+            <a:schemeClr val="accent1">
+              <a:shade val="15000"/>
+            </a:schemeClr>
+          </a:lnRef>
+          <a:fillRef idx="1">
+            <a:schemeClr val="accent1"/>
+          </a:fillRef>
+          <a:effectRef idx="0">
+            <a:schemeClr val="accent1"/>
+          </a:effectRef>
+          <a:fontRef idx="minor">
+            <a:schemeClr val="lt1"/>
+          </a:fontRef>
+        </p:style>
+        <p:txBody>
+          <a:bodyPr rtlCol="0" anchor="ctr"/>
+          <a:lstStyle/>
+          <a:p>
+            <a:pPr algn="ctr"/>
+            <a:endParaRPr lang="en-US" dirty="0">
+              <a:noFill/>
+            </a:endParaRPr>
+          </a:p>
+        </p:txBody>
+      </p:sp>
+      <p:pic>
+        <p:nvPicPr>
+          <p:cNvPr id="6" name="Picture 5" descr="A black and white logo&#10;&#10;Description automatically generated">
+            <a:extLst>
+              <a:ext uri="{FF2B5EF4-FFF2-40B4-BE49-F238E27FC236}">
+                <a16:creationId xmlns:a16="http://schemas.microsoft.com/office/drawing/2014/main" id="{0CB921BD-B34F-82DC-48FB-A8E7D041DBCC}"/>
+              </a:ext>
+            </a:extLst>
+          </p:cNvPr>
+          <p:cNvPicPr>
+            <a:picLocks noChangeAspect="1"/>
+          </p:cNvPicPr>
+          <p:nvPr/>
+        </p:nvPicPr>
+        <p:blipFill>
+          <a:blip r:embed="rId2">
+            <a:extLst>
+              <a:ext uri="{28A0092B-C50C-407E-A947-70E740481C1C}">
+                <a14:useLocalDpi xmlns:a14="http://schemas.microsoft.com/office/drawing/2010/main" val="0"/>
+              </a:ext>
+            </a:extLst>
+          </a:blip>
+          <a:stretch>
+            <a:fillRect/>
+          </a:stretch>
+        </p:blipFill>
+        <p:spPr>
+          <a:xfrm>
+            <a:off x="11051882" y="119333"/>
+            <a:ext cx="1093483" cy="1017009"/>
+          </a:xfrm>
+          <a:prstGeom prst="rect">
+            <a:avLst/>
+          </a:prstGeom>
+        </p:spPr>
+      </p:pic>
+      <p:sp>
+        <p:nvSpPr>
+          <p:cNvPr id="7" name="Flowchart: Data 2">
+            <a:extLst>
+              <a:ext uri="{FF2B5EF4-FFF2-40B4-BE49-F238E27FC236}">
+                <a16:creationId xmlns:a16="http://schemas.microsoft.com/office/drawing/2014/main" id="{521D978A-162F-30FE-A1CA-8D594AF85931}"/>
+              </a:ext>
+            </a:extLst>
+          </p:cNvPr>
+          <p:cNvSpPr/>
+          <p:nvPr/>
+        </p:nvSpPr>
+        <p:spPr>
+          <a:xfrm>
+            <a:off x="10848138" y="6264097"/>
+            <a:ext cx="1343862" cy="608120"/>
+          </a:xfrm>
+          <a:custGeom>
+            <a:avLst/>
+            <a:gdLst>
+              <a:gd name="connsiteX0" fmla="*/ 0 w 10000"/>
+              <a:gd name="connsiteY0" fmla="*/ 10000 h 10000"/>
+              <a:gd name="connsiteX1" fmla="*/ 2000 w 10000"/>
+              <a:gd name="connsiteY1" fmla="*/ 0 h 10000"/>
+              <a:gd name="connsiteX2" fmla="*/ 10000 w 10000"/>
+              <a:gd name="connsiteY2" fmla="*/ 0 h 10000"/>
+              <a:gd name="connsiteX3" fmla="*/ 8000 w 10000"/>
+              <a:gd name="connsiteY3" fmla="*/ 10000 h 10000"/>
+              <a:gd name="connsiteX4" fmla="*/ 0 w 10000"/>
+              <a:gd name="connsiteY4" fmla="*/ 10000 h 10000"/>
+              <a:gd name="connsiteX0" fmla="*/ 0 w 8000"/>
+              <a:gd name="connsiteY0" fmla="*/ 10000 h 10000"/>
+              <a:gd name="connsiteX1" fmla="*/ 2000 w 8000"/>
+              <a:gd name="connsiteY1" fmla="*/ 0 h 10000"/>
+              <a:gd name="connsiteX2" fmla="*/ 4142 w 8000"/>
+              <a:gd name="connsiteY2" fmla="*/ 153 h 10000"/>
+              <a:gd name="connsiteX3" fmla="*/ 8000 w 8000"/>
+              <a:gd name="connsiteY3" fmla="*/ 10000 h 10000"/>
+              <a:gd name="connsiteX4" fmla="*/ 0 w 8000"/>
+              <a:gd name="connsiteY4" fmla="*/ 10000 h 10000"/>
+              <a:gd name="connsiteX0" fmla="*/ 0 w 5414"/>
+              <a:gd name="connsiteY0" fmla="*/ 10000 h 10000"/>
+              <a:gd name="connsiteX1" fmla="*/ 2500 w 5414"/>
+              <a:gd name="connsiteY1" fmla="*/ 0 h 10000"/>
+              <a:gd name="connsiteX2" fmla="*/ 5178 w 5414"/>
+              <a:gd name="connsiteY2" fmla="*/ 153 h 10000"/>
+              <a:gd name="connsiteX3" fmla="*/ 5414 w 5414"/>
+              <a:gd name="connsiteY3" fmla="*/ 10000 h 10000"/>
+              <a:gd name="connsiteX4" fmla="*/ 0 w 5414"/>
+              <a:gd name="connsiteY4" fmla="*/ 10000 h 10000"/>
+              <a:gd name="connsiteX0" fmla="*/ 0 w 9609"/>
+              <a:gd name="connsiteY0" fmla="*/ 10000 h 10000"/>
+              <a:gd name="connsiteX1" fmla="*/ 4618 w 9609"/>
+              <a:gd name="connsiteY1" fmla="*/ 0 h 10000"/>
+              <a:gd name="connsiteX2" fmla="*/ 9564 w 9609"/>
+              <a:gd name="connsiteY2" fmla="*/ 153 h 10000"/>
+              <a:gd name="connsiteX3" fmla="*/ 9590 w 9609"/>
+              <a:gd name="connsiteY3" fmla="*/ 10000 h 10000"/>
+              <a:gd name="connsiteX4" fmla="*/ 0 w 9609"/>
+              <a:gd name="connsiteY4" fmla="*/ 10000 h 10000"/>
+              <a:gd name="connsiteX0" fmla="*/ 0 w 10193"/>
+              <a:gd name="connsiteY0" fmla="*/ 10000 h 10153"/>
+              <a:gd name="connsiteX1" fmla="*/ 4806 w 10193"/>
+              <a:gd name="connsiteY1" fmla="*/ 0 h 10153"/>
+              <a:gd name="connsiteX2" fmla="*/ 9953 w 10193"/>
+              <a:gd name="connsiteY2" fmla="*/ 153 h 10153"/>
+              <a:gd name="connsiteX3" fmla="*/ 10193 w 10193"/>
+              <a:gd name="connsiteY3" fmla="*/ 10153 h 10153"/>
+              <a:gd name="connsiteX4" fmla="*/ 0 w 10193"/>
+              <a:gd name="connsiteY4" fmla="*/ 10000 h 10153"/>
+              <a:gd name="connsiteX0" fmla="*/ 0 w 10213"/>
+              <a:gd name="connsiteY0" fmla="*/ 10000 h 10153"/>
+              <a:gd name="connsiteX1" fmla="*/ 4806 w 10213"/>
+              <a:gd name="connsiteY1" fmla="*/ 0 h 10153"/>
+              <a:gd name="connsiteX2" fmla="*/ 10166 w 10213"/>
+              <a:gd name="connsiteY2" fmla="*/ 153 h 10153"/>
+              <a:gd name="connsiteX3" fmla="*/ 10193 w 10213"/>
+              <a:gd name="connsiteY3" fmla="*/ 10153 h 10153"/>
+              <a:gd name="connsiteX4" fmla="*/ 0 w 10213"/>
+              <a:gd name="connsiteY4" fmla="*/ 10000 h 10153"/>
+              <a:gd name="connsiteX0" fmla="*/ 0 w 10341"/>
+              <a:gd name="connsiteY0" fmla="*/ 10000 h 10153"/>
+              <a:gd name="connsiteX1" fmla="*/ 4806 w 10341"/>
+              <a:gd name="connsiteY1" fmla="*/ 0 h 10153"/>
+              <a:gd name="connsiteX2" fmla="*/ 10308 w 10341"/>
+              <a:gd name="connsiteY2" fmla="*/ 0 h 10153"/>
+              <a:gd name="connsiteX3" fmla="*/ 10193 w 10341"/>
+              <a:gd name="connsiteY3" fmla="*/ 10153 h 10153"/>
+              <a:gd name="connsiteX4" fmla="*/ 0 w 10341"/>
+              <a:gd name="connsiteY4" fmla="*/ 10000 h 10153"/>
+              <a:gd name="connsiteX0" fmla="*/ 0 w 10406"/>
+              <a:gd name="connsiteY0" fmla="*/ 10000 h 10306"/>
+              <a:gd name="connsiteX1" fmla="*/ 4806 w 10406"/>
+              <a:gd name="connsiteY1" fmla="*/ 0 h 10306"/>
+              <a:gd name="connsiteX2" fmla="*/ 10308 w 10406"/>
+              <a:gd name="connsiteY2" fmla="*/ 0 h 10306"/>
+              <a:gd name="connsiteX3" fmla="*/ 10406 w 10406"/>
+              <a:gd name="connsiteY3" fmla="*/ 10306 h 10306"/>
+              <a:gd name="connsiteX4" fmla="*/ 0 w 10406"/>
+              <a:gd name="connsiteY4" fmla="*/ 10000 h 10306"/>
+              <a:gd name="connsiteX0" fmla="*/ 0 w 10761"/>
+              <a:gd name="connsiteY0" fmla="*/ 10458 h 10458"/>
+              <a:gd name="connsiteX1" fmla="*/ 5161 w 10761"/>
+              <a:gd name="connsiteY1" fmla="*/ 0 h 10458"/>
+              <a:gd name="connsiteX2" fmla="*/ 10663 w 10761"/>
+              <a:gd name="connsiteY2" fmla="*/ 0 h 10458"/>
+              <a:gd name="connsiteX3" fmla="*/ 10761 w 10761"/>
+              <a:gd name="connsiteY3" fmla="*/ 10306 h 10458"/>
+              <a:gd name="connsiteX4" fmla="*/ 0 w 10761"/>
+              <a:gd name="connsiteY4" fmla="*/ 10458 h 10458"/>
+            </a:gdLst>
+            <a:ahLst/>
+            <a:cxnLst>
+              <a:cxn ang="0">
+                <a:pos x="connsiteX0" y="connsiteY0"/>
+              </a:cxn>
+              <a:cxn ang="0">
+                <a:pos x="connsiteX1" y="connsiteY1"/>
+              </a:cxn>
+              <a:cxn ang="0">
+                <a:pos x="connsiteX2" y="connsiteY2"/>
+              </a:cxn>
+              <a:cxn ang="0">
+                <a:pos x="connsiteX3" y="connsiteY3"/>
+              </a:cxn>
+              <a:cxn ang="0">
+                <a:pos x="connsiteX4" y="connsiteY4"/>
+              </a:cxn>
+            </a:cxnLst>
+            <a:rect l="l" t="t" r="r" b="b"/>
+            <a:pathLst>
+              <a:path w="10761" h="10458">
+                <a:moveTo>
+                  <a:pt x="0" y="10458"/>
+                </a:moveTo>
+                <a:lnTo>
+                  <a:pt x="5161" y="0"/>
+                </a:lnTo>
+                <a:lnTo>
+                  <a:pt x="10663" y="0"/>
+                </a:lnTo>
+                <a:cubicBezTo>
+                  <a:pt x="10815" y="3282"/>
+                  <a:pt x="10609" y="7024"/>
+                  <a:pt x="10761" y="10306"/>
+                </a:cubicBezTo>
+                <a:lnTo>
+                  <a:pt x="0" y="10458"/>
+                </a:lnTo>
+                <a:close/>
+              </a:path>
+            </a:pathLst>
+          </a:custGeom>
+          <a:solidFill>
+            <a:schemeClr val="bg1"/>
+          </a:solidFill>
+          <a:ln w="19050">
+            <a:solidFill>
+              <a:schemeClr val="tx1"/>
+            </a:solidFill>
+          </a:ln>
+        </p:spPr>
+        <p:style>
+          <a:lnRef idx="2">
+            <a:schemeClr val="accent1">
+              <a:shade val="15000"/>
+            </a:schemeClr>
+          </a:lnRef>
+          <a:fillRef idx="1">
+            <a:schemeClr val="accent1"/>
+          </a:fillRef>
+          <a:effectRef idx="0">
+            <a:schemeClr val="accent1"/>
+          </a:effectRef>
+          <a:fontRef idx="minor">
+            <a:schemeClr val="lt1"/>
+          </a:fontRef>
+        </p:style>
+        <p:txBody>
+          <a:bodyPr rtlCol="0" anchor="ctr"/>
+          <a:lstStyle/>
+          <a:p>
+            <a:pPr algn="ctr"/>
+            <a:endParaRPr lang="en-US"/>
+          </a:p>
+        </p:txBody>
+      </p:sp>
+      <p:sp>
+        <p:nvSpPr>
+          <p:cNvPr id="8" name="TextBox 7">
+            <a:extLst>
+              <a:ext uri="{FF2B5EF4-FFF2-40B4-BE49-F238E27FC236}">
+                <a16:creationId xmlns:a16="http://schemas.microsoft.com/office/drawing/2014/main" id="{D1A02885-865E-3226-F71C-43017061BE58}"/>
+              </a:ext>
+            </a:extLst>
+          </p:cNvPr>
+          <p:cNvSpPr txBox="1"/>
+          <p:nvPr/>
+        </p:nvSpPr>
+        <p:spPr>
+          <a:xfrm>
+            <a:off x="11520069" y="6287442"/>
+            <a:ext cx="557254" cy="584775"/>
+          </a:xfrm>
+          <a:prstGeom prst="rect">
+            <a:avLst/>
+          </a:prstGeom>
+          <a:noFill/>
+        </p:spPr>
+        <p:txBody>
+          <a:bodyPr wrap="square" rtlCol="0">
+            <a:spAutoFit/>
+          </a:bodyPr>
+          <a:lstStyle/>
+          <a:p>
+            <a:r>
+              <a:rPr lang="en-US" sz="3200" dirty="0">
+                <a:latin typeface="TH SarabunPSK" panose="020B0500040200020003" pitchFamily="34" charset="-34"/>
+                <a:cs typeface="TH SarabunPSK" panose="020B0500040200020003" pitchFamily="34" charset="-34"/>
+              </a:rPr>
+              <a:t>1</a:t>
+            </a:r>
+          </a:p>
+        </p:txBody>
+      </p:sp>
+      <p:sp>
+        <p:nvSpPr>
           <p:cNvPr id="2" name="Title 1">
             <a:extLst>
               <a:ext uri="{FF2B5EF4-FFF2-40B4-BE49-F238E27FC236}">
@@ -3434,13 +3959,21 @@
             <p:ph type="title"/>
           </p:nvPr>
         </p:nvSpPr>
-        <p:spPr/>
+        <p:spPr>
+          <a:xfrm>
+            <a:off x="838200" y="18255"/>
+            <a:ext cx="10515600" cy="1325563"/>
+          </a:xfrm>
+        </p:spPr>
         <p:txBody>
           <a:bodyPr/>
           <a:lstStyle/>
           <a:p>
             <a:r>
-              <a:rPr lang="en-US" dirty="0"/>
+              <a:rPr lang="en-US" dirty="0">
+                <a:latin typeface="TH SarabunPSK" panose="020B0500040200020003" pitchFamily="34" charset="-34"/>
+                <a:cs typeface="TH SarabunPSK" panose="020B0500040200020003" pitchFamily="34" charset="-34"/>
+              </a:rPr>
               <a:t>Quiz</a:t>
             </a:r>
           </a:p>
@@ -3464,49 +3997,80 @@
         </p:nvSpPr>
         <p:spPr/>
         <p:txBody>
-          <a:bodyPr/>
+          <a:bodyPr>
+            <a:normAutofit/>
+          </a:bodyPr>
           <a:lstStyle/>
           <a:p>
             <a:r>
-              <a:rPr lang="en-US" dirty="0">
-                <a:hlinkClick r:id="rId2"/>
+              <a:rPr lang="en-US" sz="2400" dirty="0">
+                <a:latin typeface="TH SarabunPSK" panose="020B0500040200020003" pitchFamily="34" charset="-34"/>
+                <a:cs typeface="TH SarabunPSK" panose="020B0500040200020003" pitchFamily="34" charset="-34"/>
+                <a:hlinkClick r:id="rId3"/>
               </a:rPr>
               <a:t>https://drive.google.com/drive/folders/1AztYMSDdZiwjDHfSl0T51VSCYVRyQ2Z3?fbclid=IwAR1ITa6xSC4Yck3-SPxK4jY2EABAxYFW5HTBwt_xFDtDI5lP1N4e4kpunh8</a:t>
             </a:r>
-            <a:endParaRPr lang="en-US" dirty="0"/>
-          </a:p>
-          <a:p>
-            <a:r>
-              <a:rPr lang="th-TH" dirty="0"/>
+            <a:endParaRPr lang="en-US" sz="2400" dirty="0">
+              <a:latin typeface="TH SarabunPSK" panose="020B0500040200020003" pitchFamily="34" charset="-34"/>
+              <a:cs typeface="TH SarabunPSK" panose="020B0500040200020003" pitchFamily="34" charset="-34"/>
+            </a:endParaRPr>
+          </a:p>
+          <a:p>
+            <a:r>
+              <a:rPr lang="th-TH" sz="2400" dirty="0">
+                <a:latin typeface="TH SarabunPSK" panose="020B0500040200020003" pitchFamily="34" charset="-34"/>
+                <a:cs typeface="TH SarabunPSK" panose="020B0500040200020003" pitchFamily="34" charset="-34"/>
+              </a:rPr>
               <a:t>โหลดไฟล์</a:t>
             </a:r>
             <a:r>
-              <a:rPr lang="en-US" dirty="0"/>
+              <a:rPr lang="en-US" sz="2400" dirty="0">
+                <a:latin typeface="TH SarabunPSK" panose="020B0500040200020003" pitchFamily="34" charset="-34"/>
+                <a:cs typeface="TH SarabunPSK" panose="020B0500040200020003" pitchFamily="34" charset="-34"/>
+              </a:rPr>
               <a:t> example_timestamp.csv</a:t>
             </a:r>
           </a:p>
           <a:p>
             <a:r>
-              <a:rPr lang="th-TH" dirty="0"/>
+              <a:rPr lang="th-TH" sz="2400" dirty="0">
+                <a:latin typeface="TH SarabunPSK" panose="020B0500040200020003" pitchFamily="34" charset="-34"/>
+                <a:cs typeface="TH SarabunPSK" panose="020B0500040200020003" pitchFamily="34" charset="-34"/>
+              </a:rPr>
               <a:t>เปรียบเทียบผลรวมของข้อมูล </a:t>
             </a:r>
             <a:r>
-              <a:rPr lang="en-US" dirty="0"/>
+              <a:rPr lang="en-US" sz="2400" dirty="0">
+                <a:latin typeface="TH SarabunPSK" panose="020B0500040200020003" pitchFamily="34" charset="-34"/>
+                <a:cs typeface="TH SarabunPSK" panose="020B0500040200020003" pitchFamily="34" charset="-34"/>
+              </a:rPr>
               <a:t>alpha </a:t>
             </a:r>
             <a:r>
-              <a:rPr lang="th-TH" dirty="0"/>
+              <a:rPr lang="th-TH" sz="2400" dirty="0">
+                <a:latin typeface="TH SarabunPSK" panose="020B0500040200020003" pitchFamily="34" charset="-34"/>
+                <a:cs typeface="TH SarabunPSK" panose="020B0500040200020003" pitchFamily="34" charset="-34"/>
+              </a:rPr>
               <a:t>และ </a:t>
             </a:r>
             <a:r>
-              <a:rPr lang="en-US" dirty="0"/>
+              <a:rPr lang="en-US" sz="2400" dirty="0">
+                <a:latin typeface="TH SarabunPSK" panose="020B0500040200020003" pitchFamily="34" charset="-34"/>
+                <a:cs typeface="TH SarabunPSK" panose="020B0500040200020003" pitchFamily="34" charset="-34"/>
+              </a:rPr>
               <a:t>beta </a:t>
             </a:r>
             <a:r>
-              <a:rPr lang="th-TH" dirty="0"/>
+              <a:rPr lang="th-TH" sz="2400" dirty="0">
+                <a:latin typeface="TH SarabunPSK" panose="020B0500040200020003" pitchFamily="34" charset="-34"/>
+                <a:cs typeface="TH SarabunPSK" panose="020B0500040200020003" pitchFamily="34" charset="-34"/>
+              </a:rPr>
               <a:t>ก่อนวันที่ 2 มิถุนายน 2020 และตั้งแต่วันที่ 2 มิถุนายน 2020</a:t>
             </a:r>
-            <a:endParaRPr lang="en-US" dirty="0"/>
+            <a:endParaRPr lang="en-US" sz="2400" dirty="0">
+              <a:latin typeface="TH SarabunPSK" panose="020B0500040200020003" pitchFamily="34" charset="-34"/>
+              <a:cs typeface="TH SarabunPSK" panose="020B0500040200020003" pitchFamily="34" charset="-34"/>
+            </a:endParaRPr>
           </a:p>
         </p:txBody>
       </p:sp>
@@ -3542,6 +4106,377 @@
       </p:grpSpPr>
       <p:sp>
         <p:nvSpPr>
+          <p:cNvPr id="4" name="Rectangle 3">
+            <a:extLst>
+              <a:ext uri="{FF2B5EF4-FFF2-40B4-BE49-F238E27FC236}">
+                <a16:creationId xmlns:a16="http://schemas.microsoft.com/office/drawing/2014/main" id="{7E516F39-2948-3E8D-4CAD-46ECC4A5C09F}"/>
+              </a:ext>
+            </a:extLst>
+          </p:cNvPr>
+          <p:cNvSpPr/>
+          <p:nvPr/>
+        </p:nvSpPr>
+        <p:spPr>
+          <a:xfrm>
+            <a:off x="0" y="5840991"/>
+            <a:ext cx="12192000" cy="1017009"/>
+          </a:xfrm>
+          <a:prstGeom prst="rect">
+            <a:avLst/>
+          </a:prstGeom>
+          <a:solidFill>
+            <a:srgbClr val="FFCC99"/>
+          </a:solidFill>
+          <a:ln>
+            <a:solidFill>
+              <a:srgbClr val="FFCC99"/>
+            </a:solidFill>
+          </a:ln>
+        </p:spPr>
+        <p:style>
+          <a:lnRef idx="2">
+            <a:schemeClr val="accent1">
+              <a:shade val="15000"/>
+            </a:schemeClr>
+          </a:lnRef>
+          <a:fillRef idx="1">
+            <a:schemeClr val="accent1"/>
+          </a:fillRef>
+          <a:effectRef idx="0">
+            <a:schemeClr val="accent1"/>
+          </a:effectRef>
+          <a:fontRef idx="minor">
+            <a:schemeClr val="lt1"/>
+          </a:fontRef>
+        </p:style>
+        <p:txBody>
+          <a:bodyPr rtlCol="0" anchor="ctr"/>
+          <a:lstStyle/>
+          <a:p>
+            <a:pPr algn="ctr"/>
+            <a:endParaRPr lang="en-US"/>
+          </a:p>
+        </p:txBody>
+      </p:sp>
+      <p:sp>
+        <p:nvSpPr>
+          <p:cNvPr id="5" name="Rectangle 4">
+            <a:extLst>
+              <a:ext uri="{FF2B5EF4-FFF2-40B4-BE49-F238E27FC236}">
+                <a16:creationId xmlns:a16="http://schemas.microsoft.com/office/drawing/2014/main" id="{FCB0C56E-C6B3-F7EC-7FB1-EDD46B466C90}"/>
+              </a:ext>
+            </a:extLst>
+          </p:cNvPr>
+          <p:cNvSpPr/>
+          <p:nvPr/>
+        </p:nvSpPr>
+        <p:spPr>
+          <a:xfrm>
+            <a:off x="0" y="0"/>
+            <a:ext cx="12192000" cy="1136342"/>
+          </a:xfrm>
+          <a:prstGeom prst="rect">
+            <a:avLst/>
+          </a:prstGeom>
+          <a:solidFill>
+            <a:srgbClr val="FFCC99"/>
+          </a:solidFill>
+          <a:ln>
+            <a:solidFill>
+              <a:srgbClr val="FFCC99"/>
+            </a:solidFill>
+          </a:ln>
+        </p:spPr>
+        <p:style>
+          <a:lnRef idx="2">
+            <a:schemeClr val="accent1">
+              <a:shade val="15000"/>
+            </a:schemeClr>
+          </a:lnRef>
+          <a:fillRef idx="1">
+            <a:schemeClr val="accent1"/>
+          </a:fillRef>
+          <a:effectRef idx="0">
+            <a:schemeClr val="accent1"/>
+          </a:effectRef>
+          <a:fontRef idx="minor">
+            <a:schemeClr val="lt1"/>
+          </a:fontRef>
+        </p:style>
+        <p:txBody>
+          <a:bodyPr rtlCol="0" anchor="ctr"/>
+          <a:lstStyle/>
+          <a:p>
+            <a:pPr algn="ctr"/>
+            <a:endParaRPr lang="en-US" dirty="0">
+              <a:noFill/>
+            </a:endParaRPr>
+          </a:p>
+        </p:txBody>
+      </p:sp>
+      <p:pic>
+        <p:nvPicPr>
+          <p:cNvPr id="6" name="Picture 5" descr="A black and white logo&#10;&#10;Description automatically generated">
+            <a:extLst>
+              <a:ext uri="{FF2B5EF4-FFF2-40B4-BE49-F238E27FC236}">
+                <a16:creationId xmlns:a16="http://schemas.microsoft.com/office/drawing/2014/main" id="{9A9A4915-1750-2A66-8D12-700674B30E3E}"/>
+              </a:ext>
+            </a:extLst>
+          </p:cNvPr>
+          <p:cNvPicPr>
+            <a:picLocks noChangeAspect="1"/>
+          </p:cNvPicPr>
+          <p:nvPr/>
+        </p:nvPicPr>
+        <p:blipFill>
+          <a:blip r:embed="rId2">
+            <a:extLst>
+              <a:ext uri="{28A0092B-C50C-407E-A947-70E740481C1C}">
+                <a14:useLocalDpi xmlns:a14="http://schemas.microsoft.com/office/drawing/2010/main" val="0"/>
+              </a:ext>
+            </a:extLst>
+          </a:blip>
+          <a:stretch>
+            <a:fillRect/>
+          </a:stretch>
+        </p:blipFill>
+        <p:spPr>
+          <a:xfrm>
+            <a:off x="11051882" y="119333"/>
+            <a:ext cx="1093483" cy="1017009"/>
+          </a:xfrm>
+          <a:prstGeom prst="rect">
+            <a:avLst/>
+          </a:prstGeom>
+        </p:spPr>
+      </p:pic>
+      <p:sp>
+        <p:nvSpPr>
+          <p:cNvPr id="7" name="Flowchart: Data 2">
+            <a:extLst>
+              <a:ext uri="{FF2B5EF4-FFF2-40B4-BE49-F238E27FC236}">
+                <a16:creationId xmlns:a16="http://schemas.microsoft.com/office/drawing/2014/main" id="{905E16AF-B3A2-FE3C-6380-973186F997F6}"/>
+              </a:ext>
+            </a:extLst>
+          </p:cNvPr>
+          <p:cNvSpPr/>
+          <p:nvPr/>
+        </p:nvSpPr>
+        <p:spPr>
+          <a:xfrm>
+            <a:off x="10848138" y="6264097"/>
+            <a:ext cx="1343862" cy="608120"/>
+          </a:xfrm>
+          <a:custGeom>
+            <a:avLst/>
+            <a:gdLst>
+              <a:gd name="connsiteX0" fmla="*/ 0 w 10000"/>
+              <a:gd name="connsiteY0" fmla="*/ 10000 h 10000"/>
+              <a:gd name="connsiteX1" fmla="*/ 2000 w 10000"/>
+              <a:gd name="connsiteY1" fmla="*/ 0 h 10000"/>
+              <a:gd name="connsiteX2" fmla="*/ 10000 w 10000"/>
+              <a:gd name="connsiteY2" fmla="*/ 0 h 10000"/>
+              <a:gd name="connsiteX3" fmla="*/ 8000 w 10000"/>
+              <a:gd name="connsiteY3" fmla="*/ 10000 h 10000"/>
+              <a:gd name="connsiteX4" fmla="*/ 0 w 10000"/>
+              <a:gd name="connsiteY4" fmla="*/ 10000 h 10000"/>
+              <a:gd name="connsiteX0" fmla="*/ 0 w 8000"/>
+              <a:gd name="connsiteY0" fmla="*/ 10000 h 10000"/>
+              <a:gd name="connsiteX1" fmla="*/ 2000 w 8000"/>
+              <a:gd name="connsiteY1" fmla="*/ 0 h 10000"/>
+              <a:gd name="connsiteX2" fmla="*/ 4142 w 8000"/>
+              <a:gd name="connsiteY2" fmla="*/ 153 h 10000"/>
+              <a:gd name="connsiteX3" fmla="*/ 8000 w 8000"/>
+              <a:gd name="connsiteY3" fmla="*/ 10000 h 10000"/>
+              <a:gd name="connsiteX4" fmla="*/ 0 w 8000"/>
+              <a:gd name="connsiteY4" fmla="*/ 10000 h 10000"/>
+              <a:gd name="connsiteX0" fmla="*/ 0 w 5414"/>
+              <a:gd name="connsiteY0" fmla="*/ 10000 h 10000"/>
+              <a:gd name="connsiteX1" fmla="*/ 2500 w 5414"/>
+              <a:gd name="connsiteY1" fmla="*/ 0 h 10000"/>
+              <a:gd name="connsiteX2" fmla="*/ 5178 w 5414"/>
+              <a:gd name="connsiteY2" fmla="*/ 153 h 10000"/>
+              <a:gd name="connsiteX3" fmla="*/ 5414 w 5414"/>
+              <a:gd name="connsiteY3" fmla="*/ 10000 h 10000"/>
+              <a:gd name="connsiteX4" fmla="*/ 0 w 5414"/>
+              <a:gd name="connsiteY4" fmla="*/ 10000 h 10000"/>
+              <a:gd name="connsiteX0" fmla="*/ 0 w 9609"/>
+              <a:gd name="connsiteY0" fmla="*/ 10000 h 10000"/>
+              <a:gd name="connsiteX1" fmla="*/ 4618 w 9609"/>
+              <a:gd name="connsiteY1" fmla="*/ 0 h 10000"/>
+              <a:gd name="connsiteX2" fmla="*/ 9564 w 9609"/>
+              <a:gd name="connsiteY2" fmla="*/ 153 h 10000"/>
+              <a:gd name="connsiteX3" fmla="*/ 9590 w 9609"/>
+              <a:gd name="connsiteY3" fmla="*/ 10000 h 10000"/>
+              <a:gd name="connsiteX4" fmla="*/ 0 w 9609"/>
+              <a:gd name="connsiteY4" fmla="*/ 10000 h 10000"/>
+              <a:gd name="connsiteX0" fmla="*/ 0 w 10193"/>
+              <a:gd name="connsiteY0" fmla="*/ 10000 h 10153"/>
+              <a:gd name="connsiteX1" fmla="*/ 4806 w 10193"/>
+              <a:gd name="connsiteY1" fmla="*/ 0 h 10153"/>
+              <a:gd name="connsiteX2" fmla="*/ 9953 w 10193"/>
+              <a:gd name="connsiteY2" fmla="*/ 153 h 10153"/>
+              <a:gd name="connsiteX3" fmla="*/ 10193 w 10193"/>
+              <a:gd name="connsiteY3" fmla="*/ 10153 h 10153"/>
+              <a:gd name="connsiteX4" fmla="*/ 0 w 10193"/>
+              <a:gd name="connsiteY4" fmla="*/ 10000 h 10153"/>
+              <a:gd name="connsiteX0" fmla="*/ 0 w 10213"/>
+              <a:gd name="connsiteY0" fmla="*/ 10000 h 10153"/>
+              <a:gd name="connsiteX1" fmla="*/ 4806 w 10213"/>
+              <a:gd name="connsiteY1" fmla="*/ 0 h 10153"/>
+              <a:gd name="connsiteX2" fmla="*/ 10166 w 10213"/>
+              <a:gd name="connsiteY2" fmla="*/ 153 h 10153"/>
+              <a:gd name="connsiteX3" fmla="*/ 10193 w 10213"/>
+              <a:gd name="connsiteY3" fmla="*/ 10153 h 10153"/>
+              <a:gd name="connsiteX4" fmla="*/ 0 w 10213"/>
+              <a:gd name="connsiteY4" fmla="*/ 10000 h 10153"/>
+              <a:gd name="connsiteX0" fmla="*/ 0 w 10341"/>
+              <a:gd name="connsiteY0" fmla="*/ 10000 h 10153"/>
+              <a:gd name="connsiteX1" fmla="*/ 4806 w 10341"/>
+              <a:gd name="connsiteY1" fmla="*/ 0 h 10153"/>
+              <a:gd name="connsiteX2" fmla="*/ 10308 w 10341"/>
+              <a:gd name="connsiteY2" fmla="*/ 0 h 10153"/>
+              <a:gd name="connsiteX3" fmla="*/ 10193 w 10341"/>
+              <a:gd name="connsiteY3" fmla="*/ 10153 h 10153"/>
+              <a:gd name="connsiteX4" fmla="*/ 0 w 10341"/>
+              <a:gd name="connsiteY4" fmla="*/ 10000 h 10153"/>
+              <a:gd name="connsiteX0" fmla="*/ 0 w 10406"/>
+              <a:gd name="connsiteY0" fmla="*/ 10000 h 10306"/>
+              <a:gd name="connsiteX1" fmla="*/ 4806 w 10406"/>
+              <a:gd name="connsiteY1" fmla="*/ 0 h 10306"/>
+              <a:gd name="connsiteX2" fmla="*/ 10308 w 10406"/>
+              <a:gd name="connsiteY2" fmla="*/ 0 h 10306"/>
+              <a:gd name="connsiteX3" fmla="*/ 10406 w 10406"/>
+              <a:gd name="connsiteY3" fmla="*/ 10306 h 10306"/>
+              <a:gd name="connsiteX4" fmla="*/ 0 w 10406"/>
+              <a:gd name="connsiteY4" fmla="*/ 10000 h 10306"/>
+              <a:gd name="connsiteX0" fmla="*/ 0 w 10761"/>
+              <a:gd name="connsiteY0" fmla="*/ 10458 h 10458"/>
+              <a:gd name="connsiteX1" fmla="*/ 5161 w 10761"/>
+              <a:gd name="connsiteY1" fmla="*/ 0 h 10458"/>
+              <a:gd name="connsiteX2" fmla="*/ 10663 w 10761"/>
+              <a:gd name="connsiteY2" fmla="*/ 0 h 10458"/>
+              <a:gd name="connsiteX3" fmla="*/ 10761 w 10761"/>
+              <a:gd name="connsiteY3" fmla="*/ 10306 h 10458"/>
+              <a:gd name="connsiteX4" fmla="*/ 0 w 10761"/>
+              <a:gd name="connsiteY4" fmla="*/ 10458 h 10458"/>
+            </a:gdLst>
+            <a:ahLst/>
+            <a:cxnLst>
+              <a:cxn ang="0">
+                <a:pos x="connsiteX0" y="connsiteY0"/>
+              </a:cxn>
+              <a:cxn ang="0">
+                <a:pos x="connsiteX1" y="connsiteY1"/>
+              </a:cxn>
+              <a:cxn ang="0">
+                <a:pos x="connsiteX2" y="connsiteY2"/>
+              </a:cxn>
+              <a:cxn ang="0">
+                <a:pos x="connsiteX3" y="connsiteY3"/>
+              </a:cxn>
+              <a:cxn ang="0">
+                <a:pos x="connsiteX4" y="connsiteY4"/>
+              </a:cxn>
+            </a:cxnLst>
+            <a:rect l="l" t="t" r="r" b="b"/>
+            <a:pathLst>
+              <a:path w="10761" h="10458">
+                <a:moveTo>
+                  <a:pt x="0" y="10458"/>
+                </a:moveTo>
+                <a:lnTo>
+                  <a:pt x="5161" y="0"/>
+                </a:lnTo>
+                <a:lnTo>
+                  <a:pt x="10663" y="0"/>
+                </a:lnTo>
+                <a:cubicBezTo>
+                  <a:pt x="10815" y="3282"/>
+                  <a:pt x="10609" y="7024"/>
+                  <a:pt x="10761" y="10306"/>
+                </a:cubicBezTo>
+                <a:lnTo>
+                  <a:pt x="0" y="10458"/>
+                </a:lnTo>
+                <a:close/>
+              </a:path>
+            </a:pathLst>
+          </a:custGeom>
+          <a:solidFill>
+            <a:schemeClr val="bg1"/>
+          </a:solidFill>
+          <a:ln w="19050">
+            <a:solidFill>
+              <a:schemeClr val="tx1"/>
+            </a:solidFill>
+          </a:ln>
+        </p:spPr>
+        <p:style>
+          <a:lnRef idx="2">
+            <a:schemeClr val="accent1">
+              <a:shade val="15000"/>
+            </a:schemeClr>
+          </a:lnRef>
+          <a:fillRef idx="1">
+            <a:schemeClr val="accent1"/>
+          </a:fillRef>
+          <a:effectRef idx="0">
+            <a:schemeClr val="accent1"/>
+          </a:effectRef>
+          <a:fontRef idx="minor">
+            <a:schemeClr val="lt1"/>
+          </a:fontRef>
+        </p:style>
+        <p:txBody>
+          <a:bodyPr rtlCol="0" anchor="ctr"/>
+          <a:lstStyle/>
+          <a:p>
+            <a:pPr algn="ctr"/>
+            <a:endParaRPr lang="en-US"/>
+          </a:p>
+        </p:txBody>
+      </p:sp>
+      <p:sp>
+        <p:nvSpPr>
+          <p:cNvPr id="8" name="TextBox 7">
+            <a:extLst>
+              <a:ext uri="{FF2B5EF4-FFF2-40B4-BE49-F238E27FC236}">
+                <a16:creationId xmlns:a16="http://schemas.microsoft.com/office/drawing/2014/main" id="{0892EB76-B933-73B1-19C9-EE78CA8283EC}"/>
+              </a:ext>
+            </a:extLst>
+          </p:cNvPr>
+          <p:cNvSpPr txBox="1"/>
+          <p:nvPr/>
+        </p:nvSpPr>
+        <p:spPr>
+          <a:xfrm>
+            <a:off x="11520069" y="6287442"/>
+            <a:ext cx="557254" cy="584775"/>
+          </a:xfrm>
+          <a:prstGeom prst="rect">
+            <a:avLst/>
+          </a:prstGeom>
+          <a:noFill/>
+        </p:spPr>
+        <p:txBody>
+          <a:bodyPr wrap="square" rtlCol="0">
+            <a:spAutoFit/>
+          </a:bodyPr>
+          <a:lstStyle/>
+          <a:p>
+            <a:r>
+              <a:rPr lang="en-US" sz="3200" dirty="0">
+                <a:latin typeface="TH SarabunPSK" panose="020B0500040200020003" pitchFamily="34" charset="-34"/>
+                <a:cs typeface="TH SarabunPSK" panose="020B0500040200020003" pitchFamily="34" charset="-34"/>
+              </a:rPr>
+              <a:t>2</a:t>
+            </a:r>
+          </a:p>
+        </p:txBody>
+      </p:sp>
+      <p:sp>
+        <p:nvSpPr>
           <p:cNvPr id="2" name="Title 1">
             <a:extLst>
               <a:ext uri="{FF2B5EF4-FFF2-40B4-BE49-F238E27FC236}">
@@ -3556,15 +4491,21 @@
             <p:ph type="title"/>
           </p:nvPr>
         </p:nvSpPr>
-        <p:spPr/>
+        <p:spPr>
+          <a:xfrm>
+            <a:off x="838200" y="0"/>
+            <a:ext cx="10515600" cy="1325563"/>
+          </a:xfrm>
+        </p:spPr>
         <p:txBody>
           <a:bodyPr/>
           <a:lstStyle/>
           <a:p>
             <a:r>
               <a:rPr lang="en-US" dirty="0">
+                <a:latin typeface="TH SarabunPSK" panose="020B0500040200020003" pitchFamily="34" charset="-34"/>
                 <a:ea typeface="+mj-lt"/>
-                <a:cs typeface="+mj-lt"/>
+                <a:cs typeface="TH SarabunPSK" panose="020B0500040200020003" pitchFamily="34" charset="-34"/>
               </a:rPr>
               <a:t>Timestamp - datetime</a:t>
             </a:r>
@@ -3598,18 +4539,25 @@
               <a:buNone/>
             </a:pPr>
             <a:r>
-              <a:rPr lang="en-US" dirty="0">
+              <a:rPr lang="en-US" sz="2400" dirty="0">
+                <a:latin typeface="TH SarabunPSK" panose="020B0500040200020003" pitchFamily="34" charset="-34"/>
                 <a:ea typeface="+mj-lt"/>
-                <a:cs typeface="+mj-lt"/>
+                <a:cs typeface="TH SarabunPSK" panose="020B0500040200020003" pitchFamily="34" charset="-34"/>
               </a:rPr>
               <a:t>timestamp </a:t>
             </a:r>
             <a:r>
-              <a:rPr lang="th-TH" dirty="0"/>
+              <a:rPr lang="th-TH" sz="2400" dirty="0">
+                <a:latin typeface="TH SarabunPSK" panose="020B0500040200020003" pitchFamily="34" charset="-34"/>
+                <a:cs typeface="TH SarabunPSK" panose="020B0500040200020003" pitchFamily="34" charset="-34"/>
+              </a:rPr>
               <a:t>ใช้แปลงรูปแบบข้อมูลวันเดือนปีต่างๆ ให้เป็นรูปแบบ </a:t>
             </a:r>
             <a:r>
-              <a:rPr lang="en-US" dirty="0"/>
+              <a:rPr lang="en-US" sz="2400" dirty="0">
+                <a:latin typeface="TH SarabunPSK" panose="020B0500040200020003" pitchFamily="34" charset="-34"/>
+                <a:cs typeface="TH SarabunPSK" panose="020B0500040200020003" pitchFamily="34" charset="-34"/>
+              </a:rPr>
               <a:t>timestamp</a:t>
             </a:r>
           </a:p>
@@ -3618,19 +4566,31 @@
               <a:buNone/>
             </a:pPr>
             <a:r>
-              <a:rPr lang="en-US" dirty="0" err="1"/>
+              <a:rPr lang="en-US" sz="2400" dirty="0" err="1">
+                <a:latin typeface="TH SarabunPSK" panose="020B0500040200020003" pitchFamily="34" charset="-34"/>
+                <a:cs typeface="TH SarabunPSK" panose="020B0500040200020003" pitchFamily="34" charset="-34"/>
+              </a:rPr>
               <a:t>การใช้งาน</a:t>
             </a:r>
             <a:r>
-              <a:rPr lang="en-US" dirty="0"/>
+              <a:rPr lang="en-US" sz="2400" dirty="0">
+                <a:latin typeface="TH SarabunPSK" panose="020B0500040200020003" pitchFamily="34" charset="-34"/>
+                <a:cs typeface="TH SarabunPSK" panose="020B0500040200020003" pitchFamily="34" charset="-34"/>
+              </a:rPr>
               <a:t> timestamp </a:t>
             </a:r>
             <a:r>
-              <a:rPr lang="th-TH" dirty="0"/>
+              <a:rPr lang="th-TH" sz="2400" dirty="0">
+                <a:latin typeface="TH SarabunPSK" panose="020B0500040200020003" pitchFamily="34" charset="-34"/>
+                <a:cs typeface="TH SarabunPSK" panose="020B0500040200020003" pitchFamily="34" charset="-34"/>
+              </a:rPr>
               <a:t>จะช่วยให้</a:t>
             </a:r>
             <a:r>
-              <a:rPr lang="en-US" dirty="0"/>
+              <a:rPr lang="en-US" sz="2400" dirty="0">
+                <a:latin typeface="TH SarabunPSK" panose="020B0500040200020003" pitchFamily="34" charset="-34"/>
+                <a:cs typeface="TH SarabunPSK" panose="020B0500040200020003" pitchFamily="34" charset="-34"/>
+              </a:rPr>
               <a:t>สามารถใช้การชี้หรือเรียงข้อมูลวันเดือนปีโดยจะต่างจากการชี้หรือเรียงข้อมูลแบบปกติในรูปแบบ string </a:t>
             </a:r>
           </a:p>
@@ -3639,78 +4599,127 @@
               <a:buNone/>
             </a:pPr>
             <a:r>
-              <a:rPr lang="en-US" dirty="0"/>
+              <a:rPr lang="en-US" sz="2400" dirty="0">
+                <a:latin typeface="TH SarabunPSK" panose="020B0500040200020003" pitchFamily="34" charset="-34"/>
+                <a:cs typeface="TH SarabunPSK" panose="020B0500040200020003" pitchFamily="34" charset="-34"/>
+              </a:rPr>
               <a:t>timestamp </a:t>
             </a:r>
             <a:r>
-              <a:rPr lang="en-US" dirty="0" err="1"/>
+              <a:rPr lang="en-US" sz="2400" dirty="0" err="1">
+                <a:latin typeface="TH SarabunPSK" panose="020B0500040200020003" pitchFamily="34" charset="-34"/>
+                <a:cs typeface="TH SarabunPSK" panose="020B0500040200020003" pitchFamily="34" charset="-34"/>
+              </a:rPr>
               <a:t>จะสามารถกำหนดรูปแบบ</a:t>
             </a:r>
             <a:r>
-              <a:rPr lang="th-TH" dirty="0"/>
+              <a:rPr lang="th-TH" sz="2400" dirty="0">
+                <a:latin typeface="TH SarabunPSK" panose="020B0500040200020003" pitchFamily="34" charset="-34"/>
+                <a:cs typeface="TH SarabunPSK" panose="020B0500040200020003" pitchFamily="34" charset="-34"/>
+              </a:rPr>
               <a:t>ข้อมูล</a:t>
             </a:r>
             <a:r>
-              <a:rPr lang="en-US" dirty="0" err="1"/>
+              <a:rPr lang="en-US" sz="2400" dirty="0" err="1">
+                <a:latin typeface="TH SarabunPSK" panose="020B0500040200020003" pitchFamily="34" charset="-34"/>
+                <a:cs typeface="TH SarabunPSK" panose="020B0500040200020003" pitchFamily="34" charset="-34"/>
+              </a:rPr>
               <a:t>วันเดือนปีที่ต้องการ</a:t>
             </a:r>
             <a:r>
-              <a:rPr lang="th-TH" dirty="0"/>
+              <a:rPr lang="th-TH" sz="2400" dirty="0">
+                <a:latin typeface="TH SarabunPSK" panose="020B0500040200020003" pitchFamily="34" charset="-34"/>
+                <a:cs typeface="TH SarabunPSK" panose="020B0500040200020003" pitchFamily="34" charset="-34"/>
+              </a:rPr>
               <a:t>และแปลงรูปแบบข้อมูลเป็นรูปแบบ </a:t>
             </a:r>
             <a:r>
-              <a:rPr lang="en-US" dirty="0"/>
+              <a:rPr lang="en-US" sz="2400" dirty="0">
+                <a:latin typeface="TH SarabunPSK" panose="020B0500040200020003" pitchFamily="34" charset="-34"/>
+                <a:cs typeface="TH SarabunPSK" panose="020B0500040200020003" pitchFamily="34" charset="-34"/>
+              </a:rPr>
               <a:t>timestamp </a:t>
             </a:r>
             <a:r>
-              <a:rPr lang="en-US" dirty="0" err="1"/>
+              <a:rPr lang="en-US" sz="2400" dirty="0" err="1">
+                <a:latin typeface="TH SarabunPSK" panose="020B0500040200020003" pitchFamily="34" charset="-34"/>
+                <a:cs typeface="TH SarabunPSK" panose="020B0500040200020003" pitchFamily="34" charset="-34"/>
+              </a:rPr>
               <a:t>การใช้งานจะยืดหยุ่นกว่า</a:t>
             </a:r>
             <a:r>
-              <a:rPr lang="en-US" dirty="0"/>
+              <a:rPr lang="en-US" sz="2400" dirty="0">
+                <a:latin typeface="TH SarabunPSK" panose="020B0500040200020003" pitchFamily="34" charset="-34"/>
+                <a:cs typeface="TH SarabunPSK" panose="020B0500040200020003" pitchFamily="34" charset="-34"/>
+              </a:rPr>
               <a:t> </a:t>
             </a:r>
             <a:r>
-              <a:rPr lang="en-US" dirty="0" err="1"/>
+              <a:rPr lang="en-US" sz="2400" dirty="0" err="1">
+                <a:latin typeface="TH SarabunPSK" panose="020B0500040200020003" pitchFamily="34" charset="-34"/>
+                <a:cs typeface="TH SarabunPSK" panose="020B0500040200020003" pitchFamily="34" charset="-34"/>
+              </a:rPr>
               <a:t>เพราะบางคนอาจจะใช้รูปแบบในการเก็บข้อมูลวันเดือนปีต่างกัน</a:t>
             </a:r>
-            <a:endParaRPr lang="th-TH" dirty="0"/>
+            <a:endParaRPr lang="th-TH" sz="2400" dirty="0">
+              <a:latin typeface="TH SarabunPSK" panose="020B0500040200020003" pitchFamily="34" charset="-34"/>
+              <a:cs typeface="TH SarabunPSK" panose="020B0500040200020003" pitchFamily="34" charset="-34"/>
+            </a:endParaRPr>
           </a:p>
           <a:p>
             <a:pPr marL="0" indent="0">
               <a:buNone/>
             </a:pPr>
-            <a:endParaRPr lang="th-TH" dirty="0"/>
+            <a:endParaRPr lang="th-TH" sz="2400" dirty="0">
+              <a:latin typeface="TH SarabunPSK" panose="020B0500040200020003" pitchFamily="34" charset="-34"/>
+              <a:cs typeface="TH SarabunPSK" panose="020B0500040200020003" pitchFamily="34" charset="-34"/>
+            </a:endParaRPr>
           </a:p>
           <a:p>
             <a:pPr marL="0" indent="0">
               <a:buNone/>
             </a:pPr>
             <a:r>
-              <a:rPr lang="en-US" dirty="0">
+              <a:rPr lang="en-US" sz="2400" dirty="0">
+                <a:latin typeface="TH SarabunPSK" panose="020B0500040200020003" pitchFamily="34" charset="-34"/>
                 <a:ea typeface="+mj-lt"/>
-                <a:cs typeface="+mj-lt"/>
+                <a:cs typeface="TH SarabunPSK" panose="020B0500040200020003" pitchFamily="34" charset="-34"/>
               </a:rPr>
               <a:t>datetime </a:t>
             </a:r>
             <a:r>
-              <a:rPr lang="en-US" dirty="0" err="1"/>
+              <a:rPr lang="en-US" sz="2400" dirty="0" err="1">
+                <a:latin typeface="TH SarabunPSK" panose="020B0500040200020003" pitchFamily="34" charset="-34"/>
+                <a:cs typeface="TH SarabunPSK" panose="020B0500040200020003" pitchFamily="34" charset="-34"/>
+              </a:rPr>
               <a:t>ใช้</a:t>
             </a:r>
             <a:r>
-              <a:rPr lang="th-TH" dirty="0"/>
+              <a:rPr lang="th-TH" sz="2400" dirty="0">
+                <a:latin typeface="TH SarabunPSK" panose="020B0500040200020003" pitchFamily="34" charset="-34"/>
+                <a:cs typeface="TH SarabunPSK" panose="020B0500040200020003" pitchFamily="34" charset="-34"/>
+              </a:rPr>
               <a:t>ใน</a:t>
             </a:r>
             <a:r>
-              <a:rPr lang="en-US" dirty="0" err="1"/>
+              <a:rPr lang="en-US" sz="2400" dirty="0" err="1">
+                <a:latin typeface="TH SarabunPSK" panose="020B0500040200020003" pitchFamily="34" charset="-34"/>
+                <a:cs typeface="TH SarabunPSK" panose="020B0500040200020003" pitchFamily="34" charset="-34"/>
+              </a:rPr>
               <a:t>การชี้</a:t>
             </a:r>
             <a:r>
-              <a:rPr lang="th-TH" dirty="0"/>
+              <a:rPr lang="th-TH" sz="2400" dirty="0">
+                <a:latin typeface="TH SarabunPSK" panose="020B0500040200020003" pitchFamily="34" charset="-34"/>
+                <a:cs typeface="TH SarabunPSK" panose="020B0500040200020003" pitchFamily="34" charset="-34"/>
+              </a:rPr>
               <a:t>ข้อมูลรูปแบบ </a:t>
             </a:r>
             <a:r>
-              <a:rPr lang="en-US" dirty="0"/>
+              <a:rPr lang="en-US" sz="2400" dirty="0">
+                <a:latin typeface="TH SarabunPSK" panose="020B0500040200020003" pitchFamily="34" charset="-34"/>
+                <a:cs typeface="TH SarabunPSK" panose="020B0500040200020003" pitchFamily="34" charset="-34"/>
+              </a:rPr>
               <a:t>timestamp</a:t>
             </a:r>
           </a:p>
@@ -3763,71 +4772,6 @@
       </p:grpSpPr>
       <p:sp>
         <p:nvSpPr>
-          <p:cNvPr id="2" name="Title 1">
-            <a:extLst>
-              <a:ext uri="{FF2B5EF4-FFF2-40B4-BE49-F238E27FC236}">
-                <a16:creationId xmlns:a16="http://schemas.microsoft.com/office/drawing/2014/main" id="{307923E6-5A1B-FD23-41F1-8C46E0E2366B}"/>
-              </a:ext>
-            </a:extLst>
-          </p:cNvPr>
-          <p:cNvSpPr>
-            <a:spLocks noGrp="1"/>
-          </p:cNvSpPr>
-          <p:nvPr>
-            <p:ph type="title"/>
-          </p:nvPr>
-        </p:nvSpPr>
-        <p:spPr/>
-        <p:txBody>
-          <a:bodyPr/>
-          <a:lstStyle/>
-          <a:p>
-            <a:r>
-              <a:rPr lang="en-US" dirty="0" err="1"/>
-              <a:t>ยกตัวอย่างการชี้วันเดือนปีแบบ</a:t>
-            </a:r>
-            <a:r>
-              <a:rPr lang="en-US" dirty="0"/>
-              <a:t> string </a:t>
-            </a:r>
-            <a:r>
-              <a:rPr lang="en-US" dirty="0" err="1"/>
-              <a:t>ธรรมดา</a:t>
-            </a:r>
-          </a:p>
-        </p:txBody>
-      </p:sp>
-      <p:pic>
-        <p:nvPicPr>
-          <p:cNvPr id="4" name="Content Placeholder 3" descr="A screenshot of a table&#10;&#10;Description automatically generated">
-            <a:extLst>
-              <a:ext uri="{FF2B5EF4-FFF2-40B4-BE49-F238E27FC236}">
-                <a16:creationId xmlns:a16="http://schemas.microsoft.com/office/drawing/2014/main" id="{D4630A33-2342-5D2C-6547-39F61914FB55}"/>
-              </a:ext>
-            </a:extLst>
-          </p:cNvPr>
-          <p:cNvPicPr>
-            <a:picLocks noGrp="1" noChangeAspect="1"/>
-          </p:cNvPicPr>
-          <p:nvPr>
-            <p:ph idx="1"/>
-          </p:nvPr>
-        </p:nvPicPr>
-        <p:blipFill>
-          <a:blip r:embed="rId2"/>
-          <a:stretch>
-            <a:fillRect/>
-          </a:stretch>
-        </p:blipFill>
-        <p:spPr>
-          <a:xfrm>
-            <a:off x="7699885" y="1875788"/>
-            <a:ext cx="3644482" cy="3966777"/>
-          </a:xfrm>
-        </p:spPr>
-      </p:pic>
-      <p:sp>
-        <p:nvSpPr>
           <p:cNvPr id="6" name="Content Placeholder 2">
             <a:extLst>
               <a:ext uri="{FF2B5EF4-FFF2-40B4-BE49-F238E27FC236}">
@@ -3842,8 +4786,8 @@
         </p:nvSpPr>
         <p:spPr>
           <a:xfrm>
-            <a:off x="838200" y="1825625"/>
-            <a:ext cx="10515600" cy="4351338"/>
+            <a:off x="828767" y="1672457"/>
+            <a:ext cx="10515600" cy="3661543"/>
           </a:xfrm>
           <a:prstGeom prst="rect">
             <a:avLst/>
@@ -4022,75 +4966,87 @@
               <a:buNone/>
             </a:pPr>
             <a:r>
-              <a:rPr lang="en-US" sz="2400" dirty="0" err="1"/>
+              <a:rPr lang="en-US" sz="2400" dirty="0" err="1">
+                <a:latin typeface="TH SarabunPSK" panose="020B0500040200020003" pitchFamily="34" charset="-34"/>
+                <a:cs typeface="TH SarabunPSK" panose="020B0500040200020003" pitchFamily="34" charset="-34"/>
+              </a:rPr>
               <a:t>ตัวอย่างข้อมูลวันเดือนปีจากคอลัมน์</a:t>
             </a:r>
             <a:r>
-              <a:rPr lang="en-US" sz="2400" dirty="0"/>
-              <a:t> Unnamed: 0</a:t>
-            </a:r>
-          </a:p>
-          <a:p>
-            <a:pPr marL="0" indent="0">
-              <a:buNone/>
-            </a:pPr>
-            <a:r>
-              <a:rPr lang="en-US" sz="2400" dirty="0" err="1"/>
+              <a:rPr lang="en-US" sz="2400" dirty="0">
+                <a:latin typeface="TH SarabunPSK" panose="020B0500040200020003" pitchFamily="34" charset="-34"/>
+                <a:cs typeface="TH SarabunPSK" panose="020B0500040200020003" pitchFamily="34" charset="-34"/>
+              </a:rPr>
+              <a:t> Unnamed: 0 </a:t>
+            </a:r>
+            <a:r>
+              <a:rPr lang="en-US" sz="2400" dirty="0" err="1">
+                <a:latin typeface="TH SarabunPSK" panose="020B0500040200020003" pitchFamily="34" charset="-34"/>
+                <a:cs typeface="TH SarabunPSK" panose="020B0500040200020003" pitchFamily="34" charset="-34"/>
+              </a:rPr>
               <a:t>จะเรียงลำดับตามหลักการเรียงของข้อมูล</a:t>
             </a:r>
             <a:r>
-              <a:rPr lang="en-US" sz="2400" dirty="0"/>
-              <a:t> </a:t>
-            </a:r>
-          </a:p>
-          <a:p>
-            <a:pPr marL="0" indent="0">
-              <a:buNone/>
-            </a:pPr>
-            <a:r>
-              <a:rPr lang="en-US" sz="2400" dirty="0"/>
-              <a:t>string </a:t>
-            </a:r>
-            <a:r>
-              <a:rPr lang="en-US" sz="2400" dirty="0" err="1"/>
+              <a:rPr lang="en-US" sz="2400" dirty="0">
+                <a:latin typeface="TH SarabunPSK" panose="020B0500040200020003" pitchFamily="34" charset="-34"/>
+                <a:cs typeface="TH SarabunPSK" panose="020B0500040200020003" pitchFamily="34" charset="-34"/>
+              </a:rPr>
+              <a:t> string </a:t>
+            </a:r>
+            <a:r>
+              <a:rPr lang="en-US" sz="2400" dirty="0" err="1">
+                <a:latin typeface="TH SarabunPSK" panose="020B0500040200020003" pitchFamily="34" charset="-34"/>
+                <a:cs typeface="TH SarabunPSK" panose="020B0500040200020003" pitchFamily="34" charset="-34"/>
+              </a:rPr>
               <a:t>พื้นฐาน</a:t>
             </a:r>
             <a:r>
-              <a:rPr lang="en-US" sz="2400" dirty="0"/>
+              <a:rPr lang="en-US" sz="2400" dirty="0">
+                <a:latin typeface="TH SarabunPSK" panose="020B0500040200020003" pitchFamily="34" charset="-34"/>
+                <a:cs typeface="TH SarabunPSK" panose="020B0500040200020003" pitchFamily="34" charset="-34"/>
+              </a:rPr>
               <a:t> </a:t>
             </a:r>
             <a:r>
-              <a:rPr lang="en-US" sz="2400" dirty="0" err="1"/>
-              <a:t>การใช้การชี้หรือการเรียงข้อมูล</a:t>
-            </a:r>
-            <a:endParaRPr lang="en-US" sz="2400" dirty="0"/>
-          </a:p>
-          <a:p>
-            <a:pPr marL="0" indent="0">
-              <a:buNone/>
-            </a:pPr>
-            <a:r>
-              <a:rPr lang="en-US" sz="2400" dirty="0" err="1"/>
-              <a:t>แบบ</a:t>
-            </a:r>
-            <a:r>
-              <a:rPr lang="en-US" sz="2400" dirty="0"/>
+              <a:rPr lang="en-US" sz="2400" dirty="0" err="1">
+                <a:latin typeface="TH SarabunPSK" panose="020B0500040200020003" pitchFamily="34" charset="-34"/>
+                <a:cs typeface="TH SarabunPSK" panose="020B0500040200020003" pitchFamily="34" charset="-34"/>
+              </a:rPr>
+              <a:t>การใช้การชี้หรือการเรียงข้อมูลแบบ</a:t>
+            </a:r>
+            <a:r>
+              <a:rPr lang="en-US" sz="2400" dirty="0">
+                <a:latin typeface="TH SarabunPSK" panose="020B0500040200020003" pitchFamily="34" charset="-34"/>
+                <a:cs typeface="TH SarabunPSK" panose="020B0500040200020003" pitchFamily="34" charset="-34"/>
+              </a:rPr>
               <a:t> string </a:t>
             </a:r>
             <a:r>
-              <a:rPr lang="en-US" sz="2400" dirty="0" err="1"/>
+              <a:rPr lang="en-US" sz="2400" dirty="0" err="1">
+                <a:latin typeface="TH SarabunPSK" panose="020B0500040200020003" pitchFamily="34" charset="-34"/>
+                <a:cs typeface="TH SarabunPSK" panose="020B0500040200020003" pitchFamily="34" charset="-34"/>
+              </a:rPr>
               <a:t>จึงสามารถใช้ได้</a:t>
             </a:r>
             <a:r>
-              <a:rPr lang="en-US" sz="2400" dirty="0"/>
+              <a:rPr lang="en-US" sz="2400" dirty="0">
+                <a:latin typeface="TH SarabunPSK" panose="020B0500040200020003" pitchFamily="34" charset="-34"/>
+                <a:cs typeface="TH SarabunPSK" panose="020B0500040200020003" pitchFamily="34" charset="-34"/>
+              </a:rPr>
               <a:t> </a:t>
             </a:r>
             <a:r>
-              <a:rPr lang="en-US" sz="2400" dirty="0" err="1"/>
+              <a:rPr lang="en-US" sz="2400" dirty="0" err="1">
+                <a:latin typeface="TH SarabunPSK" panose="020B0500040200020003" pitchFamily="34" charset="-34"/>
+                <a:cs typeface="TH SarabunPSK" panose="020B0500040200020003" pitchFamily="34" charset="-34"/>
+              </a:rPr>
               <a:t>เช่น</a:t>
             </a:r>
             <a:r>
-              <a:rPr lang="en-US" sz="2400" dirty="0"/>
+              <a:rPr lang="en-US" sz="2400" dirty="0">
+                <a:latin typeface="TH SarabunPSK" panose="020B0500040200020003" pitchFamily="34" charset="-34"/>
+                <a:cs typeface="TH SarabunPSK" panose="020B0500040200020003" pitchFamily="34" charset="-34"/>
+              </a:rPr>
               <a:t> </a:t>
             </a:r>
           </a:p>
@@ -4124,12 +5080,122 @@
           </a:p>
         </p:txBody>
       </p:sp>
+      <p:sp>
+        <p:nvSpPr>
+          <p:cNvPr id="5" name="Rectangle 4">
+            <a:extLst>
+              <a:ext uri="{FF2B5EF4-FFF2-40B4-BE49-F238E27FC236}">
+                <a16:creationId xmlns:a16="http://schemas.microsoft.com/office/drawing/2014/main" id="{989B74A1-E1B0-49D3-2322-BE6748AB8DEB}"/>
+              </a:ext>
+            </a:extLst>
+          </p:cNvPr>
+          <p:cNvSpPr/>
+          <p:nvPr/>
+        </p:nvSpPr>
+        <p:spPr>
+          <a:xfrm>
+            <a:off x="0" y="5840991"/>
+            <a:ext cx="12192000" cy="1017009"/>
+          </a:xfrm>
+          <a:prstGeom prst="rect">
+            <a:avLst/>
+          </a:prstGeom>
+          <a:solidFill>
+            <a:srgbClr val="FFCC99"/>
+          </a:solidFill>
+          <a:ln>
+            <a:solidFill>
+              <a:srgbClr val="FFCC99"/>
+            </a:solidFill>
+          </a:ln>
+        </p:spPr>
+        <p:style>
+          <a:lnRef idx="2">
+            <a:schemeClr val="accent1">
+              <a:shade val="15000"/>
+            </a:schemeClr>
+          </a:lnRef>
+          <a:fillRef idx="1">
+            <a:schemeClr val="accent1"/>
+          </a:fillRef>
+          <a:effectRef idx="0">
+            <a:schemeClr val="accent1"/>
+          </a:effectRef>
+          <a:fontRef idx="minor">
+            <a:schemeClr val="lt1"/>
+          </a:fontRef>
+        </p:style>
+        <p:txBody>
+          <a:bodyPr rtlCol="0" anchor="ctr"/>
+          <a:lstStyle/>
+          <a:p>
+            <a:pPr algn="ctr"/>
+            <a:endParaRPr lang="en-US"/>
+          </a:p>
+        </p:txBody>
+      </p:sp>
+      <p:sp>
+        <p:nvSpPr>
+          <p:cNvPr id="7" name="Rectangle 6">
+            <a:extLst>
+              <a:ext uri="{FF2B5EF4-FFF2-40B4-BE49-F238E27FC236}">
+                <a16:creationId xmlns:a16="http://schemas.microsoft.com/office/drawing/2014/main" id="{2684F985-4DF3-93FC-876C-C227E36C3BD2}"/>
+              </a:ext>
+            </a:extLst>
+          </p:cNvPr>
+          <p:cNvSpPr/>
+          <p:nvPr/>
+        </p:nvSpPr>
+        <p:spPr>
+          <a:xfrm>
+            <a:off x="0" y="0"/>
+            <a:ext cx="12192000" cy="1136342"/>
+          </a:xfrm>
+          <a:prstGeom prst="rect">
+            <a:avLst/>
+          </a:prstGeom>
+          <a:solidFill>
+            <a:srgbClr val="FFCC99"/>
+          </a:solidFill>
+          <a:ln>
+            <a:solidFill>
+              <a:srgbClr val="FFCC99"/>
+            </a:solidFill>
+          </a:ln>
+        </p:spPr>
+        <p:style>
+          <a:lnRef idx="2">
+            <a:schemeClr val="accent1">
+              <a:shade val="15000"/>
+            </a:schemeClr>
+          </a:lnRef>
+          <a:fillRef idx="1">
+            <a:schemeClr val="accent1"/>
+          </a:fillRef>
+          <a:effectRef idx="0">
+            <a:schemeClr val="accent1"/>
+          </a:effectRef>
+          <a:fontRef idx="minor">
+            <a:schemeClr val="lt1"/>
+          </a:fontRef>
+        </p:style>
+        <p:txBody>
+          <a:bodyPr rtlCol="0" anchor="ctr"/>
+          <a:lstStyle/>
+          <a:p>
+            <a:pPr algn="ctr"/>
+            <a:endParaRPr lang="en-US" dirty="0">
+              <a:noFill/>
+            </a:endParaRPr>
+          </a:p>
+        </p:txBody>
+      </p:sp>
       <p:pic>
         <p:nvPicPr>
-          <p:cNvPr id="3" name="Picture 2" descr="A screenshot of a computer&#10;&#10;Description automatically generated">
-            <a:extLst>
-              <a:ext uri="{FF2B5EF4-FFF2-40B4-BE49-F238E27FC236}">
-                <a16:creationId xmlns:a16="http://schemas.microsoft.com/office/drawing/2014/main" id="{FF879B19-AE33-1652-7FBE-367A5E9C6C69}"/>
+          <p:cNvPr id="8" name="Picture 7" descr="A black and white logo&#10;&#10;Description automatically generated">
+            <a:extLst>
+              <a:ext uri="{FF2B5EF4-FFF2-40B4-BE49-F238E27FC236}">
+                <a16:creationId xmlns:a16="http://schemas.microsoft.com/office/drawing/2014/main" id="{03DC773E-1E56-7133-0AB8-24CA13ABF0DD}"/>
               </a:ext>
             </a:extLst>
           </p:cNvPr>
@@ -4137,6 +5203,319 @@
             <a:picLocks noChangeAspect="1"/>
           </p:cNvPicPr>
           <p:nvPr/>
+        </p:nvPicPr>
+        <p:blipFill>
+          <a:blip r:embed="rId2">
+            <a:extLst>
+              <a:ext uri="{28A0092B-C50C-407E-A947-70E740481C1C}">
+                <a14:useLocalDpi xmlns:a14="http://schemas.microsoft.com/office/drawing/2010/main" val="0"/>
+              </a:ext>
+            </a:extLst>
+          </a:blip>
+          <a:stretch>
+            <a:fillRect/>
+          </a:stretch>
+        </p:blipFill>
+        <p:spPr>
+          <a:xfrm>
+            <a:off x="11051882" y="119333"/>
+            <a:ext cx="1093483" cy="1017009"/>
+          </a:xfrm>
+          <a:prstGeom prst="rect">
+            <a:avLst/>
+          </a:prstGeom>
+        </p:spPr>
+      </p:pic>
+      <p:sp>
+        <p:nvSpPr>
+          <p:cNvPr id="9" name="Flowchart: Data 2">
+            <a:extLst>
+              <a:ext uri="{FF2B5EF4-FFF2-40B4-BE49-F238E27FC236}">
+                <a16:creationId xmlns:a16="http://schemas.microsoft.com/office/drawing/2014/main" id="{67374494-8F80-6510-774F-4FBF4EF22E26}"/>
+              </a:ext>
+            </a:extLst>
+          </p:cNvPr>
+          <p:cNvSpPr/>
+          <p:nvPr/>
+        </p:nvSpPr>
+        <p:spPr>
+          <a:xfrm>
+            <a:off x="10848138" y="6264097"/>
+            <a:ext cx="1343862" cy="608120"/>
+          </a:xfrm>
+          <a:custGeom>
+            <a:avLst/>
+            <a:gdLst>
+              <a:gd name="connsiteX0" fmla="*/ 0 w 10000"/>
+              <a:gd name="connsiteY0" fmla="*/ 10000 h 10000"/>
+              <a:gd name="connsiteX1" fmla="*/ 2000 w 10000"/>
+              <a:gd name="connsiteY1" fmla="*/ 0 h 10000"/>
+              <a:gd name="connsiteX2" fmla="*/ 10000 w 10000"/>
+              <a:gd name="connsiteY2" fmla="*/ 0 h 10000"/>
+              <a:gd name="connsiteX3" fmla="*/ 8000 w 10000"/>
+              <a:gd name="connsiteY3" fmla="*/ 10000 h 10000"/>
+              <a:gd name="connsiteX4" fmla="*/ 0 w 10000"/>
+              <a:gd name="connsiteY4" fmla="*/ 10000 h 10000"/>
+              <a:gd name="connsiteX0" fmla="*/ 0 w 8000"/>
+              <a:gd name="connsiteY0" fmla="*/ 10000 h 10000"/>
+              <a:gd name="connsiteX1" fmla="*/ 2000 w 8000"/>
+              <a:gd name="connsiteY1" fmla="*/ 0 h 10000"/>
+              <a:gd name="connsiteX2" fmla="*/ 4142 w 8000"/>
+              <a:gd name="connsiteY2" fmla="*/ 153 h 10000"/>
+              <a:gd name="connsiteX3" fmla="*/ 8000 w 8000"/>
+              <a:gd name="connsiteY3" fmla="*/ 10000 h 10000"/>
+              <a:gd name="connsiteX4" fmla="*/ 0 w 8000"/>
+              <a:gd name="connsiteY4" fmla="*/ 10000 h 10000"/>
+              <a:gd name="connsiteX0" fmla="*/ 0 w 5414"/>
+              <a:gd name="connsiteY0" fmla="*/ 10000 h 10000"/>
+              <a:gd name="connsiteX1" fmla="*/ 2500 w 5414"/>
+              <a:gd name="connsiteY1" fmla="*/ 0 h 10000"/>
+              <a:gd name="connsiteX2" fmla="*/ 5178 w 5414"/>
+              <a:gd name="connsiteY2" fmla="*/ 153 h 10000"/>
+              <a:gd name="connsiteX3" fmla="*/ 5414 w 5414"/>
+              <a:gd name="connsiteY3" fmla="*/ 10000 h 10000"/>
+              <a:gd name="connsiteX4" fmla="*/ 0 w 5414"/>
+              <a:gd name="connsiteY4" fmla="*/ 10000 h 10000"/>
+              <a:gd name="connsiteX0" fmla="*/ 0 w 9609"/>
+              <a:gd name="connsiteY0" fmla="*/ 10000 h 10000"/>
+              <a:gd name="connsiteX1" fmla="*/ 4618 w 9609"/>
+              <a:gd name="connsiteY1" fmla="*/ 0 h 10000"/>
+              <a:gd name="connsiteX2" fmla="*/ 9564 w 9609"/>
+              <a:gd name="connsiteY2" fmla="*/ 153 h 10000"/>
+              <a:gd name="connsiteX3" fmla="*/ 9590 w 9609"/>
+              <a:gd name="connsiteY3" fmla="*/ 10000 h 10000"/>
+              <a:gd name="connsiteX4" fmla="*/ 0 w 9609"/>
+              <a:gd name="connsiteY4" fmla="*/ 10000 h 10000"/>
+              <a:gd name="connsiteX0" fmla="*/ 0 w 10193"/>
+              <a:gd name="connsiteY0" fmla="*/ 10000 h 10153"/>
+              <a:gd name="connsiteX1" fmla="*/ 4806 w 10193"/>
+              <a:gd name="connsiteY1" fmla="*/ 0 h 10153"/>
+              <a:gd name="connsiteX2" fmla="*/ 9953 w 10193"/>
+              <a:gd name="connsiteY2" fmla="*/ 153 h 10153"/>
+              <a:gd name="connsiteX3" fmla="*/ 10193 w 10193"/>
+              <a:gd name="connsiteY3" fmla="*/ 10153 h 10153"/>
+              <a:gd name="connsiteX4" fmla="*/ 0 w 10193"/>
+              <a:gd name="connsiteY4" fmla="*/ 10000 h 10153"/>
+              <a:gd name="connsiteX0" fmla="*/ 0 w 10213"/>
+              <a:gd name="connsiteY0" fmla="*/ 10000 h 10153"/>
+              <a:gd name="connsiteX1" fmla="*/ 4806 w 10213"/>
+              <a:gd name="connsiteY1" fmla="*/ 0 h 10153"/>
+              <a:gd name="connsiteX2" fmla="*/ 10166 w 10213"/>
+              <a:gd name="connsiteY2" fmla="*/ 153 h 10153"/>
+              <a:gd name="connsiteX3" fmla="*/ 10193 w 10213"/>
+              <a:gd name="connsiteY3" fmla="*/ 10153 h 10153"/>
+              <a:gd name="connsiteX4" fmla="*/ 0 w 10213"/>
+              <a:gd name="connsiteY4" fmla="*/ 10000 h 10153"/>
+              <a:gd name="connsiteX0" fmla="*/ 0 w 10341"/>
+              <a:gd name="connsiteY0" fmla="*/ 10000 h 10153"/>
+              <a:gd name="connsiteX1" fmla="*/ 4806 w 10341"/>
+              <a:gd name="connsiteY1" fmla="*/ 0 h 10153"/>
+              <a:gd name="connsiteX2" fmla="*/ 10308 w 10341"/>
+              <a:gd name="connsiteY2" fmla="*/ 0 h 10153"/>
+              <a:gd name="connsiteX3" fmla="*/ 10193 w 10341"/>
+              <a:gd name="connsiteY3" fmla="*/ 10153 h 10153"/>
+              <a:gd name="connsiteX4" fmla="*/ 0 w 10341"/>
+              <a:gd name="connsiteY4" fmla="*/ 10000 h 10153"/>
+              <a:gd name="connsiteX0" fmla="*/ 0 w 10406"/>
+              <a:gd name="connsiteY0" fmla="*/ 10000 h 10306"/>
+              <a:gd name="connsiteX1" fmla="*/ 4806 w 10406"/>
+              <a:gd name="connsiteY1" fmla="*/ 0 h 10306"/>
+              <a:gd name="connsiteX2" fmla="*/ 10308 w 10406"/>
+              <a:gd name="connsiteY2" fmla="*/ 0 h 10306"/>
+              <a:gd name="connsiteX3" fmla="*/ 10406 w 10406"/>
+              <a:gd name="connsiteY3" fmla="*/ 10306 h 10306"/>
+              <a:gd name="connsiteX4" fmla="*/ 0 w 10406"/>
+              <a:gd name="connsiteY4" fmla="*/ 10000 h 10306"/>
+              <a:gd name="connsiteX0" fmla="*/ 0 w 10761"/>
+              <a:gd name="connsiteY0" fmla="*/ 10458 h 10458"/>
+              <a:gd name="connsiteX1" fmla="*/ 5161 w 10761"/>
+              <a:gd name="connsiteY1" fmla="*/ 0 h 10458"/>
+              <a:gd name="connsiteX2" fmla="*/ 10663 w 10761"/>
+              <a:gd name="connsiteY2" fmla="*/ 0 h 10458"/>
+              <a:gd name="connsiteX3" fmla="*/ 10761 w 10761"/>
+              <a:gd name="connsiteY3" fmla="*/ 10306 h 10458"/>
+              <a:gd name="connsiteX4" fmla="*/ 0 w 10761"/>
+              <a:gd name="connsiteY4" fmla="*/ 10458 h 10458"/>
+            </a:gdLst>
+            <a:ahLst/>
+            <a:cxnLst>
+              <a:cxn ang="0">
+                <a:pos x="connsiteX0" y="connsiteY0"/>
+              </a:cxn>
+              <a:cxn ang="0">
+                <a:pos x="connsiteX1" y="connsiteY1"/>
+              </a:cxn>
+              <a:cxn ang="0">
+                <a:pos x="connsiteX2" y="connsiteY2"/>
+              </a:cxn>
+              <a:cxn ang="0">
+                <a:pos x="connsiteX3" y="connsiteY3"/>
+              </a:cxn>
+              <a:cxn ang="0">
+                <a:pos x="connsiteX4" y="connsiteY4"/>
+              </a:cxn>
+            </a:cxnLst>
+            <a:rect l="l" t="t" r="r" b="b"/>
+            <a:pathLst>
+              <a:path w="10761" h="10458">
+                <a:moveTo>
+                  <a:pt x="0" y="10458"/>
+                </a:moveTo>
+                <a:lnTo>
+                  <a:pt x="5161" y="0"/>
+                </a:lnTo>
+                <a:lnTo>
+                  <a:pt x="10663" y="0"/>
+                </a:lnTo>
+                <a:cubicBezTo>
+                  <a:pt x="10815" y="3282"/>
+                  <a:pt x="10609" y="7024"/>
+                  <a:pt x="10761" y="10306"/>
+                </a:cubicBezTo>
+                <a:lnTo>
+                  <a:pt x="0" y="10458"/>
+                </a:lnTo>
+                <a:close/>
+              </a:path>
+            </a:pathLst>
+          </a:custGeom>
+          <a:solidFill>
+            <a:schemeClr val="bg1"/>
+          </a:solidFill>
+          <a:ln w="19050">
+            <a:solidFill>
+              <a:schemeClr val="tx1"/>
+            </a:solidFill>
+          </a:ln>
+        </p:spPr>
+        <p:style>
+          <a:lnRef idx="2">
+            <a:schemeClr val="accent1">
+              <a:shade val="15000"/>
+            </a:schemeClr>
+          </a:lnRef>
+          <a:fillRef idx="1">
+            <a:schemeClr val="accent1"/>
+          </a:fillRef>
+          <a:effectRef idx="0">
+            <a:schemeClr val="accent1"/>
+          </a:effectRef>
+          <a:fontRef idx="minor">
+            <a:schemeClr val="lt1"/>
+          </a:fontRef>
+        </p:style>
+        <p:txBody>
+          <a:bodyPr rtlCol="0" anchor="ctr"/>
+          <a:lstStyle/>
+          <a:p>
+            <a:pPr algn="ctr"/>
+            <a:endParaRPr lang="en-US"/>
+          </a:p>
+        </p:txBody>
+      </p:sp>
+      <p:sp>
+        <p:nvSpPr>
+          <p:cNvPr id="10" name="TextBox 9">
+            <a:extLst>
+              <a:ext uri="{FF2B5EF4-FFF2-40B4-BE49-F238E27FC236}">
+                <a16:creationId xmlns:a16="http://schemas.microsoft.com/office/drawing/2014/main" id="{0B94630B-26AD-E9EB-7AD5-74DF3DBC067E}"/>
+              </a:ext>
+            </a:extLst>
+          </p:cNvPr>
+          <p:cNvSpPr txBox="1"/>
+          <p:nvPr/>
+        </p:nvSpPr>
+        <p:spPr>
+          <a:xfrm>
+            <a:off x="11520069" y="6287442"/>
+            <a:ext cx="557254" cy="584775"/>
+          </a:xfrm>
+          <a:prstGeom prst="rect">
+            <a:avLst/>
+          </a:prstGeom>
+          <a:noFill/>
+        </p:spPr>
+        <p:txBody>
+          <a:bodyPr wrap="square" rtlCol="0">
+            <a:spAutoFit/>
+          </a:bodyPr>
+          <a:lstStyle/>
+          <a:p>
+            <a:r>
+              <a:rPr lang="en-US" sz="3200" dirty="0">
+                <a:latin typeface="TH SarabunPSK" panose="020B0500040200020003" pitchFamily="34" charset="-34"/>
+                <a:cs typeface="TH SarabunPSK" panose="020B0500040200020003" pitchFamily="34" charset="-34"/>
+              </a:rPr>
+              <a:t>3</a:t>
+            </a:r>
+          </a:p>
+        </p:txBody>
+      </p:sp>
+      <p:sp>
+        <p:nvSpPr>
+          <p:cNvPr id="2" name="Title 1">
+            <a:extLst>
+              <a:ext uri="{FF2B5EF4-FFF2-40B4-BE49-F238E27FC236}">
+                <a16:creationId xmlns:a16="http://schemas.microsoft.com/office/drawing/2014/main" id="{307923E6-5A1B-FD23-41F1-8C46E0E2366B}"/>
+              </a:ext>
+            </a:extLst>
+          </p:cNvPr>
+          <p:cNvSpPr>
+            <a:spLocks noGrp="1"/>
+          </p:cNvSpPr>
+          <p:nvPr>
+            <p:ph type="title"/>
+          </p:nvPr>
+        </p:nvSpPr>
+        <p:spPr>
+          <a:xfrm>
+            <a:off x="838200" y="18255"/>
+            <a:ext cx="10515600" cy="1325563"/>
+          </a:xfrm>
+        </p:spPr>
+        <p:txBody>
+          <a:bodyPr/>
+          <a:lstStyle/>
+          <a:p>
+            <a:r>
+              <a:rPr lang="en-US" dirty="0" err="1">
+                <a:latin typeface="TH SarabunPSK" panose="020B0500040200020003" pitchFamily="34" charset="-34"/>
+                <a:cs typeface="TH SarabunPSK" panose="020B0500040200020003" pitchFamily="34" charset="-34"/>
+              </a:rPr>
+              <a:t>ยกตัวอย่างการชี้วันเดือนปีแบบ</a:t>
+            </a:r>
+            <a:r>
+              <a:rPr lang="en-US" dirty="0">
+                <a:latin typeface="TH SarabunPSK" panose="020B0500040200020003" pitchFamily="34" charset="-34"/>
+                <a:cs typeface="TH SarabunPSK" panose="020B0500040200020003" pitchFamily="34" charset="-34"/>
+              </a:rPr>
+              <a:t> string </a:t>
+            </a:r>
+            <a:r>
+              <a:rPr lang="en-US" dirty="0" err="1">
+                <a:latin typeface="TH SarabunPSK" panose="020B0500040200020003" pitchFamily="34" charset="-34"/>
+                <a:cs typeface="TH SarabunPSK" panose="020B0500040200020003" pitchFamily="34" charset="-34"/>
+              </a:rPr>
+              <a:t>ธรรมดา</a:t>
+            </a:r>
+          </a:p>
+        </p:txBody>
+      </p:sp>
+      <p:pic>
+        <p:nvPicPr>
+          <p:cNvPr id="4" name="Content Placeholder 3" descr="A screenshot of a table&#10;&#10;Description automatically generated">
+            <a:extLst>
+              <a:ext uri="{FF2B5EF4-FFF2-40B4-BE49-F238E27FC236}">
+                <a16:creationId xmlns:a16="http://schemas.microsoft.com/office/drawing/2014/main" id="{D4630A33-2342-5D2C-6547-39F61914FB55}"/>
+              </a:ext>
+            </a:extLst>
+          </p:cNvPr>
+          <p:cNvPicPr>
+            <a:picLocks noGrp="1" noChangeAspect="1"/>
+          </p:cNvPicPr>
+          <p:nvPr>
+            <p:ph idx="1"/>
+          </p:nvPr>
         </p:nvPicPr>
         <p:blipFill>
           <a:blip r:embed="rId3"/>
@@ -4146,8 +5525,35 @@
         </p:blipFill>
         <p:spPr>
           <a:xfrm>
-            <a:off x="1660644" y="3862343"/>
-            <a:ext cx="4583573" cy="2530268"/>
+            <a:off x="5216190" y="2239615"/>
+            <a:ext cx="2787691" cy="3034217"/>
+          </a:xfrm>
+        </p:spPr>
+      </p:pic>
+      <p:pic>
+        <p:nvPicPr>
+          <p:cNvPr id="3" name="Picture 2" descr="A screenshot of a computer&#10;&#10;Description automatically generated">
+            <a:extLst>
+              <a:ext uri="{FF2B5EF4-FFF2-40B4-BE49-F238E27FC236}">
+                <a16:creationId xmlns:a16="http://schemas.microsoft.com/office/drawing/2014/main" id="{FF879B19-AE33-1652-7FBE-367A5E9C6C69}"/>
+              </a:ext>
+            </a:extLst>
+          </p:cNvPr>
+          <p:cNvPicPr>
+            <a:picLocks noChangeAspect="1"/>
+          </p:cNvPicPr>
+          <p:nvPr/>
+        </p:nvPicPr>
+        <p:blipFill>
+          <a:blip r:embed="rId4"/>
+          <a:stretch>
+            <a:fillRect/>
+          </a:stretch>
+        </p:blipFill>
+        <p:spPr>
+          <a:xfrm>
+            <a:off x="1018585" y="2810904"/>
+            <a:ext cx="3426700" cy="1891640"/>
           </a:xfrm>
           <a:prstGeom prst="rect">
             <a:avLst/>
@@ -4186,6 +5592,377 @@
       </p:grpSpPr>
       <p:sp>
         <p:nvSpPr>
+          <p:cNvPr id="3" name="Rectangle 2">
+            <a:extLst>
+              <a:ext uri="{FF2B5EF4-FFF2-40B4-BE49-F238E27FC236}">
+                <a16:creationId xmlns:a16="http://schemas.microsoft.com/office/drawing/2014/main" id="{CAAE9C02-383D-7AC7-1EB4-791B0CB378B5}"/>
+              </a:ext>
+            </a:extLst>
+          </p:cNvPr>
+          <p:cNvSpPr/>
+          <p:nvPr/>
+        </p:nvSpPr>
+        <p:spPr>
+          <a:xfrm>
+            <a:off x="0" y="5840991"/>
+            <a:ext cx="12192000" cy="1017009"/>
+          </a:xfrm>
+          <a:prstGeom prst="rect">
+            <a:avLst/>
+          </a:prstGeom>
+          <a:solidFill>
+            <a:srgbClr val="FFCC99"/>
+          </a:solidFill>
+          <a:ln>
+            <a:solidFill>
+              <a:srgbClr val="FFCC99"/>
+            </a:solidFill>
+          </a:ln>
+        </p:spPr>
+        <p:style>
+          <a:lnRef idx="2">
+            <a:schemeClr val="accent1">
+              <a:shade val="15000"/>
+            </a:schemeClr>
+          </a:lnRef>
+          <a:fillRef idx="1">
+            <a:schemeClr val="accent1"/>
+          </a:fillRef>
+          <a:effectRef idx="0">
+            <a:schemeClr val="accent1"/>
+          </a:effectRef>
+          <a:fontRef idx="minor">
+            <a:schemeClr val="lt1"/>
+          </a:fontRef>
+        </p:style>
+        <p:txBody>
+          <a:bodyPr rtlCol="0" anchor="ctr"/>
+          <a:lstStyle/>
+          <a:p>
+            <a:pPr algn="ctr"/>
+            <a:endParaRPr lang="en-US"/>
+          </a:p>
+        </p:txBody>
+      </p:sp>
+      <p:sp>
+        <p:nvSpPr>
+          <p:cNvPr id="8" name="Rectangle 7">
+            <a:extLst>
+              <a:ext uri="{FF2B5EF4-FFF2-40B4-BE49-F238E27FC236}">
+                <a16:creationId xmlns:a16="http://schemas.microsoft.com/office/drawing/2014/main" id="{A384091F-4B74-E8DA-CC64-4B88044BC6CD}"/>
+              </a:ext>
+            </a:extLst>
+          </p:cNvPr>
+          <p:cNvSpPr/>
+          <p:nvPr/>
+        </p:nvSpPr>
+        <p:spPr>
+          <a:xfrm>
+            <a:off x="0" y="0"/>
+            <a:ext cx="12192000" cy="1136342"/>
+          </a:xfrm>
+          <a:prstGeom prst="rect">
+            <a:avLst/>
+          </a:prstGeom>
+          <a:solidFill>
+            <a:srgbClr val="FFCC99"/>
+          </a:solidFill>
+          <a:ln>
+            <a:solidFill>
+              <a:srgbClr val="FFCC99"/>
+            </a:solidFill>
+          </a:ln>
+        </p:spPr>
+        <p:style>
+          <a:lnRef idx="2">
+            <a:schemeClr val="accent1">
+              <a:shade val="15000"/>
+            </a:schemeClr>
+          </a:lnRef>
+          <a:fillRef idx="1">
+            <a:schemeClr val="accent1"/>
+          </a:fillRef>
+          <a:effectRef idx="0">
+            <a:schemeClr val="accent1"/>
+          </a:effectRef>
+          <a:fontRef idx="minor">
+            <a:schemeClr val="lt1"/>
+          </a:fontRef>
+        </p:style>
+        <p:txBody>
+          <a:bodyPr rtlCol="0" anchor="ctr"/>
+          <a:lstStyle/>
+          <a:p>
+            <a:pPr algn="ctr"/>
+            <a:endParaRPr lang="en-US" dirty="0">
+              <a:noFill/>
+            </a:endParaRPr>
+          </a:p>
+        </p:txBody>
+      </p:sp>
+      <p:pic>
+        <p:nvPicPr>
+          <p:cNvPr id="9" name="Picture 8" descr="A black and white logo&#10;&#10;Description automatically generated">
+            <a:extLst>
+              <a:ext uri="{FF2B5EF4-FFF2-40B4-BE49-F238E27FC236}">
+                <a16:creationId xmlns:a16="http://schemas.microsoft.com/office/drawing/2014/main" id="{96AC339D-9BB9-972D-FEE5-5D21615BF7FD}"/>
+              </a:ext>
+            </a:extLst>
+          </p:cNvPr>
+          <p:cNvPicPr>
+            <a:picLocks noChangeAspect="1"/>
+          </p:cNvPicPr>
+          <p:nvPr/>
+        </p:nvPicPr>
+        <p:blipFill>
+          <a:blip r:embed="rId2">
+            <a:extLst>
+              <a:ext uri="{28A0092B-C50C-407E-A947-70E740481C1C}">
+                <a14:useLocalDpi xmlns:a14="http://schemas.microsoft.com/office/drawing/2010/main" val="0"/>
+              </a:ext>
+            </a:extLst>
+          </a:blip>
+          <a:stretch>
+            <a:fillRect/>
+          </a:stretch>
+        </p:blipFill>
+        <p:spPr>
+          <a:xfrm>
+            <a:off x="11051882" y="119333"/>
+            <a:ext cx="1093483" cy="1017009"/>
+          </a:xfrm>
+          <a:prstGeom prst="rect">
+            <a:avLst/>
+          </a:prstGeom>
+        </p:spPr>
+      </p:pic>
+      <p:sp>
+        <p:nvSpPr>
+          <p:cNvPr id="10" name="Flowchart: Data 2">
+            <a:extLst>
+              <a:ext uri="{FF2B5EF4-FFF2-40B4-BE49-F238E27FC236}">
+                <a16:creationId xmlns:a16="http://schemas.microsoft.com/office/drawing/2014/main" id="{482257B5-1FCD-07C5-76E3-9CF2FE487BE2}"/>
+              </a:ext>
+            </a:extLst>
+          </p:cNvPr>
+          <p:cNvSpPr/>
+          <p:nvPr/>
+        </p:nvSpPr>
+        <p:spPr>
+          <a:xfrm>
+            <a:off x="10848138" y="6264097"/>
+            <a:ext cx="1343862" cy="608120"/>
+          </a:xfrm>
+          <a:custGeom>
+            <a:avLst/>
+            <a:gdLst>
+              <a:gd name="connsiteX0" fmla="*/ 0 w 10000"/>
+              <a:gd name="connsiteY0" fmla="*/ 10000 h 10000"/>
+              <a:gd name="connsiteX1" fmla="*/ 2000 w 10000"/>
+              <a:gd name="connsiteY1" fmla="*/ 0 h 10000"/>
+              <a:gd name="connsiteX2" fmla="*/ 10000 w 10000"/>
+              <a:gd name="connsiteY2" fmla="*/ 0 h 10000"/>
+              <a:gd name="connsiteX3" fmla="*/ 8000 w 10000"/>
+              <a:gd name="connsiteY3" fmla="*/ 10000 h 10000"/>
+              <a:gd name="connsiteX4" fmla="*/ 0 w 10000"/>
+              <a:gd name="connsiteY4" fmla="*/ 10000 h 10000"/>
+              <a:gd name="connsiteX0" fmla="*/ 0 w 8000"/>
+              <a:gd name="connsiteY0" fmla="*/ 10000 h 10000"/>
+              <a:gd name="connsiteX1" fmla="*/ 2000 w 8000"/>
+              <a:gd name="connsiteY1" fmla="*/ 0 h 10000"/>
+              <a:gd name="connsiteX2" fmla="*/ 4142 w 8000"/>
+              <a:gd name="connsiteY2" fmla="*/ 153 h 10000"/>
+              <a:gd name="connsiteX3" fmla="*/ 8000 w 8000"/>
+              <a:gd name="connsiteY3" fmla="*/ 10000 h 10000"/>
+              <a:gd name="connsiteX4" fmla="*/ 0 w 8000"/>
+              <a:gd name="connsiteY4" fmla="*/ 10000 h 10000"/>
+              <a:gd name="connsiteX0" fmla="*/ 0 w 5414"/>
+              <a:gd name="connsiteY0" fmla="*/ 10000 h 10000"/>
+              <a:gd name="connsiteX1" fmla="*/ 2500 w 5414"/>
+              <a:gd name="connsiteY1" fmla="*/ 0 h 10000"/>
+              <a:gd name="connsiteX2" fmla="*/ 5178 w 5414"/>
+              <a:gd name="connsiteY2" fmla="*/ 153 h 10000"/>
+              <a:gd name="connsiteX3" fmla="*/ 5414 w 5414"/>
+              <a:gd name="connsiteY3" fmla="*/ 10000 h 10000"/>
+              <a:gd name="connsiteX4" fmla="*/ 0 w 5414"/>
+              <a:gd name="connsiteY4" fmla="*/ 10000 h 10000"/>
+              <a:gd name="connsiteX0" fmla="*/ 0 w 9609"/>
+              <a:gd name="connsiteY0" fmla="*/ 10000 h 10000"/>
+              <a:gd name="connsiteX1" fmla="*/ 4618 w 9609"/>
+              <a:gd name="connsiteY1" fmla="*/ 0 h 10000"/>
+              <a:gd name="connsiteX2" fmla="*/ 9564 w 9609"/>
+              <a:gd name="connsiteY2" fmla="*/ 153 h 10000"/>
+              <a:gd name="connsiteX3" fmla="*/ 9590 w 9609"/>
+              <a:gd name="connsiteY3" fmla="*/ 10000 h 10000"/>
+              <a:gd name="connsiteX4" fmla="*/ 0 w 9609"/>
+              <a:gd name="connsiteY4" fmla="*/ 10000 h 10000"/>
+              <a:gd name="connsiteX0" fmla="*/ 0 w 10193"/>
+              <a:gd name="connsiteY0" fmla="*/ 10000 h 10153"/>
+              <a:gd name="connsiteX1" fmla="*/ 4806 w 10193"/>
+              <a:gd name="connsiteY1" fmla="*/ 0 h 10153"/>
+              <a:gd name="connsiteX2" fmla="*/ 9953 w 10193"/>
+              <a:gd name="connsiteY2" fmla="*/ 153 h 10153"/>
+              <a:gd name="connsiteX3" fmla="*/ 10193 w 10193"/>
+              <a:gd name="connsiteY3" fmla="*/ 10153 h 10153"/>
+              <a:gd name="connsiteX4" fmla="*/ 0 w 10193"/>
+              <a:gd name="connsiteY4" fmla="*/ 10000 h 10153"/>
+              <a:gd name="connsiteX0" fmla="*/ 0 w 10213"/>
+              <a:gd name="connsiteY0" fmla="*/ 10000 h 10153"/>
+              <a:gd name="connsiteX1" fmla="*/ 4806 w 10213"/>
+              <a:gd name="connsiteY1" fmla="*/ 0 h 10153"/>
+              <a:gd name="connsiteX2" fmla="*/ 10166 w 10213"/>
+              <a:gd name="connsiteY2" fmla="*/ 153 h 10153"/>
+              <a:gd name="connsiteX3" fmla="*/ 10193 w 10213"/>
+              <a:gd name="connsiteY3" fmla="*/ 10153 h 10153"/>
+              <a:gd name="connsiteX4" fmla="*/ 0 w 10213"/>
+              <a:gd name="connsiteY4" fmla="*/ 10000 h 10153"/>
+              <a:gd name="connsiteX0" fmla="*/ 0 w 10341"/>
+              <a:gd name="connsiteY0" fmla="*/ 10000 h 10153"/>
+              <a:gd name="connsiteX1" fmla="*/ 4806 w 10341"/>
+              <a:gd name="connsiteY1" fmla="*/ 0 h 10153"/>
+              <a:gd name="connsiteX2" fmla="*/ 10308 w 10341"/>
+              <a:gd name="connsiteY2" fmla="*/ 0 h 10153"/>
+              <a:gd name="connsiteX3" fmla="*/ 10193 w 10341"/>
+              <a:gd name="connsiteY3" fmla="*/ 10153 h 10153"/>
+              <a:gd name="connsiteX4" fmla="*/ 0 w 10341"/>
+              <a:gd name="connsiteY4" fmla="*/ 10000 h 10153"/>
+              <a:gd name="connsiteX0" fmla="*/ 0 w 10406"/>
+              <a:gd name="connsiteY0" fmla="*/ 10000 h 10306"/>
+              <a:gd name="connsiteX1" fmla="*/ 4806 w 10406"/>
+              <a:gd name="connsiteY1" fmla="*/ 0 h 10306"/>
+              <a:gd name="connsiteX2" fmla="*/ 10308 w 10406"/>
+              <a:gd name="connsiteY2" fmla="*/ 0 h 10306"/>
+              <a:gd name="connsiteX3" fmla="*/ 10406 w 10406"/>
+              <a:gd name="connsiteY3" fmla="*/ 10306 h 10306"/>
+              <a:gd name="connsiteX4" fmla="*/ 0 w 10406"/>
+              <a:gd name="connsiteY4" fmla="*/ 10000 h 10306"/>
+              <a:gd name="connsiteX0" fmla="*/ 0 w 10761"/>
+              <a:gd name="connsiteY0" fmla="*/ 10458 h 10458"/>
+              <a:gd name="connsiteX1" fmla="*/ 5161 w 10761"/>
+              <a:gd name="connsiteY1" fmla="*/ 0 h 10458"/>
+              <a:gd name="connsiteX2" fmla="*/ 10663 w 10761"/>
+              <a:gd name="connsiteY2" fmla="*/ 0 h 10458"/>
+              <a:gd name="connsiteX3" fmla="*/ 10761 w 10761"/>
+              <a:gd name="connsiteY3" fmla="*/ 10306 h 10458"/>
+              <a:gd name="connsiteX4" fmla="*/ 0 w 10761"/>
+              <a:gd name="connsiteY4" fmla="*/ 10458 h 10458"/>
+            </a:gdLst>
+            <a:ahLst/>
+            <a:cxnLst>
+              <a:cxn ang="0">
+                <a:pos x="connsiteX0" y="connsiteY0"/>
+              </a:cxn>
+              <a:cxn ang="0">
+                <a:pos x="connsiteX1" y="connsiteY1"/>
+              </a:cxn>
+              <a:cxn ang="0">
+                <a:pos x="connsiteX2" y="connsiteY2"/>
+              </a:cxn>
+              <a:cxn ang="0">
+                <a:pos x="connsiteX3" y="connsiteY3"/>
+              </a:cxn>
+              <a:cxn ang="0">
+                <a:pos x="connsiteX4" y="connsiteY4"/>
+              </a:cxn>
+            </a:cxnLst>
+            <a:rect l="l" t="t" r="r" b="b"/>
+            <a:pathLst>
+              <a:path w="10761" h="10458">
+                <a:moveTo>
+                  <a:pt x="0" y="10458"/>
+                </a:moveTo>
+                <a:lnTo>
+                  <a:pt x="5161" y="0"/>
+                </a:lnTo>
+                <a:lnTo>
+                  <a:pt x="10663" y="0"/>
+                </a:lnTo>
+                <a:cubicBezTo>
+                  <a:pt x="10815" y="3282"/>
+                  <a:pt x="10609" y="7024"/>
+                  <a:pt x="10761" y="10306"/>
+                </a:cubicBezTo>
+                <a:lnTo>
+                  <a:pt x="0" y="10458"/>
+                </a:lnTo>
+                <a:close/>
+              </a:path>
+            </a:pathLst>
+          </a:custGeom>
+          <a:solidFill>
+            <a:schemeClr val="bg1"/>
+          </a:solidFill>
+          <a:ln w="19050">
+            <a:solidFill>
+              <a:schemeClr val="tx1"/>
+            </a:solidFill>
+          </a:ln>
+        </p:spPr>
+        <p:style>
+          <a:lnRef idx="2">
+            <a:schemeClr val="accent1">
+              <a:shade val="15000"/>
+            </a:schemeClr>
+          </a:lnRef>
+          <a:fillRef idx="1">
+            <a:schemeClr val="accent1"/>
+          </a:fillRef>
+          <a:effectRef idx="0">
+            <a:schemeClr val="accent1"/>
+          </a:effectRef>
+          <a:fontRef idx="minor">
+            <a:schemeClr val="lt1"/>
+          </a:fontRef>
+        </p:style>
+        <p:txBody>
+          <a:bodyPr rtlCol="0" anchor="ctr"/>
+          <a:lstStyle/>
+          <a:p>
+            <a:pPr algn="ctr"/>
+            <a:endParaRPr lang="en-US"/>
+          </a:p>
+        </p:txBody>
+      </p:sp>
+      <p:sp>
+        <p:nvSpPr>
+          <p:cNvPr id="11" name="TextBox 10">
+            <a:extLst>
+              <a:ext uri="{FF2B5EF4-FFF2-40B4-BE49-F238E27FC236}">
+                <a16:creationId xmlns:a16="http://schemas.microsoft.com/office/drawing/2014/main" id="{B5CC04D9-629F-83E1-D884-4D8B29AE4E5B}"/>
+              </a:ext>
+            </a:extLst>
+          </p:cNvPr>
+          <p:cNvSpPr txBox="1"/>
+          <p:nvPr/>
+        </p:nvSpPr>
+        <p:spPr>
+          <a:xfrm>
+            <a:off x="11520069" y="6287442"/>
+            <a:ext cx="557254" cy="584775"/>
+          </a:xfrm>
+          <a:prstGeom prst="rect">
+            <a:avLst/>
+          </a:prstGeom>
+          <a:noFill/>
+        </p:spPr>
+        <p:txBody>
+          <a:bodyPr wrap="square" rtlCol="0">
+            <a:spAutoFit/>
+          </a:bodyPr>
+          <a:lstStyle/>
+          <a:p>
+            <a:r>
+              <a:rPr lang="en-US" sz="3200" dirty="0">
+                <a:latin typeface="TH SarabunPSK" panose="020B0500040200020003" pitchFamily="34" charset="-34"/>
+                <a:cs typeface="TH SarabunPSK" panose="020B0500040200020003" pitchFamily="34" charset="-34"/>
+              </a:rPr>
+              <a:t>4</a:t>
+            </a:r>
+          </a:p>
+        </p:txBody>
+      </p:sp>
+      <p:sp>
+        <p:nvSpPr>
           <p:cNvPr id="2" name="Title 1">
             <a:extLst>
               <a:ext uri="{FF2B5EF4-FFF2-40B4-BE49-F238E27FC236}">
@@ -4200,39 +5977,37 @@
             <p:ph type="title"/>
           </p:nvPr>
         </p:nvSpPr>
-        <p:spPr/>
+        <p:spPr>
+          <a:xfrm>
+            <a:off x="838200" y="20587"/>
+            <a:ext cx="10515600" cy="1325563"/>
+          </a:xfrm>
+        </p:spPr>
         <p:txBody>
           <a:bodyPr/>
           <a:lstStyle/>
           <a:p>
             <a:r>
               <a:rPr lang="en-US" dirty="0" err="1">
-                <a:latin typeface="Angsana New" panose="02020603050405020304" pitchFamily="18" charset="-34"/>
+                <a:latin typeface="TH SarabunPSK" panose="020B0500040200020003" pitchFamily="34" charset="-34"/>
                 <a:ea typeface="+mj-lt"/>
-                <a:cs typeface="Angsana New" panose="02020603050405020304" pitchFamily="18" charset="-34"/>
+                <a:cs typeface="TH SarabunPSK" panose="020B0500040200020003" pitchFamily="34" charset="-34"/>
               </a:rPr>
               <a:t>ยกตัวอย่างการชี้วันเดือนปีแบบ</a:t>
             </a:r>
             <a:r>
               <a:rPr lang="en-US" dirty="0">
-                <a:latin typeface="Angsana New" panose="02020603050405020304" pitchFamily="18" charset="-34"/>
+                <a:latin typeface="TH SarabunPSK" panose="020B0500040200020003" pitchFamily="34" charset="-34"/>
                 <a:ea typeface="+mj-lt"/>
-                <a:cs typeface="Angsana New" panose="02020603050405020304" pitchFamily="18" charset="-34"/>
-              </a:rPr>
-              <a:t> </a:t>
-            </a:r>
-            <a:r>
-              <a:rPr lang="en-US" dirty="0">
+                <a:cs typeface="TH SarabunPSK" panose="020B0500040200020003" pitchFamily="34" charset="-34"/>
+              </a:rPr>
+              <a:t> string </a:t>
+            </a:r>
+            <a:r>
+              <a:rPr lang="en-US" dirty="0" err="1">
+                <a:latin typeface="TH SarabunPSK" panose="020B0500040200020003" pitchFamily="34" charset="-34"/>
                 <a:ea typeface="+mj-lt"/>
-                <a:cs typeface="+mj-lt"/>
-              </a:rPr>
-              <a:t>string </a:t>
-            </a:r>
-            <a:r>
-              <a:rPr lang="en-US" dirty="0" err="1">
-                <a:latin typeface="Angsana New" panose="02020603050405020304" pitchFamily="18" charset="-34"/>
-                <a:ea typeface="+mj-lt"/>
-                <a:cs typeface="Angsana New" panose="02020603050405020304" pitchFamily="18" charset="-34"/>
+                <a:cs typeface="TH SarabunPSK" panose="020B0500040200020003" pitchFamily="34" charset="-34"/>
               </a:rPr>
               <a:t>ธรรมดา</a:t>
             </a:r>
@@ -4256,15 +6031,15 @@
           </p:nvPr>
         </p:nvPicPr>
         <p:blipFill>
-          <a:blip r:embed="rId2"/>
+          <a:blip r:embed="rId3"/>
           <a:stretch>
             <a:fillRect/>
           </a:stretch>
         </p:blipFill>
         <p:spPr>
           <a:xfrm>
-            <a:off x="7735255" y="2006097"/>
-            <a:ext cx="3552754" cy="3977022"/>
+            <a:off x="7649910" y="1914900"/>
+            <a:ext cx="2852842" cy="3193527"/>
           </a:xfrm>
         </p:spPr>
       </p:pic>
@@ -4284,7 +6059,7 @@
         </p:nvSpPr>
         <p:spPr>
           <a:xfrm>
-            <a:off x="838200" y="1825625"/>
+            <a:off x="903991" y="1366737"/>
             <a:ext cx="6477000" cy="615178"/>
           </a:xfrm>
           <a:prstGeom prst="rect">
@@ -4465,25 +6240,29 @@
             </a:pPr>
             <a:r>
               <a:rPr lang="en-US" sz="2400" dirty="0" err="1">
-                <a:latin typeface="Aptos"/>
+                <a:latin typeface="TH SarabunPSK" panose="020B0500040200020003" pitchFamily="34" charset="-34"/>
+                <a:cs typeface="TH SarabunPSK" panose="020B0500040200020003" pitchFamily="34" charset="-34"/>
               </a:rPr>
               <a:t>เปลี่ยนรูปแบบวันเดือนปี</a:t>
             </a:r>
             <a:r>
               <a:rPr lang="en-US" sz="2400" dirty="0">
-                <a:latin typeface="Aptos"/>
+                <a:latin typeface="TH SarabunPSK" panose="020B0500040200020003" pitchFamily="34" charset="-34"/>
+                <a:cs typeface="TH SarabunPSK" panose="020B0500040200020003" pitchFamily="34" charset="-34"/>
               </a:rPr>
               <a:t> </a:t>
             </a:r>
             <a:r>
               <a:rPr lang="en-US" sz="2400" dirty="0" err="1">
-                <a:latin typeface="Aptos"/>
+                <a:latin typeface="TH SarabunPSK" panose="020B0500040200020003" pitchFamily="34" charset="-34"/>
+                <a:cs typeface="TH SarabunPSK" panose="020B0500040200020003" pitchFamily="34" charset="-34"/>
               </a:rPr>
               <a:t>และลองชี้และเรียงแบบ</a:t>
             </a:r>
             <a:r>
               <a:rPr lang="en-US" sz="2400" dirty="0">
-                <a:latin typeface="Aptos"/>
+                <a:latin typeface="TH SarabunPSK" panose="020B0500040200020003" pitchFamily="34" charset="-34"/>
+                <a:cs typeface="TH SarabunPSK" panose="020B0500040200020003" pitchFamily="34" charset="-34"/>
               </a:rPr>
               <a:t> string</a:t>
             </a:r>
@@ -4513,14 +6292,14 @@
           <p:nvPr/>
         </p:nvPicPr>
         <p:blipFill>
-          <a:blip r:embed="rId3"/>
+          <a:blip r:embed="rId4"/>
           <a:stretch>
             <a:fillRect/>
           </a:stretch>
         </p:blipFill>
         <p:spPr>
           <a:xfrm>
-            <a:off x="1603624" y="2440803"/>
+            <a:off x="1172910" y="1935060"/>
             <a:ext cx="4923090" cy="1976393"/>
           </a:xfrm>
           <a:prstGeom prst="rect">
@@ -4544,7 +6323,7 @@
         </p:nvSpPr>
         <p:spPr>
           <a:xfrm>
-            <a:off x="772409" y="4712616"/>
+            <a:off x="838200" y="4253728"/>
             <a:ext cx="6542791" cy="1780259"/>
           </a:xfrm>
           <a:prstGeom prst="rect">
@@ -4725,19 +6504,22 @@
             </a:pPr>
             <a:r>
               <a:rPr lang="th-TH" sz="2400" dirty="0">
-                <a:latin typeface="Aptos"/>
+                <a:latin typeface="TH SarabunPSK" panose="020B0500040200020003" pitchFamily="34" charset="-34"/>
+                <a:cs typeface="TH SarabunPSK" panose="020B0500040200020003" pitchFamily="34" charset="-34"/>
               </a:rPr>
               <a:t>จะเห็นว่า เรียงไม่ถูก เพราะการเรียงแบบพื้นฐานของ </a:t>
             </a:r>
             <a:r>
               <a:rPr lang="en-US" sz="2400" dirty="0">
-                <a:latin typeface="Aptos"/>
+                <a:latin typeface="TH SarabunPSK" panose="020B0500040200020003" pitchFamily="34" charset="-34"/>
+                <a:cs typeface="TH SarabunPSK" panose="020B0500040200020003" pitchFamily="34" charset="-34"/>
               </a:rPr>
               <a:t>string </a:t>
             </a:r>
             <a:r>
               <a:rPr lang="th-TH" sz="2400" dirty="0">
-                <a:latin typeface="Aptos"/>
+                <a:latin typeface="TH SarabunPSK" panose="020B0500040200020003" pitchFamily="34" charset="-34"/>
+                <a:cs typeface="TH SarabunPSK" panose="020B0500040200020003" pitchFamily="34" charset="-34"/>
               </a:rPr>
               <a:t>จะเรียงจาก</a:t>
             </a:r>
@@ -4748,60 +6530,70 @@
             </a:pPr>
             <a:r>
               <a:rPr lang="th-TH" sz="2400" dirty="0">
-                <a:latin typeface="Aptos"/>
+                <a:latin typeface="TH SarabunPSK" panose="020B0500040200020003" pitchFamily="34" charset="-34"/>
+                <a:cs typeface="TH SarabunPSK" panose="020B0500040200020003" pitchFamily="34" charset="-34"/>
               </a:rPr>
               <a:t>หน้าไปหลัง</a:t>
             </a:r>
             <a:r>
               <a:rPr lang="en-US" sz="2400" dirty="0">
-                <a:latin typeface="Aptos"/>
+                <a:latin typeface="TH SarabunPSK" panose="020B0500040200020003" pitchFamily="34" charset="-34"/>
+                <a:cs typeface="TH SarabunPSK" panose="020B0500040200020003" pitchFamily="34" charset="-34"/>
               </a:rPr>
               <a:t>, 00</a:t>
             </a:r>
             <a:r>
               <a:rPr lang="th-TH" sz="2400" dirty="0">
-                <a:latin typeface="Aptos"/>
+                <a:latin typeface="TH SarabunPSK" panose="020B0500040200020003" pitchFamily="34" charset="-34"/>
+                <a:cs typeface="TH SarabunPSK" panose="020B0500040200020003" pitchFamily="34" charset="-34"/>
               </a:rPr>
               <a:t> ถึง </a:t>
             </a:r>
             <a:r>
               <a:rPr lang="en-US" sz="2400" dirty="0">
-                <a:latin typeface="Aptos"/>
+                <a:latin typeface="TH SarabunPSK" panose="020B0500040200020003" pitchFamily="34" charset="-34"/>
+                <a:cs typeface="TH SarabunPSK" panose="020B0500040200020003" pitchFamily="34" charset="-34"/>
               </a:rPr>
               <a:t>10</a:t>
             </a:r>
             <a:r>
               <a:rPr lang="th-TH" sz="2400" dirty="0">
-                <a:latin typeface="Aptos"/>
+                <a:latin typeface="TH SarabunPSK" panose="020B0500040200020003" pitchFamily="34" charset="-34"/>
+                <a:cs typeface="TH SarabunPSK" panose="020B0500040200020003" pitchFamily="34" charset="-34"/>
               </a:rPr>
               <a:t> หรือ</a:t>
             </a:r>
             <a:r>
               <a:rPr lang="en-US" sz="2400" dirty="0">
-                <a:latin typeface="Aptos"/>
+                <a:latin typeface="TH SarabunPSK" panose="020B0500040200020003" pitchFamily="34" charset="-34"/>
+                <a:cs typeface="TH SarabunPSK" panose="020B0500040200020003" pitchFamily="34" charset="-34"/>
               </a:rPr>
               <a:t> 000 </a:t>
             </a:r>
             <a:r>
               <a:rPr lang="th-TH" sz="2400" dirty="0">
-                <a:latin typeface="Aptos"/>
+                <a:latin typeface="TH SarabunPSK" panose="020B0500040200020003" pitchFamily="34" charset="-34"/>
+                <a:cs typeface="TH SarabunPSK" panose="020B0500040200020003" pitchFamily="34" charset="-34"/>
               </a:rPr>
               <a:t>ถึง </a:t>
             </a:r>
             <a:r>
               <a:rPr lang="en-US" sz="2400" dirty="0">
-                <a:latin typeface="Aptos"/>
+                <a:latin typeface="TH SarabunPSK" panose="020B0500040200020003" pitchFamily="34" charset="-34"/>
+                <a:cs typeface="TH SarabunPSK" panose="020B0500040200020003" pitchFamily="34" charset="-34"/>
               </a:rPr>
               <a:t>999</a:t>
             </a:r>
             <a:r>
               <a:rPr lang="th-TH" sz="2400" dirty="0">
-                <a:latin typeface="Aptos"/>
+                <a:latin typeface="TH SarabunPSK" panose="020B0500040200020003" pitchFamily="34" charset="-34"/>
+                <a:cs typeface="TH SarabunPSK" panose="020B0500040200020003" pitchFamily="34" charset="-34"/>
               </a:rPr>
               <a:t> </a:t>
             </a:r>
             <a:endParaRPr lang="en-US" sz="2400" dirty="0">
-              <a:latin typeface="Aptos"/>
+              <a:latin typeface="TH SarabunPSK" panose="020B0500040200020003" pitchFamily="34" charset="-34"/>
+              <a:cs typeface="TH SarabunPSK" panose="020B0500040200020003" pitchFamily="34" charset="-34"/>
             </a:endParaRPr>
           </a:p>
           <a:p>
@@ -4810,42 +6602,49 @@
             </a:pPr>
             <a:r>
               <a:rPr lang="th-TH" sz="2400" dirty="0">
-                <a:latin typeface="Aptos"/>
+                <a:latin typeface="TH SarabunPSK" panose="020B0500040200020003" pitchFamily="34" charset="-34"/>
+                <a:cs typeface="TH SarabunPSK" panose="020B0500040200020003" pitchFamily="34" charset="-34"/>
               </a:rPr>
               <a:t>ถ้าเป็นตัวอักษรจะเริ่มจาก </a:t>
             </a:r>
             <a:r>
               <a:rPr lang="en-US" sz="2400" dirty="0">
-                <a:latin typeface="Aptos"/>
+                <a:latin typeface="TH SarabunPSK" panose="020B0500040200020003" pitchFamily="34" charset="-34"/>
+                <a:cs typeface="TH SarabunPSK" panose="020B0500040200020003" pitchFamily="34" charset="-34"/>
               </a:rPr>
               <a:t>Aa </a:t>
             </a:r>
             <a:r>
               <a:rPr lang="th-TH" sz="2400" dirty="0">
-                <a:latin typeface="Aptos"/>
+                <a:latin typeface="TH SarabunPSK" panose="020B0500040200020003" pitchFamily="34" charset="-34"/>
+                <a:cs typeface="TH SarabunPSK" panose="020B0500040200020003" pitchFamily="34" charset="-34"/>
               </a:rPr>
               <a:t>หรือ กก</a:t>
             </a:r>
             <a:r>
               <a:rPr lang="en-US" sz="2400" dirty="0">
-                <a:latin typeface="Aptos"/>
+                <a:latin typeface="TH SarabunPSK" panose="020B0500040200020003" pitchFamily="34" charset="-34"/>
+                <a:cs typeface="TH SarabunPSK" panose="020B0500040200020003" pitchFamily="34" charset="-34"/>
               </a:rPr>
               <a:t> </a:t>
             </a:r>
             <a:r>
               <a:rPr lang="th-TH" sz="2400" dirty="0">
-                <a:latin typeface="Aptos"/>
+                <a:latin typeface="TH SarabunPSK" panose="020B0500040200020003" pitchFamily="34" charset="-34"/>
+                <a:cs typeface="TH SarabunPSK" panose="020B0500040200020003" pitchFamily="34" charset="-34"/>
               </a:rPr>
               <a:t>ดังนั้นจึงมีแค่ </a:t>
             </a:r>
             <a:r>
               <a:rPr lang="en-US" sz="2400" dirty="0">
-                <a:latin typeface="Aptos"/>
+                <a:latin typeface="TH SarabunPSK" panose="020B0500040200020003" pitchFamily="34" charset="-34"/>
+                <a:cs typeface="TH SarabunPSK" panose="020B0500040200020003" pitchFamily="34" charset="-34"/>
               </a:rPr>
               <a:t>01-06-2020</a:t>
             </a:r>
             <a:endParaRPr lang="th-TH" sz="2400" dirty="0">
-              <a:latin typeface="Aptos"/>
+              <a:latin typeface="TH SarabunPSK" panose="020B0500040200020003" pitchFamily="34" charset="-34"/>
+              <a:cs typeface="TH SarabunPSK" panose="020B0500040200020003" pitchFamily="34" charset="-34"/>
             </a:endParaRPr>
           </a:p>
           <a:p>
@@ -4854,13 +6653,15 @@
             </a:pPr>
             <a:r>
               <a:rPr lang="th-TH" sz="2400" dirty="0">
-                <a:latin typeface="Aptos"/>
+                <a:latin typeface="TH SarabunPSK" panose="020B0500040200020003" pitchFamily="34" charset="-34"/>
+                <a:cs typeface="TH SarabunPSK" panose="020B0500040200020003" pitchFamily="34" charset="-34"/>
               </a:rPr>
               <a:t>ที่น้อยกว่า </a:t>
             </a:r>
             <a:r>
               <a:rPr lang="en-US" sz="2400" dirty="0">
-                <a:latin typeface="Aptos"/>
+                <a:latin typeface="TH SarabunPSK" panose="020B0500040200020003" pitchFamily="34" charset="-34"/>
+                <a:cs typeface="TH SarabunPSK" panose="020B0500040200020003" pitchFamily="34" charset="-34"/>
               </a:rPr>
               <a:t>02-06-2020</a:t>
             </a:r>
@@ -4907,6 +6708,377 @@
       </p:grpSpPr>
       <p:sp>
         <p:nvSpPr>
+          <p:cNvPr id="4" name="Rectangle 3">
+            <a:extLst>
+              <a:ext uri="{FF2B5EF4-FFF2-40B4-BE49-F238E27FC236}">
+                <a16:creationId xmlns:a16="http://schemas.microsoft.com/office/drawing/2014/main" id="{25B0EC58-4BC5-1A4A-6EF4-1A1D2DC1E15A}"/>
+              </a:ext>
+            </a:extLst>
+          </p:cNvPr>
+          <p:cNvSpPr/>
+          <p:nvPr/>
+        </p:nvSpPr>
+        <p:spPr>
+          <a:xfrm>
+            <a:off x="0" y="5840991"/>
+            <a:ext cx="12192000" cy="1017009"/>
+          </a:xfrm>
+          <a:prstGeom prst="rect">
+            <a:avLst/>
+          </a:prstGeom>
+          <a:solidFill>
+            <a:srgbClr val="FFCC99"/>
+          </a:solidFill>
+          <a:ln>
+            <a:solidFill>
+              <a:srgbClr val="FFCC99"/>
+            </a:solidFill>
+          </a:ln>
+        </p:spPr>
+        <p:style>
+          <a:lnRef idx="2">
+            <a:schemeClr val="accent1">
+              <a:shade val="15000"/>
+            </a:schemeClr>
+          </a:lnRef>
+          <a:fillRef idx="1">
+            <a:schemeClr val="accent1"/>
+          </a:fillRef>
+          <a:effectRef idx="0">
+            <a:schemeClr val="accent1"/>
+          </a:effectRef>
+          <a:fontRef idx="minor">
+            <a:schemeClr val="lt1"/>
+          </a:fontRef>
+        </p:style>
+        <p:txBody>
+          <a:bodyPr rtlCol="0" anchor="ctr"/>
+          <a:lstStyle/>
+          <a:p>
+            <a:pPr algn="ctr"/>
+            <a:endParaRPr lang="en-US"/>
+          </a:p>
+        </p:txBody>
+      </p:sp>
+      <p:sp>
+        <p:nvSpPr>
+          <p:cNvPr id="5" name="Rectangle 4">
+            <a:extLst>
+              <a:ext uri="{FF2B5EF4-FFF2-40B4-BE49-F238E27FC236}">
+                <a16:creationId xmlns:a16="http://schemas.microsoft.com/office/drawing/2014/main" id="{31EF109D-DE13-1F2A-E025-2731D7BC5EB5}"/>
+              </a:ext>
+            </a:extLst>
+          </p:cNvPr>
+          <p:cNvSpPr/>
+          <p:nvPr/>
+        </p:nvSpPr>
+        <p:spPr>
+          <a:xfrm>
+            <a:off x="0" y="0"/>
+            <a:ext cx="12192000" cy="1136342"/>
+          </a:xfrm>
+          <a:prstGeom prst="rect">
+            <a:avLst/>
+          </a:prstGeom>
+          <a:solidFill>
+            <a:srgbClr val="FFCC99"/>
+          </a:solidFill>
+          <a:ln>
+            <a:solidFill>
+              <a:srgbClr val="FFCC99"/>
+            </a:solidFill>
+          </a:ln>
+        </p:spPr>
+        <p:style>
+          <a:lnRef idx="2">
+            <a:schemeClr val="accent1">
+              <a:shade val="15000"/>
+            </a:schemeClr>
+          </a:lnRef>
+          <a:fillRef idx="1">
+            <a:schemeClr val="accent1"/>
+          </a:fillRef>
+          <a:effectRef idx="0">
+            <a:schemeClr val="accent1"/>
+          </a:effectRef>
+          <a:fontRef idx="minor">
+            <a:schemeClr val="lt1"/>
+          </a:fontRef>
+        </p:style>
+        <p:txBody>
+          <a:bodyPr rtlCol="0" anchor="ctr"/>
+          <a:lstStyle/>
+          <a:p>
+            <a:pPr algn="ctr"/>
+            <a:endParaRPr lang="en-US" dirty="0">
+              <a:noFill/>
+            </a:endParaRPr>
+          </a:p>
+        </p:txBody>
+      </p:sp>
+      <p:pic>
+        <p:nvPicPr>
+          <p:cNvPr id="6" name="Picture 5" descr="A black and white logo&#10;&#10;Description automatically generated">
+            <a:extLst>
+              <a:ext uri="{FF2B5EF4-FFF2-40B4-BE49-F238E27FC236}">
+                <a16:creationId xmlns:a16="http://schemas.microsoft.com/office/drawing/2014/main" id="{4EA15ADE-6B2E-6D3F-2847-D19DF9468CEA}"/>
+              </a:ext>
+            </a:extLst>
+          </p:cNvPr>
+          <p:cNvPicPr>
+            <a:picLocks noChangeAspect="1"/>
+          </p:cNvPicPr>
+          <p:nvPr/>
+        </p:nvPicPr>
+        <p:blipFill>
+          <a:blip r:embed="rId2">
+            <a:extLst>
+              <a:ext uri="{28A0092B-C50C-407E-A947-70E740481C1C}">
+                <a14:useLocalDpi xmlns:a14="http://schemas.microsoft.com/office/drawing/2010/main" val="0"/>
+              </a:ext>
+            </a:extLst>
+          </a:blip>
+          <a:stretch>
+            <a:fillRect/>
+          </a:stretch>
+        </p:blipFill>
+        <p:spPr>
+          <a:xfrm>
+            <a:off x="11051882" y="119333"/>
+            <a:ext cx="1093483" cy="1017009"/>
+          </a:xfrm>
+          <a:prstGeom prst="rect">
+            <a:avLst/>
+          </a:prstGeom>
+        </p:spPr>
+      </p:pic>
+      <p:sp>
+        <p:nvSpPr>
+          <p:cNvPr id="7" name="Flowchart: Data 2">
+            <a:extLst>
+              <a:ext uri="{FF2B5EF4-FFF2-40B4-BE49-F238E27FC236}">
+                <a16:creationId xmlns:a16="http://schemas.microsoft.com/office/drawing/2014/main" id="{10CF2696-6116-F0EE-38C7-E1B1B1C185B4}"/>
+              </a:ext>
+            </a:extLst>
+          </p:cNvPr>
+          <p:cNvSpPr/>
+          <p:nvPr/>
+        </p:nvSpPr>
+        <p:spPr>
+          <a:xfrm>
+            <a:off x="10848138" y="6264097"/>
+            <a:ext cx="1343862" cy="608120"/>
+          </a:xfrm>
+          <a:custGeom>
+            <a:avLst/>
+            <a:gdLst>
+              <a:gd name="connsiteX0" fmla="*/ 0 w 10000"/>
+              <a:gd name="connsiteY0" fmla="*/ 10000 h 10000"/>
+              <a:gd name="connsiteX1" fmla="*/ 2000 w 10000"/>
+              <a:gd name="connsiteY1" fmla="*/ 0 h 10000"/>
+              <a:gd name="connsiteX2" fmla="*/ 10000 w 10000"/>
+              <a:gd name="connsiteY2" fmla="*/ 0 h 10000"/>
+              <a:gd name="connsiteX3" fmla="*/ 8000 w 10000"/>
+              <a:gd name="connsiteY3" fmla="*/ 10000 h 10000"/>
+              <a:gd name="connsiteX4" fmla="*/ 0 w 10000"/>
+              <a:gd name="connsiteY4" fmla="*/ 10000 h 10000"/>
+              <a:gd name="connsiteX0" fmla="*/ 0 w 8000"/>
+              <a:gd name="connsiteY0" fmla="*/ 10000 h 10000"/>
+              <a:gd name="connsiteX1" fmla="*/ 2000 w 8000"/>
+              <a:gd name="connsiteY1" fmla="*/ 0 h 10000"/>
+              <a:gd name="connsiteX2" fmla="*/ 4142 w 8000"/>
+              <a:gd name="connsiteY2" fmla="*/ 153 h 10000"/>
+              <a:gd name="connsiteX3" fmla="*/ 8000 w 8000"/>
+              <a:gd name="connsiteY3" fmla="*/ 10000 h 10000"/>
+              <a:gd name="connsiteX4" fmla="*/ 0 w 8000"/>
+              <a:gd name="connsiteY4" fmla="*/ 10000 h 10000"/>
+              <a:gd name="connsiteX0" fmla="*/ 0 w 5414"/>
+              <a:gd name="connsiteY0" fmla="*/ 10000 h 10000"/>
+              <a:gd name="connsiteX1" fmla="*/ 2500 w 5414"/>
+              <a:gd name="connsiteY1" fmla="*/ 0 h 10000"/>
+              <a:gd name="connsiteX2" fmla="*/ 5178 w 5414"/>
+              <a:gd name="connsiteY2" fmla="*/ 153 h 10000"/>
+              <a:gd name="connsiteX3" fmla="*/ 5414 w 5414"/>
+              <a:gd name="connsiteY3" fmla="*/ 10000 h 10000"/>
+              <a:gd name="connsiteX4" fmla="*/ 0 w 5414"/>
+              <a:gd name="connsiteY4" fmla="*/ 10000 h 10000"/>
+              <a:gd name="connsiteX0" fmla="*/ 0 w 9609"/>
+              <a:gd name="connsiteY0" fmla="*/ 10000 h 10000"/>
+              <a:gd name="connsiteX1" fmla="*/ 4618 w 9609"/>
+              <a:gd name="connsiteY1" fmla="*/ 0 h 10000"/>
+              <a:gd name="connsiteX2" fmla="*/ 9564 w 9609"/>
+              <a:gd name="connsiteY2" fmla="*/ 153 h 10000"/>
+              <a:gd name="connsiteX3" fmla="*/ 9590 w 9609"/>
+              <a:gd name="connsiteY3" fmla="*/ 10000 h 10000"/>
+              <a:gd name="connsiteX4" fmla="*/ 0 w 9609"/>
+              <a:gd name="connsiteY4" fmla="*/ 10000 h 10000"/>
+              <a:gd name="connsiteX0" fmla="*/ 0 w 10193"/>
+              <a:gd name="connsiteY0" fmla="*/ 10000 h 10153"/>
+              <a:gd name="connsiteX1" fmla="*/ 4806 w 10193"/>
+              <a:gd name="connsiteY1" fmla="*/ 0 h 10153"/>
+              <a:gd name="connsiteX2" fmla="*/ 9953 w 10193"/>
+              <a:gd name="connsiteY2" fmla="*/ 153 h 10153"/>
+              <a:gd name="connsiteX3" fmla="*/ 10193 w 10193"/>
+              <a:gd name="connsiteY3" fmla="*/ 10153 h 10153"/>
+              <a:gd name="connsiteX4" fmla="*/ 0 w 10193"/>
+              <a:gd name="connsiteY4" fmla="*/ 10000 h 10153"/>
+              <a:gd name="connsiteX0" fmla="*/ 0 w 10213"/>
+              <a:gd name="connsiteY0" fmla="*/ 10000 h 10153"/>
+              <a:gd name="connsiteX1" fmla="*/ 4806 w 10213"/>
+              <a:gd name="connsiteY1" fmla="*/ 0 h 10153"/>
+              <a:gd name="connsiteX2" fmla="*/ 10166 w 10213"/>
+              <a:gd name="connsiteY2" fmla="*/ 153 h 10153"/>
+              <a:gd name="connsiteX3" fmla="*/ 10193 w 10213"/>
+              <a:gd name="connsiteY3" fmla="*/ 10153 h 10153"/>
+              <a:gd name="connsiteX4" fmla="*/ 0 w 10213"/>
+              <a:gd name="connsiteY4" fmla="*/ 10000 h 10153"/>
+              <a:gd name="connsiteX0" fmla="*/ 0 w 10341"/>
+              <a:gd name="connsiteY0" fmla="*/ 10000 h 10153"/>
+              <a:gd name="connsiteX1" fmla="*/ 4806 w 10341"/>
+              <a:gd name="connsiteY1" fmla="*/ 0 h 10153"/>
+              <a:gd name="connsiteX2" fmla="*/ 10308 w 10341"/>
+              <a:gd name="connsiteY2" fmla="*/ 0 h 10153"/>
+              <a:gd name="connsiteX3" fmla="*/ 10193 w 10341"/>
+              <a:gd name="connsiteY3" fmla="*/ 10153 h 10153"/>
+              <a:gd name="connsiteX4" fmla="*/ 0 w 10341"/>
+              <a:gd name="connsiteY4" fmla="*/ 10000 h 10153"/>
+              <a:gd name="connsiteX0" fmla="*/ 0 w 10406"/>
+              <a:gd name="connsiteY0" fmla="*/ 10000 h 10306"/>
+              <a:gd name="connsiteX1" fmla="*/ 4806 w 10406"/>
+              <a:gd name="connsiteY1" fmla="*/ 0 h 10306"/>
+              <a:gd name="connsiteX2" fmla="*/ 10308 w 10406"/>
+              <a:gd name="connsiteY2" fmla="*/ 0 h 10306"/>
+              <a:gd name="connsiteX3" fmla="*/ 10406 w 10406"/>
+              <a:gd name="connsiteY3" fmla="*/ 10306 h 10306"/>
+              <a:gd name="connsiteX4" fmla="*/ 0 w 10406"/>
+              <a:gd name="connsiteY4" fmla="*/ 10000 h 10306"/>
+              <a:gd name="connsiteX0" fmla="*/ 0 w 10761"/>
+              <a:gd name="connsiteY0" fmla="*/ 10458 h 10458"/>
+              <a:gd name="connsiteX1" fmla="*/ 5161 w 10761"/>
+              <a:gd name="connsiteY1" fmla="*/ 0 h 10458"/>
+              <a:gd name="connsiteX2" fmla="*/ 10663 w 10761"/>
+              <a:gd name="connsiteY2" fmla="*/ 0 h 10458"/>
+              <a:gd name="connsiteX3" fmla="*/ 10761 w 10761"/>
+              <a:gd name="connsiteY3" fmla="*/ 10306 h 10458"/>
+              <a:gd name="connsiteX4" fmla="*/ 0 w 10761"/>
+              <a:gd name="connsiteY4" fmla="*/ 10458 h 10458"/>
+            </a:gdLst>
+            <a:ahLst/>
+            <a:cxnLst>
+              <a:cxn ang="0">
+                <a:pos x="connsiteX0" y="connsiteY0"/>
+              </a:cxn>
+              <a:cxn ang="0">
+                <a:pos x="connsiteX1" y="connsiteY1"/>
+              </a:cxn>
+              <a:cxn ang="0">
+                <a:pos x="connsiteX2" y="connsiteY2"/>
+              </a:cxn>
+              <a:cxn ang="0">
+                <a:pos x="connsiteX3" y="connsiteY3"/>
+              </a:cxn>
+              <a:cxn ang="0">
+                <a:pos x="connsiteX4" y="connsiteY4"/>
+              </a:cxn>
+            </a:cxnLst>
+            <a:rect l="l" t="t" r="r" b="b"/>
+            <a:pathLst>
+              <a:path w="10761" h="10458">
+                <a:moveTo>
+                  <a:pt x="0" y="10458"/>
+                </a:moveTo>
+                <a:lnTo>
+                  <a:pt x="5161" y="0"/>
+                </a:lnTo>
+                <a:lnTo>
+                  <a:pt x="10663" y="0"/>
+                </a:lnTo>
+                <a:cubicBezTo>
+                  <a:pt x="10815" y="3282"/>
+                  <a:pt x="10609" y="7024"/>
+                  <a:pt x="10761" y="10306"/>
+                </a:cubicBezTo>
+                <a:lnTo>
+                  <a:pt x="0" y="10458"/>
+                </a:lnTo>
+                <a:close/>
+              </a:path>
+            </a:pathLst>
+          </a:custGeom>
+          <a:solidFill>
+            <a:schemeClr val="bg1"/>
+          </a:solidFill>
+          <a:ln w="19050">
+            <a:solidFill>
+              <a:schemeClr val="tx1"/>
+            </a:solidFill>
+          </a:ln>
+        </p:spPr>
+        <p:style>
+          <a:lnRef idx="2">
+            <a:schemeClr val="accent1">
+              <a:shade val="15000"/>
+            </a:schemeClr>
+          </a:lnRef>
+          <a:fillRef idx="1">
+            <a:schemeClr val="accent1"/>
+          </a:fillRef>
+          <a:effectRef idx="0">
+            <a:schemeClr val="accent1"/>
+          </a:effectRef>
+          <a:fontRef idx="minor">
+            <a:schemeClr val="lt1"/>
+          </a:fontRef>
+        </p:style>
+        <p:txBody>
+          <a:bodyPr rtlCol="0" anchor="ctr"/>
+          <a:lstStyle/>
+          <a:p>
+            <a:pPr algn="ctr"/>
+            <a:endParaRPr lang="en-US"/>
+          </a:p>
+        </p:txBody>
+      </p:sp>
+      <p:sp>
+        <p:nvSpPr>
+          <p:cNvPr id="8" name="TextBox 7">
+            <a:extLst>
+              <a:ext uri="{FF2B5EF4-FFF2-40B4-BE49-F238E27FC236}">
+                <a16:creationId xmlns:a16="http://schemas.microsoft.com/office/drawing/2014/main" id="{1617ACDA-D206-FA65-81A4-203F81C00CA1}"/>
+              </a:ext>
+            </a:extLst>
+          </p:cNvPr>
+          <p:cNvSpPr txBox="1"/>
+          <p:nvPr/>
+        </p:nvSpPr>
+        <p:spPr>
+          <a:xfrm>
+            <a:off x="11520069" y="6287442"/>
+            <a:ext cx="557254" cy="584775"/>
+          </a:xfrm>
+          <a:prstGeom prst="rect">
+            <a:avLst/>
+          </a:prstGeom>
+          <a:noFill/>
+        </p:spPr>
+        <p:txBody>
+          <a:bodyPr wrap="square" rtlCol="0">
+            <a:spAutoFit/>
+          </a:bodyPr>
+          <a:lstStyle/>
+          <a:p>
+            <a:r>
+              <a:rPr lang="en-US" sz="3200" dirty="0">
+                <a:latin typeface="TH SarabunPSK" panose="020B0500040200020003" pitchFamily="34" charset="-34"/>
+                <a:cs typeface="TH SarabunPSK" panose="020B0500040200020003" pitchFamily="34" charset="-34"/>
+              </a:rPr>
+              <a:t>5</a:t>
+            </a:r>
+          </a:p>
+        </p:txBody>
+      </p:sp>
+      <p:sp>
+        <p:nvSpPr>
           <p:cNvPr id="2" name="Title 1">
             <a:extLst>
               <a:ext uri="{FF2B5EF4-FFF2-40B4-BE49-F238E27FC236}">
@@ -4921,28 +7093,52 @@
             <p:ph type="title"/>
           </p:nvPr>
         </p:nvSpPr>
-        <p:spPr/>
+        <p:spPr>
+          <a:xfrm>
+            <a:off x="838200" y="18255"/>
+            <a:ext cx="10515600" cy="1325563"/>
+          </a:xfrm>
+        </p:spPr>
         <p:txBody>
           <a:bodyPr/>
           <a:lstStyle/>
           <a:p>
             <a:r>
               <a:rPr lang="en-US" dirty="0" err="1">
+                <a:latin typeface="TH SarabunPSK" panose="020B0500040200020003" pitchFamily="34" charset="-34"/>
                 <a:ea typeface="+mj-lt"/>
-                <a:cs typeface="+mj-lt"/>
+                <a:cs typeface="TH SarabunPSK" panose="020B0500040200020003" pitchFamily="34" charset="-34"/>
               </a:rPr>
               <a:t>การ</a:t>
             </a:r>
             <a:r>
               <a:rPr lang="th-TH" dirty="0">
+                <a:latin typeface="TH SarabunPSK" panose="020B0500040200020003" pitchFamily="34" charset="-34"/>
                 <a:ea typeface="+mj-lt"/>
-                <a:cs typeface="+mj-lt"/>
+                <a:cs typeface="TH SarabunPSK" panose="020B0500040200020003" pitchFamily="34" charset="-34"/>
               </a:rPr>
               <a:t>ใช้ </a:t>
             </a:r>
             <a:r>
-              <a:rPr lang="en-US" dirty="0"/>
-              <a:t>timestamp</a:t>
+              <a:rPr lang="en-US" dirty="0">
+                <a:latin typeface="TH SarabunPSK" panose="020B0500040200020003" pitchFamily="34" charset="-34"/>
+                <a:cs typeface="TH SarabunPSK" panose="020B0500040200020003" pitchFamily="34" charset="-34"/>
+              </a:rPr>
+              <a:t>timestamp (.</a:t>
+            </a:r>
+            <a:r>
+              <a:rPr lang="en-US" dirty="0" err="1">
+                <a:latin typeface="TH SarabunPSK" panose="020B0500040200020003" pitchFamily="34" charset="-34"/>
+                <a:cs typeface="TH SarabunPSK" panose="020B0500040200020003" pitchFamily="34" charset="-34"/>
+              </a:rPr>
+              <a:t>to_datetime</a:t>
+            </a:r>
+            <a:r>
+              <a:rPr lang="en-US" dirty="0">
+                <a:latin typeface="TH SarabunPSK" panose="020B0500040200020003" pitchFamily="34" charset="-34"/>
+                <a:cs typeface="TH SarabunPSK" panose="020B0500040200020003" pitchFamily="34" charset="-34"/>
+              </a:rPr>
+              <a:t>)</a:t>
             </a:r>
           </a:p>
         </p:txBody>
@@ -4963,7 +7159,12 @@
             <p:ph idx="1"/>
           </p:nvPr>
         </p:nvSpPr>
-        <p:spPr/>
+        <p:spPr>
+          <a:xfrm>
+            <a:off x="838200" y="1422733"/>
+            <a:ext cx="10515600" cy="4351338"/>
+          </a:xfrm>
+        </p:spPr>
         <p:txBody>
           <a:bodyPr>
             <a:normAutofit lnSpcReduction="10000"/>
@@ -4971,13 +7172,16 @@
           <a:lstStyle/>
           <a:p>
             <a:r>
-              <a:rPr lang="th-TH" dirty="0"/>
+              <a:rPr lang="th-TH" dirty="0">
+                <a:latin typeface="TH SarabunPSK" panose="020B0500040200020003" pitchFamily="34" charset="-34"/>
+                <a:cs typeface="TH SarabunPSK" panose="020B0500040200020003" pitchFamily="34" charset="-34"/>
+              </a:rPr>
               <a:t>การใช้งาน</a:t>
             </a:r>
           </a:p>
           <a:p>
             <a:r>
-              <a:rPr lang="en-US" sz="2400" b="0" dirty="0">
+              <a:rPr lang="en-US" sz="1800" b="0" dirty="0">
                 <a:solidFill>
                   <a:srgbClr val="AF00DB"/>
                 </a:solidFill>
@@ -4987,7 +7191,7 @@
               <a:t>import</a:t>
             </a:r>
             <a:r>
-              <a:rPr lang="en-US" sz="2400" b="0" dirty="0">
+              <a:rPr lang="en-US" sz="1800" b="0" dirty="0">
                 <a:solidFill>
                   <a:srgbClr val="000000"/>
                 </a:solidFill>
@@ -4997,7 +7201,7 @@
               <a:t> pandas </a:t>
             </a:r>
             <a:r>
-              <a:rPr lang="en-US" sz="2400" b="0" dirty="0">
+              <a:rPr lang="en-US" sz="1800" b="0" dirty="0">
                 <a:solidFill>
                   <a:srgbClr val="AF00DB"/>
                 </a:solidFill>
@@ -5007,7 +7211,7 @@
               <a:t>as</a:t>
             </a:r>
             <a:r>
-              <a:rPr lang="en-US" sz="2400" b="0" dirty="0">
+              <a:rPr lang="en-US" sz="1800" b="0" dirty="0">
                 <a:solidFill>
                   <a:srgbClr val="000000"/>
                 </a:solidFill>
@@ -5019,12 +7223,13 @@
           </a:p>
           <a:p>
             <a:r>
-              <a:rPr lang="nn-NO" sz="2400" b="0" dirty="0">
+              <a:rPr lang="nn-NO" sz="1800" b="0" dirty="0">
                 <a:solidFill>
                   <a:srgbClr val="000000"/>
                 </a:solidFill>
                 <a:effectLst/>
                 <a:latin typeface="Courier New" panose="02070309020205020404" pitchFamily="49" charset="0"/>
+                <a:cs typeface="Courier New" panose="02070309020205020404" pitchFamily="49" charset="0"/>
               </a:rPr>
               <a:t>pd.to_datetime(‘</a:t>
             </a:r>
@@ -5035,46 +7240,51 @@
                 </a:solidFill>
                 <a:effectLst/>
                 <a:latin typeface="Courier New" panose="02070309020205020404" pitchFamily="49" charset="0"/>
+                <a:cs typeface="TH SarabunPSK" panose="020B0500040200020003" pitchFamily="34" charset="-34"/>
               </a:rPr>
               <a:t>ข้อมูลคอลัมน์ที่ต้องการ</a:t>
             </a:r>
             <a:r>
-              <a:rPr lang="en-US" sz="2400" b="0" dirty="0">
+              <a:rPr lang="en-US" sz="1800" b="0" dirty="0">
                 <a:solidFill>
                   <a:srgbClr val="000000"/>
                 </a:solidFill>
                 <a:effectLst/>
                 <a:latin typeface="Courier New" panose="02070309020205020404" pitchFamily="49" charset="0"/>
+                <a:cs typeface="Courier New" panose="02070309020205020404" pitchFamily="49" charset="0"/>
               </a:rPr>
               <a:t>’</a:t>
             </a:r>
             <a:r>
-              <a:rPr lang="nn-NO" sz="2400" b="0" dirty="0">
+              <a:rPr lang="nn-NO" sz="1800" b="0" dirty="0">
                 <a:solidFill>
                   <a:srgbClr val="000000"/>
                 </a:solidFill>
                 <a:effectLst/>
                 <a:latin typeface="Courier New" panose="02070309020205020404" pitchFamily="49" charset="0"/>
+                <a:cs typeface="Courier New" panose="02070309020205020404" pitchFamily="49" charset="0"/>
               </a:rPr>
               <a:t>, format=</a:t>
             </a:r>
             <a:r>
-              <a:rPr lang="nn-NO" sz="2400" b="0" dirty="0">
+              <a:rPr lang="nn-NO" sz="1800" b="0" dirty="0">
                 <a:solidFill>
                   <a:srgbClr val="A31515"/>
                 </a:solidFill>
                 <a:effectLst/>
                 <a:latin typeface="Courier New" panose="02070309020205020404" pitchFamily="49" charset="0"/>
+                <a:cs typeface="Courier New" panose="02070309020205020404" pitchFamily="49" charset="0"/>
               </a:rPr>
               <a:t>'%d-%m-%Y’</a:t>
             </a:r>
             <a:r>
-              <a:rPr lang="nn-NO" sz="2400" b="0" dirty="0">
+              <a:rPr lang="nn-NO" sz="1800" b="0" dirty="0">
                 <a:solidFill>
                   <a:srgbClr val="000000"/>
                 </a:solidFill>
                 <a:effectLst/>
                 <a:latin typeface="Courier New" panose="02070309020205020404" pitchFamily="49" charset="0"/>
+                <a:cs typeface="Courier New" panose="02070309020205020404" pitchFamily="49" charset="0"/>
               </a:rPr>
               <a:t>)</a:t>
             </a:r>
@@ -5085,7 +7295,8 @@
                 <a:solidFill>
                   <a:srgbClr val="000000"/>
                 </a:solidFill>
-                <a:latin typeface="Courier New" panose="02070309020205020404" pitchFamily="49" charset="0"/>
+                <a:latin typeface="TH SarabunPSK" panose="020B0500040200020003" pitchFamily="34" charset="-34"/>
+                <a:cs typeface="TH SarabunPSK" panose="020B0500040200020003" pitchFamily="34" charset="-34"/>
               </a:rPr>
               <a:t>โดย </a:t>
             </a:r>
@@ -5094,7 +7305,8 @@
                 <a:solidFill>
                   <a:srgbClr val="000000"/>
                 </a:solidFill>
-                <a:latin typeface="Courier New" panose="02070309020205020404" pitchFamily="49" charset="0"/>
+                <a:latin typeface="TH SarabunPSK" panose="020B0500040200020003" pitchFamily="34" charset="-34"/>
+                <a:cs typeface="TH SarabunPSK" panose="020B0500040200020003" pitchFamily="34" charset="-34"/>
               </a:rPr>
               <a:t>Input: format </a:t>
             </a:r>
@@ -5103,7 +7315,8 @@
                 <a:solidFill>
                   <a:srgbClr val="000000"/>
                 </a:solidFill>
-                <a:latin typeface="Courier New" panose="02070309020205020404" pitchFamily="49" charset="0"/>
+                <a:latin typeface="TH SarabunPSK" panose="020B0500040200020003" pitchFamily="34" charset="-34"/>
+                <a:cs typeface="TH SarabunPSK" panose="020B0500040200020003" pitchFamily="34" charset="-34"/>
               </a:rPr>
               <a:t>จะใช้กำหนดรูปแบบวันเดือนปีของข้อมูล </a:t>
             </a:r>
@@ -5112,7 +7325,8 @@
                 <a:solidFill>
                   <a:srgbClr val="000000"/>
                 </a:solidFill>
-                <a:latin typeface="Courier New" panose="02070309020205020404" pitchFamily="49" charset="0"/>
+                <a:latin typeface="TH SarabunPSK" panose="020B0500040200020003" pitchFamily="34" charset="-34"/>
+                <a:cs typeface="TH SarabunPSK" panose="020B0500040200020003" pitchFamily="34" charset="-34"/>
               </a:rPr>
               <a:t>input</a:t>
             </a:r>
@@ -5120,27 +7334,30 @@
               <a:solidFill>
                 <a:srgbClr val="000000"/>
               </a:solidFill>
-              <a:latin typeface="Courier New" panose="02070309020205020404" pitchFamily="49" charset="0"/>
+              <a:latin typeface="TH SarabunPSK" panose="020B0500040200020003" pitchFamily="34" charset="-34"/>
+              <a:cs typeface="TH SarabunPSK" panose="020B0500040200020003" pitchFamily="34" charset="-34"/>
             </a:endParaRPr>
           </a:p>
           <a:p>
             <a:r>
-              <a:rPr lang="nn-NO" sz="2400" b="0" dirty="0">
+              <a:rPr lang="nn-NO" sz="1800" b="0" dirty="0">
                 <a:solidFill>
                   <a:srgbClr val="A31515"/>
                 </a:solidFill>
                 <a:effectLst/>
                 <a:latin typeface="Courier New" panose="02070309020205020404" pitchFamily="49" charset="0"/>
+                <a:cs typeface="Courier New" panose="02070309020205020404" pitchFamily="49" charset="0"/>
               </a:rPr>
               <a:t>%d</a:t>
             </a:r>
             <a:r>
-              <a:rPr lang="th-TH" sz="2400" b="0" dirty="0">
+              <a:rPr lang="th-TH" sz="1800" b="0" dirty="0">
                 <a:solidFill>
                   <a:srgbClr val="A31515"/>
                 </a:solidFill>
                 <a:effectLst/>
                 <a:latin typeface="Courier New" panose="02070309020205020404" pitchFamily="49" charset="0"/>
+                <a:cs typeface="TH SarabunPSK" panose="020B0500040200020003" pitchFamily="34" charset="-34"/>
               </a:rPr>
               <a:t> </a:t>
             </a:r>
@@ -5148,32 +7365,36 @@
               <a:rPr lang="th-TH" sz="2400" b="0" dirty="0">
                 <a:effectLst/>
                 <a:latin typeface="Courier New" panose="02070309020205020404" pitchFamily="49" charset="0"/>
+                <a:cs typeface="TH SarabunPSK" panose="020B0500040200020003" pitchFamily="34" charset="-34"/>
               </a:rPr>
               <a:t>คือ วัน</a:t>
             </a:r>
             <a:endParaRPr lang="nn-NO" sz="2400" b="0" dirty="0">
               <a:effectLst/>
               <a:latin typeface="Courier New" panose="02070309020205020404" pitchFamily="49" charset="0"/>
+              <a:cs typeface="Courier New" panose="02070309020205020404" pitchFamily="49" charset="0"/>
             </a:endParaRPr>
           </a:p>
           <a:p>
             <a:r>
-              <a:rPr lang="nn-NO" sz="2400" b="0" dirty="0">
+              <a:rPr lang="nn-NO" sz="1800" b="0" dirty="0">
                 <a:solidFill>
                   <a:srgbClr val="A31515"/>
                 </a:solidFill>
                 <a:effectLst/>
                 <a:latin typeface="Courier New" panose="02070309020205020404" pitchFamily="49" charset="0"/>
+                <a:cs typeface="Courier New" panose="02070309020205020404" pitchFamily="49" charset="0"/>
               </a:rPr>
               <a:t>%m</a:t>
             </a:r>
             <a:r>
-              <a:rPr lang="th-TH" sz="2400" b="0" dirty="0">
+              <a:rPr lang="th-TH" sz="1800" b="0" dirty="0">
                 <a:solidFill>
                   <a:srgbClr val="A31515"/>
                 </a:solidFill>
                 <a:effectLst/>
                 <a:latin typeface="Courier New" panose="02070309020205020404" pitchFamily="49" charset="0"/>
+                <a:cs typeface="TH SarabunPSK" panose="020B0500040200020003" pitchFamily="34" charset="-34"/>
               </a:rPr>
               <a:t> </a:t>
             </a:r>
@@ -5181,119 +7402,130 @@
               <a:rPr lang="th-TH" sz="2400" b="0" dirty="0">
                 <a:effectLst/>
                 <a:latin typeface="Courier New" panose="02070309020205020404" pitchFamily="49" charset="0"/>
+                <a:cs typeface="TH SarabunPSK" panose="020B0500040200020003" pitchFamily="34" charset="-34"/>
               </a:rPr>
               <a:t>คือ เดือน</a:t>
             </a:r>
           </a:p>
           <a:p>
             <a:r>
-              <a:rPr lang="nn-NO" sz="2400" b="0" dirty="0">
+              <a:rPr lang="nn-NO" sz="1800" b="0" dirty="0">
                 <a:solidFill>
                   <a:srgbClr val="A31515"/>
                 </a:solidFill>
                 <a:effectLst/>
                 <a:latin typeface="Courier New" panose="02070309020205020404" pitchFamily="49" charset="0"/>
+                <a:cs typeface="Courier New" panose="02070309020205020404" pitchFamily="49" charset="0"/>
               </a:rPr>
               <a:t>%Y</a:t>
             </a:r>
             <a:r>
-              <a:rPr lang="th-TH" sz="2400" dirty="0">
+              <a:rPr lang="th-TH" sz="1800" dirty="0">
                 <a:solidFill>
                   <a:srgbClr val="A31515"/>
                 </a:solidFill>
                 <a:latin typeface="Courier New" panose="02070309020205020404" pitchFamily="49" charset="0"/>
+                <a:cs typeface="TH SarabunPSK" panose="020B0500040200020003" pitchFamily="34" charset="-34"/>
               </a:rPr>
               <a:t> </a:t>
             </a:r>
             <a:r>
               <a:rPr lang="th-TH" sz="2400" dirty="0">
                 <a:latin typeface="Courier New" panose="02070309020205020404" pitchFamily="49" charset="0"/>
+                <a:cs typeface="TH SarabunPSK" panose="020B0500040200020003" pitchFamily="34" charset="-34"/>
               </a:rPr>
               <a:t>คือ ปี</a:t>
-            </a:r>
-            <a:r>
-              <a:rPr lang="en-US" sz="2400" dirty="0">
-                <a:latin typeface="Courier New" panose="02070309020205020404" pitchFamily="49" charset="0"/>
-              </a:rPr>
-              <a:t> </a:t>
-            </a:r>
-          </a:p>
-          <a:p>
-            <a:r>
-              <a:rPr lang="th-TH" sz="2400" dirty="0">
-                <a:latin typeface="Courier New" panose="02070309020205020404" pitchFamily="49" charset="0"/>
-                <a:cs typeface="Courier New" panose="02070309020205020404" pitchFamily="49" charset="0"/>
-              </a:rPr>
-              <a:t>รูปแบบข้อมูลในคอลัมน์คือ </a:t>
             </a:r>
             <a:r>
               <a:rPr lang="en-US" sz="2400" dirty="0">
                 <a:latin typeface="Courier New" panose="02070309020205020404" pitchFamily="49" charset="0"/>
                 <a:cs typeface="Courier New" panose="02070309020205020404" pitchFamily="49" charset="0"/>
               </a:rPr>
+              <a:t> </a:t>
+            </a:r>
+          </a:p>
+          <a:p>
+            <a:r>
+              <a:rPr lang="th-TH" sz="2400" dirty="0">
+                <a:latin typeface="Courier New" panose="02070309020205020404" pitchFamily="49" charset="0"/>
+                <a:cs typeface="TH SarabunPSK" panose="020B0500040200020003" pitchFamily="34" charset="-34"/>
+              </a:rPr>
+              <a:t>รูปแบบข้อมูลในคอลัมน์คือ </a:t>
+            </a:r>
+            <a:r>
+              <a:rPr lang="en-US" sz="1800" dirty="0">
+                <a:latin typeface="Courier New" panose="02070309020205020404" pitchFamily="49" charset="0"/>
+                <a:cs typeface="Courier New" panose="02070309020205020404" pitchFamily="49" charset="0"/>
+              </a:rPr>
               <a:t>01-06-2020 </a:t>
             </a:r>
             <a:r>
-              <a:rPr lang="nn-NO" sz="2400" b="0" dirty="0">
+              <a:rPr lang="nn-NO" sz="1800" b="0" dirty="0">
                 <a:solidFill>
                   <a:srgbClr val="000000"/>
                 </a:solidFill>
                 <a:effectLst/>
                 <a:latin typeface="Courier New" panose="02070309020205020404" pitchFamily="49" charset="0"/>
+                <a:cs typeface="Courier New" panose="02070309020205020404" pitchFamily="49" charset="0"/>
               </a:rPr>
               <a:t>format=</a:t>
             </a:r>
             <a:r>
-              <a:rPr lang="nn-NO" sz="2400" b="0" dirty="0">
+              <a:rPr lang="nn-NO" sz="1800" b="0" dirty="0">
                 <a:solidFill>
                   <a:srgbClr val="A31515"/>
                 </a:solidFill>
                 <a:effectLst/>
                 <a:latin typeface="Courier New" panose="02070309020205020404" pitchFamily="49" charset="0"/>
+                <a:cs typeface="Courier New" panose="02070309020205020404" pitchFamily="49" charset="0"/>
               </a:rPr>
               <a:t>'%d-%m-%Y’</a:t>
             </a:r>
-            <a:endParaRPr lang="en-US" sz="2400" dirty="0">
+            <a:endParaRPr lang="en-US" sz="1800" dirty="0">
               <a:solidFill>
                 <a:srgbClr val="000000"/>
               </a:solidFill>
               <a:latin typeface="Courier New" panose="02070309020205020404" pitchFamily="49" charset="0"/>
+              <a:cs typeface="Courier New" panose="02070309020205020404" pitchFamily="49" charset="0"/>
             </a:endParaRPr>
           </a:p>
           <a:p>
             <a:r>
               <a:rPr lang="th-TH" sz="2400" dirty="0">
                 <a:latin typeface="Courier New" panose="02070309020205020404" pitchFamily="49" charset="0"/>
+                <a:cs typeface="TH SarabunPSK" panose="020B0500040200020003" pitchFamily="34" charset="-34"/>
+              </a:rPr>
+              <a:t>รูปแบบข้อมูลในคอลัมน์คือ </a:t>
+            </a:r>
+            <a:r>
+              <a:rPr lang="en-US" sz="1800" dirty="0">
+                <a:solidFill>
+                  <a:srgbClr val="000000"/>
+                </a:solidFill>
+                <a:latin typeface="Courier New" panose="02070309020205020404" pitchFamily="49" charset="0"/>
                 <a:cs typeface="Courier New" panose="02070309020205020404" pitchFamily="49" charset="0"/>
               </a:rPr>
-              <a:t>รูปแบบข้อมูลในคอลัมน์คือ </a:t>
-            </a:r>
-            <a:r>
-              <a:rPr lang="en-US" sz="2400" dirty="0">
-                <a:solidFill>
-                  <a:srgbClr val="000000"/>
-                </a:solidFill>
-                <a:latin typeface="Courier New" panose="02070309020205020404" pitchFamily="49" charset="0"/>
-              </a:rPr>
               <a:t>2020-06-01 </a:t>
             </a:r>
             <a:r>
-              <a:rPr lang="nn-NO" sz="2400" b="0" dirty="0">
+              <a:rPr lang="nn-NO" sz="1800" b="0" dirty="0">
                 <a:solidFill>
                   <a:srgbClr val="000000"/>
                 </a:solidFill>
                 <a:effectLst/>
                 <a:latin typeface="Courier New" panose="02070309020205020404" pitchFamily="49" charset="0"/>
+                <a:cs typeface="Courier New" panose="02070309020205020404" pitchFamily="49" charset="0"/>
               </a:rPr>
               <a:t>format=</a:t>
             </a:r>
             <a:r>
-              <a:rPr lang="nn-NO" sz="2400" b="0" dirty="0">
+              <a:rPr lang="nn-NO" sz="1800" b="0" dirty="0">
                 <a:solidFill>
                   <a:srgbClr val="A31515"/>
                 </a:solidFill>
                 <a:effectLst/>
                 <a:latin typeface="Courier New" panose="02070309020205020404" pitchFamily="49" charset="0"/>
+                <a:cs typeface="Courier New" panose="02070309020205020404" pitchFamily="49" charset="0"/>
               </a:rPr>
               <a:t>'%Y-%m-%d’</a:t>
             </a:r>
@@ -5302,33 +7534,36 @@
             <a:r>
               <a:rPr lang="th-TH" sz="2400" dirty="0">
                 <a:latin typeface="Courier New" panose="02070309020205020404" pitchFamily="49" charset="0"/>
+                <a:cs typeface="TH SarabunPSK" panose="020B0500040200020003" pitchFamily="34" charset="-34"/>
+              </a:rPr>
+              <a:t>รูปแบบข้อมูลในคอลัมน์คือ </a:t>
+            </a:r>
+            <a:r>
+              <a:rPr lang="nn-NO" sz="1800" dirty="0">
+                <a:latin typeface="Courier New" panose="02070309020205020404" pitchFamily="49" charset="0"/>
                 <a:cs typeface="Courier New" panose="02070309020205020404" pitchFamily="49" charset="0"/>
               </a:rPr>
-              <a:t>รูปแบบข้อมูลในคอลัมน์คือ </a:t>
-            </a:r>
-            <a:r>
-              <a:rPr lang="nn-NO" sz="2400" dirty="0">
-                <a:latin typeface="Courier New" panose="02070309020205020404" pitchFamily="49" charset="0"/>
-              </a:rPr>
               <a:t>01/06/2020 format</a:t>
             </a:r>
             <a:r>
-              <a:rPr lang="nn-NO" sz="2400" b="0" dirty="0">
+              <a:rPr lang="nn-NO" sz="1800" b="0" dirty="0">
                 <a:solidFill>
                   <a:srgbClr val="000000"/>
                 </a:solidFill>
                 <a:effectLst/>
                 <a:latin typeface="Courier New" panose="02070309020205020404" pitchFamily="49" charset="0"/>
+                <a:cs typeface="Courier New" panose="02070309020205020404" pitchFamily="49" charset="0"/>
               </a:rPr>
               <a:t>=</a:t>
             </a:r>
             <a:r>
-              <a:rPr lang="nn-NO" sz="2400" b="0" dirty="0">
+              <a:rPr lang="nn-NO" sz="1800" b="0" dirty="0">
                 <a:solidFill>
                   <a:srgbClr val="A31515"/>
                 </a:solidFill>
                 <a:effectLst/>
                 <a:latin typeface="Courier New" panose="02070309020205020404" pitchFamily="49" charset="0"/>
+                <a:cs typeface="Courier New" panose="02070309020205020404" pitchFamily="49" charset="0"/>
               </a:rPr>
               <a:t>‘%d/%m/%Y’</a:t>
             </a:r>
@@ -5379,6 +7614,377 @@
       </p:grpSpPr>
       <p:sp>
         <p:nvSpPr>
+          <p:cNvPr id="4" name="Rectangle 3">
+            <a:extLst>
+              <a:ext uri="{FF2B5EF4-FFF2-40B4-BE49-F238E27FC236}">
+                <a16:creationId xmlns:a16="http://schemas.microsoft.com/office/drawing/2014/main" id="{D32B8CC8-3EB1-1BB8-C47A-A55C10ADE6CF}"/>
+              </a:ext>
+            </a:extLst>
+          </p:cNvPr>
+          <p:cNvSpPr/>
+          <p:nvPr/>
+        </p:nvSpPr>
+        <p:spPr>
+          <a:xfrm>
+            <a:off x="0" y="5840991"/>
+            <a:ext cx="12192000" cy="1017009"/>
+          </a:xfrm>
+          <a:prstGeom prst="rect">
+            <a:avLst/>
+          </a:prstGeom>
+          <a:solidFill>
+            <a:srgbClr val="FFCC99"/>
+          </a:solidFill>
+          <a:ln>
+            <a:solidFill>
+              <a:srgbClr val="FFCC99"/>
+            </a:solidFill>
+          </a:ln>
+        </p:spPr>
+        <p:style>
+          <a:lnRef idx="2">
+            <a:schemeClr val="accent1">
+              <a:shade val="15000"/>
+            </a:schemeClr>
+          </a:lnRef>
+          <a:fillRef idx="1">
+            <a:schemeClr val="accent1"/>
+          </a:fillRef>
+          <a:effectRef idx="0">
+            <a:schemeClr val="accent1"/>
+          </a:effectRef>
+          <a:fontRef idx="minor">
+            <a:schemeClr val="lt1"/>
+          </a:fontRef>
+        </p:style>
+        <p:txBody>
+          <a:bodyPr rtlCol="0" anchor="ctr"/>
+          <a:lstStyle/>
+          <a:p>
+            <a:pPr algn="ctr"/>
+            <a:endParaRPr lang="en-US"/>
+          </a:p>
+        </p:txBody>
+      </p:sp>
+      <p:sp>
+        <p:nvSpPr>
+          <p:cNvPr id="6" name="Rectangle 5">
+            <a:extLst>
+              <a:ext uri="{FF2B5EF4-FFF2-40B4-BE49-F238E27FC236}">
+                <a16:creationId xmlns:a16="http://schemas.microsoft.com/office/drawing/2014/main" id="{1AF38FA0-47BF-C7B6-F5F4-617A700C87D8}"/>
+              </a:ext>
+            </a:extLst>
+          </p:cNvPr>
+          <p:cNvSpPr/>
+          <p:nvPr/>
+        </p:nvSpPr>
+        <p:spPr>
+          <a:xfrm>
+            <a:off x="0" y="0"/>
+            <a:ext cx="12192000" cy="1136342"/>
+          </a:xfrm>
+          <a:prstGeom prst="rect">
+            <a:avLst/>
+          </a:prstGeom>
+          <a:solidFill>
+            <a:srgbClr val="FFCC99"/>
+          </a:solidFill>
+          <a:ln>
+            <a:solidFill>
+              <a:srgbClr val="FFCC99"/>
+            </a:solidFill>
+          </a:ln>
+        </p:spPr>
+        <p:style>
+          <a:lnRef idx="2">
+            <a:schemeClr val="accent1">
+              <a:shade val="15000"/>
+            </a:schemeClr>
+          </a:lnRef>
+          <a:fillRef idx="1">
+            <a:schemeClr val="accent1"/>
+          </a:fillRef>
+          <a:effectRef idx="0">
+            <a:schemeClr val="accent1"/>
+          </a:effectRef>
+          <a:fontRef idx="minor">
+            <a:schemeClr val="lt1"/>
+          </a:fontRef>
+        </p:style>
+        <p:txBody>
+          <a:bodyPr rtlCol="0" anchor="ctr"/>
+          <a:lstStyle/>
+          <a:p>
+            <a:pPr algn="ctr"/>
+            <a:endParaRPr lang="en-US" dirty="0">
+              <a:noFill/>
+            </a:endParaRPr>
+          </a:p>
+        </p:txBody>
+      </p:sp>
+      <p:pic>
+        <p:nvPicPr>
+          <p:cNvPr id="7" name="Picture 6" descr="A black and white logo&#10;&#10;Description automatically generated">
+            <a:extLst>
+              <a:ext uri="{FF2B5EF4-FFF2-40B4-BE49-F238E27FC236}">
+                <a16:creationId xmlns:a16="http://schemas.microsoft.com/office/drawing/2014/main" id="{F65D7BFA-0B4C-4EE9-2E0C-99C0D390CCD6}"/>
+              </a:ext>
+            </a:extLst>
+          </p:cNvPr>
+          <p:cNvPicPr>
+            <a:picLocks noChangeAspect="1"/>
+          </p:cNvPicPr>
+          <p:nvPr/>
+        </p:nvPicPr>
+        <p:blipFill>
+          <a:blip r:embed="rId2">
+            <a:extLst>
+              <a:ext uri="{28A0092B-C50C-407E-A947-70E740481C1C}">
+                <a14:useLocalDpi xmlns:a14="http://schemas.microsoft.com/office/drawing/2010/main" val="0"/>
+              </a:ext>
+            </a:extLst>
+          </a:blip>
+          <a:stretch>
+            <a:fillRect/>
+          </a:stretch>
+        </p:blipFill>
+        <p:spPr>
+          <a:xfrm>
+            <a:off x="11051882" y="119333"/>
+            <a:ext cx="1093483" cy="1017009"/>
+          </a:xfrm>
+          <a:prstGeom prst="rect">
+            <a:avLst/>
+          </a:prstGeom>
+        </p:spPr>
+      </p:pic>
+      <p:sp>
+        <p:nvSpPr>
+          <p:cNvPr id="8" name="Flowchart: Data 2">
+            <a:extLst>
+              <a:ext uri="{FF2B5EF4-FFF2-40B4-BE49-F238E27FC236}">
+                <a16:creationId xmlns:a16="http://schemas.microsoft.com/office/drawing/2014/main" id="{C53676E3-4EB8-B54B-4DE0-FBBA8FE3E7FC}"/>
+              </a:ext>
+            </a:extLst>
+          </p:cNvPr>
+          <p:cNvSpPr/>
+          <p:nvPr/>
+        </p:nvSpPr>
+        <p:spPr>
+          <a:xfrm>
+            <a:off x="10848138" y="6264097"/>
+            <a:ext cx="1343862" cy="608120"/>
+          </a:xfrm>
+          <a:custGeom>
+            <a:avLst/>
+            <a:gdLst>
+              <a:gd name="connsiteX0" fmla="*/ 0 w 10000"/>
+              <a:gd name="connsiteY0" fmla="*/ 10000 h 10000"/>
+              <a:gd name="connsiteX1" fmla="*/ 2000 w 10000"/>
+              <a:gd name="connsiteY1" fmla="*/ 0 h 10000"/>
+              <a:gd name="connsiteX2" fmla="*/ 10000 w 10000"/>
+              <a:gd name="connsiteY2" fmla="*/ 0 h 10000"/>
+              <a:gd name="connsiteX3" fmla="*/ 8000 w 10000"/>
+              <a:gd name="connsiteY3" fmla="*/ 10000 h 10000"/>
+              <a:gd name="connsiteX4" fmla="*/ 0 w 10000"/>
+              <a:gd name="connsiteY4" fmla="*/ 10000 h 10000"/>
+              <a:gd name="connsiteX0" fmla="*/ 0 w 8000"/>
+              <a:gd name="connsiteY0" fmla="*/ 10000 h 10000"/>
+              <a:gd name="connsiteX1" fmla="*/ 2000 w 8000"/>
+              <a:gd name="connsiteY1" fmla="*/ 0 h 10000"/>
+              <a:gd name="connsiteX2" fmla="*/ 4142 w 8000"/>
+              <a:gd name="connsiteY2" fmla="*/ 153 h 10000"/>
+              <a:gd name="connsiteX3" fmla="*/ 8000 w 8000"/>
+              <a:gd name="connsiteY3" fmla="*/ 10000 h 10000"/>
+              <a:gd name="connsiteX4" fmla="*/ 0 w 8000"/>
+              <a:gd name="connsiteY4" fmla="*/ 10000 h 10000"/>
+              <a:gd name="connsiteX0" fmla="*/ 0 w 5414"/>
+              <a:gd name="connsiteY0" fmla="*/ 10000 h 10000"/>
+              <a:gd name="connsiteX1" fmla="*/ 2500 w 5414"/>
+              <a:gd name="connsiteY1" fmla="*/ 0 h 10000"/>
+              <a:gd name="connsiteX2" fmla="*/ 5178 w 5414"/>
+              <a:gd name="connsiteY2" fmla="*/ 153 h 10000"/>
+              <a:gd name="connsiteX3" fmla="*/ 5414 w 5414"/>
+              <a:gd name="connsiteY3" fmla="*/ 10000 h 10000"/>
+              <a:gd name="connsiteX4" fmla="*/ 0 w 5414"/>
+              <a:gd name="connsiteY4" fmla="*/ 10000 h 10000"/>
+              <a:gd name="connsiteX0" fmla="*/ 0 w 9609"/>
+              <a:gd name="connsiteY0" fmla="*/ 10000 h 10000"/>
+              <a:gd name="connsiteX1" fmla="*/ 4618 w 9609"/>
+              <a:gd name="connsiteY1" fmla="*/ 0 h 10000"/>
+              <a:gd name="connsiteX2" fmla="*/ 9564 w 9609"/>
+              <a:gd name="connsiteY2" fmla="*/ 153 h 10000"/>
+              <a:gd name="connsiteX3" fmla="*/ 9590 w 9609"/>
+              <a:gd name="connsiteY3" fmla="*/ 10000 h 10000"/>
+              <a:gd name="connsiteX4" fmla="*/ 0 w 9609"/>
+              <a:gd name="connsiteY4" fmla="*/ 10000 h 10000"/>
+              <a:gd name="connsiteX0" fmla="*/ 0 w 10193"/>
+              <a:gd name="connsiteY0" fmla="*/ 10000 h 10153"/>
+              <a:gd name="connsiteX1" fmla="*/ 4806 w 10193"/>
+              <a:gd name="connsiteY1" fmla="*/ 0 h 10153"/>
+              <a:gd name="connsiteX2" fmla="*/ 9953 w 10193"/>
+              <a:gd name="connsiteY2" fmla="*/ 153 h 10153"/>
+              <a:gd name="connsiteX3" fmla="*/ 10193 w 10193"/>
+              <a:gd name="connsiteY3" fmla="*/ 10153 h 10153"/>
+              <a:gd name="connsiteX4" fmla="*/ 0 w 10193"/>
+              <a:gd name="connsiteY4" fmla="*/ 10000 h 10153"/>
+              <a:gd name="connsiteX0" fmla="*/ 0 w 10213"/>
+              <a:gd name="connsiteY0" fmla="*/ 10000 h 10153"/>
+              <a:gd name="connsiteX1" fmla="*/ 4806 w 10213"/>
+              <a:gd name="connsiteY1" fmla="*/ 0 h 10153"/>
+              <a:gd name="connsiteX2" fmla="*/ 10166 w 10213"/>
+              <a:gd name="connsiteY2" fmla="*/ 153 h 10153"/>
+              <a:gd name="connsiteX3" fmla="*/ 10193 w 10213"/>
+              <a:gd name="connsiteY3" fmla="*/ 10153 h 10153"/>
+              <a:gd name="connsiteX4" fmla="*/ 0 w 10213"/>
+              <a:gd name="connsiteY4" fmla="*/ 10000 h 10153"/>
+              <a:gd name="connsiteX0" fmla="*/ 0 w 10341"/>
+              <a:gd name="connsiteY0" fmla="*/ 10000 h 10153"/>
+              <a:gd name="connsiteX1" fmla="*/ 4806 w 10341"/>
+              <a:gd name="connsiteY1" fmla="*/ 0 h 10153"/>
+              <a:gd name="connsiteX2" fmla="*/ 10308 w 10341"/>
+              <a:gd name="connsiteY2" fmla="*/ 0 h 10153"/>
+              <a:gd name="connsiteX3" fmla="*/ 10193 w 10341"/>
+              <a:gd name="connsiteY3" fmla="*/ 10153 h 10153"/>
+              <a:gd name="connsiteX4" fmla="*/ 0 w 10341"/>
+              <a:gd name="connsiteY4" fmla="*/ 10000 h 10153"/>
+              <a:gd name="connsiteX0" fmla="*/ 0 w 10406"/>
+              <a:gd name="connsiteY0" fmla="*/ 10000 h 10306"/>
+              <a:gd name="connsiteX1" fmla="*/ 4806 w 10406"/>
+              <a:gd name="connsiteY1" fmla="*/ 0 h 10306"/>
+              <a:gd name="connsiteX2" fmla="*/ 10308 w 10406"/>
+              <a:gd name="connsiteY2" fmla="*/ 0 h 10306"/>
+              <a:gd name="connsiteX3" fmla="*/ 10406 w 10406"/>
+              <a:gd name="connsiteY3" fmla="*/ 10306 h 10306"/>
+              <a:gd name="connsiteX4" fmla="*/ 0 w 10406"/>
+              <a:gd name="connsiteY4" fmla="*/ 10000 h 10306"/>
+              <a:gd name="connsiteX0" fmla="*/ 0 w 10761"/>
+              <a:gd name="connsiteY0" fmla="*/ 10458 h 10458"/>
+              <a:gd name="connsiteX1" fmla="*/ 5161 w 10761"/>
+              <a:gd name="connsiteY1" fmla="*/ 0 h 10458"/>
+              <a:gd name="connsiteX2" fmla="*/ 10663 w 10761"/>
+              <a:gd name="connsiteY2" fmla="*/ 0 h 10458"/>
+              <a:gd name="connsiteX3" fmla="*/ 10761 w 10761"/>
+              <a:gd name="connsiteY3" fmla="*/ 10306 h 10458"/>
+              <a:gd name="connsiteX4" fmla="*/ 0 w 10761"/>
+              <a:gd name="connsiteY4" fmla="*/ 10458 h 10458"/>
+            </a:gdLst>
+            <a:ahLst/>
+            <a:cxnLst>
+              <a:cxn ang="0">
+                <a:pos x="connsiteX0" y="connsiteY0"/>
+              </a:cxn>
+              <a:cxn ang="0">
+                <a:pos x="connsiteX1" y="connsiteY1"/>
+              </a:cxn>
+              <a:cxn ang="0">
+                <a:pos x="connsiteX2" y="connsiteY2"/>
+              </a:cxn>
+              <a:cxn ang="0">
+                <a:pos x="connsiteX3" y="connsiteY3"/>
+              </a:cxn>
+              <a:cxn ang="0">
+                <a:pos x="connsiteX4" y="connsiteY4"/>
+              </a:cxn>
+            </a:cxnLst>
+            <a:rect l="l" t="t" r="r" b="b"/>
+            <a:pathLst>
+              <a:path w="10761" h="10458">
+                <a:moveTo>
+                  <a:pt x="0" y="10458"/>
+                </a:moveTo>
+                <a:lnTo>
+                  <a:pt x="5161" y="0"/>
+                </a:lnTo>
+                <a:lnTo>
+                  <a:pt x="10663" y="0"/>
+                </a:lnTo>
+                <a:cubicBezTo>
+                  <a:pt x="10815" y="3282"/>
+                  <a:pt x="10609" y="7024"/>
+                  <a:pt x="10761" y="10306"/>
+                </a:cubicBezTo>
+                <a:lnTo>
+                  <a:pt x="0" y="10458"/>
+                </a:lnTo>
+                <a:close/>
+              </a:path>
+            </a:pathLst>
+          </a:custGeom>
+          <a:solidFill>
+            <a:schemeClr val="bg1"/>
+          </a:solidFill>
+          <a:ln w="19050">
+            <a:solidFill>
+              <a:schemeClr val="tx1"/>
+            </a:solidFill>
+          </a:ln>
+        </p:spPr>
+        <p:style>
+          <a:lnRef idx="2">
+            <a:schemeClr val="accent1">
+              <a:shade val="15000"/>
+            </a:schemeClr>
+          </a:lnRef>
+          <a:fillRef idx="1">
+            <a:schemeClr val="accent1"/>
+          </a:fillRef>
+          <a:effectRef idx="0">
+            <a:schemeClr val="accent1"/>
+          </a:effectRef>
+          <a:fontRef idx="minor">
+            <a:schemeClr val="lt1"/>
+          </a:fontRef>
+        </p:style>
+        <p:txBody>
+          <a:bodyPr rtlCol="0" anchor="ctr"/>
+          <a:lstStyle/>
+          <a:p>
+            <a:pPr algn="ctr"/>
+            <a:endParaRPr lang="en-US"/>
+          </a:p>
+        </p:txBody>
+      </p:sp>
+      <p:sp>
+        <p:nvSpPr>
+          <p:cNvPr id="9" name="TextBox 8">
+            <a:extLst>
+              <a:ext uri="{FF2B5EF4-FFF2-40B4-BE49-F238E27FC236}">
+                <a16:creationId xmlns:a16="http://schemas.microsoft.com/office/drawing/2014/main" id="{A598ABD1-EBC8-C7CD-D87E-DF911A6F32EA}"/>
+              </a:ext>
+            </a:extLst>
+          </p:cNvPr>
+          <p:cNvSpPr txBox="1"/>
+          <p:nvPr/>
+        </p:nvSpPr>
+        <p:spPr>
+          <a:xfrm>
+            <a:off x="11520069" y="6287442"/>
+            <a:ext cx="557254" cy="584775"/>
+          </a:xfrm>
+          <a:prstGeom prst="rect">
+            <a:avLst/>
+          </a:prstGeom>
+          <a:noFill/>
+        </p:spPr>
+        <p:txBody>
+          <a:bodyPr wrap="square" rtlCol="0">
+            <a:spAutoFit/>
+          </a:bodyPr>
+          <a:lstStyle/>
+          <a:p>
+            <a:r>
+              <a:rPr lang="en-US" sz="3200" dirty="0">
+                <a:latin typeface="TH SarabunPSK" panose="020B0500040200020003" pitchFamily="34" charset="-34"/>
+                <a:cs typeface="TH SarabunPSK" panose="020B0500040200020003" pitchFamily="34" charset="-34"/>
+              </a:rPr>
+              <a:t>6</a:t>
+            </a:r>
+          </a:p>
+        </p:txBody>
+      </p:sp>
+      <p:sp>
+        <p:nvSpPr>
           <p:cNvPr id="2" name="Title 1">
             <a:extLst>
               <a:ext uri="{FF2B5EF4-FFF2-40B4-BE49-F238E27FC236}">
@@ -5393,28 +7999,36 @@
             <p:ph type="title"/>
           </p:nvPr>
         </p:nvSpPr>
-        <p:spPr/>
+        <p:spPr>
+          <a:xfrm>
+            <a:off x="838200" y="0"/>
+            <a:ext cx="10515600" cy="1325563"/>
+          </a:xfrm>
+        </p:spPr>
         <p:txBody>
           <a:bodyPr/>
           <a:lstStyle/>
           <a:p>
             <a:r>
               <a:rPr lang="th-TH" dirty="0">
-                <a:latin typeface="Angsana New" panose="02020603050405020304" pitchFamily="18" charset="-34"/>
+                <a:latin typeface="TH SarabunPSK" panose="020B0500040200020003" pitchFamily="34" charset="-34"/>
                 <a:ea typeface="+mj-lt"/>
-                <a:cs typeface="Angsana New" panose="02020603050405020304" pitchFamily="18" charset="-34"/>
+                <a:cs typeface="TH SarabunPSK" panose="020B0500040200020003" pitchFamily="34" charset="-34"/>
               </a:rPr>
               <a:t>ดึงข้อมูล</a:t>
             </a:r>
             <a:r>
               <a:rPr lang="en-US" dirty="0" err="1">
-                <a:latin typeface="Angsana New" panose="02020603050405020304" pitchFamily="18" charset="-34"/>
+                <a:latin typeface="TH SarabunPSK" panose="020B0500040200020003" pitchFamily="34" charset="-34"/>
                 <a:ea typeface="+mj-lt"/>
-                <a:cs typeface="Angsana New" panose="02020603050405020304" pitchFamily="18" charset="-34"/>
+                <a:cs typeface="TH SarabunPSK" panose="020B0500040200020003" pitchFamily="34" charset="-34"/>
               </a:rPr>
               <a:t>ตัวอย่าง</a:t>
             </a:r>
-            <a:endParaRPr lang="en-US" dirty="0"/>
+            <a:endParaRPr lang="en-US" dirty="0">
+              <a:latin typeface="TH SarabunPSK" panose="020B0500040200020003" pitchFamily="34" charset="-34"/>
+              <a:cs typeface="TH SarabunPSK" panose="020B0500040200020003" pitchFamily="34" charset="-34"/>
+            </a:endParaRPr>
           </a:p>
         </p:txBody>
       </p:sp>
@@ -5442,7 +8056,7 @@
           <a:lstStyle/>
           <a:p>
             <a:r>
-              <a:rPr lang="en-US" sz="2000" b="0" i="0" dirty="0">
+              <a:rPr lang="en-US" sz="1800" b="0" i="0" dirty="0">
                 <a:solidFill>
                   <a:srgbClr val="7928A1"/>
                 </a:solidFill>
@@ -5452,7 +8066,7 @@
               <a:t>import</a:t>
             </a:r>
             <a:r>
-              <a:rPr lang="en-US" sz="2000" b="0" i="0" dirty="0">
+              <a:rPr lang="en-US" sz="1800" b="0" i="0" dirty="0">
                 <a:solidFill>
                   <a:srgbClr val="545454"/>
                 </a:solidFill>
@@ -5462,7 +8076,7 @@
               <a:t> pandas </a:t>
             </a:r>
             <a:r>
-              <a:rPr lang="en-US" sz="2000" b="0" i="0" dirty="0">
+              <a:rPr lang="en-US" sz="1800" b="0" i="0" dirty="0">
                 <a:solidFill>
                   <a:srgbClr val="7928A1"/>
                 </a:solidFill>
@@ -5472,7 +8086,7 @@
               <a:t>as</a:t>
             </a:r>
             <a:r>
-              <a:rPr lang="en-US" sz="2000" b="0" i="0" dirty="0">
+              <a:rPr lang="en-US" sz="1800" b="0" i="0" dirty="0">
                 <a:solidFill>
                   <a:srgbClr val="545454"/>
                 </a:solidFill>
@@ -5481,7 +8095,7 @@
               </a:rPr>
               <a:t> pd</a:t>
             </a:r>
-            <a:endParaRPr lang="th-TH" sz="2000" b="0" i="0" dirty="0">
+            <a:endParaRPr lang="th-TH" sz="1800" b="0" i="0" dirty="0">
               <a:solidFill>
                 <a:srgbClr val="545454"/>
               </a:solidFill>
@@ -5491,7 +8105,7 @@
           </a:p>
           <a:p>
             <a:r>
-              <a:rPr lang="en-US" sz="2000" dirty="0" err="1">
+              <a:rPr lang="en-US" sz="1800" dirty="0" err="1">
                 <a:solidFill>
                   <a:srgbClr val="545454"/>
                 </a:solidFill>
@@ -5500,7 +8114,7 @@
               <a:t>df</a:t>
             </a:r>
             <a:r>
-              <a:rPr lang="en-US" sz="2000" b="0" i="0" dirty="0">
+              <a:rPr lang="en-US" sz="1800" b="0" i="0" dirty="0">
                 <a:solidFill>
                   <a:srgbClr val="545454"/>
                 </a:solidFill>
@@ -5510,7 +8124,7 @@
               <a:t> = </a:t>
             </a:r>
             <a:r>
-              <a:rPr lang="en-US" sz="2000" b="0" i="0" dirty="0" err="1">
+              <a:rPr lang="en-US" sz="1800" b="0" i="0" dirty="0" err="1">
                 <a:solidFill>
                   <a:srgbClr val="545454"/>
                 </a:solidFill>
@@ -5520,7 +8134,7 @@
               <a:t>pd.read_csv</a:t>
             </a:r>
             <a:r>
-              <a:rPr lang="en-US" sz="2000" b="0" i="0" dirty="0">
+              <a:rPr lang="en-US" sz="1800" b="0" i="0" dirty="0">
                 <a:solidFill>
                   <a:srgbClr val="545454"/>
                 </a:solidFill>
@@ -5530,7 +8144,7 @@
               <a:t>(</a:t>
             </a:r>
             <a:r>
-              <a:rPr lang="en-US" sz="2000" b="0" i="0" dirty="0">
+              <a:rPr lang="en-US" sz="1800" b="0" i="0" dirty="0">
                 <a:solidFill>
                   <a:srgbClr val="008000"/>
                 </a:solidFill>
@@ -5540,7 +8154,7 @@
               <a:t>'/content/example_timestamp</a:t>
             </a:r>
             <a:r>
-              <a:rPr lang="en-US" sz="2000" dirty="0">
+              <a:rPr lang="en-US" sz="1800" dirty="0">
                 <a:solidFill>
                   <a:srgbClr val="008000"/>
                 </a:solidFill>
@@ -5549,7 +8163,7 @@
               <a:t>_03</a:t>
             </a:r>
             <a:r>
-              <a:rPr lang="en-US" sz="2000" b="0" i="0" dirty="0">
+              <a:rPr lang="en-US" sz="1800" b="0" i="0" dirty="0">
                 <a:solidFill>
                   <a:srgbClr val="008000"/>
                 </a:solidFill>
@@ -5559,7 +8173,7 @@
               <a:t>.csv’</a:t>
             </a:r>
             <a:r>
-              <a:rPr lang="en-US" sz="2000" b="0" i="0" dirty="0">
+              <a:rPr lang="en-US" sz="1800" b="0" i="0" dirty="0">
                 <a:solidFill>
                   <a:srgbClr val="545454"/>
                 </a:solidFill>
@@ -5571,7 +8185,7 @@
           </a:p>
           <a:p>
             <a:r>
-              <a:rPr lang="en-US" sz="2000" dirty="0" err="1">
+              <a:rPr lang="en-US" sz="1800" dirty="0" err="1">
                 <a:solidFill>
                   <a:srgbClr val="545454"/>
                 </a:solidFill>
@@ -5579,7 +8193,7 @@
               </a:rPr>
               <a:t>df</a:t>
             </a:r>
-            <a:endParaRPr lang="en-US" sz="2000" dirty="0">
+            <a:endParaRPr lang="en-US" sz="1800" dirty="0">
               <a:solidFill>
                 <a:srgbClr val="545454"/>
               </a:solidFill>
@@ -5669,36 +8283,6 @@
             <a:extLst>
               <a:ext uri="{FF2B5EF4-FFF2-40B4-BE49-F238E27FC236}">
                 <a16:creationId xmlns:a16="http://schemas.microsoft.com/office/drawing/2014/main" id="{A8754215-FF8C-428F-E55C-43A6BA5767A8}"/>
-              </a:ext>
-            </a:extLst>
-          </p:cNvPr>
-          <p:cNvPicPr>
-            <a:picLocks noChangeAspect="1"/>
-          </p:cNvPicPr>
-          <p:nvPr/>
-        </p:nvPicPr>
-        <p:blipFill>
-          <a:blip r:embed="rId2"/>
-          <a:stretch>
-            <a:fillRect/>
-          </a:stretch>
-        </p:blipFill>
-        <p:spPr>
-          <a:xfrm>
-            <a:off x="944535" y="3315180"/>
-            <a:ext cx="2457450" cy="2762250"/>
-          </a:xfrm>
-          <a:prstGeom prst="rect">
-            <a:avLst/>
-          </a:prstGeom>
-        </p:spPr>
-      </p:pic>
-      <p:pic>
-        <p:nvPicPr>
-          <p:cNvPr id="15" name="Picture 14">
-            <a:extLst>
-              <a:ext uri="{FF2B5EF4-FFF2-40B4-BE49-F238E27FC236}">
-                <a16:creationId xmlns:a16="http://schemas.microsoft.com/office/drawing/2014/main" id="{307B6098-22CF-8765-0547-52D6DBA73C7F}"/>
               </a:ext>
             </a:extLst>
           </p:cNvPr>
@@ -5715,7 +8299,37 @@
         </p:blipFill>
         <p:spPr>
           <a:xfrm>
-            <a:off x="4094872" y="3315180"/>
+            <a:off x="973110" y="2889520"/>
+            <a:ext cx="2457450" cy="2762250"/>
+          </a:xfrm>
+          <a:prstGeom prst="rect">
+            <a:avLst/>
+          </a:prstGeom>
+        </p:spPr>
+      </p:pic>
+      <p:pic>
+        <p:nvPicPr>
+          <p:cNvPr id="15" name="Picture 14">
+            <a:extLst>
+              <a:ext uri="{FF2B5EF4-FFF2-40B4-BE49-F238E27FC236}">
+                <a16:creationId xmlns:a16="http://schemas.microsoft.com/office/drawing/2014/main" id="{307B6098-22CF-8765-0547-52D6DBA73C7F}"/>
+              </a:ext>
+            </a:extLst>
+          </p:cNvPr>
+          <p:cNvPicPr>
+            <a:picLocks noChangeAspect="1"/>
+          </p:cNvPicPr>
+          <p:nvPr/>
+        </p:nvPicPr>
+        <p:blipFill>
+          <a:blip r:embed="rId4"/>
+          <a:stretch>
+            <a:fillRect/>
+          </a:stretch>
+        </p:blipFill>
+        <p:spPr>
+          <a:xfrm>
+            <a:off x="4009147" y="3214929"/>
             <a:ext cx="2188680" cy="1055716"/>
           </a:xfrm>
           <a:prstGeom prst="rect">
@@ -5755,6 +8369,377 @@
       </p:grpSpPr>
       <p:sp>
         <p:nvSpPr>
+          <p:cNvPr id="5" name="Rectangle 4">
+            <a:extLst>
+              <a:ext uri="{FF2B5EF4-FFF2-40B4-BE49-F238E27FC236}">
+                <a16:creationId xmlns:a16="http://schemas.microsoft.com/office/drawing/2014/main" id="{DE9A949B-4F25-6E7D-091F-EF7B23182DCE}"/>
+              </a:ext>
+            </a:extLst>
+          </p:cNvPr>
+          <p:cNvSpPr/>
+          <p:nvPr/>
+        </p:nvSpPr>
+        <p:spPr>
+          <a:xfrm>
+            <a:off x="0" y="5840991"/>
+            <a:ext cx="12192000" cy="1017009"/>
+          </a:xfrm>
+          <a:prstGeom prst="rect">
+            <a:avLst/>
+          </a:prstGeom>
+          <a:solidFill>
+            <a:srgbClr val="FFCC99"/>
+          </a:solidFill>
+          <a:ln>
+            <a:solidFill>
+              <a:srgbClr val="FFCC99"/>
+            </a:solidFill>
+          </a:ln>
+        </p:spPr>
+        <p:style>
+          <a:lnRef idx="2">
+            <a:schemeClr val="accent1">
+              <a:shade val="15000"/>
+            </a:schemeClr>
+          </a:lnRef>
+          <a:fillRef idx="1">
+            <a:schemeClr val="accent1"/>
+          </a:fillRef>
+          <a:effectRef idx="0">
+            <a:schemeClr val="accent1"/>
+          </a:effectRef>
+          <a:fontRef idx="minor">
+            <a:schemeClr val="lt1"/>
+          </a:fontRef>
+        </p:style>
+        <p:txBody>
+          <a:bodyPr rtlCol="0" anchor="ctr"/>
+          <a:lstStyle/>
+          <a:p>
+            <a:pPr algn="ctr"/>
+            <a:endParaRPr lang="en-US"/>
+          </a:p>
+        </p:txBody>
+      </p:sp>
+      <p:sp>
+        <p:nvSpPr>
+          <p:cNvPr id="7" name="Rectangle 6">
+            <a:extLst>
+              <a:ext uri="{FF2B5EF4-FFF2-40B4-BE49-F238E27FC236}">
+                <a16:creationId xmlns:a16="http://schemas.microsoft.com/office/drawing/2014/main" id="{137BEEC8-9599-A71F-01A2-236D16721702}"/>
+              </a:ext>
+            </a:extLst>
+          </p:cNvPr>
+          <p:cNvSpPr/>
+          <p:nvPr/>
+        </p:nvSpPr>
+        <p:spPr>
+          <a:xfrm>
+            <a:off x="0" y="0"/>
+            <a:ext cx="12192000" cy="1136342"/>
+          </a:xfrm>
+          <a:prstGeom prst="rect">
+            <a:avLst/>
+          </a:prstGeom>
+          <a:solidFill>
+            <a:srgbClr val="FFCC99"/>
+          </a:solidFill>
+          <a:ln>
+            <a:solidFill>
+              <a:srgbClr val="FFCC99"/>
+            </a:solidFill>
+          </a:ln>
+        </p:spPr>
+        <p:style>
+          <a:lnRef idx="2">
+            <a:schemeClr val="accent1">
+              <a:shade val="15000"/>
+            </a:schemeClr>
+          </a:lnRef>
+          <a:fillRef idx="1">
+            <a:schemeClr val="accent1"/>
+          </a:fillRef>
+          <a:effectRef idx="0">
+            <a:schemeClr val="accent1"/>
+          </a:effectRef>
+          <a:fontRef idx="minor">
+            <a:schemeClr val="lt1"/>
+          </a:fontRef>
+        </p:style>
+        <p:txBody>
+          <a:bodyPr rtlCol="0" anchor="ctr"/>
+          <a:lstStyle/>
+          <a:p>
+            <a:pPr algn="ctr"/>
+            <a:endParaRPr lang="en-US" dirty="0">
+              <a:noFill/>
+            </a:endParaRPr>
+          </a:p>
+        </p:txBody>
+      </p:sp>
+      <p:pic>
+        <p:nvPicPr>
+          <p:cNvPr id="8" name="Picture 7" descr="A black and white logo&#10;&#10;Description automatically generated">
+            <a:extLst>
+              <a:ext uri="{FF2B5EF4-FFF2-40B4-BE49-F238E27FC236}">
+                <a16:creationId xmlns:a16="http://schemas.microsoft.com/office/drawing/2014/main" id="{C566EC23-2B4B-018D-D59A-C4886EE0B280}"/>
+              </a:ext>
+            </a:extLst>
+          </p:cNvPr>
+          <p:cNvPicPr>
+            <a:picLocks noChangeAspect="1"/>
+          </p:cNvPicPr>
+          <p:nvPr/>
+        </p:nvPicPr>
+        <p:blipFill>
+          <a:blip r:embed="rId2">
+            <a:extLst>
+              <a:ext uri="{28A0092B-C50C-407E-A947-70E740481C1C}">
+                <a14:useLocalDpi xmlns:a14="http://schemas.microsoft.com/office/drawing/2010/main" val="0"/>
+              </a:ext>
+            </a:extLst>
+          </a:blip>
+          <a:stretch>
+            <a:fillRect/>
+          </a:stretch>
+        </p:blipFill>
+        <p:spPr>
+          <a:xfrm>
+            <a:off x="11051882" y="119333"/>
+            <a:ext cx="1093483" cy="1017009"/>
+          </a:xfrm>
+          <a:prstGeom prst="rect">
+            <a:avLst/>
+          </a:prstGeom>
+        </p:spPr>
+      </p:pic>
+      <p:sp>
+        <p:nvSpPr>
+          <p:cNvPr id="9" name="Flowchart: Data 2">
+            <a:extLst>
+              <a:ext uri="{FF2B5EF4-FFF2-40B4-BE49-F238E27FC236}">
+                <a16:creationId xmlns:a16="http://schemas.microsoft.com/office/drawing/2014/main" id="{505277E6-0DCA-10D5-E14F-129ACBF41AA0}"/>
+              </a:ext>
+            </a:extLst>
+          </p:cNvPr>
+          <p:cNvSpPr/>
+          <p:nvPr/>
+        </p:nvSpPr>
+        <p:spPr>
+          <a:xfrm>
+            <a:off x="10848138" y="6264097"/>
+            <a:ext cx="1343862" cy="608120"/>
+          </a:xfrm>
+          <a:custGeom>
+            <a:avLst/>
+            <a:gdLst>
+              <a:gd name="connsiteX0" fmla="*/ 0 w 10000"/>
+              <a:gd name="connsiteY0" fmla="*/ 10000 h 10000"/>
+              <a:gd name="connsiteX1" fmla="*/ 2000 w 10000"/>
+              <a:gd name="connsiteY1" fmla="*/ 0 h 10000"/>
+              <a:gd name="connsiteX2" fmla="*/ 10000 w 10000"/>
+              <a:gd name="connsiteY2" fmla="*/ 0 h 10000"/>
+              <a:gd name="connsiteX3" fmla="*/ 8000 w 10000"/>
+              <a:gd name="connsiteY3" fmla="*/ 10000 h 10000"/>
+              <a:gd name="connsiteX4" fmla="*/ 0 w 10000"/>
+              <a:gd name="connsiteY4" fmla="*/ 10000 h 10000"/>
+              <a:gd name="connsiteX0" fmla="*/ 0 w 8000"/>
+              <a:gd name="connsiteY0" fmla="*/ 10000 h 10000"/>
+              <a:gd name="connsiteX1" fmla="*/ 2000 w 8000"/>
+              <a:gd name="connsiteY1" fmla="*/ 0 h 10000"/>
+              <a:gd name="connsiteX2" fmla="*/ 4142 w 8000"/>
+              <a:gd name="connsiteY2" fmla="*/ 153 h 10000"/>
+              <a:gd name="connsiteX3" fmla="*/ 8000 w 8000"/>
+              <a:gd name="connsiteY3" fmla="*/ 10000 h 10000"/>
+              <a:gd name="connsiteX4" fmla="*/ 0 w 8000"/>
+              <a:gd name="connsiteY4" fmla="*/ 10000 h 10000"/>
+              <a:gd name="connsiteX0" fmla="*/ 0 w 5414"/>
+              <a:gd name="connsiteY0" fmla="*/ 10000 h 10000"/>
+              <a:gd name="connsiteX1" fmla="*/ 2500 w 5414"/>
+              <a:gd name="connsiteY1" fmla="*/ 0 h 10000"/>
+              <a:gd name="connsiteX2" fmla="*/ 5178 w 5414"/>
+              <a:gd name="connsiteY2" fmla="*/ 153 h 10000"/>
+              <a:gd name="connsiteX3" fmla="*/ 5414 w 5414"/>
+              <a:gd name="connsiteY3" fmla="*/ 10000 h 10000"/>
+              <a:gd name="connsiteX4" fmla="*/ 0 w 5414"/>
+              <a:gd name="connsiteY4" fmla="*/ 10000 h 10000"/>
+              <a:gd name="connsiteX0" fmla="*/ 0 w 9609"/>
+              <a:gd name="connsiteY0" fmla="*/ 10000 h 10000"/>
+              <a:gd name="connsiteX1" fmla="*/ 4618 w 9609"/>
+              <a:gd name="connsiteY1" fmla="*/ 0 h 10000"/>
+              <a:gd name="connsiteX2" fmla="*/ 9564 w 9609"/>
+              <a:gd name="connsiteY2" fmla="*/ 153 h 10000"/>
+              <a:gd name="connsiteX3" fmla="*/ 9590 w 9609"/>
+              <a:gd name="connsiteY3" fmla="*/ 10000 h 10000"/>
+              <a:gd name="connsiteX4" fmla="*/ 0 w 9609"/>
+              <a:gd name="connsiteY4" fmla="*/ 10000 h 10000"/>
+              <a:gd name="connsiteX0" fmla="*/ 0 w 10193"/>
+              <a:gd name="connsiteY0" fmla="*/ 10000 h 10153"/>
+              <a:gd name="connsiteX1" fmla="*/ 4806 w 10193"/>
+              <a:gd name="connsiteY1" fmla="*/ 0 h 10153"/>
+              <a:gd name="connsiteX2" fmla="*/ 9953 w 10193"/>
+              <a:gd name="connsiteY2" fmla="*/ 153 h 10153"/>
+              <a:gd name="connsiteX3" fmla="*/ 10193 w 10193"/>
+              <a:gd name="connsiteY3" fmla="*/ 10153 h 10153"/>
+              <a:gd name="connsiteX4" fmla="*/ 0 w 10193"/>
+              <a:gd name="connsiteY4" fmla="*/ 10000 h 10153"/>
+              <a:gd name="connsiteX0" fmla="*/ 0 w 10213"/>
+              <a:gd name="connsiteY0" fmla="*/ 10000 h 10153"/>
+              <a:gd name="connsiteX1" fmla="*/ 4806 w 10213"/>
+              <a:gd name="connsiteY1" fmla="*/ 0 h 10153"/>
+              <a:gd name="connsiteX2" fmla="*/ 10166 w 10213"/>
+              <a:gd name="connsiteY2" fmla="*/ 153 h 10153"/>
+              <a:gd name="connsiteX3" fmla="*/ 10193 w 10213"/>
+              <a:gd name="connsiteY3" fmla="*/ 10153 h 10153"/>
+              <a:gd name="connsiteX4" fmla="*/ 0 w 10213"/>
+              <a:gd name="connsiteY4" fmla="*/ 10000 h 10153"/>
+              <a:gd name="connsiteX0" fmla="*/ 0 w 10341"/>
+              <a:gd name="connsiteY0" fmla="*/ 10000 h 10153"/>
+              <a:gd name="connsiteX1" fmla="*/ 4806 w 10341"/>
+              <a:gd name="connsiteY1" fmla="*/ 0 h 10153"/>
+              <a:gd name="connsiteX2" fmla="*/ 10308 w 10341"/>
+              <a:gd name="connsiteY2" fmla="*/ 0 h 10153"/>
+              <a:gd name="connsiteX3" fmla="*/ 10193 w 10341"/>
+              <a:gd name="connsiteY3" fmla="*/ 10153 h 10153"/>
+              <a:gd name="connsiteX4" fmla="*/ 0 w 10341"/>
+              <a:gd name="connsiteY4" fmla="*/ 10000 h 10153"/>
+              <a:gd name="connsiteX0" fmla="*/ 0 w 10406"/>
+              <a:gd name="connsiteY0" fmla="*/ 10000 h 10306"/>
+              <a:gd name="connsiteX1" fmla="*/ 4806 w 10406"/>
+              <a:gd name="connsiteY1" fmla="*/ 0 h 10306"/>
+              <a:gd name="connsiteX2" fmla="*/ 10308 w 10406"/>
+              <a:gd name="connsiteY2" fmla="*/ 0 h 10306"/>
+              <a:gd name="connsiteX3" fmla="*/ 10406 w 10406"/>
+              <a:gd name="connsiteY3" fmla="*/ 10306 h 10306"/>
+              <a:gd name="connsiteX4" fmla="*/ 0 w 10406"/>
+              <a:gd name="connsiteY4" fmla="*/ 10000 h 10306"/>
+              <a:gd name="connsiteX0" fmla="*/ 0 w 10761"/>
+              <a:gd name="connsiteY0" fmla="*/ 10458 h 10458"/>
+              <a:gd name="connsiteX1" fmla="*/ 5161 w 10761"/>
+              <a:gd name="connsiteY1" fmla="*/ 0 h 10458"/>
+              <a:gd name="connsiteX2" fmla="*/ 10663 w 10761"/>
+              <a:gd name="connsiteY2" fmla="*/ 0 h 10458"/>
+              <a:gd name="connsiteX3" fmla="*/ 10761 w 10761"/>
+              <a:gd name="connsiteY3" fmla="*/ 10306 h 10458"/>
+              <a:gd name="connsiteX4" fmla="*/ 0 w 10761"/>
+              <a:gd name="connsiteY4" fmla="*/ 10458 h 10458"/>
+            </a:gdLst>
+            <a:ahLst/>
+            <a:cxnLst>
+              <a:cxn ang="0">
+                <a:pos x="connsiteX0" y="connsiteY0"/>
+              </a:cxn>
+              <a:cxn ang="0">
+                <a:pos x="connsiteX1" y="connsiteY1"/>
+              </a:cxn>
+              <a:cxn ang="0">
+                <a:pos x="connsiteX2" y="connsiteY2"/>
+              </a:cxn>
+              <a:cxn ang="0">
+                <a:pos x="connsiteX3" y="connsiteY3"/>
+              </a:cxn>
+              <a:cxn ang="0">
+                <a:pos x="connsiteX4" y="connsiteY4"/>
+              </a:cxn>
+            </a:cxnLst>
+            <a:rect l="l" t="t" r="r" b="b"/>
+            <a:pathLst>
+              <a:path w="10761" h="10458">
+                <a:moveTo>
+                  <a:pt x="0" y="10458"/>
+                </a:moveTo>
+                <a:lnTo>
+                  <a:pt x="5161" y="0"/>
+                </a:lnTo>
+                <a:lnTo>
+                  <a:pt x="10663" y="0"/>
+                </a:lnTo>
+                <a:cubicBezTo>
+                  <a:pt x="10815" y="3282"/>
+                  <a:pt x="10609" y="7024"/>
+                  <a:pt x="10761" y="10306"/>
+                </a:cubicBezTo>
+                <a:lnTo>
+                  <a:pt x="0" y="10458"/>
+                </a:lnTo>
+                <a:close/>
+              </a:path>
+            </a:pathLst>
+          </a:custGeom>
+          <a:solidFill>
+            <a:schemeClr val="bg1"/>
+          </a:solidFill>
+          <a:ln w="19050">
+            <a:solidFill>
+              <a:schemeClr val="tx1"/>
+            </a:solidFill>
+          </a:ln>
+        </p:spPr>
+        <p:style>
+          <a:lnRef idx="2">
+            <a:schemeClr val="accent1">
+              <a:shade val="15000"/>
+            </a:schemeClr>
+          </a:lnRef>
+          <a:fillRef idx="1">
+            <a:schemeClr val="accent1"/>
+          </a:fillRef>
+          <a:effectRef idx="0">
+            <a:schemeClr val="accent1"/>
+          </a:effectRef>
+          <a:fontRef idx="minor">
+            <a:schemeClr val="lt1"/>
+          </a:fontRef>
+        </p:style>
+        <p:txBody>
+          <a:bodyPr rtlCol="0" anchor="ctr"/>
+          <a:lstStyle/>
+          <a:p>
+            <a:pPr algn="ctr"/>
+            <a:endParaRPr lang="en-US"/>
+          </a:p>
+        </p:txBody>
+      </p:sp>
+      <p:sp>
+        <p:nvSpPr>
+          <p:cNvPr id="10" name="TextBox 9">
+            <a:extLst>
+              <a:ext uri="{FF2B5EF4-FFF2-40B4-BE49-F238E27FC236}">
+                <a16:creationId xmlns:a16="http://schemas.microsoft.com/office/drawing/2014/main" id="{7B72286D-1A10-363A-AB3B-EF1D4AA1C562}"/>
+              </a:ext>
+            </a:extLst>
+          </p:cNvPr>
+          <p:cNvSpPr txBox="1"/>
+          <p:nvPr/>
+        </p:nvSpPr>
+        <p:spPr>
+          <a:xfrm>
+            <a:off x="11520069" y="6287442"/>
+            <a:ext cx="557254" cy="584775"/>
+          </a:xfrm>
+          <a:prstGeom prst="rect">
+            <a:avLst/>
+          </a:prstGeom>
+          <a:noFill/>
+        </p:spPr>
+        <p:txBody>
+          <a:bodyPr wrap="square" rtlCol="0">
+            <a:spAutoFit/>
+          </a:bodyPr>
+          <a:lstStyle/>
+          <a:p>
+            <a:r>
+              <a:rPr lang="en-US" sz="3200" dirty="0">
+                <a:latin typeface="TH SarabunPSK" panose="020B0500040200020003" pitchFamily="34" charset="-34"/>
+                <a:cs typeface="TH SarabunPSK" panose="020B0500040200020003" pitchFamily="34" charset="-34"/>
+              </a:rPr>
+              <a:t>7</a:t>
+            </a:r>
+          </a:p>
+        </p:txBody>
+      </p:sp>
+      <p:sp>
+        <p:nvSpPr>
           <p:cNvPr id="2" name="Title 1">
             <a:extLst>
               <a:ext uri="{FF2B5EF4-FFF2-40B4-BE49-F238E27FC236}">
@@ -5769,51 +8754,68 @@
             <p:ph type="title"/>
           </p:nvPr>
         </p:nvSpPr>
-        <p:spPr/>
+        <p:spPr>
+          <a:xfrm>
+            <a:off x="838200" y="18255"/>
+            <a:ext cx="10515600" cy="1325563"/>
+          </a:xfrm>
+        </p:spPr>
         <p:txBody>
           <a:bodyPr/>
           <a:lstStyle/>
           <a:p>
             <a:r>
               <a:rPr lang="en-US" dirty="0" err="1">
-                <a:latin typeface="Angsana New" panose="02020603050405020304" pitchFamily="18" charset="-34"/>
+                <a:latin typeface="TH SarabunPSK" panose="020B0500040200020003" pitchFamily="34" charset="-34"/>
                 <a:ea typeface="+mj-lt"/>
-                <a:cs typeface="Angsana New" panose="02020603050405020304" pitchFamily="18" charset="-34"/>
+                <a:cs typeface="TH SarabunPSK" panose="020B0500040200020003" pitchFamily="34" charset="-34"/>
               </a:rPr>
               <a:t>ตัวอย่าง</a:t>
             </a:r>
             <a:r>
               <a:rPr lang="th-TH" dirty="0">
-                <a:latin typeface="Angsana New" panose="02020603050405020304" pitchFamily="18" charset="-34"/>
+                <a:latin typeface="TH SarabunPSK" panose="020B0500040200020003" pitchFamily="34" charset="-34"/>
                 <a:ea typeface="+mj-lt"/>
-                <a:cs typeface="Angsana New" panose="02020603050405020304" pitchFamily="18" charset="-34"/>
+                <a:cs typeface="TH SarabunPSK" panose="020B0500040200020003" pitchFamily="34" charset="-34"/>
               </a:rPr>
               <a:t>การใช้ </a:t>
             </a:r>
             <a:r>
               <a:rPr lang="en-US" dirty="0">
+                <a:latin typeface="TH SarabunPSK" panose="020B0500040200020003" pitchFamily="34" charset="-34"/>
                 <a:ea typeface="+mj-lt"/>
-                <a:cs typeface="Angsana New" panose="02020603050405020304" pitchFamily="18" charset="-34"/>
-              </a:rPr>
-              <a:t>timestamp</a:t>
+                <a:cs typeface="TH SarabunPSK" panose="020B0500040200020003" pitchFamily="34" charset="-34"/>
+              </a:rPr>
+              <a:t>.</a:t>
+            </a:r>
+            <a:r>
+              <a:rPr lang="en-US" dirty="0" err="1">
+                <a:latin typeface="TH SarabunPSK" panose="020B0500040200020003" pitchFamily="34" charset="-34"/>
+                <a:ea typeface="+mj-lt"/>
+                <a:cs typeface="TH SarabunPSK" panose="020B0500040200020003" pitchFamily="34" charset="-34"/>
+              </a:rPr>
+              <a:t>to_datetime</a:t>
             </a:r>
             <a:r>
               <a:rPr lang="en-US" dirty="0">
-                <a:latin typeface="Angsana New" panose="02020603050405020304" pitchFamily="18" charset="-34"/>
+                <a:latin typeface="TH SarabunPSK" panose="020B0500040200020003" pitchFamily="34" charset="-34"/>
                 <a:ea typeface="+mj-lt"/>
-                <a:cs typeface="Angsana New" panose="02020603050405020304" pitchFamily="18" charset="-34"/>
+                <a:cs typeface="TH SarabunPSK" panose="020B0500040200020003" pitchFamily="34" charset="-34"/>
               </a:rPr>
               <a:t> </a:t>
             </a:r>
             <a:r>
               <a:rPr lang="th-TH" dirty="0">
-                <a:latin typeface="Angsana New" panose="02020603050405020304" pitchFamily="18" charset="-34"/>
+                <a:latin typeface="TH SarabunPSK" panose="020B0500040200020003" pitchFamily="34" charset="-34"/>
                 <a:ea typeface="+mj-lt"/>
-                <a:cs typeface="Angsana New" panose="02020603050405020304" pitchFamily="18" charset="-34"/>
+                <a:cs typeface="TH SarabunPSK" panose="020B0500040200020003" pitchFamily="34" charset="-34"/>
               </a:rPr>
               <a:t>แปลงรูปแบบข้อมูล</a:t>
             </a:r>
-            <a:endParaRPr lang="en-US" dirty="0"/>
+            <a:endParaRPr lang="en-US" dirty="0">
+              <a:latin typeface="TH SarabunPSK" panose="020B0500040200020003" pitchFamily="34" charset="-34"/>
+              <a:cs typeface="TH SarabunPSK" panose="020B0500040200020003" pitchFamily="34" charset="-34"/>
+            </a:endParaRPr>
           </a:p>
         </p:txBody>
       </p:sp>
@@ -5839,7 +8841,7 @@
           <a:lstStyle/>
           <a:p>
             <a:r>
-              <a:rPr lang="en-US" sz="2000" b="0" dirty="0" err="1">
+              <a:rPr lang="en-US" sz="1800" b="0" dirty="0" err="1">
                 <a:solidFill>
                   <a:srgbClr val="000000"/>
                 </a:solidFill>
@@ -5849,7 +8851,7 @@
               <a:t>df</a:t>
             </a:r>
             <a:r>
-              <a:rPr lang="en-US" sz="2000" b="0" dirty="0">
+              <a:rPr lang="en-US" sz="1800" b="0" dirty="0">
                 <a:solidFill>
                   <a:srgbClr val="000000"/>
                 </a:solidFill>
@@ -5859,7 +8861,7 @@
               <a:t>[</a:t>
             </a:r>
             <a:r>
-              <a:rPr lang="en-US" sz="2000" b="0" dirty="0">
+              <a:rPr lang="en-US" sz="1800" b="0" dirty="0">
                 <a:solidFill>
                   <a:srgbClr val="A31515"/>
                 </a:solidFill>
@@ -5869,7 +8871,7 @@
               <a:t>'Unnamed: 0'</a:t>
             </a:r>
             <a:r>
-              <a:rPr lang="en-US" sz="2000" b="0" dirty="0">
+              <a:rPr lang="en-US" sz="1800" b="0" dirty="0">
                 <a:solidFill>
                   <a:srgbClr val="000000"/>
                 </a:solidFill>
@@ -5879,7 +8881,7 @@
               <a:t>] = </a:t>
             </a:r>
             <a:r>
-              <a:rPr lang="en-US" sz="2000" b="0" dirty="0" err="1">
+              <a:rPr lang="en-US" sz="1800" b="0" dirty="0" err="1">
                 <a:solidFill>
                   <a:srgbClr val="000000"/>
                 </a:solidFill>
@@ -5889,7 +8891,7 @@
               <a:t>pd.to_datetime</a:t>
             </a:r>
             <a:r>
-              <a:rPr lang="en-US" sz="2000" b="0" dirty="0">
+              <a:rPr lang="en-US" sz="1800" b="0" dirty="0">
                 <a:solidFill>
                   <a:srgbClr val="000000"/>
                 </a:solidFill>
@@ -5899,7 +8901,7 @@
               <a:t>(</a:t>
             </a:r>
             <a:r>
-              <a:rPr lang="en-US" sz="2000" b="0" dirty="0" err="1">
+              <a:rPr lang="en-US" sz="1800" b="0" dirty="0" err="1">
                 <a:solidFill>
                   <a:srgbClr val="000000"/>
                 </a:solidFill>
@@ -5909,7 +8911,7 @@
               <a:t>df</a:t>
             </a:r>
             <a:r>
-              <a:rPr lang="en-US" sz="2000" b="0" dirty="0">
+              <a:rPr lang="en-US" sz="1800" b="0" dirty="0">
                 <a:solidFill>
                   <a:srgbClr val="000000"/>
                 </a:solidFill>
@@ -5919,7 +8921,7 @@
               <a:t>[</a:t>
             </a:r>
             <a:r>
-              <a:rPr lang="en-US" sz="2000" b="0" dirty="0">
+              <a:rPr lang="en-US" sz="1800" b="0" dirty="0">
                 <a:solidFill>
                   <a:srgbClr val="A31515"/>
                 </a:solidFill>
@@ -5929,7 +8931,7 @@
               <a:t>'Unnamed: 0'</a:t>
             </a:r>
             <a:r>
-              <a:rPr lang="en-US" sz="2000" b="0" dirty="0">
+              <a:rPr lang="en-US" sz="1800" b="0" dirty="0">
                 <a:solidFill>
                   <a:srgbClr val="000000"/>
                 </a:solidFill>
@@ -5939,7 +8941,7 @@
               <a:t>], format=</a:t>
             </a:r>
             <a:r>
-              <a:rPr lang="en-US" sz="2000" b="0" dirty="0">
+              <a:rPr lang="en-US" sz="1800" b="0" dirty="0">
                 <a:solidFill>
                   <a:srgbClr val="A31515"/>
                 </a:solidFill>
@@ -5949,7 +8951,7 @@
               <a:t>'%d/%m/%Y'</a:t>
             </a:r>
             <a:r>
-              <a:rPr lang="en-US" sz="2000" b="0" dirty="0">
+              <a:rPr lang="en-US" sz="1800" b="0" dirty="0">
                 <a:solidFill>
                   <a:srgbClr val="000000"/>
                 </a:solidFill>
@@ -5961,7 +8963,7 @@
           </a:p>
           <a:p>
             <a:r>
-              <a:rPr lang="en-US" sz="2000" b="0" dirty="0" err="1">
+              <a:rPr lang="en-US" sz="1800" b="0" dirty="0" err="1">
                 <a:solidFill>
                   <a:srgbClr val="000000"/>
                 </a:solidFill>
@@ -5970,7 +8972,7 @@
               </a:rPr>
               <a:t>df</a:t>
             </a:r>
-            <a:endParaRPr lang="en-US" sz="2000" b="0" dirty="0">
+            <a:endParaRPr lang="en-US" sz="1800" b="0" dirty="0">
               <a:solidFill>
                 <a:srgbClr val="000000"/>
               </a:solidFill>
@@ -5989,36 +8991,6 @@
             <a:extLst>
               <a:ext uri="{FF2B5EF4-FFF2-40B4-BE49-F238E27FC236}">
                 <a16:creationId xmlns:a16="http://schemas.microsoft.com/office/drawing/2014/main" id="{AA9237AB-7B38-BA44-F9FC-027E4972BD44}"/>
-              </a:ext>
-            </a:extLst>
-          </p:cNvPr>
-          <p:cNvPicPr>
-            <a:picLocks noChangeAspect="1"/>
-          </p:cNvPicPr>
-          <p:nvPr/>
-        </p:nvPicPr>
-        <p:blipFill>
-          <a:blip r:embed="rId2"/>
-          <a:stretch>
-            <a:fillRect/>
-          </a:stretch>
-        </p:blipFill>
-        <p:spPr>
-          <a:xfrm>
-            <a:off x="1042900" y="3246684"/>
-            <a:ext cx="2324100" cy="2724150"/>
-          </a:xfrm>
-          <a:prstGeom prst="rect">
-            <a:avLst/>
-          </a:prstGeom>
-        </p:spPr>
-      </p:pic>
-      <p:pic>
-        <p:nvPicPr>
-          <p:cNvPr id="6" name="Picture 5">
-            <a:extLst>
-              <a:ext uri="{FF2B5EF4-FFF2-40B4-BE49-F238E27FC236}">
-                <a16:creationId xmlns:a16="http://schemas.microsoft.com/office/drawing/2014/main" id="{55F882A0-0F7A-0997-0589-560CC5707DA2}"/>
               </a:ext>
             </a:extLst>
           </p:cNvPr>
@@ -6035,7 +9007,37 @@
         </p:blipFill>
         <p:spPr>
           <a:xfrm>
-            <a:off x="4062151" y="3246684"/>
+            <a:off x="1071475" y="2815342"/>
+            <a:ext cx="2324100" cy="2724150"/>
+          </a:xfrm>
+          <a:prstGeom prst="rect">
+            <a:avLst/>
+          </a:prstGeom>
+        </p:spPr>
+      </p:pic>
+      <p:pic>
+        <p:nvPicPr>
+          <p:cNvPr id="6" name="Picture 5">
+            <a:extLst>
+              <a:ext uri="{FF2B5EF4-FFF2-40B4-BE49-F238E27FC236}">
+                <a16:creationId xmlns:a16="http://schemas.microsoft.com/office/drawing/2014/main" id="{55F882A0-0F7A-0997-0589-560CC5707DA2}"/>
+              </a:ext>
+            </a:extLst>
+          </p:cNvPr>
+          <p:cNvPicPr>
+            <a:picLocks noChangeAspect="1"/>
+          </p:cNvPicPr>
+          <p:nvPr/>
+        </p:nvPicPr>
+        <p:blipFill>
+          <a:blip r:embed="rId4"/>
+          <a:stretch>
+            <a:fillRect/>
+          </a:stretch>
+        </p:blipFill>
+        <p:spPr>
+          <a:xfrm>
+            <a:off x="3995476" y="2947143"/>
             <a:ext cx="3668686" cy="963714"/>
           </a:xfrm>
           <a:prstGeom prst="rect">
@@ -6075,6 +9077,377 @@
       </p:grpSpPr>
       <p:sp>
         <p:nvSpPr>
+          <p:cNvPr id="4" name="Rectangle 3">
+            <a:extLst>
+              <a:ext uri="{FF2B5EF4-FFF2-40B4-BE49-F238E27FC236}">
+                <a16:creationId xmlns:a16="http://schemas.microsoft.com/office/drawing/2014/main" id="{2E4EA1BF-C3B2-774A-EE4A-C6F9CC06B9F7}"/>
+              </a:ext>
+            </a:extLst>
+          </p:cNvPr>
+          <p:cNvSpPr/>
+          <p:nvPr/>
+        </p:nvSpPr>
+        <p:spPr>
+          <a:xfrm>
+            <a:off x="0" y="5840991"/>
+            <a:ext cx="12192000" cy="1017009"/>
+          </a:xfrm>
+          <a:prstGeom prst="rect">
+            <a:avLst/>
+          </a:prstGeom>
+          <a:solidFill>
+            <a:srgbClr val="FFCC99"/>
+          </a:solidFill>
+          <a:ln>
+            <a:solidFill>
+              <a:srgbClr val="FFCC99"/>
+            </a:solidFill>
+          </a:ln>
+        </p:spPr>
+        <p:style>
+          <a:lnRef idx="2">
+            <a:schemeClr val="accent1">
+              <a:shade val="15000"/>
+            </a:schemeClr>
+          </a:lnRef>
+          <a:fillRef idx="1">
+            <a:schemeClr val="accent1"/>
+          </a:fillRef>
+          <a:effectRef idx="0">
+            <a:schemeClr val="accent1"/>
+          </a:effectRef>
+          <a:fontRef idx="minor">
+            <a:schemeClr val="lt1"/>
+          </a:fontRef>
+        </p:style>
+        <p:txBody>
+          <a:bodyPr rtlCol="0" anchor="ctr"/>
+          <a:lstStyle/>
+          <a:p>
+            <a:pPr algn="ctr"/>
+            <a:endParaRPr lang="en-US"/>
+          </a:p>
+        </p:txBody>
+      </p:sp>
+      <p:sp>
+        <p:nvSpPr>
+          <p:cNvPr id="6" name="Rectangle 5">
+            <a:extLst>
+              <a:ext uri="{FF2B5EF4-FFF2-40B4-BE49-F238E27FC236}">
+                <a16:creationId xmlns:a16="http://schemas.microsoft.com/office/drawing/2014/main" id="{730BB22A-300E-B3A6-3CFC-4A73173D80B8}"/>
+              </a:ext>
+            </a:extLst>
+          </p:cNvPr>
+          <p:cNvSpPr/>
+          <p:nvPr/>
+        </p:nvSpPr>
+        <p:spPr>
+          <a:xfrm>
+            <a:off x="0" y="0"/>
+            <a:ext cx="12192000" cy="1136342"/>
+          </a:xfrm>
+          <a:prstGeom prst="rect">
+            <a:avLst/>
+          </a:prstGeom>
+          <a:solidFill>
+            <a:srgbClr val="FFCC99"/>
+          </a:solidFill>
+          <a:ln>
+            <a:solidFill>
+              <a:srgbClr val="FFCC99"/>
+            </a:solidFill>
+          </a:ln>
+        </p:spPr>
+        <p:style>
+          <a:lnRef idx="2">
+            <a:schemeClr val="accent1">
+              <a:shade val="15000"/>
+            </a:schemeClr>
+          </a:lnRef>
+          <a:fillRef idx="1">
+            <a:schemeClr val="accent1"/>
+          </a:fillRef>
+          <a:effectRef idx="0">
+            <a:schemeClr val="accent1"/>
+          </a:effectRef>
+          <a:fontRef idx="minor">
+            <a:schemeClr val="lt1"/>
+          </a:fontRef>
+        </p:style>
+        <p:txBody>
+          <a:bodyPr rtlCol="0" anchor="ctr"/>
+          <a:lstStyle/>
+          <a:p>
+            <a:pPr algn="ctr"/>
+            <a:endParaRPr lang="en-US" dirty="0">
+              <a:noFill/>
+            </a:endParaRPr>
+          </a:p>
+        </p:txBody>
+      </p:sp>
+      <p:pic>
+        <p:nvPicPr>
+          <p:cNvPr id="7" name="Picture 6" descr="A black and white logo&#10;&#10;Description automatically generated">
+            <a:extLst>
+              <a:ext uri="{FF2B5EF4-FFF2-40B4-BE49-F238E27FC236}">
+                <a16:creationId xmlns:a16="http://schemas.microsoft.com/office/drawing/2014/main" id="{644A549F-1DB7-EA00-E1C0-C4242C1EBDFA}"/>
+              </a:ext>
+            </a:extLst>
+          </p:cNvPr>
+          <p:cNvPicPr>
+            <a:picLocks noChangeAspect="1"/>
+          </p:cNvPicPr>
+          <p:nvPr/>
+        </p:nvPicPr>
+        <p:blipFill>
+          <a:blip r:embed="rId2">
+            <a:extLst>
+              <a:ext uri="{28A0092B-C50C-407E-A947-70E740481C1C}">
+                <a14:useLocalDpi xmlns:a14="http://schemas.microsoft.com/office/drawing/2010/main" val="0"/>
+              </a:ext>
+            </a:extLst>
+          </a:blip>
+          <a:stretch>
+            <a:fillRect/>
+          </a:stretch>
+        </p:blipFill>
+        <p:spPr>
+          <a:xfrm>
+            <a:off x="11051882" y="119333"/>
+            <a:ext cx="1093483" cy="1017009"/>
+          </a:xfrm>
+          <a:prstGeom prst="rect">
+            <a:avLst/>
+          </a:prstGeom>
+        </p:spPr>
+      </p:pic>
+      <p:sp>
+        <p:nvSpPr>
+          <p:cNvPr id="8" name="Flowchart: Data 2">
+            <a:extLst>
+              <a:ext uri="{FF2B5EF4-FFF2-40B4-BE49-F238E27FC236}">
+                <a16:creationId xmlns:a16="http://schemas.microsoft.com/office/drawing/2014/main" id="{2211565E-D41F-CFD9-0101-6A339E8D91E6}"/>
+              </a:ext>
+            </a:extLst>
+          </p:cNvPr>
+          <p:cNvSpPr/>
+          <p:nvPr/>
+        </p:nvSpPr>
+        <p:spPr>
+          <a:xfrm>
+            <a:off x="10848138" y="6264097"/>
+            <a:ext cx="1343862" cy="608120"/>
+          </a:xfrm>
+          <a:custGeom>
+            <a:avLst/>
+            <a:gdLst>
+              <a:gd name="connsiteX0" fmla="*/ 0 w 10000"/>
+              <a:gd name="connsiteY0" fmla="*/ 10000 h 10000"/>
+              <a:gd name="connsiteX1" fmla="*/ 2000 w 10000"/>
+              <a:gd name="connsiteY1" fmla="*/ 0 h 10000"/>
+              <a:gd name="connsiteX2" fmla="*/ 10000 w 10000"/>
+              <a:gd name="connsiteY2" fmla="*/ 0 h 10000"/>
+              <a:gd name="connsiteX3" fmla="*/ 8000 w 10000"/>
+              <a:gd name="connsiteY3" fmla="*/ 10000 h 10000"/>
+              <a:gd name="connsiteX4" fmla="*/ 0 w 10000"/>
+              <a:gd name="connsiteY4" fmla="*/ 10000 h 10000"/>
+              <a:gd name="connsiteX0" fmla="*/ 0 w 8000"/>
+              <a:gd name="connsiteY0" fmla="*/ 10000 h 10000"/>
+              <a:gd name="connsiteX1" fmla="*/ 2000 w 8000"/>
+              <a:gd name="connsiteY1" fmla="*/ 0 h 10000"/>
+              <a:gd name="connsiteX2" fmla="*/ 4142 w 8000"/>
+              <a:gd name="connsiteY2" fmla="*/ 153 h 10000"/>
+              <a:gd name="connsiteX3" fmla="*/ 8000 w 8000"/>
+              <a:gd name="connsiteY3" fmla="*/ 10000 h 10000"/>
+              <a:gd name="connsiteX4" fmla="*/ 0 w 8000"/>
+              <a:gd name="connsiteY4" fmla="*/ 10000 h 10000"/>
+              <a:gd name="connsiteX0" fmla="*/ 0 w 5414"/>
+              <a:gd name="connsiteY0" fmla="*/ 10000 h 10000"/>
+              <a:gd name="connsiteX1" fmla="*/ 2500 w 5414"/>
+              <a:gd name="connsiteY1" fmla="*/ 0 h 10000"/>
+              <a:gd name="connsiteX2" fmla="*/ 5178 w 5414"/>
+              <a:gd name="connsiteY2" fmla="*/ 153 h 10000"/>
+              <a:gd name="connsiteX3" fmla="*/ 5414 w 5414"/>
+              <a:gd name="connsiteY3" fmla="*/ 10000 h 10000"/>
+              <a:gd name="connsiteX4" fmla="*/ 0 w 5414"/>
+              <a:gd name="connsiteY4" fmla="*/ 10000 h 10000"/>
+              <a:gd name="connsiteX0" fmla="*/ 0 w 9609"/>
+              <a:gd name="connsiteY0" fmla="*/ 10000 h 10000"/>
+              <a:gd name="connsiteX1" fmla="*/ 4618 w 9609"/>
+              <a:gd name="connsiteY1" fmla="*/ 0 h 10000"/>
+              <a:gd name="connsiteX2" fmla="*/ 9564 w 9609"/>
+              <a:gd name="connsiteY2" fmla="*/ 153 h 10000"/>
+              <a:gd name="connsiteX3" fmla="*/ 9590 w 9609"/>
+              <a:gd name="connsiteY3" fmla="*/ 10000 h 10000"/>
+              <a:gd name="connsiteX4" fmla="*/ 0 w 9609"/>
+              <a:gd name="connsiteY4" fmla="*/ 10000 h 10000"/>
+              <a:gd name="connsiteX0" fmla="*/ 0 w 10193"/>
+              <a:gd name="connsiteY0" fmla="*/ 10000 h 10153"/>
+              <a:gd name="connsiteX1" fmla="*/ 4806 w 10193"/>
+              <a:gd name="connsiteY1" fmla="*/ 0 h 10153"/>
+              <a:gd name="connsiteX2" fmla="*/ 9953 w 10193"/>
+              <a:gd name="connsiteY2" fmla="*/ 153 h 10153"/>
+              <a:gd name="connsiteX3" fmla="*/ 10193 w 10193"/>
+              <a:gd name="connsiteY3" fmla="*/ 10153 h 10153"/>
+              <a:gd name="connsiteX4" fmla="*/ 0 w 10193"/>
+              <a:gd name="connsiteY4" fmla="*/ 10000 h 10153"/>
+              <a:gd name="connsiteX0" fmla="*/ 0 w 10213"/>
+              <a:gd name="connsiteY0" fmla="*/ 10000 h 10153"/>
+              <a:gd name="connsiteX1" fmla="*/ 4806 w 10213"/>
+              <a:gd name="connsiteY1" fmla="*/ 0 h 10153"/>
+              <a:gd name="connsiteX2" fmla="*/ 10166 w 10213"/>
+              <a:gd name="connsiteY2" fmla="*/ 153 h 10153"/>
+              <a:gd name="connsiteX3" fmla="*/ 10193 w 10213"/>
+              <a:gd name="connsiteY3" fmla="*/ 10153 h 10153"/>
+              <a:gd name="connsiteX4" fmla="*/ 0 w 10213"/>
+              <a:gd name="connsiteY4" fmla="*/ 10000 h 10153"/>
+              <a:gd name="connsiteX0" fmla="*/ 0 w 10341"/>
+              <a:gd name="connsiteY0" fmla="*/ 10000 h 10153"/>
+              <a:gd name="connsiteX1" fmla="*/ 4806 w 10341"/>
+              <a:gd name="connsiteY1" fmla="*/ 0 h 10153"/>
+              <a:gd name="connsiteX2" fmla="*/ 10308 w 10341"/>
+              <a:gd name="connsiteY2" fmla="*/ 0 h 10153"/>
+              <a:gd name="connsiteX3" fmla="*/ 10193 w 10341"/>
+              <a:gd name="connsiteY3" fmla="*/ 10153 h 10153"/>
+              <a:gd name="connsiteX4" fmla="*/ 0 w 10341"/>
+              <a:gd name="connsiteY4" fmla="*/ 10000 h 10153"/>
+              <a:gd name="connsiteX0" fmla="*/ 0 w 10406"/>
+              <a:gd name="connsiteY0" fmla="*/ 10000 h 10306"/>
+              <a:gd name="connsiteX1" fmla="*/ 4806 w 10406"/>
+              <a:gd name="connsiteY1" fmla="*/ 0 h 10306"/>
+              <a:gd name="connsiteX2" fmla="*/ 10308 w 10406"/>
+              <a:gd name="connsiteY2" fmla="*/ 0 h 10306"/>
+              <a:gd name="connsiteX3" fmla="*/ 10406 w 10406"/>
+              <a:gd name="connsiteY3" fmla="*/ 10306 h 10306"/>
+              <a:gd name="connsiteX4" fmla="*/ 0 w 10406"/>
+              <a:gd name="connsiteY4" fmla="*/ 10000 h 10306"/>
+              <a:gd name="connsiteX0" fmla="*/ 0 w 10761"/>
+              <a:gd name="connsiteY0" fmla="*/ 10458 h 10458"/>
+              <a:gd name="connsiteX1" fmla="*/ 5161 w 10761"/>
+              <a:gd name="connsiteY1" fmla="*/ 0 h 10458"/>
+              <a:gd name="connsiteX2" fmla="*/ 10663 w 10761"/>
+              <a:gd name="connsiteY2" fmla="*/ 0 h 10458"/>
+              <a:gd name="connsiteX3" fmla="*/ 10761 w 10761"/>
+              <a:gd name="connsiteY3" fmla="*/ 10306 h 10458"/>
+              <a:gd name="connsiteX4" fmla="*/ 0 w 10761"/>
+              <a:gd name="connsiteY4" fmla="*/ 10458 h 10458"/>
+            </a:gdLst>
+            <a:ahLst/>
+            <a:cxnLst>
+              <a:cxn ang="0">
+                <a:pos x="connsiteX0" y="connsiteY0"/>
+              </a:cxn>
+              <a:cxn ang="0">
+                <a:pos x="connsiteX1" y="connsiteY1"/>
+              </a:cxn>
+              <a:cxn ang="0">
+                <a:pos x="connsiteX2" y="connsiteY2"/>
+              </a:cxn>
+              <a:cxn ang="0">
+                <a:pos x="connsiteX3" y="connsiteY3"/>
+              </a:cxn>
+              <a:cxn ang="0">
+                <a:pos x="connsiteX4" y="connsiteY4"/>
+              </a:cxn>
+            </a:cxnLst>
+            <a:rect l="l" t="t" r="r" b="b"/>
+            <a:pathLst>
+              <a:path w="10761" h="10458">
+                <a:moveTo>
+                  <a:pt x="0" y="10458"/>
+                </a:moveTo>
+                <a:lnTo>
+                  <a:pt x="5161" y="0"/>
+                </a:lnTo>
+                <a:lnTo>
+                  <a:pt x="10663" y="0"/>
+                </a:lnTo>
+                <a:cubicBezTo>
+                  <a:pt x="10815" y="3282"/>
+                  <a:pt x="10609" y="7024"/>
+                  <a:pt x="10761" y="10306"/>
+                </a:cubicBezTo>
+                <a:lnTo>
+                  <a:pt x="0" y="10458"/>
+                </a:lnTo>
+                <a:close/>
+              </a:path>
+            </a:pathLst>
+          </a:custGeom>
+          <a:solidFill>
+            <a:schemeClr val="bg1"/>
+          </a:solidFill>
+          <a:ln w="19050">
+            <a:solidFill>
+              <a:schemeClr val="tx1"/>
+            </a:solidFill>
+          </a:ln>
+        </p:spPr>
+        <p:style>
+          <a:lnRef idx="2">
+            <a:schemeClr val="accent1">
+              <a:shade val="15000"/>
+            </a:schemeClr>
+          </a:lnRef>
+          <a:fillRef idx="1">
+            <a:schemeClr val="accent1"/>
+          </a:fillRef>
+          <a:effectRef idx="0">
+            <a:schemeClr val="accent1"/>
+          </a:effectRef>
+          <a:fontRef idx="minor">
+            <a:schemeClr val="lt1"/>
+          </a:fontRef>
+        </p:style>
+        <p:txBody>
+          <a:bodyPr rtlCol="0" anchor="ctr"/>
+          <a:lstStyle/>
+          <a:p>
+            <a:pPr algn="ctr"/>
+            <a:endParaRPr lang="en-US"/>
+          </a:p>
+        </p:txBody>
+      </p:sp>
+      <p:sp>
+        <p:nvSpPr>
+          <p:cNvPr id="9" name="TextBox 8">
+            <a:extLst>
+              <a:ext uri="{FF2B5EF4-FFF2-40B4-BE49-F238E27FC236}">
+                <a16:creationId xmlns:a16="http://schemas.microsoft.com/office/drawing/2014/main" id="{1082203F-76E6-CC1E-6E07-B81D0D2EFCC9}"/>
+              </a:ext>
+            </a:extLst>
+          </p:cNvPr>
+          <p:cNvSpPr txBox="1"/>
+          <p:nvPr/>
+        </p:nvSpPr>
+        <p:spPr>
+          <a:xfrm>
+            <a:off x="11520069" y="6287442"/>
+            <a:ext cx="557254" cy="584775"/>
+          </a:xfrm>
+          <a:prstGeom prst="rect">
+            <a:avLst/>
+          </a:prstGeom>
+          <a:noFill/>
+        </p:spPr>
+        <p:txBody>
+          <a:bodyPr wrap="square" rtlCol="0">
+            <a:spAutoFit/>
+          </a:bodyPr>
+          <a:lstStyle/>
+          <a:p>
+            <a:r>
+              <a:rPr lang="en-US" sz="3200" dirty="0">
+                <a:latin typeface="TH SarabunPSK" panose="020B0500040200020003" pitchFamily="34" charset="-34"/>
+                <a:cs typeface="TH SarabunPSK" panose="020B0500040200020003" pitchFamily="34" charset="-34"/>
+              </a:rPr>
+              <a:t>8</a:t>
+            </a:r>
+          </a:p>
+        </p:txBody>
+      </p:sp>
+      <p:sp>
+        <p:nvSpPr>
           <p:cNvPr id="2" name="Title 1">
             <a:extLst>
               <a:ext uri="{FF2B5EF4-FFF2-40B4-BE49-F238E27FC236}">
@@ -6089,26 +9462,36 @@
             <p:ph type="title"/>
           </p:nvPr>
         </p:nvSpPr>
-        <p:spPr/>
+        <p:spPr>
+          <a:xfrm>
+            <a:off x="838200" y="0"/>
+            <a:ext cx="10515600" cy="1325563"/>
+          </a:xfrm>
+        </p:spPr>
         <p:txBody>
           <a:bodyPr/>
           <a:lstStyle/>
           <a:p>
             <a:r>
-              <a:rPr lang="th-TH" dirty="0"/>
+              <a:rPr lang="th-TH" dirty="0">
+                <a:latin typeface="TH SarabunPSK" panose="020B0500040200020003" pitchFamily="34" charset="-34"/>
+                <a:cs typeface="TH SarabunPSK" panose="020B0500040200020003" pitchFamily="34" charset="-34"/>
+              </a:rPr>
               <a:t>การชี้ข้อมูล </a:t>
             </a:r>
             <a:r>
               <a:rPr lang="en-US" dirty="0">
+                <a:latin typeface="TH SarabunPSK" panose="020B0500040200020003" pitchFamily="34" charset="-34"/>
                 <a:ea typeface="+mj-lt"/>
-                <a:cs typeface="Angsana New" panose="02020603050405020304" pitchFamily="18" charset="-34"/>
+                <a:cs typeface="TH SarabunPSK" panose="020B0500040200020003" pitchFamily="34" charset="-34"/>
               </a:rPr>
               <a:t>timestamp </a:t>
             </a:r>
             <a:r>
               <a:rPr lang="th-TH" dirty="0">
+                <a:latin typeface="TH SarabunPSK" panose="020B0500040200020003" pitchFamily="34" charset="-34"/>
                 <a:ea typeface="+mj-lt"/>
-                <a:cs typeface="Angsana New" panose="02020603050405020304" pitchFamily="18" charset="-34"/>
+                <a:cs typeface="TH SarabunPSK" panose="020B0500040200020003" pitchFamily="34" charset="-34"/>
               </a:rPr>
               <a:t>ด้วย </a:t>
             </a:r>
@@ -6117,15 +9500,22 @@
                 <a:solidFill>
                   <a:srgbClr val="000000"/>
                 </a:solidFill>
-                <a:latin typeface="Aptos"/>
+                <a:latin typeface="TH SarabunPSK" panose="020B0500040200020003" pitchFamily="34" charset="-34"/>
+                <a:cs typeface="TH SarabunPSK" panose="020B0500040200020003" pitchFamily="34" charset="-34"/>
               </a:rPr>
               <a:t>datetime</a:t>
             </a:r>
             <a:r>
-              <a:rPr lang="th-TH" dirty="0"/>
+              <a:rPr lang="th-TH" dirty="0">
+                <a:latin typeface="TH SarabunPSK" panose="020B0500040200020003" pitchFamily="34" charset="-34"/>
+                <a:cs typeface="TH SarabunPSK" panose="020B0500040200020003" pitchFamily="34" charset="-34"/>
+              </a:rPr>
               <a:t> </a:t>
             </a:r>
-            <a:endParaRPr lang="en-US" dirty="0"/>
+            <a:endParaRPr lang="en-US" dirty="0">
+              <a:latin typeface="TH SarabunPSK" panose="020B0500040200020003" pitchFamily="34" charset="-34"/>
+              <a:cs typeface="TH SarabunPSK" panose="020B0500040200020003" pitchFamily="34" charset="-34"/>
+            </a:endParaRPr>
           </a:p>
         </p:txBody>
       </p:sp>
@@ -6145,140 +9535,166 @@
             <p:ph idx="1"/>
           </p:nvPr>
         </p:nvSpPr>
-        <p:spPr/>
+        <p:spPr>
+          <a:xfrm>
+            <a:off x="838200" y="1561362"/>
+            <a:ext cx="10515600" cy="4351338"/>
+          </a:xfrm>
+        </p:spPr>
         <p:txBody>
           <a:bodyPr/>
           <a:lstStyle/>
           <a:p>
             <a:r>
-              <a:rPr lang="th-TH" dirty="0"/>
+              <a:rPr lang="th-TH" sz="2400" dirty="0">
+                <a:latin typeface="TH SarabunPSK" panose="020B0500040200020003" pitchFamily="34" charset="-34"/>
+                <a:cs typeface="TH SarabunPSK" panose="020B0500040200020003" pitchFamily="34" charset="-34"/>
+              </a:rPr>
               <a:t>การชี้ข้อมูล </a:t>
             </a:r>
             <a:r>
-              <a:rPr lang="en-US" dirty="0">
+              <a:rPr lang="en-US" sz="2400" dirty="0">
+                <a:latin typeface="TH SarabunPSK" panose="020B0500040200020003" pitchFamily="34" charset="-34"/>
                 <a:ea typeface="+mj-lt"/>
-                <a:cs typeface="Angsana New" panose="02020603050405020304" pitchFamily="18" charset="-34"/>
+                <a:cs typeface="TH SarabunPSK" panose="020B0500040200020003" pitchFamily="34" charset="-34"/>
               </a:rPr>
               <a:t>timestamp </a:t>
             </a:r>
             <a:r>
-              <a:rPr lang="th-TH" dirty="0">
+              <a:rPr lang="th-TH" sz="2400" dirty="0">
+                <a:latin typeface="TH SarabunPSK" panose="020B0500040200020003" pitchFamily="34" charset="-34"/>
                 <a:ea typeface="+mj-lt"/>
-                <a:cs typeface="Angsana New" panose="02020603050405020304" pitchFamily="18" charset="-34"/>
+                <a:cs typeface="TH SarabunPSK" panose="020B0500040200020003" pitchFamily="34" charset="-34"/>
               </a:rPr>
               <a:t>จะใช้คำสั่ง </a:t>
             </a:r>
             <a:r>
-              <a:rPr lang="en-US" dirty="0">
+              <a:rPr lang="en-US" sz="2400" dirty="0">
                 <a:solidFill>
                   <a:srgbClr val="000000"/>
                 </a:solidFill>
-                <a:latin typeface="Aptos"/>
+                <a:latin typeface="TH SarabunPSK" panose="020B0500040200020003" pitchFamily="34" charset="-34"/>
+                <a:cs typeface="TH SarabunPSK" panose="020B0500040200020003" pitchFamily="34" charset="-34"/>
               </a:rPr>
               <a:t>datetime</a:t>
             </a:r>
             <a:r>
-              <a:rPr lang="th-TH" dirty="0"/>
+              <a:rPr lang="th-TH" sz="2400" dirty="0">
+                <a:latin typeface="TH SarabunPSK" panose="020B0500040200020003" pitchFamily="34" charset="-34"/>
+                <a:cs typeface="TH SarabunPSK" panose="020B0500040200020003" pitchFamily="34" charset="-34"/>
+              </a:rPr>
               <a:t> สามารถกำหนดวันเดือนปีในการชี้</a:t>
             </a:r>
           </a:p>
           <a:p>
             <a:r>
-              <a:rPr lang="en-US" sz="2800" b="0" dirty="0">
+              <a:rPr lang="en-US" sz="2400" b="0" dirty="0">
                 <a:solidFill>
                   <a:srgbClr val="000000"/>
                 </a:solidFill>
                 <a:effectLst/>
-                <a:latin typeface="Courier New" panose="02070309020205020404" pitchFamily="49" charset="0"/>
+                <a:latin typeface="TH SarabunPSK" panose="020B0500040200020003" pitchFamily="34" charset="-34"/>
+                <a:cs typeface="TH SarabunPSK" panose="020B0500040200020003" pitchFamily="34" charset="-34"/>
               </a:rPr>
               <a:t>datetime(day=</a:t>
             </a:r>
             <a:r>
-              <a:rPr lang="th-TH" sz="2800" b="0" dirty="0">
+              <a:rPr lang="th-TH" sz="2400" b="0" dirty="0">
                 <a:solidFill>
                   <a:srgbClr val="116644"/>
                 </a:solidFill>
                 <a:effectLst/>
-                <a:latin typeface="Courier New" panose="02070309020205020404" pitchFamily="49" charset="0"/>
+                <a:latin typeface="TH SarabunPSK" panose="020B0500040200020003" pitchFamily="34" charset="-34"/>
+                <a:cs typeface="TH SarabunPSK" panose="020B0500040200020003" pitchFamily="34" charset="-34"/>
               </a:rPr>
               <a:t>วันที่ต้องการชี้</a:t>
             </a:r>
             <a:r>
-              <a:rPr lang="en-US" sz="2800" b="0" dirty="0">
+              <a:rPr lang="en-US" sz="2400" b="0" dirty="0">
                 <a:solidFill>
                   <a:srgbClr val="000000"/>
                 </a:solidFill>
                 <a:effectLst/>
-                <a:latin typeface="Courier New" panose="02070309020205020404" pitchFamily="49" charset="0"/>
-              </a:rPr>
-              <a:t>,month=</a:t>
-            </a:r>
-            <a:r>
-              <a:rPr lang="th-TH" sz="2800" b="0" dirty="0">
+                <a:latin typeface="TH SarabunPSK" panose="020B0500040200020003" pitchFamily="34" charset="-34"/>
+                <a:cs typeface="TH SarabunPSK" panose="020B0500040200020003" pitchFamily="34" charset="-34"/>
+              </a:rPr>
+              <a:t>, month=</a:t>
+            </a:r>
+            <a:r>
+              <a:rPr lang="th-TH" sz="2400" b="0" dirty="0">
                 <a:solidFill>
                   <a:srgbClr val="116644"/>
                 </a:solidFill>
                 <a:effectLst/>
-                <a:latin typeface="Courier New" panose="02070309020205020404" pitchFamily="49" charset="0"/>
+                <a:latin typeface="TH SarabunPSK" panose="020B0500040200020003" pitchFamily="34" charset="-34"/>
+                <a:cs typeface="TH SarabunPSK" panose="020B0500040200020003" pitchFamily="34" charset="-34"/>
               </a:rPr>
               <a:t>เดือนที่ต้องการชี้</a:t>
             </a:r>
             <a:r>
-              <a:rPr lang="en-US" sz="2800" b="0" dirty="0">
+              <a:rPr lang="en-US" sz="2400" b="0" dirty="0">
                 <a:solidFill>
                   <a:srgbClr val="000000"/>
                 </a:solidFill>
                 <a:effectLst/>
-                <a:latin typeface="Courier New" panose="02070309020205020404" pitchFamily="49" charset="0"/>
-              </a:rPr>
-              <a:t>,year=</a:t>
-            </a:r>
-            <a:r>
-              <a:rPr lang="th-TH" sz="2800" b="0" dirty="0">
+                <a:latin typeface="TH SarabunPSK" panose="020B0500040200020003" pitchFamily="34" charset="-34"/>
+                <a:cs typeface="TH SarabunPSK" panose="020B0500040200020003" pitchFamily="34" charset="-34"/>
+              </a:rPr>
+              <a:t>, year=</a:t>
+            </a:r>
+            <a:r>
+              <a:rPr lang="th-TH" sz="2400" b="0" dirty="0">
                 <a:solidFill>
                   <a:srgbClr val="116644"/>
                 </a:solidFill>
                 <a:effectLst/>
-                <a:latin typeface="Courier New" panose="02070309020205020404" pitchFamily="49" charset="0"/>
+                <a:latin typeface="TH SarabunPSK" panose="020B0500040200020003" pitchFamily="34" charset="-34"/>
+                <a:cs typeface="TH SarabunPSK" panose="020B0500040200020003" pitchFamily="34" charset="-34"/>
               </a:rPr>
               <a:t>ปี</a:t>
             </a:r>
             <a:r>
-              <a:rPr lang="th-TH" dirty="0">
+              <a:rPr lang="th-TH" sz="2400" dirty="0">
                 <a:solidFill>
                   <a:srgbClr val="116644"/>
                 </a:solidFill>
-                <a:latin typeface="Courier New" panose="02070309020205020404" pitchFamily="49" charset="0"/>
+                <a:latin typeface="TH SarabunPSK" panose="020B0500040200020003" pitchFamily="34" charset="-34"/>
+                <a:cs typeface="TH SarabunPSK" panose="020B0500040200020003" pitchFamily="34" charset="-34"/>
               </a:rPr>
               <a:t>ที่ต้องการชี้</a:t>
             </a:r>
             <a:r>
-              <a:rPr lang="en-US" sz="2800" b="0" dirty="0">
+              <a:rPr lang="en-US" sz="2400" b="0" dirty="0">
                 <a:solidFill>
                   <a:srgbClr val="116644"/>
                 </a:solidFill>
                 <a:effectLst/>
-                <a:latin typeface="Courier New" panose="02070309020205020404" pitchFamily="49" charset="0"/>
+                <a:latin typeface="TH SarabunPSK" panose="020B0500040200020003" pitchFamily="34" charset="-34"/>
+                <a:cs typeface="TH SarabunPSK" panose="020B0500040200020003" pitchFamily="34" charset="-34"/>
               </a:rPr>
               <a:t>)</a:t>
             </a:r>
-            <a:endParaRPr lang="th-TH" sz="2800" b="0" dirty="0">
+            <a:endParaRPr lang="th-TH" sz="2400" b="0" dirty="0">
               <a:solidFill>
                 <a:srgbClr val="116644"/>
               </a:solidFill>
               <a:effectLst/>
-              <a:latin typeface="Courier New" panose="02070309020205020404" pitchFamily="49" charset="0"/>
+              <a:latin typeface="TH SarabunPSK" panose="020B0500040200020003" pitchFamily="34" charset="-34"/>
+              <a:cs typeface="TH SarabunPSK" panose="020B0500040200020003" pitchFamily="34" charset="-34"/>
             </a:endParaRPr>
           </a:p>
           <a:p>
             <a:r>
-              <a:rPr lang="th-TH" dirty="0"/>
+              <a:rPr lang="th-TH" sz="2400" dirty="0">
+                <a:latin typeface="TH SarabunPSK" panose="020B0500040200020003" pitchFamily="34" charset="-34"/>
+                <a:cs typeface="TH SarabunPSK" panose="020B0500040200020003" pitchFamily="34" charset="-34"/>
+              </a:rPr>
               <a:t> เช่น </a:t>
             </a:r>
           </a:p>
           <a:p>
             <a:r>
-              <a:rPr lang="en-US" sz="2400" b="0" dirty="0">
+              <a:rPr lang="en-US" sz="1800" b="0" dirty="0">
                 <a:solidFill>
                   <a:srgbClr val="AF00DB"/>
                 </a:solidFill>
@@ -6288,7 +9704,7 @@
               <a:t>from</a:t>
             </a:r>
             <a:r>
-              <a:rPr lang="en-US" sz="2400" b="0" dirty="0">
+              <a:rPr lang="en-US" sz="1800" b="0" dirty="0">
                 <a:solidFill>
                   <a:srgbClr val="000000"/>
                 </a:solidFill>
@@ -6298,7 +9714,7 @@
               <a:t> datetime </a:t>
             </a:r>
             <a:r>
-              <a:rPr lang="en-US" sz="2400" b="0" dirty="0">
+              <a:rPr lang="en-US" sz="1800" b="0" dirty="0">
                 <a:solidFill>
                   <a:srgbClr val="AF00DB"/>
                 </a:solidFill>
@@ -6308,7 +9724,7 @@
               <a:t>import</a:t>
             </a:r>
             <a:r>
-              <a:rPr lang="en-US" sz="2400" b="0" dirty="0">
+              <a:rPr lang="en-US" sz="1800" b="0" dirty="0">
                 <a:solidFill>
                   <a:srgbClr val="000000"/>
                 </a:solidFill>
@@ -6317,11 +9733,11 @@
               </a:rPr>
               <a:t> datetime</a:t>
             </a:r>
-            <a:endParaRPr lang="th-TH" sz="2400" dirty="0"/>
-          </a:p>
-          <a:p>
-            <a:r>
-              <a:rPr lang="en-US" sz="2400" b="0" dirty="0" err="1">
+            <a:endParaRPr lang="th-TH" sz="1800" dirty="0"/>
+          </a:p>
+          <a:p>
+            <a:r>
+              <a:rPr lang="en-US" sz="1800" b="0" dirty="0" err="1">
                 <a:solidFill>
                   <a:srgbClr val="000000"/>
                 </a:solidFill>
@@ -6331,7 +9747,7 @@
               <a:t>df</a:t>
             </a:r>
             <a:r>
-              <a:rPr lang="en-US" sz="2400" b="0" dirty="0">
+              <a:rPr lang="en-US" sz="1800" b="0" dirty="0">
                 <a:solidFill>
                   <a:srgbClr val="000000"/>
                 </a:solidFill>
@@ -6341,7 +9757,7 @@
               <a:t>[</a:t>
             </a:r>
             <a:r>
-              <a:rPr lang="en-US" sz="2400" b="0" dirty="0" err="1">
+              <a:rPr lang="en-US" sz="1800" b="0" dirty="0" err="1">
                 <a:solidFill>
                   <a:srgbClr val="000000"/>
                 </a:solidFill>
@@ -6351,7 +9767,7 @@
               <a:t>df</a:t>
             </a:r>
             <a:r>
-              <a:rPr lang="en-US" sz="2400" b="0" dirty="0">
+              <a:rPr lang="en-US" sz="1800" b="0" dirty="0">
                 <a:solidFill>
                   <a:srgbClr val="000000"/>
                 </a:solidFill>
@@ -6361,7 +9777,7 @@
               <a:t>[</a:t>
             </a:r>
             <a:r>
-              <a:rPr lang="en-US" sz="2400" b="0" dirty="0">
+              <a:rPr lang="en-US" sz="1800" b="0" dirty="0">
                 <a:solidFill>
                   <a:srgbClr val="A31515"/>
                 </a:solidFill>
@@ -6371,7 +9787,7 @@
               <a:t>'Unnamed: 0'</a:t>
             </a:r>
             <a:r>
-              <a:rPr lang="en-US" sz="2400" b="0" dirty="0">
+              <a:rPr lang="en-US" sz="1800" b="0" dirty="0">
                 <a:solidFill>
                   <a:srgbClr val="000000"/>
                 </a:solidFill>
@@ -6381,7 +9797,7 @@
               <a:t>]&lt;datetime(day=</a:t>
             </a:r>
             <a:r>
-              <a:rPr lang="en-US" sz="2400" b="0" dirty="0">
+              <a:rPr lang="en-US" sz="1800" b="0" dirty="0">
                 <a:solidFill>
                   <a:srgbClr val="116644"/>
                 </a:solidFill>
@@ -6391,7 +9807,7 @@
               <a:t>2</a:t>
             </a:r>
             <a:r>
-              <a:rPr lang="en-US" sz="2400" b="0" dirty="0">
+              <a:rPr lang="en-US" sz="1800" b="0" dirty="0">
                 <a:solidFill>
                   <a:srgbClr val="000000"/>
                 </a:solidFill>
@@ -6401,7 +9817,7 @@
               <a:t>,month=</a:t>
             </a:r>
             <a:r>
-              <a:rPr lang="en-US" sz="2400" b="0" dirty="0">
+              <a:rPr lang="en-US" sz="1800" b="0" dirty="0">
                 <a:solidFill>
                   <a:srgbClr val="116644"/>
                 </a:solidFill>
@@ -6411,7 +9827,7 @@
               <a:t>6</a:t>
             </a:r>
             <a:r>
-              <a:rPr lang="en-US" sz="2400" b="0" dirty="0">
+              <a:rPr lang="en-US" sz="1800" b="0" dirty="0">
                 <a:solidFill>
                   <a:srgbClr val="000000"/>
                 </a:solidFill>
@@ -6421,7 +9837,7 @@
               <a:t>,year=</a:t>
             </a:r>
             <a:r>
-              <a:rPr lang="en-US" sz="2400" b="0" dirty="0">
+              <a:rPr lang="en-US" sz="1800" b="0" dirty="0">
                 <a:solidFill>
                   <a:srgbClr val="116644"/>
                 </a:solidFill>
@@ -6431,7 +9847,7 @@
               <a:t>2020</a:t>
             </a:r>
             <a:r>
-              <a:rPr lang="en-US" sz="2400" b="0" dirty="0">
+              <a:rPr lang="en-US" sz="1800" b="0" dirty="0">
                 <a:solidFill>
                   <a:srgbClr val="000000"/>
                 </a:solidFill>
@@ -6461,15 +9877,15 @@
           <p:nvPr/>
         </p:nvPicPr>
         <p:blipFill>
-          <a:blip r:embed="rId2"/>
+          <a:blip r:embed="rId3"/>
           <a:stretch>
             <a:fillRect/>
           </a:stretch>
         </p:blipFill>
         <p:spPr>
           <a:xfrm>
-            <a:off x="1052945" y="4405674"/>
-            <a:ext cx="2970416" cy="2236830"/>
+            <a:off x="1047750" y="3816328"/>
+            <a:ext cx="2375536" cy="1788864"/>
           </a:xfrm>
           <a:prstGeom prst="rect">
             <a:avLst/>

--- a/PPT/Class period 16.pptx
+++ b/PPT/Class period 16.pptx
@@ -14,6 +14,8 @@
     <p:sldId id="528" r:id="rId8"/>
     <p:sldId id="529" r:id="rId9"/>
     <p:sldId id="530" r:id="rId10"/>
+    <p:sldId id="533" r:id="rId11"/>
+    <p:sldId id="534" r:id="rId12"/>
   </p:sldIdLst>
   <p:sldSz cx="12192000" cy="6858000"/>
   <p:notesSz cx="6858000" cy="9144000"/>
@@ -112,6 +114,11 @@
       </a:defRPr>
     </a:lvl9pPr>
   </p:defaultTextStyle>
+  <p:extLst>
+    <p:ext uri="{EFAFB233-063F-42B5-8137-9DF3F51BA10A}">
+      <p15:sldGuideLst xmlns:p15="http://schemas.microsoft.com/office/powerpoint/2012/main"/>
+    </p:ext>
+  </p:extLst>
 </p:presentation>
 </file>
 
@@ -262,7 +269,7 @@
           <a:p>
             <a:fld id="{27D31E1D-BADE-49B8-9826-9B4BF933C2FC}" type="datetimeFigureOut">
               <a:rPr lang="en-US" smtClean="0"/>
-              <a:t>4/20/2024</a:t>
+              <a:t>5/20/2024</a:t>
             </a:fld>
             <a:endParaRPr lang="en-US"/>
           </a:p>
@@ -460,7 +467,7 @@
           <a:p>
             <a:fld id="{27D31E1D-BADE-49B8-9826-9B4BF933C2FC}" type="datetimeFigureOut">
               <a:rPr lang="en-US" smtClean="0"/>
-              <a:t>4/20/2024</a:t>
+              <a:t>5/20/2024</a:t>
             </a:fld>
             <a:endParaRPr lang="en-US"/>
           </a:p>
@@ -668,7 +675,7 @@
           <a:p>
             <a:fld id="{27D31E1D-BADE-49B8-9826-9B4BF933C2FC}" type="datetimeFigureOut">
               <a:rPr lang="en-US" smtClean="0"/>
-              <a:t>4/20/2024</a:t>
+              <a:t>5/20/2024</a:t>
             </a:fld>
             <a:endParaRPr lang="en-US"/>
           </a:p>
@@ -866,7 +873,7 @@
           <a:p>
             <a:fld id="{27D31E1D-BADE-49B8-9826-9B4BF933C2FC}" type="datetimeFigureOut">
               <a:rPr lang="en-US" smtClean="0"/>
-              <a:t>4/20/2024</a:t>
+              <a:t>5/20/2024</a:t>
             </a:fld>
             <a:endParaRPr lang="en-US"/>
           </a:p>
@@ -1141,7 +1148,7 @@
           <a:p>
             <a:fld id="{27D31E1D-BADE-49B8-9826-9B4BF933C2FC}" type="datetimeFigureOut">
               <a:rPr lang="en-US" smtClean="0"/>
-              <a:t>4/20/2024</a:t>
+              <a:t>5/20/2024</a:t>
             </a:fld>
             <a:endParaRPr lang="en-US"/>
           </a:p>
@@ -1406,7 +1413,7 @@
           <a:p>
             <a:fld id="{27D31E1D-BADE-49B8-9826-9B4BF933C2FC}" type="datetimeFigureOut">
               <a:rPr lang="en-US" smtClean="0"/>
-              <a:t>4/20/2024</a:t>
+              <a:t>5/20/2024</a:t>
             </a:fld>
             <a:endParaRPr lang="en-US"/>
           </a:p>
@@ -1818,7 +1825,7 @@
           <a:p>
             <a:fld id="{27D31E1D-BADE-49B8-9826-9B4BF933C2FC}" type="datetimeFigureOut">
               <a:rPr lang="en-US" smtClean="0"/>
-              <a:t>4/20/2024</a:t>
+              <a:t>5/20/2024</a:t>
             </a:fld>
             <a:endParaRPr lang="en-US"/>
           </a:p>
@@ -1959,7 +1966,7 @@
           <a:p>
             <a:fld id="{27D31E1D-BADE-49B8-9826-9B4BF933C2FC}" type="datetimeFigureOut">
               <a:rPr lang="en-US" smtClean="0"/>
-              <a:t>4/20/2024</a:t>
+              <a:t>5/20/2024</a:t>
             </a:fld>
             <a:endParaRPr lang="en-US"/>
           </a:p>
@@ -2072,7 +2079,7 @@
           <a:p>
             <a:fld id="{27D31E1D-BADE-49B8-9826-9B4BF933C2FC}" type="datetimeFigureOut">
               <a:rPr lang="en-US" smtClean="0"/>
-              <a:t>4/20/2024</a:t>
+              <a:t>5/20/2024</a:t>
             </a:fld>
             <a:endParaRPr lang="en-US"/>
           </a:p>
@@ -2383,7 +2390,7 @@
           <a:p>
             <a:fld id="{27D31E1D-BADE-49B8-9826-9B4BF933C2FC}" type="datetimeFigureOut">
               <a:rPr lang="en-US" smtClean="0"/>
-              <a:t>4/20/2024</a:t>
+              <a:t>5/20/2024</a:t>
             </a:fld>
             <a:endParaRPr lang="en-US"/>
           </a:p>
@@ -2671,7 +2678,7 @@
           <a:p>
             <a:fld id="{27D31E1D-BADE-49B8-9826-9B4BF933C2FC}" type="datetimeFigureOut">
               <a:rPr lang="en-US" smtClean="0"/>
-              <a:t>4/20/2024</a:t>
+              <a:t>5/20/2024</a:t>
             </a:fld>
             <a:endParaRPr lang="en-US"/>
           </a:p>
@@ -2912,7 +2919,7 @@
           <a:p>
             <a:fld id="{27D31E1D-BADE-49B8-9826-9B4BF933C2FC}" type="datetimeFigureOut">
               <a:rPr lang="en-US" smtClean="0"/>
-              <a:t>4/20/2024</a:t>
+              <a:t>5/20/2024</a:t>
             </a:fld>
             <a:endParaRPr lang="en-US"/>
           </a:p>
@@ -3518,6 +3525,22 @@
           <a:lstStyle/>
           <a:p>
             <a:r>
+              <a:rPr lang="th-TH" dirty="0">
+                <a:latin typeface="TH SarabunPSK" panose="020B0500040200020003" pitchFamily="34" charset="-34"/>
+                <a:cs typeface="TH SarabunPSK" panose="020B0500040200020003" pitchFamily="34" charset="-34"/>
+              </a:rPr>
+              <a:t>บทที่ 6 การแสดงผลการกระจายของข้อมูล (ต่อ)</a:t>
+            </a:r>
+            <a:endParaRPr lang="en-US" dirty="0">
+              <a:solidFill>
+                <a:srgbClr val="000000"/>
+              </a:solidFill>
+              <a:latin typeface="TH SarabunPSK" panose="020B0500040200020003" pitchFamily="34" charset="-34"/>
+              <a:cs typeface="TH SarabunPSK" panose="020B0500040200020003" pitchFamily="34" charset="-34"/>
+            </a:endParaRPr>
+          </a:p>
+          <a:p>
+            <a:r>
               <a:rPr lang="en-US" dirty="0">
                 <a:solidFill>
                   <a:srgbClr val="000000"/>
@@ -3546,6 +3569,1826 @@
     <p:extLst>
       <p:ext uri="{BB962C8B-B14F-4D97-AF65-F5344CB8AC3E}">
         <p14:creationId xmlns:p14="http://schemas.microsoft.com/office/powerpoint/2010/main" val="109857222"/>
+      </p:ext>
+    </p:extLst>
+  </p:cSld>
+  <p:clrMapOvr>
+    <a:masterClrMapping/>
+  </p:clrMapOvr>
+</p:sld>
+</file>
+
+<file path=ppt/slides/slide10.xml><?xml version="1.0" encoding="utf-8"?>
+<p:sld xmlns:a="http://schemas.openxmlformats.org/drawingml/2006/main" xmlns:r="http://schemas.openxmlformats.org/officeDocument/2006/relationships" xmlns:p="http://schemas.openxmlformats.org/presentationml/2006/main">
+  <p:cSld>
+    <p:spTree>
+      <p:nvGrpSpPr>
+        <p:cNvPr id="1" name=""/>
+        <p:cNvGrpSpPr/>
+        <p:nvPr/>
+      </p:nvGrpSpPr>
+      <p:grpSpPr>
+        <a:xfrm>
+          <a:off x="0" y="0"/>
+          <a:ext cx="0" cy="0"/>
+          <a:chOff x="0" y="0"/>
+          <a:chExt cx="0" cy="0"/>
+        </a:xfrm>
+      </p:grpSpPr>
+      <p:sp>
+        <p:nvSpPr>
+          <p:cNvPr id="4" name="Rectangle 3">
+            <a:extLst>
+              <a:ext uri="{FF2B5EF4-FFF2-40B4-BE49-F238E27FC236}">
+                <a16:creationId xmlns:a16="http://schemas.microsoft.com/office/drawing/2014/main" id="{2E4EA1BF-C3B2-774A-EE4A-C6F9CC06B9F7}"/>
+              </a:ext>
+            </a:extLst>
+          </p:cNvPr>
+          <p:cNvSpPr/>
+          <p:nvPr/>
+        </p:nvSpPr>
+        <p:spPr>
+          <a:xfrm>
+            <a:off x="0" y="5840991"/>
+            <a:ext cx="12192000" cy="1017009"/>
+          </a:xfrm>
+          <a:prstGeom prst="rect">
+            <a:avLst/>
+          </a:prstGeom>
+          <a:solidFill>
+            <a:srgbClr val="FFCC99"/>
+          </a:solidFill>
+          <a:ln>
+            <a:solidFill>
+              <a:srgbClr val="FFCC99"/>
+            </a:solidFill>
+          </a:ln>
+        </p:spPr>
+        <p:style>
+          <a:lnRef idx="2">
+            <a:schemeClr val="accent1">
+              <a:shade val="15000"/>
+            </a:schemeClr>
+          </a:lnRef>
+          <a:fillRef idx="1">
+            <a:schemeClr val="accent1"/>
+          </a:fillRef>
+          <a:effectRef idx="0">
+            <a:schemeClr val="accent1"/>
+          </a:effectRef>
+          <a:fontRef idx="minor">
+            <a:schemeClr val="lt1"/>
+          </a:fontRef>
+        </p:style>
+        <p:txBody>
+          <a:bodyPr rtlCol="0" anchor="ctr"/>
+          <a:lstStyle/>
+          <a:p>
+            <a:pPr algn="ctr"/>
+            <a:endParaRPr lang="en-US"/>
+          </a:p>
+        </p:txBody>
+      </p:sp>
+      <p:sp>
+        <p:nvSpPr>
+          <p:cNvPr id="6" name="Rectangle 5">
+            <a:extLst>
+              <a:ext uri="{FF2B5EF4-FFF2-40B4-BE49-F238E27FC236}">
+                <a16:creationId xmlns:a16="http://schemas.microsoft.com/office/drawing/2014/main" id="{730BB22A-300E-B3A6-3CFC-4A73173D80B8}"/>
+              </a:ext>
+            </a:extLst>
+          </p:cNvPr>
+          <p:cNvSpPr/>
+          <p:nvPr/>
+        </p:nvSpPr>
+        <p:spPr>
+          <a:xfrm>
+            <a:off x="0" y="0"/>
+            <a:ext cx="12192000" cy="1136342"/>
+          </a:xfrm>
+          <a:prstGeom prst="rect">
+            <a:avLst/>
+          </a:prstGeom>
+          <a:solidFill>
+            <a:srgbClr val="FFCC99"/>
+          </a:solidFill>
+          <a:ln>
+            <a:solidFill>
+              <a:srgbClr val="FFCC99"/>
+            </a:solidFill>
+          </a:ln>
+        </p:spPr>
+        <p:style>
+          <a:lnRef idx="2">
+            <a:schemeClr val="accent1">
+              <a:shade val="15000"/>
+            </a:schemeClr>
+          </a:lnRef>
+          <a:fillRef idx="1">
+            <a:schemeClr val="accent1"/>
+          </a:fillRef>
+          <a:effectRef idx="0">
+            <a:schemeClr val="accent1"/>
+          </a:effectRef>
+          <a:fontRef idx="minor">
+            <a:schemeClr val="lt1"/>
+          </a:fontRef>
+        </p:style>
+        <p:txBody>
+          <a:bodyPr rtlCol="0" anchor="ctr"/>
+          <a:lstStyle/>
+          <a:p>
+            <a:pPr algn="ctr"/>
+            <a:endParaRPr lang="en-US" dirty="0">
+              <a:noFill/>
+            </a:endParaRPr>
+          </a:p>
+        </p:txBody>
+      </p:sp>
+      <p:pic>
+        <p:nvPicPr>
+          <p:cNvPr id="7" name="Picture 6" descr="A black and white logo&#10;&#10;Description automatically generated">
+            <a:extLst>
+              <a:ext uri="{FF2B5EF4-FFF2-40B4-BE49-F238E27FC236}">
+                <a16:creationId xmlns:a16="http://schemas.microsoft.com/office/drawing/2014/main" id="{644A549F-1DB7-EA00-E1C0-C4242C1EBDFA}"/>
+              </a:ext>
+            </a:extLst>
+          </p:cNvPr>
+          <p:cNvPicPr>
+            <a:picLocks noChangeAspect="1"/>
+          </p:cNvPicPr>
+          <p:nvPr/>
+        </p:nvPicPr>
+        <p:blipFill>
+          <a:blip r:embed="rId2">
+            <a:extLst>
+              <a:ext uri="{28A0092B-C50C-407E-A947-70E740481C1C}">
+                <a14:useLocalDpi xmlns:a14="http://schemas.microsoft.com/office/drawing/2010/main" val="0"/>
+              </a:ext>
+            </a:extLst>
+          </a:blip>
+          <a:stretch>
+            <a:fillRect/>
+          </a:stretch>
+        </p:blipFill>
+        <p:spPr>
+          <a:xfrm>
+            <a:off x="11051882" y="119333"/>
+            <a:ext cx="1093483" cy="1017009"/>
+          </a:xfrm>
+          <a:prstGeom prst="rect">
+            <a:avLst/>
+          </a:prstGeom>
+        </p:spPr>
+      </p:pic>
+      <p:sp>
+        <p:nvSpPr>
+          <p:cNvPr id="8" name="Flowchart: Data 2">
+            <a:extLst>
+              <a:ext uri="{FF2B5EF4-FFF2-40B4-BE49-F238E27FC236}">
+                <a16:creationId xmlns:a16="http://schemas.microsoft.com/office/drawing/2014/main" id="{2211565E-D41F-CFD9-0101-6A339E8D91E6}"/>
+              </a:ext>
+            </a:extLst>
+          </p:cNvPr>
+          <p:cNvSpPr/>
+          <p:nvPr/>
+        </p:nvSpPr>
+        <p:spPr>
+          <a:xfrm>
+            <a:off x="10848138" y="6264097"/>
+            <a:ext cx="1343862" cy="608120"/>
+          </a:xfrm>
+          <a:custGeom>
+            <a:avLst/>
+            <a:gdLst>
+              <a:gd name="connsiteX0" fmla="*/ 0 w 10000"/>
+              <a:gd name="connsiteY0" fmla="*/ 10000 h 10000"/>
+              <a:gd name="connsiteX1" fmla="*/ 2000 w 10000"/>
+              <a:gd name="connsiteY1" fmla="*/ 0 h 10000"/>
+              <a:gd name="connsiteX2" fmla="*/ 10000 w 10000"/>
+              <a:gd name="connsiteY2" fmla="*/ 0 h 10000"/>
+              <a:gd name="connsiteX3" fmla="*/ 8000 w 10000"/>
+              <a:gd name="connsiteY3" fmla="*/ 10000 h 10000"/>
+              <a:gd name="connsiteX4" fmla="*/ 0 w 10000"/>
+              <a:gd name="connsiteY4" fmla="*/ 10000 h 10000"/>
+              <a:gd name="connsiteX0" fmla="*/ 0 w 8000"/>
+              <a:gd name="connsiteY0" fmla="*/ 10000 h 10000"/>
+              <a:gd name="connsiteX1" fmla="*/ 2000 w 8000"/>
+              <a:gd name="connsiteY1" fmla="*/ 0 h 10000"/>
+              <a:gd name="connsiteX2" fmla="*/ 4142 w 8000"/>
+              <a:gd name="connsiteY2" fmla="*/ 153 h 10000"/>
+              <a:gd name="connsiteX3" fmla="*/ 8000 w 8000"/>
+              <a:gd name="connsiteY3" fmla="*/ 10000 h 10000"/>
+              <a:gd name="connsiteX4" fmla="*/ 0 w 8000"/>
+              <a:gd name="connsiteY4" fmla="*/ 10000 h 10000"/>
+              <a:gd name="connsiteX0" fmla="*/ 0 w 5414"/>
+              <a:gd name="connsiteY0" fmla="*/ 10000 h 10000"/>
+              <a:gd name="connsiteX1" fmla="*/ 2500 w 5414"/>
+              <a:gd name="connsiteY1" fmla="*/ 0 h 10000"/>
+              <a:gd name="connsiteX2" fmla="*/ 5178 w 5414"/>
+              <a:gd name="connsiteY2" fmla="*/ 153 h 10000"/>
+              <a:gd name="connsiteX3" fmla="*/ 5414 w 5414"/>
+              <a:gd name="connsiteY3" fmla="*/ 10000 h 10000"/>
+              <a:gd name="connsiteX4" fmla="*/ 0 w 5414"/>
+              <a:gd name="connsiteY4" fmla="*/ 10000 h 10000"/>
+              <a:gd name="connsiteX0" fmla="*/ 0 w 9609"/>
+              <a:gd name="connsiteY0" fmla="*/ 10000 h 10000"/>
+              <a:gd name="connsiteX1" fmla="*/ 4618 w 9609"/>
+              <a:gd name="connsiteY1" fmla="*/ 0 h 10000"/>
+              <a:gd name="connsiteX2" fmla="*/ 9564 w 9609"/>
+              <a:gd name="connsiteY2" fmla="*/ 153 h 10000"/>
+              <a:gd name="connsiteX3" fmla="*/ 9590 w 9609"/>
+              <a:gd name="connsiteY3" fmla="*/ 10000 h 10000"/>
+              <a:gd name="connsiteX4" fmla="*/ 0 w 9609"/>
+              <a:gd name="connsiteY4" fmla="*/ 10000 h 10000"/>
+              <a:gd name="connsiteX0" fmla="*/ 0 w 10193"/>
+              <a:gd name="connsiteY0" fmla="*/ 10000 h 10153"/>
+              <a:gd name="connsiteX1" fmla="*/ 4806 w 10193"/>
+              <a:gd name="connsiteY1" fmla="*/ 0 h 10153"/>
+              <a:gd name="connsiteX2" fmla="*/ 9953 w 10193"/>
+              <a:gd name="connsiteY2" fmla="*/ 153 h 10153"/>
+              <a:gd name="connsiteX3" fmla="*/ 10193 w 10193"/>
+              <a:gd name="connsiteY3" fmla="*/ 10153 h 10153"/>
+              <a:gd name="connsiteX4" fmla="*/ 0 w 10193"/>
+              <a:gd name="connsiteY4" fmla="*/ 10000 h 10153"/>
+              <a:gd name="connsiteX0" fmla="*/ 0 w 10213"/>
+              <a:gd name="connsiteY0" fmla="*/ 10000 h 10153"/>
+              <a:gd name="connsiteX1" fmla="*/ 4806 w 10213"/>
+              <a:gd name="connsiteY1" fmla="*/ 0 h 10153"/>
+              <a:gd name="connsiteX2" fmla="*/ 10166 w 10213"/>
+              <a:gd name="connsiteY2" fmla="*/ 153 h 10153"/>
+              <a:gd name="connsiteX3" fmla="*/ 10193 w 10213"/>
+              <a:gd name="connsiteY3" fmla="*/ 10153 h 10153"/>
+              <a:gd name="connsiteX4" fmla="*/ 0 w 10213"/>
+              <a:gd name="connsiteY4" fmla="*/ 10000 h 10153"/>
+              <a:gd name="connsiteX0" fmla="*/ 0 w 10341"/>
+              <a:gd name="connsiteY0" fmla="*/ 10000 h 10153"/>
+              <a:gd name="connsiteX1" fmla="*/ 4806 w 10341"/>
+              <a:gd name="connsiteY1" fmla="*/ 0 h 10153"/>
+              <a:gd name="connsiteX2" fmla="*/ 10308 w 10341"/>
+              <a:gd name="connsiteY2" fmla="*/ 0 h 10153"/>
+              <a:gd name="connsiteX3" fmla="*/ 10193 w 10341"/>
+              <a:gd name="connsiteY3" fmla="*/ 10153 h 10153"/>
+              <a:gd name="connsiteX4" fmla="*/ 0 w 10341"/>
+              <a:gd name="connsiteY4" fmla="*/ 10000 h 10153"/>
+              <a:gd name="connsiteX0" fmla="*/ 0 w 10406"/>
+              <a:gd name="connsiteY0" fmla="*/ 10000 h 10306"/>
+              <a:gd name="connsiteX1" fmla="*/ 4806 w 10406"/>
+              <a:gd name="connsiteY1" fmla="*/ 0 h 10306"/>
+              <a:gd name="connsiteX2" fmla="*/ 10308 w 10406"/>
+              <a:gd name="connsiteY2" fmla="*/ 0 h 10306"/>
+              <a:gd name="connsiteX3" fmla="*/ 10406 w 10406"/>
+              <a:gd name="connsiteY3" fmla="*/ 10306 h 10306"/>
+              <a:gd name="connsiteX4" fmla="*/ 0 w 10406"/>
+              <a:gd name="connsiteY4" fmla="*/ 10000 h 10306"/>
+              <a:gd name="connsiteX0" fmla="*/ 0 w 10761"/>
+              <a:gd name="connsiteY0" fmla="*/ 10458 h 10458"/>
+              <a:gd name="connsiteX1" fmla="*/ 5161 w 10761"/>
+              <a:gd name="connsiteY1" fmla="*/ 0 h 10458"/>
+              <a:gd name="connsiteX2" fmla="*/ 10663 w 10761"/>
+              <a:gd name="connsiteY2" fmla="*/ 0 h 10458"/>
+              <a:gd name="connsiteX3" fmla="*/ 10761 w 10761"/>
+              <a:gd name="connsiteY3" fmla="*/ 10306 h 10458"/>
+              <a:gd name="connsiteX4" fmla="*/ 0 w 10761"/>
+              <a:gd name="connsiteY4" fmla="*/ 10458 h 10458"/>
+            </a:gdLst>
+            <a:ahLst/>
+            <a:cxnLst>
+              <a:cxn ang="0">
+                <a:pos x="connsiteX0" y="connsiteY0"/>
+              </a:cxn>
+              <a:cxn ang="0">
+                <a:pos x="connsiteX1" y="connsiteY1"/>
+              </a:cxn>
+              <a:cxn ang="0">
+                <a:pos x="connsiteX2" y="connsiteY2"/>
+              </a:cxn>
+              <a:cxn ang="0">
+                <a:pos x="connsiteX3" y="connsiteY3"/>
+              </a:cxn>
+              <a:cxn ang="0">
+                <a:pos x="connsiteX4" y="connsiteY4"/>
+              </a:cxn>
+            </a:cxnLst>
+            <a:rect l="l" t="t" r="r" b="b"/>
+            <a:pathLst>
+              <a:path w="10761" h="10458">
+                <a:moveTo>
+                  <a:pt x="0" y="10458"/>
+                </a:moveTo>
+                <a:lnTo>
+                  <a:pt x="5161" y="0"/>
+                </a:lnTo>
+                <a:lnTo>
+                  <a:pt x="10663" y="0"/>
+                </a:lnTo>
+                <a:cubicBezTo>
+                  <a:pt x="10815" y="3282"/>
+                  <a:pt x="10609" y="7024"/>
+                  <a:pt x="10761" y="10306"/>
+                </a:cubicBezTo>
+                <a:lnTo>
+                  <a:pt x="0" y="10458"/>
+                </a:lnTo>
+                <a:close/>
+              </a:path>
+            </a:pathLst>
+          </a:custGeom>
+          <a:solidFill>
+            <a:schemeClr val="bg1"/>
+          </a:solidFill>
+          <a:ln w="19050">
+            <a:solidFill>
+              <a:schemeClr val="tx1"/>
+            </a:solidFill>
+          </a:ln>
+        </p:spPr>
+        <p:style>
+          <a:lnRef idx="2">
+            <a:schemeClr val="accent1">
+              <a:shade val="15000"/>
+            </a:schemeClr>
+          </a:lnRef>
+          <a:fillRef idx="1">
+            <a:schemeClr val="accent1"/>
+          </a:fillRef>
+          <a:effectRef idx="0">
+            <a:schemeClr val="accent1"/>
+          </a:effectRef>
+          <a:fontRef idx="minor">
+            <a:schemeClr val="lt1"/>
+          </a:fontRef>
+        </p:style>
+        <p:txBody>
+          <a:bodyPr rtlCol="0" anchor="ctr"/>
+          <a:lstStyle/>
+          <a:p>
+            <a:pPr algn="ctr"/>
+            <a:endParaRPr lang="en-US"/>
+          </a:p>
+        </p:txBody>
+      </p:sp>
+      <p:sp>
+        <p:nvSpPr>
+          <p:cNvPr id="9" name="TextBox 8">
+            <a:extLst>
+              <a:ext uri="{FF2B5EF4-FFF2-40B4-BE49-F238E27FC236}">
+                <a16:creationId xmlns:a16="http://schemas.microsoft.com/office/drawing/2014/main" id="{1082203F-76E6-CC1E-6E07-B81D0D2EFCC9}"/>
+              </a:ext>
+            </a:extLst>
+          </p:cNvPr>
+          <p:cNvSpPr txBox="1"/>
+          <p:nvPr/>
+        </p:nvSpPr>
+        <p:spPr>
+          <a:xfrm>
+            <a:off x="11520069" y="6287442"/>
+            <a:ext cx="557254" cy="584775"/>
+          </a:xfrm>
+          <a:prstGeom prst="rect">
+            <a:avLst/>
+          </a:prstGeom>
+          <a:noFill/>
+        </p:spPr>
+        <p:txBody>
+          <a:bodyPr wrap="square" rtlCol="0">
+            <a:spAutoFit/>
+          </a:bodyPr>
+          <a:lstStyle/>
+          <a:p>
+            <a:r>
+              <a:rPr lang="en-US" sz="3200" dirty="0">
+                <a:latin typeface="TH SarabunPSK" panose="020B0500040200020003" pitchFamily="34" charset="-34"/>
+                <a:cs typeface="TH SarabunPSK" panose="020B0500040200020003" pitchFamily="34" charset="-34"/>
+              </a:rPr>
+              <a:t>8</a:t>
+            </a:r>
+          </a:p>
+        </p:txBody>
+      </p:sp>
+      <p:sp>
+        <p:nvSpPr>
+          <p:cNvPr id="2" name="Title 1">
+            <a:extLst>
+              <a:ext uri="{FF2B5EF4-FFF2-40B4-BE49-F238E27FC236}">
+                <a16:creationId xmlns:a16="http://schemas.microsoft.com/office/drawing/2014/main" id="{B31A4BD3-7B96-67CB-8184-CC7A6C4AA177}"/>
+              </a:ext>
+            </a:extLst>
+          </p:cNvPr>
+          <p:cNvSpPr>
+            <a:spLocks noGrp="1"/>
+          </p:cNvSpPr>
+          <p:nvPr>
+            <p:ph type="title"/>
+          </p:nvPr>
+        </p:nvSpPr>
+        <p:spPr>
+          <a:xfrm>
+            <a:off x="838200" y="0"/>
+            <a:ext cx="10515600" cy="1325563"/>
+          </a:xfrm>
+        </p:spPr>
+        <p:txBody>
+          <a:bodyPr/>
+          <a:lstStyle/>
+          <a:p>
+            <a:r>
+              <a:rPr lang="th-TH" dirty="0">
+                <a:latin typeface="TH SarabunPSK" panose="020B0500040200020003" pitchFamily="34" charset="-34"/>
+                <a:cs typeface="TH SarabunPSK" panose="020B0500040200020003" pitchFamily="34" charset="-34"/>
+              </a:rPr>
+              <a:t>การใช้</a:t>
+            </a:r>
+            <a:r>
+              <a:rPr lang="en-US" dirty="0">
+                <a:latin typeface="TH SarabunPSK" panose="020B0500040200020003" pitchFamily="34" charset="-34"/>
+                <a:cs typeface="TH SarabunPSK" panose="020B0500040200020003" pitchFamily="34" charset="-34"/>
+              </a:rPr>
+              <a:t> .sum() </a:t>
+            </a:r>
+            <a:r>
+              <a:rPr lang="th-TH" dirty="0">
+                <a:latin typeface="TH SarabunPSK" panose="020B0500040200020003" pitchFamily="34" charset="-34"/>
+                <a:cs typeface="TH SarabunPSK" panose="020B0500040200020003" pitchFamily="34" charset="-34"/>
+              </a:rPr>
+              <a:t>รวมข้อมูลตาม </a:t>
+            </a:r>
+            <a:r>
+              <a:rPr lang="en-US" dirty="0">
+                <a:latin typeface="TH SarabunPSK" panose="020B0500040200020003" pitchFamily="34" charset="-34"/>
+                <a:ea typeface="+mj-lt"/>
+                <a:cs typeface="TH SarabunPSK" panose="020B0500040200020003" pitchFamily="34" charset="-34"/>
+              </a:rPr>
+              <a:t>timestamp</a:t>
+            </a:r>
+            <a:endParaRPr lang="en-US" dirty="0">
+              <a:latin typeface="TH SarabunPSK" panose="020B0500040200020003" pitchFamily="34" charset="-34"/>
+              <a:cs typeface="TH SarabunPSK" panose="020B0500040200020003" pitchFamily="34" charset="-34"/>
+            </a:endParaRPr>
+          </a:p>
+        </p:txBody>
+      </p:sp>
+      <p:sp>
+        <p:nvSpPr>
+          <p:cNvPr id="3" name="Content Placeholder 2">
+            <a:extLst>
+              <a:ext uri="{FF2B5EF4-FFF2-40B4-BE49-F238E27FC236}">
+                <a16:creationId xmlns:a16="http://schemas.microsoft.com/office/drawing/2014/main" id="{F5181FD7-61E8-423C-4C4F-BE21865F6A7B}"/>
+              </a:ext>
+            </a:extLst>
+          </p:cNvPr>
+          <p:cNvSpPr>
+            <a:spLocks noGrp="1"/>
+          </p:cNvSpPr>
+          <p:nvPr>
+            <p:ph idx="1"/>
+          </p:nvPr>
+        </p:nvSpPr>
+        <p:spPr>
+          <a:xfrm>
+            <a:off x="838200" y="1561362"/>
+            <a:ext cx="10515600" cy="4351338"/>
+          </a:xfrm>
+        </p:spPr>
+        <p:txBody>
+          <a:bodyPr/>
+          <a:lstStyle/>
+          <a:p>
+            <a:r>
+              <a:rPr lang="th-TH" sz="2400" dirty="0">
+                <a:latin typeface="TH SarabunPSK" panose="020B0500040200020003" pitchFamily="34" charset="-34"/>
+                <a:cs typeface="TH SarabunPSK" panose="020B0500040200020003" pitchFamily="34" charset="-34"/>
+              </a:rPr>
+              <a:t>ชี้ข้อมูล </a:t>
+            </a:r>
+            <a:r>
+              <a:rPr lang="en-US" sz="2400" dirty="0">
+                <a:latin typeface="TH SarabunPSK" panose="020B0500040200020003" pitchFamily="34" charset="-34"/>
+                <a:ea typeface="+mj-lt"/>
+                <a:cs typeface="TH SarabunPSK" panose="020B0500040200020003" pitchFamily="34" charset="-34"/>
+              </a:rPr>
+              <a:t>timestamp </a:t>
+            </a:r>
+            <a:r>
+              <a:rPr lang="th-TH" sz="2400" dirty="0">
+                <a:latin typeface="TH SarabunPSK" panose="020B0500040200020003" pitchFamily="34" charset="-34"/>
+                <a:ea typeface="+mj-lt"/>
+                <a:cs typeface="TH SarabunPSK" panose="020B0500040200020003" pitchFamily="34" charset="-34"/>
+              </a:rPr>
+              <a:t>ที่ต้องการโดยใช้คำสั่ง </a:t>
+            </a:r>
+            <a:r>
+              <a:rPr lang="en-US" sz="2400" dirty="0">
+                <a:solidFill>
+                  <a:srgbClr val="000000"/>
+                </a:solidFill>
+                <a:latin typeface="TH SarabunPSK" panose="020B0500040200020003" pitchFamily="34" charset="-34"/>
+                <a:cs typeface="TH SarabunPSK" panose="020B0500040200020003" pitchFamily="34" charset="-34"/>
+              </a:rPr>
+              <a:t>datetime</a:t>
+            </a:r>
+            <a:r>
+              <a:rPr lang="th-TH" sz="2400" dirty="0">
+                <a:latin typeface="TH SarabunPSK" panose="020B0500040200020003" pitchFamily="34" charset="-34"/>
+                <a:cs typeface="TH SarabunPSK" panose="020B0500040200020003" pitchFamily="34" charset="-34"/>
+              </a:rPr>
+              <a:t> ตามด้วย </a:t>
+            </a:r>
+            <a:r>
+              <a:rPr lang="en-US" sz="2400" dirty="0">
+                <a:latin typeface="TH SarabunPSK" panose="020B0500040200020003" pitchFamily="34" charset="-34"/>
+                <a:cs typeface="TH SarabunPSK" panose="020B0500040200020003" pitchFamily="34" charset="-34"/>
+              </a:rPr>
+              <a:t>.sum() </a:t>
+            </a:r>
+            <a:r>
+              <a:rPr lang="th-TH" sz="2400" dirty="0">
+                <a:latin typeface="TH SarabunPSK" panose="020B0500040200020003" pitchFamily="34" charset="-34"/>
+                <a:cs typeface="TH SarabunPSK" panose="020B0500040200020003" pitchFamily="34" charset="-34"/>
+              </a:rPr>
+              <a:t>และกำหนดตัวแปรเก็บค่า เช่น </a:t>
+            </a:r>
+          </a:p>
+          <a:p>
+            <a:r>
+              <a:rPr lang="en-US" sz="1800" b="0" dirty="0">
+                <a:solidFill>
+                  <a:srgbClr val="000000"/>
+                </a:solidFill>
+                <a:effectLst/>
+                <a:latin typeface="Courier New" panose="02070309020205020404" pitchFamily="49" charset="0"/>
+              </a:rPr>
+              <a:t>A = data[data[</a:t>
+            </a:r>
+            <a:r>
+              <a:rPr lang="en-US" sz="1800" b="0" dirty="0">
+                <a:solidFill>
+                  <a:srgbClr val="A31515"/>
+                </a:solidFill>
+                <a:effectLst/>
+                <a:latin typeface="Courier New" panose="02070309020205020404" pitchFamily="49" charset="0"/>
+              </a:rPr>
+              <a:t>'Unnamed: 0'</a:t>
+            </a:r>
+            <a:r>
+              <a:rPr lang="en-US" sz="1800" b="0" dirty="0">
+                <a:solidFill>
+                  <a:srgbClr val="000000"/>
+                </a:solidFill>
+                <a:effectLst/>
+                <a:latin typeface="Courier New" panose="02070309020205020404" pitchFamily="49" charset="0"/>
+              </a:rPr>
+              <a:t>]&lt;datetime(day=</a:t>
+            </a:r>
+            <a:r>
+              <a:rPr lang="en-US" sz="1800" b="0" dirty="0">
+                <a:solidFill>
+                  <a:srgbClr val="116644"/>
+                </a:solidFill>
+                <a:effectLst/>
+                <a:latin typeface="Courier New" panose="02070309020205020404" pitchFamily="49" charset="0"/>
+              </a:rPr>
+              <a:t>2</a:t>
+            </a:r>
+            <a:r>
+              <a:rPr lang="en-US" sz="1800" b="0" dirty="0">
+                <a:solidFill>
+                  <a:srgbClr val="000000"/>
+                </a:solidFill>
+                <a:effectLst/>
+                <a:latin typeface="Courier New" panose="02070309020205020404" pitchFamily="49" charset="0"/>
+              </a:rPr>
+              <a:t>,month=</a:t>
+            </a:r>
+            <a:r>
+              <a:rPr lang="en-US" sz="1800" b="0" dirty="0">
+                <a:solidFill>
+                  <a:srgbClr val="116644"/>
+                </a:solidFill>
+                <a:effectLst/>
+                <a:latin typeface="Courier New" panose="02070309020205020404" pitchFamily="49" charset="0"/>
+              </a:rPr>
+              <a:t>6</a:t>
+            </a:r>
+            <a:r>
+              <a:rPr lang="en-US" sz="1800" b="0" dirty="0">
+                <a:solidFill>
+                  <a:srgbClr val="000000"/>
+                </a:solidFill>
+                <a:effectLst/>
+                <a:latin typeface="Courier New" panose="02070309020205020404" pitchFamily="49" charset="0"/>
+              </a:rPr>
+              <a:t>,year=</a:t>
+            </a:r>
+            <a:r>
+              <a:rPr lang="en-US" sz="1800" b="0" dirty="0">
+                <a:solidFill>
+                  <a:srgbClr val="116644"/>
+                </a:solidFill>
+                <a:effectLst/>
+                <a:latin typeface="Courier New" panose="02070309020205020404" pitchFamily="49" charset="0"/>
+              </a:rPr>
+              <a:t>2020</a:t>
+            </a:r>
+            <a:r>
+              <a:rPr lang="en-US" sz="1800" b="0" dirty="0">
+                <a:solidFill>
+                  <a:srgbClr val="000000"/>
+                </a:solidFill>
+                <a:effectLst/>
+                <a:latin typeface="Courier New" panose="02070309020205020404" pitchFamily="49" charset="0"/>
+              </a:rPr>
+              <a:t>)].</a:t>
+            </a:r>
+            <a:r>
+              <a:rPr lang="en-US" sz="1800" b="0" dirty="0">
+                <a:solidFill>
+                  <a:srgbClr val="795E26"/>
+                </a:solidFill>
+                <a:effectLst/>
+                <a:latin typeface="Courier New" panose="02070309020205020404" pitchFamily="49" charset="0"/>
+              </a:rPr>
+              <a:t>sum</a:t>
+            </a:r>
+            <a:r>
+              <a:rPr lang="en-US" sz="1800" b="0" dirty="0">
+                <a:solidFill>
+                  <a:srgbClr val="000000"/>
+                </a:solidFill>
+                <a:effectLst/>
+                <a:latin typeface="Courier New" panose="02070309020205020404" pitchFamily="49" charset="0"/>
+              </a:rPr>
+              <a:t>()</a:t>
+            </a:r>
+          </a:p>
+          <a:p>
+            <a:r>
+              <a:rPr lang="en-US" sz="1800" b="0" dirty="0">
+                <a:solidFill>
+                  <a:srgbClr val="795E26"/>
+                </a:solidFill>
+                <a:effectLst/>
+                <a:latin typeface="Courier New" panose="02070309020205020404" pitchFamily="49" charset="0"/>
+              </a:rPr>
+              <a:t>print</a:t>
+            </a:r>
+            <a:r>
+              <a:rPr lang="en-US" sz="1800" b="0" dirty="0">
+                <a:solidFill>
+                  <a:srgbClr val="000000"/>
+                </a:solidFill>
+                <a:effectLst/>
+                <a:latin typeface="Courier New" panose="02070309020205020404" pitchFamily="49" charset="0"/>
+              </a:rPr>
+              <a:t>(A)</a:t>
+            </a:r>
+          </a:p>
+          <a:p>
+            <a:endParaRPr lang="en-US" sz="1800" dirty="0">
+              <a:solidFill>
+                <a:srgbClr val="000000"/>
+              </a:solidFill>
+              <a:latin typeface="Courier New" panose="02070309020205020404" pitchFamily="49" charset="0"/>
+            </a:endParaRPr>
+          </a:p>
+          <a:p>
+            <a:endParaRPr lang="en-US" sz="1800" b="0" dirty="0">
+              <a:solidFill>
+                <a:srgbClr val="000000"/>
+              </a:solidFill>
+              <a:effectLst/>
+              <a:latin typeface="Courier New" panose="02070309020205020404" pitchFamily="49" charset="0"/>
+            </a:endParaRPr>
+          </a:p>
+          <a:p>
+            <a:endParaRPr lang="en-US" sz="1800" dirty="0">
+              <a:solidFill>
+                <a:srgbClr val="000000"/>
+              </a:solidFill>
+              <a:latin typeface="Courier New" panose="02070309020205020404" pitchFamily="49" charset="0"/>
+            </a:endParaRPr>
+          </a:p>
+          <a:p>
+            <a:r>
+              <a:rPr lang="en-US" sz="1800" b="0" dirty="0">
+                <a:solidFill>
+                  <a:srgbClr val="000000"/>
+                </a:solidFill>
+                <a:effectLst/>
+                <a:latin typeface="Courier New" panose="02070309020205020404" pitchFamily="49" charset="0"/>
+              </a:rPr>
+              <a:t>A[</a:t>
+            </a:r>
+            <a:r>
+              <a:rPr lang="en-US" sz="1800" b="0" dirty="0">
+                <a:solidFill>
+                  <a:srgbClr val="A31515"/>
+                </a:solidFill>
+                <a:effectLst/>
+                <a:latin typeface="Courier New" panose="02070309020205020404" pitchFamily="49" charset="0"/>
+              </a:rPr>
+              <a:t>'alpha'</a:t>
+            </a:r>
+            <a:r>
+              <a:rPr lang="en-US" sz="1800" b="0" dirty="0">
+                <a:solidFill>
+                  <a:srgbClr val="000000"/>
+                </a:solidFill>
+                <a:effectLst/>
+                <a:latin typeface="Courier New" panose="02070309020205020404" pitchFamily="49" charset="0"/>
+              </a:rPr>
+              <a:t>]</a:t>
+            </a:r>
+          </a:p>
+          <a:p>
+            <a:endParaRPr lang="en-US" sz="1800" b="0" dirty="0">
+              <a:solidFill>
+                <a:srgbClr val="000000"/>
+              </a:solidFill>
+              <a:effectLst/>
+              <a:latin typeface="Courier New" panose="02070309020205020404" pitchFamily="49" charset="0"/>
+            </a:endParaRPr>
+          </a:p>
+          <a:p>
+            <a:endParaRPr lang="en-US" sz="1800" dirty="0">
+              <a:solidFill>
+                <a:srgbClr val="000000"/>
+              </a:solidFill>
+              <a:latin typeface="Courier New" panose="02070309020205020404" pitchFamily="49" charset="0"/>
+            </a:endParaRPr>
+          </a:p>
+          <a:p>
+            <a:endParaRPr lang="en-US" sz="1800" b="0" dirty="0">
+              <a:solidFill>
+                <a:srgbClr val="000000"/>
+              </a:solidFill>
+              <a:effectLst/>
+              <a:latin typeface="Courier New" panose="02070309020205020404" pitchFamily="49" charset="0"/>
+            </a:endParaRPr>
+          </a:p>
+          <a:p>
+            <a:endParaRPr lang="en-US" sz="1800" dirty="0">
+              <a:solidFill>
+                <a:srgbClr val="000000"/>
+              </a:solidFill>
+              <a:latin typeface="Courier New" panose="02070309020205020404" pitchFamily="49" charset="0"/>
+            </a:endParaRPr>
+          </a:p>
+          <a:p>
+            <a:pPr marL="0" indent="0">
+              <a:buNone/>
+            </a:pPr>
+            <a:endParaRPr lang="en-US" sz="1800" b="0" dirty="0">
+              <a:solidFill>
+                <a:srgbClr val="000000"/>
+              </a:solidFill>
+              <a:effectLst/>
+              <a:latin typeface="Courier New" panose="02070309020205020404" pitchFamily="49" charset="0"/>
+            </a:endParaRPr>
+          </a:p>
+          <a:p>
+            <a:endParaRPr lang="en-US" dirty="0"/>
+          </a:p>
+        </p:txBody>
+      </p:sp>
+      <p:pic>
+        <p:nvPicPr>
+          <p:cNvPr id="11" name="Picture 10">
+            <a:extLst>
+              <a:ext uri="{FF2B5EF4-FFF2-40B4-BE49-F238E27FC236}">
+                <a16:creationId xmlns:a16="http://schemas.microsoft.com/office/drawing/2014/main" id="{0F9C0ADD-E877-86C1-E09F-66DC241F163B}"/>
+              </a:ext>
+            </a:extLst>
+          </p:cNvPr>
+          <p:cNvPicPr>
+            <a:picLocks noChangeAspect="1"/>
+          </p:cNvPicPr>
+          <p:nvPr/>
+        </p:nvPicPr>
+        <p:blipFill>
+          <a:blip r:embed="rId3"/>
+          <a:stretch>
+            <a:fillRect/>
+          </a:stretch>
+        </p:blipFill>
+        <p:spPr>
+          <a:xfrm>
+            <a:off x="1014663" y="2720023"/>
+            <a:ext cx="2288268" cy="1017008"/>
+          </a:xfrm>
+          <a:prstGeom prst="rect">
+            <a:avLst/>
+          </a:prstGeom>
+        </p:spPr>
+      </p:pic>
+      <p:pic>
+        <p:nvPicPr>
+          <p:cNvPr id="13" name="Picture 12">
+            <a:extLst>
+              <a:ext uri="{FF2B5EF4-FFF2-40B4-BE49-F238E27FC236}">
+                <a16:creationId xmlns:a16="http://schemas.microsoft.com/office/drawing/2014/main" id="{45658DF7-27CE-2A59-5A1E-482CCE15B704}"/>
+              </a:ext>
+            </a:extLst>
+          </p:cNvPr>
+          <p:cNvPicPr>
+            <a:picLocks noChangeAspect="1"/>
+          </p:cNvPicPr>
+          <p:nvPr/>
+        </p:nvPicPr>
+        <p:blipFill>
+          <a:blip r:embed="rId4"/>
+          <a:stretch>
+            <a:fillRect/>
+          </a:stretch>
+        </p:blipFill>
+        <p:spPr>
+          <a:xfrm>
+            <a:off x="1157037" y="4331811"/>
+            <a:ext cx="2420352" cy="461019"/>
+          </a:xfrm>
+          <a:prstGeom prst="rect">
+            <a:avLst/>
+          </a:prstGeom>
+        </p:spPr>
+      </p:pic>
+    </p:spTree>
+    <p:extLst>
+      <p:ext uri="{BB962C8B-B14F-4D97-AF65-F5344CB8AC3E}">
+        <p14:creationId xmlns:p14="http://schemas.microsoft.com/office/powerpoint/2010/main" val="112983342"/>
+      </p:ext>
+    </p:extLst>
+  </p:cSld>
+  <p:clrMapOvr>
+    <a:masterClrMapping/>
+  </p:clrMapOvr>
+</p:sld>
+</file>
+
+<file path=ppt/slides/slide11.xml><?xml version="1.0" encoding="utf-8"?>
+<p:sld xmlns:a="http://schemas.openxmlformats.org/drawingml/2006/main" xmlns:r="http://schemas.openxmlformats.org/officeDocument/2006/relationships" xmlns:p="http://schemas.openxmlformats.org/presentationml/2006/main">
+  <p:cSld>
+    <p:spTree>
+      <p:nvGrpSpPr>
+        <p:cNvPr id="1" name=""/>
+        <p:cNvGrpSpPr/>
+        <p:nvPr/>
+      </p:nvGrpSpPr>
+      <p:grpSpPr>
+        <a:xfrm>
+          <a:off x="0" y="0"/>
+          <a:ext cx="0" cy="0"/>
+          <a:chOff x="0" y="0"/>
+          <a:chExt cx="0" cy="0"/>
+        </a:xfrm>
+      </p:grpSpPr>
+      <p:sp>
+        <p:nvSpPr>
+          <p:cNvPr id="4" name="Rectangle 3">
+            <a:extLst>
+              <a:ext uri="{FF2B5EF4-FFF2-40B4-BE49-F238E27FC236}">
+                <a16:creationId xmlns:a16="http://schemas.microsoft.com/office/drawing/2014/main" id="{2E4EA1BF-C3B2-774A-EE4A-C6F9CC06B9F7}"/>
+              </a:ext>
+            </a:extLst>
+          </p:cNvPr>
+          <p:cNvSpPr/>
+          <p:nvPr/>
+        </p:nvSpPr>
+        <p:spPr>
+          <a:xfrm>
+            <a:off x="0" y="5840991"/>
+            <a:ext cx="12192000" cy="1017009"/>
+          </a:xfrm>
+          <a:prstGeom prst="rect">
+            <a:avLst/>
+          </a:prstGeom>
+          <a:solidFill>
+            <a:srgbClr val="FFCC99"/>
+          </a:solidFill>
+          <a:ln>
+            <a:solidFill>
+              <a:srgbClr val="FFCC99"/>
+            </a:solidFill>
+          </a:ln>
+        </p:spPr>
+        <p:style>
+          <a:lnRef idx="2">
+            <a:schemeClr val="accent1">
+              <a:shade val="15000"/>
+            </a:schemeClr>
+          </a:lnRef>
+          <a:fillRef idx="1">
+            <a:schemeClr val="accent1"/>
+          </a:fillRef>
+          <a:effectRef idx="0">
+            <a:schemeClr val="accent1"/>
+          </a:effectRef>
+          <a:fontRef idx="minor">
+            <a:schemeClr val="lt1"/>
+          </a:fontRef>
+        </p:style>
+        <p:txBody>
+          <a:bodyPr rtlCol="0" anchor="ctr"/>
+          <a:lstStyle/>
+          <a:p>
+            <a:pPr algn="ctr"/>
+            <a:endParaRPr lang="en-US"/>
+          </a:p>
+        </p:txBody>
+      </p:sp>
+      <p:sp>
+        <p:nvSpPr>
+          <p:cNvPr id="6" name="Rectangle 5">
+            <a:extLst>
+              <a:ext uri="{FF2B5EF4-FFF2-40B4-BE49-F238E27FC236}">
+                <a16:creationId xmlns:a16="http://schemas.microsoft.com/office/drawing/2014/main" id="{730BB22A-300E-B3A6-3CFC-4A73173D80B8}"/>
+              </a:ext>
+            </a:extLst>
+          </p:cNvPr>
+          <p:cNvSpPr/>
+          <p:nvPr/>
+        </p:nvSpPr>
+        <p:spPr>
+          <a:xfrm>
+            <a:off x="0" y="0"/>
+            <a:ext cx="12192000" cy="1136342"/>
+          </a:xfrm>
+          <a:prstGeom prst="rect">
+            <a:avLst/>
+          </a:prstGeom>
+          <a:solidFill>
+            <a:srgbClr val="FFCC99"/>
+          </a:solidFill>
+          <a:ln>
+            <a:solidFill>
+              <a:srgbClr val="FFCC99"/>
+            </a:solidFill>
+          </a:ln>
+        </p:spPr>
+        <p:style>
+          <a:lnRef idx="2">
+            <a:schemeClr val="accent1">
+              <a:shade val="15000"/>
+            </a:schemeClr>
+          </a:lnRef>
+          <a:fillRef idx="1">
+            <a:schemeClr val="accent1"/>
+          </a:fillRef>
+          <a:effectRef idx="0">
+            <a:schemeClr val="accent1"/>
+          </a:effectRef>
+          <a:fontRef idx="minor">
+            <a:schemeClr val="lt1"/>
+          </a:fontRef>
+        </p:style>
+        <p:txBody>
+          <a:bodyPr rtlCol="0" anchor="ctr"/>
+          <a:lstStyle/>
+          <a:p>
+            <a:pPr algn="ctr"/>
+            <a:endParaRPr lang="en-US" dirty="0">
+              <a:noFill/>
+            </a:endParaRPr>
+          </a:p>
+        </p:txBody>
+      </p:sp>
+      <p:pic>
+        <p:nvPicPr>
+          <p:cNvPr id="7" name="Picture 6" descr="A black and white logo&#10;&#10;Description automatically generated">
+            <a:extLst>
+              <a:ext uri="{FF2B5EF4-FFF2-40B4-BE49-F238E27FC236}">
+                <a16:creationId xmlns:a16="http://schemas.microsoft.com/office/drawing/2014/main" id="{644A549F-1DB7-EA00-E1C0-C4242C1EBDFA}"/>
+              </a:ext>
+            </a:extLst>
+          </p:cNvPr>
+          <p:cNvPicPr>
+            <a:picLocks noChangeAspect="1"/>
+          </p:cNvPicPr>
+          <p:nvPr/>
+        </p:nvPicPr>
+        <p:blipFill>
+          <a:blip r:embed="rId2">
+            <a:extLst>
+              <a:ext uri="{28A0092B-C50C-407E-A947-70E740481C1C}">
+                <a14:useLocalDpi xmlns:a14="http://schemas.microsoft.com/office/drawing/2010/main" val="0"/>
+              </a:ext>
+            </a:extLst>
+          </a:blip>
+          <a:stretch>
+            <a:fillRect/>
+          </a:stretch>
+        </p:blipFill>
+        <p:spPr>
+          <a:xfrm>
+            <a:off x="11051882" y="119333"/>
+            <a:ext cx="1093483" cy="1017009"/>
+          </a:xfrm>
+          <a:prstGeom prst="rect">
+            <a:avLst/>
+          </a:prstGeom>
+        </p:spPr>
+      </p:pic>
+      <p:sp>
+        <p:nvSpPr>
+          <p:cNvPr id="8" name="Flowchart: Data 2">
+            <a:extLst>
+              <a:ext uri="{FF2B5EF4-FFF2-40B4-BE49-F238E27FC236}">
+                <a16:creationId xmlns:a16="http://schemas.microsoft.com/office/drawing/2014/main" id="{2211565E-D41F-CFD9-0101-6A339E8D91E6}"/>
+              </a:ext>
+            </a:extLst>
+          </p:cNvPr>
+          <p:cNvSpPr/>
+          <p:nvPr/>
+        </p:nvSpPr>
+        <p:spPr>
+          <a:xfrm>
+            <a:off x="10848138" y="6264097"/>
+            <a:ext cx="1343862" cy="608120"/>
+          </a:xfrm>
+          <a:custGeom>
+            <a:avLst/>
+            <a:gdLst>
+              <a:gd name="connsiteX0" fmla="*/ 0 w 10000"/>
+              <a:gd name="connsiteY0" fmla="*/ 10000 h 10000"/>
+              <a:gd name="connsiteX1" fmla="*/ 2000 w 10000"/>
+              <a:gd name="connsiteY1" fmla="*/ 0 h 10000"/>
+              <a:gd name="connsiteX2" fmla="*/ 10000 w 10000"/>
+              <a:gd name="connsiteY2" fmla="*/ 0 h 10000"/>
+              <a:gd name="connsiteX3" fmla="*/ 8000 w 10000"/>
+              <a:gd name="connsiteY3" fmla="*/ 10000 h 10000"/>
+              <a:gd name="connsiteX4" fmla="*/ 0 w 10000"/>
+              <a:gd name="connsiteY4" fmla="*/ 10000 h 10000"/>
+              <a:gd name="connsiteX0" fmla="*/ 0 w 8000"/>
+              <a:gd name="connsiteY0" fmla="*/ 10000 h 10000"/>
+              <a:gd name="connsiteX1" fmla="*/ 2000 w 8000"/>
+              <a:gd name="connsiteY1" fmla="*/ 0 h 10000"/>
+              <a:gd name="connsiteX2" fmla="*/ 4142 w 8000"/>
+              <a:gd name="connsiteY2" fmla="*/ 153 h 10000"/>
+              <a:gd name="connsiteX3" fmla="*/ 8000 w 8000"/>
+              <a:gd name="connsiteY3" fmla="*/ 10000 h 10000"/>
+              <a:gd name="connsiteX4" fmla="*/ 0 w 8000"/>
+              <a:gd name="connsiteY4" fmla="*/ 10000 h 10000"/>
+              <a:gd name="connsiteX0" fmla="*/ 0 w 5414"/>
+              <a:gd name="connsiteY0" fmla="*/ 10000 h 10000"/>
+              <a:gd name="connsiteX1" fmla="*/ 2500 w 5414"/>
+              <a:gd name="connsiteY1" fmla="*/ 0 h 10000"/>
+              <a:gd name="connsiteX2" fmla="*/ 5178 w 5414"/>
+              <a:gd name="connsiteY2" fmla="*/ 153 h 10000"/>
+              <a:gd name="connsiteX3" fmla="*/ 5414 w 5414"/>
+              <a:gd name="connsiteY3" fmla="*/ 10000 h 10000"/>
+              <a:gd name="connsiteX4" fmla="*/ 0 w 5414"/>
+              <a:gd name="connsiteY4" fmla="*/ 10000 h 10000"/>
+              <a:gd name="connsiteX0" fmla="*/ 0 w 9609"/>
+              <a:gd name="connsiteY0" fmla="*/ 10000 h 10000"/>
+              <a:gd name="connsiteX1" fmla="*/ 4618 w 9609"/>
+              <a:gd name="connsiteY1" fmla="*/ 0 h 10000"/>
+              <a:gd name="connsiteX2" fmla="*/ 9564 w 9609"/>
+              <a:gd name="connsiteY2" fmla="*/ 153 h 10000"/>
+              <a:gd name="connsiteX3" fmla="*/ 9590 w 9609"/>
+              <a:gd name="connsiteY3" fmla="*/ 10000 h 10000"/>
+              <a:gd name="connsiteX4" fmla="*/ 0 w 9609"/>
+              <a:gd name="connsiteY4" fmla="*/ 10000 h 10000"/>
+              <a:gd name="connsiteX0" fmla="*/ 0 w 10193"/>
+              <a:gd name="connsiteY0" fmla="*/ 10000 h 10153"/>
+              <a:gd name="connsiteX1" fmla="*/ 4806 w 10193"/>
+              <a:gd name="connsiteY1" fmla="*/ 0 h 10153"/>
+              <a:gd name="connsiteX2" fmla="*/ 9953 w 10193"/>
+              <a:gd name="connsiteY2" fmla="*/ 153 h 10153"/>
+              <a:gd name="connsiteX3" fmla="*/ 10193 w 10193"/>
+              <a:gd name="connsiteY3" fmla="*/ 10153 h 10153"/>
+              <a:gd name="connsiteX4" fmla="*/ 0 w 10193"/>
+              <a:gd name="connsiteY4" fmla="*/ 10000 h 10153"/>
+              <a:gd name="connsiteX0" fmla="*/ 0 w 10213"/>
+              <a:gd name="connsiteY0" fmla="*/ 10000 h 10153"/>
+              <a:gd name="connsiteX1" fmla="*/ 4806 w 10213"/>
+              <a:gd name="connsiteY1" fmla="*/ 0 h 10153"/>
+              <a:gd name="connsiteX2" fmla="*/ 10166 w 10213"/>
+              <a:gd name="connsiteY2" fmla="*/ 153 h 10153"/>
+              <a:gd name="connsiteX3" fmla="*/ 10193 w 10213"/>
+              <a:gd name="connsiteY3" fmla="*/ 10153 h 10153"/>
+              <a:gd name="connsiteX4" fmla="*/ 0 w 10213"/>
+              <a:gd name="connsiteY4" fmla="*/ 10000 h 10153"/>
+              <a:gd name="connsiteX0" fmla="*/ 0 w 10341"/>
+              <a:gd name="connsiteY0" fmla="*/ 10000 h 10153"/>
+              <a:gd name="connsiteX1" fmla="*/ 4806 w 10341"/>
+              <a:gd name="connsiteY1" fmla="*/ 0 h 10153"/>
+              <a:gd name="connsiteX2" fmla="*/ 10308 w 10341"/>
+              <a:gd name="connsiteY2" fmla="*/ 0 h 10153"/>
+              <a:gd name="connsiteX3" fmla="*/ 10193 w 10341"/>
+              <a:gd name="connsiteY3" fmla="*/ 10153 h 10153"/>
+              <a:gd name="connsiteX4" fmla="*/ 0 w 10341"/>
+              <a:gd name="connsiteY4" fmla="*/ 10000 h 10153"/>
+              <a:gd name="connsiteX0" fmla="*/ 0 w 10406"/>
+              <a:gd name="connsiteY0" fmla="*/ 10000 h 10306"/>
+              <a:gd name="connsiteX1" fmla="*/ 4806 w 10406"/>
+              <a:gd name="connsiteY1" fmla="*/ 0 h 10306"/>
+              <a:gd name="connsiteX2" fmla="*/ 10308 w 10406"/>
+              <a:gd name="connsiteY2" fmla="*/ 0 h 10306"/>
+              <a:gd name="connsiteX3" fmla="*/ 10406 w 10406"/>
+              <a:gd name="connsiteY3" fmla="*/ 10306 h 10306"/>
+              <a:gd name="connsiteX4" fmla="*/ 0 w 10406"/>
+              <a:gd name="connsiteY4" fmla="*/ 10000 h 10306"/>
+              <a:gd name="connsiteX0" fmla="*/ 0 w 10761"/>
+              <a:gd name="connsiteY0" fmla="*/ 10458 h 10458"/>
+              <a:gd name="connsiteX1" fmla="*/ 5161 w 10761"/>
+              <a:gd name="connsiteY1" fmla="*/ 0 h 10458"/>
+              <a:gd name="connsiteX2" fmla="*/ 10663 w 10761"/>
+              <a:gd name="connsiteY2" fmla="*/ 0 h 10458"/>
+              <a:gd name="connsiteX3" fmla="*/ 10761 w 10761"/>
+              <a:gd name="connsiteY3" fmla="*/ 10306 h 10458"/>
+              <a:gd name="connsiteX4" fmla="*/ 0 w 10761"/>
+              <a:gd name="connsiteY4" fmla="*/ 10458 h 10458"/>
+            </a:gdLst>
+            <a:ahLst/>
+            <a:cxnLst>
+              <a:cxn ang="0">
+                <a:pos x="connsiteX0" y="connsiteY0"/>
+              </a:cxn>
+              <a:cxn ang="0">
+                <a:pos x="connsiteX1" y="connsiteY1"/>
+              </a:cxn>
+              <a:cxn ang="0">
+                <a:pos x="connsiteX2" y="connsiteY2"/>
+              </a:cxn>
+              <a:cxn ang="0">
+                <a:pos x="connsiteX3" y="connsiteY3"/>
+              </a:cxn>
+              <a:cxn ang="0">
+                <a:pos x="connsiteX4" y="connsiteY4"/>
+              </a:cxn>
+            </a:cxnLst>
+            <a:rect l="l" t="t" r="r" b="b"/>
+            <a:pathLst>
+              <a:path w="10761" h="10458">
+                <a:moveTo>
+                  <a:pt x="0" y="10458"/>
+                </a:moveTo>
+                <a:lnTo>
+                  <a:pt x="5161" y="0"/>
+                </a:lnTo>
+                <a:lnTo>
+                  <a:pt x="10663" y="0"/>
+                </a:lnTo>
+                <a:cubicBezTo>
+                  <a:pt x="10815" y="3282"/>
+                  <a:pt x="10609" y="7024"/>
+                  <a:pt x="10761" y="10306"/>
+                </a:cubicBezTo>
+                <a:lnTo>
+                  <a:pt x="0" y="10458"/>
+                </a:lnTo>
+                <a:close/>
+              </a:path>
+            </a:pathLst>
+          </a:custGeom>
+          <a:solidFill>
+            <a:schemeClr val="bg1"/>
+          </a:solidFill>
+          <a:ln w="19050">
+            <a:solidFill>
+              <a:schemeClr val="tx1"/>
+            </a:solidFill>
+          </a:ln>
+        </p:spPr>
+        <p:style>
+          <a:lnRef idx="2">
+            <a:schemeClr val="accent1">
+              <a:shade val="15000"/>
+            </a:schemeClr>
+          </a:lnRef>
+          <a:fillRef idx="1">
+            <a:schemeClr val="accent1"/>
+          </a:fillRef>
+          <a:effectRef idx="0">
+            <a:schemeClr val="accent1"/>
+          </a:effectRef>
+          <a:fontRef idx="minor">
+            <a:schemeClr val="lt1"/>
+          </a:fontRef>
+        </p:style>
+        <p:txBody>
+          <a:bodyPr rtlCol="0" anchor="ctr"/>
+          <a:lstStyle/>
+          <a:p>
+            <a:pPr algn="ctr"/>
+            <a:endParaRPr lang="en-US"/>
+          </a:p>
+        </p:txBody>
+      </p:sp>
+      <p:sp>
+        <p:nvSpPr>
+          <p:cNvPr id="9" name="TextBox 8">
+            <a:extLst>
+              <a:ext uri="{FF2B5EF4-FFF2-40B4-BE49-F238E27FC236}">
+                <a16:creationId xmlns:a16="http://schemas.microsoft.com/office/drawing/2014/main" id="{1082203F-76E6-CC1E-6E07-B81D0D2EFCC9}"/>
+              </a:ext>
+            </a:extLst>
+          </p:cNvPr>
+          <p:cNvSpPr txBox="1"/>
+          <p:nvPr/>
+        </p:nvSpPr>
+        <p:spPr>
+          <a:xfrm>
+            <a:off x="11520069" y="6287442"/>
+            <a:ext cx="557254" cy="584775"/>
+          </a:xfrm>
+          <a:prstGeom prst="rect">
+            <a:avLst/>
+          </a:prstGeom>
+          <a:noFill/>
+        </p:spPr>
+        <p:txBody>
+          <a:bodyPr wrap="square" rtlCol="0">
+            <a:spAutoFit/>
+          </a:bodyPr>
+          <a:lstStyle/>
+          <a:p>
+            <a:r>
+              <a:rPr lang="en-US" sz="3200" dirty="0">
+                <a:latin typeface="TH SarabunPSK" panose="020B0500040200020003" pitchFamily="34" charset="-34"/>
+                <a:cs typeface="TH SarabunPSK" panose="020B0500040200020003" pitchFamily="34" charset="-34"/>
+              </a:rPr>
+              <a:t>9</a:t>
+            </a:r>
+          </a:p>
+        </p:txBody>
+      </p:sp>
+      <p:sp>
+        <p:nvSpPr>
+          <p:cNvPr id="2" name="Title 1">
+            <a:extLst>
+              <a:ext uri="{FF2B5EF4-FFF2-40B4-BE49-F238E27FC236}">
+                <a16:creationId xmlns:a16="http://schemas.microsoft.com/office/drawing/2014/main" id="{B31A4BD3-7B96-67CB-8184-CC7A6C4AA177}"/>
+              </a:ext>
+            </a:extLst>
+          </p:cNvPr>
+          <p:cNvSpPr>
+            <a:spLocks noGrp="1"/>
+          </p:cNvSpPr>
+          <p:nvPr>
+            <p:ph type="title"/>
+          </p:nvPr>
+        </p:nvSpPr>
+        <p:spPr>
+          <a:xfrm>
+            <a:off x="838200" y="0"/>
+            <a:ext cx="10515600" cy="1325563"/>
+          </a:xfrm>
+        </p:spPr>
+        <p:txBody>
+          <a:bodyPr/>
+          <a:lstStyle/>
+          <a:p>
+            <a:r>
+              <a:rPr lang="th-TH" dirty="0">
+                <a:latin typeface="TH SarabunPSK" panose="020B0500040200020003" pitchFamily="34" charset="-34"/>
+                <a:cs typeface="TH SarabunPSK" panose="020B0500040200020003" pitchFamily="34" charset="-34"/>
+              </a:rPr>
+              <a:t>การใช้</a:t>
+            </a:r>
+            <a:r>
+              <a:rPr lang="en-US" dirty="0">
+                <a:latin typeface="TH SarabunPSK" panose="020B0500040200020003" pitchFamily="34" charset="-34"/>
+                <a:cs typeface="TH SarabunPSK" panose="020B0500040200020003" pitchFamily="34" charset="-34"/>
+              </a:rPr>
+              <a:t> .sum() </a:t>
+            </a:r>
+            <a:r>
+              <a:rPr lang="th-TH" dirty="0">
+                <a:latin typeface="TH SarabunPSK" panose="020B0500040200020003" pitchFamily="34" charset="-34"/>
+                <a:cs typeface="TH SarabunPSK" panose="020B0500040200020003" pitchFamily="34" charset="-34"/>
+              </a:rPr>
+              <a:t>รวมข้อมูลตาม </a:t>
+            </a:r>
+            <a:r>
+              <a:rPr lang="en-US" dirty="0">
+                <a:latin typeface="TH SarabunPSK" panose="020B0500040200020003" pitchFamily="34" charset="-34"/>
+                <a:ea typeface="+mj-lt"/>
+                <a:cs typeface="TH SarabunPSK" panose="020B0500040200020003" pitchFamily="34" charset="-34"/>
+              </a:rPr>
+              <a:t>timestamp</a:t>
+            </a:r>
+            <a:endParaRPr lang="en-US" dirty="0">
+              <a:latin typeface="TH SarabunPSK" panose="020B0500040200020003" pitchFamily="34" charset="-34"/>
+              <a:cs typeface="TH SarabunPSK" panose="020B0500040200020003" pitchFamily="34" charset="-34"/>
+            </a:endParaRPr>
+          </a:p>
+        </p:txBody>
+      </p:sp>
+      <p:sp>
+        <p:nvSpPr>
+          <p:cNvPr id="3" name="Content Placeholder 2">
+            <a:extLst>
+              <a:ext uri="{FF2B5EF4-FFF2-40B4-BE49-F238E27FC236}">
+                <a16:creationId xmlns:a16="http://schemas.microsoft.com/office/drawing/2014/main" id="{F5181FD7-61E8-423C-4C4F-BE21865F6A7B}"/>
+              </a:ext>
+            </a:extLst>
+          </p:cNvPr>
+          <p:cNvSpPr>
+            <a:spLocks noGrp="1"/>
+          </p:cNvSpPr>
+          <p:nvPr>
+            <p:ph idx="1"/>
+          </p:nvPr>
+        </p:nvSpPr>
+        <p:spPr>
+          <a:xfrm>
+            <a:off x="838200" y="1561362"/>
+            <a:ext cx="10515600" cy="4351338"/>
+          </a:xfrm>
+        </p:spPr>
+        <p:txBody>
+          <a:bodyPr/>
+          <a:lstStyle/>
+          <a:p>
+            <a:r>
+              <a:rPr lang="th-TH" sz="2400" dirty="0">
+                <a:latin typeface="TH SarabunPSK" panose="020B0500040200020003" pitchFamily="34" charset="-34"/>
+                <a:cs typeface="TH SarabunPSK" panose="020B0500040200020003" pitchFamily="34" charset="-34"/>
+              </a:rPr>
+              <a:t>ชี้ข้อมูล </a:t>
+            </a:r>
+            <a:r>
+              <a:rPr lang="en-US" sz="2400" dirty="0">
+                <a:latin typeface="TH SarabunPSK" panose="020B0500040200020003" pitchFamily="34" charset="-34"/>
+                <a:ea typeface="+mj-lt"/>
+                <a:cs typeface="TH SarabunPSK" panose="020B0500040200020003" pitchFamily="34" charset="-34"/>
+              </a:rPr>
+              <a:t>timestamp </a:t>
+            </a:r>
+            <a:r>
+              <a:rPr lang="th-TH" sz="2400" dirty="0">
+                <a:latin typeface="TH SarabunPSK" panose="020B0500040200020003" pitchFamily="34" charset="-34"/>
+                <a:ea typeface="+mj-lt"/>
+                <a:cs typeface="TH SarabunPSK" panose="020B0500040200020003" pitchFamily="34" charset="-34"/>
+              </a:rPr>
+              <a:t>ที่ต้องการโดยใช้คำสั่ง </a:t>
+            </a:r>
+            <a:r>
+              <a:rPr lang="en-US" sz="2400" dirty="0">
+                <a:solidFill>
+                  <a:srgbClr val="000000"/>
+                </a:solidFill>
+                <a:latin typeface="TH SarabunPSK" panose="020B0500040200020003" pitchFamily="34" charset="-34"/>
+                <a:cs typeface="TH SarabunPSK" panose="020B0500040200020003" pitchFamily="34" charset="-34"/>
+              </a:rPr>
+              <a:t>datetime</a:t>
+            </a:r>
+            <a:r>
+              <a:rPr lang="th-TH" sz="2400" dirty="0">
+                <a:latin typeface="TH SarabunPSK" panose="020B0500040200020003" pitchFamily="34" charset="-34"/>
+                <a:cs typeface="TH SarabunPSK" panose="020B0500040200020003" pitchFamily="34" charset="-34"/>
+              </a:rPr>
+              <a:t> ตามด้วย </a:t>
+            </a:r>
+            <a:r>
+              <a:rPr lang="en-US" sz="2400" dirty="0">
+                <a:latin typeface="TH SarabunPSK" panose="020B0500040200020003" pitchFamily="34" charset="-34"/>
+                <a:cs typeface="TH SarabunPSK" panose="020B0500040200020003" pitchFamily="34" charset="-34"/>
+              </a:rPr>
+              <a:t>.sum() </a:t>
+            </a:r>
+            <a:r>
+              <a:rPr lang="th-TH" sz="2400" dirty="0">
+                <a:latin typeface="TH SarabunPSK" panose="020B0500040200020003" pitchFamily="34" charset="-34"/>
+                <a:cs typeface="TH SarabunPSK" panose="020B0500040200020003" pitchFamily="34" charset="-34"/>
+              </a:rPr>
+              <a:t>และกำหนดตัวแปรเก็บค่า เช่น </a:t>
+            </a:r>
+          </a:p>
+          <a:p>
+            <a:r>
+              <a:rPr lang="en-US" sz="1800" dirty="0">
+                <a:solidFill>
+                  <a:srgbClr val="000000"/>
+                </a:solidFill>
+                <a:latin typeface="Courier New" panose="02070309020205020404" pitchFamily="49" charset="0"/>
+              </a:rPr>
+              <a:t>BF</a:t>
+            </a:r>
+            <a:r>
+              <a:rPr lang="en-US" sz="1800" b="0" dirty="0">
+                <a:solidFill>
+                  <a:srgbClr val="000000"/>
+                </a:solidFill>
+                <a:effectLst/>
+                <a:latin typeface="Courier New" panose="02070309020205020404" pitchFamily="49" charset="0"/>
+              </a:rPr>
+              <a:t> = data[data[</a:t>
+            </a:r>
+            <a:r>
+              <a:rPr lang="en-US" sz="1800" b="0" dirty="0">
+                <a:solidFill>
+                  <a:srgbClr val="A31515"/>
+                </a:solidFill>
+                <a:effectLst/>
+                <a:latin typeface="Courier New" panose="02070309020205020404" pitchFamily="49" charset="0"/>
+              </a:rPr>
+              <a:t>'Unnamed: 0'</a:t>
+            </a:r>
+            <a:r>
+              <a:rPr lang="en-US" sz="1800" b="0" dirty="0">
+                <a:solidFill>
+                  <a:srgbClr val="000000"/>
+                </a:solidFill>
+                <a:effectLst/>
+                <a:latin typeface="Courier New" panose="02070309020205020404" pitchFamily="49" charset="0"/>
+              </a:rPr>
+              <a:t>]&lt;datetime(day=</a:t>
+            </a:r>
+            <a:r>
+              <a:rPr lang="en-US" sz="1800" b="0" dirty="0">
+                <a:solidFill>
+                  <a:srgbClr val="116644"/>
+                </a:solidFill>
+                <a:effectLst/>
+                <a:latin typeface="Courier New" panose="02070309020205020404" pitchFamily="49" charset="0"/>
+              </a:rPr>
+              <a:t>2</a:t>
+            </a:r>
+            <a:r>
+              <a:rPr lang="en-US" sz="1800" b="0" dirty="0">
+                <a:solidFill>
+                  <a:srgbClr val="000000"/>
+                </a:solidFill>
+                <a:effectLst/>
+                <a:latin typeface="Courier New" panose="02070309020205020404" pitchFamily="49" charset="0"/>
+              </a:rPr>
+              <a:t>,month=</a:t>
+            </a:r>
+            <a:r>
+              <a:rPr lang="en-US" sz="1800" b="0" dirty="0">
+                <a:solidFill>
+                  <a:srgbClr val="116644"/>
+                </a:solidFill>
+                <a:effectLst/>
+                <a:latin typeface="Courier New" panose="02070309020205020404" pitchFamily="49" charset="0"/>
+              </a:rPr>
+              <a:t>6</a:t>
+            </a:r>
+            <a:r>
+              <a:rPr lang="en-US" sz="1800" b="0" dirty="0">
+                <a:solidFill>
+                  <a:srgbClr val="000000"/>
+                </a:solidFill>
+                <a:effectLst/>
+                <a:latin typeface="Courier New" panose="02070309020205020404" pitchFamily="49" charset="0"/>
+              </a:rPr>
+              <a:t>,year=</a:t>
+            </a:r>
+            <a:r>
+              <a:rPr lang="en-US" sz="1800" b="0" dirty="0">
+                <a:solidFill>
+                  <a:srgbClr val="116644"/>
+                </a:solidFill>
+                <a:effectLst/>
+                <a:latin typeface="Courier New" panose="02070309020205020404" pitchFamily="49" charset="0"/>
+              </a:rPr>
+              <a:t>2020</a:t>
+            </a:r>
+            <a:r>
+              <a:rPr lang="en-US" sz="1800" b="0" dirty="0">
+                <a:solidFill>
+                  <a:srgbClr val="000000"/>
+                </a:solidFill>
+                <a:effectLst/>
+                <a:latin typeface="Courier New" panose="02070309020205020404" pitchFamily="49" charset="0"/>
+              </a:rPr>
+              <a:t>)].</a:t>
+            </a:r>
+            <a:r>
+              <a:rPr lang="en-US" sz="1800" b="0" dirty="0">
+                <a:solidFill>
+                  <a:srgbClr val="795E26"/>
+                </a:solidFill>
+                <a:effectLst/>
+                <a:latin typeface="Courier New" panose="02070309020205020404" pitchFamily="49" charset="0"/>
+              </a:rPr>
+              <a:t>sum</a:t>
+            </a:r>
+            <a:r>
+              <a:rPr lang="en-US" sz="1800" b="0" dirty="0">
+                <a:solidFill>
+                  <a:srgbClr val="000000"/>
+                </a:solidFill>
+                <a:effectLst/>
+                <a:latin typeface="Courier New" panose="02070309020205020404" pitchFamily="49" charset="0"/>
+              </a:rPr>
+              <a:t>()</a:t>
+            </a:r>
+          </a:p>
+          <a:p>
+            <a:r>
+              <a:rPr lang="en-US" sz="1800" dirty="0">
+                <a:solidFill>
+                  <a:srgbClr val="000000"/>
+                </a:solidFill>
+                <a:latin typeface="Courier New" panose="02070309020205020404" pitchFamily="49" charset="0"/>
+              </a:rPr>
+              <a:t>AT</a:t>
+            </a:r>
+            <a:r>
+              <a:rPr lang="en-US" sz="1800" b="0" dirty="0">
+                <a:solidFill>
+                  <a:srgbClr val="000000"/>
+                </a:solidFill>
+                <a:effectLst/>
+                <a:latin typeface="Courier New" panose="02070309020205020404" pitchFamily="49" charset="0"/>
+              </a:rPr>
+              <a:t> = data[data[</a:t>
+            </a:r>
+            <a:r>
+              <a:rPr lang="en-US" sz="1800" b="0" dirty="0">
+                <a:solidFill>
+                  <a:srgbClr val="A31515"/>
+                </a:solidFill>
+                <a:effectLst/>
+                <a:latin typeface="Courier New" panose="02070309020205020404" pitchFamily="49" charset="0"/>
+              </a:rPr>
+              <a:t>'Unnamed: 0'</a:t>
+            </a:r>
+            <a:r>
+              <a:rPr lang="en-US" sz="1800" b="0" dirty="0">
+                <a:solidFill>
+                  <a:srgbClr val="000000"/>
+                </a:solidFill>
+                <a:effectLst/>
+                <a:latin typeface="Courier New" panose="02070309020205020404" pitchFamily="49" charset="0"/>
+              </a:rPr>
+              <a:t>]&gt;=datetime(day=</a:t>
+            </a:r>
+            <a:r>
+              <a:rPr lang="en-US" sz="1800" b="0" dirty="0">
+                <a:solidFill>
+                  <a:srgbClr val="116644"/>
+                </a:solidFill>
+                <a:effectLst/>
+                <a:latin typeface="Courier New" panose="02070309020205020404" pitchFamily="49" charset="0"/>
+              </a:rPr>
+              <a:t>2</a:t>
+            </a:r>
+            <a:r>
+              <a:rPr lang="en-US" sz="1800" b="0" dirty="0">
+                <a:solidFill>
+                  <a:srgbClr val="000000"/>
+                </a:solidFill>
+                <a:effectLst/>
+                <a:latin typeface="Courier New" panose="02070309020205020404" pitchFamily="49" charset="0"/>
+              </a:rPr>
+              <a:t>,month=</a:t>
+            </a:r>
+            <a:r>
+              <a:rPr lang="en-US" sz="1800" b="0" dirty="0">
+                <a:solidFill>
+                  <a:srgbClr val="116644"/>
+                </a:solidFill>
+                <a:effectLst/>
+                <a:latin typeface="Courier New" panose="02070309020205020404" pitchFamily="49" charset="0"/>
+              </a:rPr>
+              <a:t>6</a:t>
+            </a:r>
+            <a:r>
+              <a:rPr lang="en-US" sz="1800" b="0" dirty="0">
+                <a:solidFill>
+                  <a:srgbClr val="000000"/>
+                </a:solidFill>
+                <a:effectLst/>
+                <a:latin typeface="Courier New" panose="02070309020205020404" pitchFamily="49" charset="0"/>
+              </a:rPr>
+              <a:t>,year=</a:t>
+            </a:r>
+            <a:r>
+              <a:rPr lang="en-US" sz="1800" b="0" dirty="0">
+                <a:solidFill>
+                  <a:srgbClr val="116644"/>
+                </a:solidFill>
+                <a:effectLst/>
+                <a:latin typeface="Courier New" panose="02070309020205020404" pitchFamily="49" charset="0"/>
+              </a:rPr>
+              <a:t>2020</a:t>
+            </a:r>
+            <a:r>
+              <a:rPr lang="en-US" sz="1800" b="0" dirty="0">
+                <a:solidFill>
+                  <a:srgbClr val="000000"/>
+                </a:solidFill>
+                <a:effectLst/>
+                <a:latin typeface="Courier New" panose="02070309020205020404" pitchFamily="49" charset="0"/>
+              </a:rPr>
+              <a:t>)].</a:t>
+            </a:r>
+            <a:r>
+              <a:rPr lang="en-US" sz="1800" b="0" dirty="0">
+                <a:solidFill>
+                  <a:srgbClr val="795E26"/>
+                </a:solidFill>
+                <a:effectLst/>
+                <a:latin typeface="Courier New" panose="02070309020205020404" pitchFamily="49" charset="0"/>
+              </a:rPr>
+              <a:t>sum</a:t>
+            </a:r>
+            <a:r>
+              <a:rPr lang="en-US" sz="1800" b="0" dirty="0">
+                <a:solidFill>
+                  <a:srgbClr val="000000"/>
+                </a:solidFill>
+                <a:effectLst/>
+                <a:latin typeface="Courier New" panose="02070309020205020404" pitchFamily="49" charset="0"/>
+              </a:rPr>
+              <a:t>()</a:t>
+            </a:r>
+          </a:p>
+          <a:p>
+            <a:r>
+              <a:rPr lang="en-US" sz="1800" b="0" dirty="0">
+                <a:solidFill>
+                  <a:srgbClr val="795E26"/>
+                </a:solidFill>
+                <a:effectLst/>
+                <a:latin typeface="Courier New" panose="02070309020205020404" pitchFamily="49" charset="0"/>
+              </a:rPr>
+              <a:t>print</a:t>
+            </a:r>
+            <a:r>
+              <a:rPr lang="en-US" sz="1800" b="0" dirty="0">
+                <a:solidFill>
+                  <a:srgbClr val="000000"/>
+                </a:solidFill>
+                <a:effectLst/>
+                <a:latin typeface="Courier New" panose="02070309020205020404" pitchFamily="49" charset="0"/>
+              </a:rPr>
+              <a:t>(BF)</a:t>
+            </a:r>
+          </a:p>
+          <a:p>
+            <a:endParaRPr lang="en-US" sz="1800" dirty="0">
+              <a:solidFill>
+                <a:srgbClr val="000000"/>
+              </a:solidFill>
+              <a:latin typeface="Courier New" panose="02070309020205020404" pitchFamily="49" charset="0"/>
+            </a:endParaRPr>
+          </a:p>
+          <a:p>
+            <a:endParaRPr lang="en-US" sz="1800" b="0" dirty="0">
+              <a:solidFill>
+                <a:srgbClr val="000000"/>
+              </a:solidFill>
+              <a:effectLst/>
+              <a:latin typeface="Courier New" panose="02070309020205020404" pitchFamily="49" charset="0"/>
+            </a:endParaRPr>
+          </a:p>
+          <a:p>
+            <a:endParaRPr lang="en-US" sz="1800" dirty="0">
+              <a:solidFill>
+                <a:srgbClr val="000000"/>
+              </a:solidFill>
+              <a:latin typeface="Courier New" panose="02070309020205020404" pitchFamily="49" charset="0"/>
+            </a:endParaRPr>
+          </a:p>
+          <a:p>
+            <a:r>
+              <a:rPr lang="en-US" sz="1800" b="0" dirty="0">
+                <a:solidFill>
+                  <a:srgbClr val="795E26"/>
+                </a:solidFill>
+                <a:effectLst/>
+                <a:latin typeface="Courier New" panose="02070309020205020404" pitchFamily="49" charset="0"/>
+              </a:rPr>
+              <a:t>print</a:t>
+            </a:r>
+            <a:r>
+              <a:rPr lang="en-US" sz="1800" b="0" dirty="0">
+                <a:solidFill>
+                  <a:srgbClr val="000000"/>
+                </a:solidFill>
+                <a:effectLst/>
+                <a:latin typeface="Courier New" panose="02070309020205020404" pitchFamily="49" charset="0"/>
+              </a:rPr>
+              <a:t>(AT)</a:t>
+            </a:r>
+          </a:p>
+          <a:p>
+            <a:endParaRPr lang="en-US" sz="1800" dirty="0">
+              <a:solidFill>
+                <a:srgbClr val="000000"/>
+              </a:solidFill>
+              <a:latin typeface="Courier New" panose="02070309020205020404" pitchFamily="49" charset="0"/>
+            </a:endParaRPr>
+          </a:p>
+          <a:p>
+            <a:endParaRPr lang="en-US" sz="1800" b="0" dirty="0">
+              <a:solidFill>
+                <a:srgbClr val="000000"/>
+              </a:solidFill>
+              <a:effectLst/>
+              <a:latin typeface="Courier New" panose="02070309020205020404" pitchFamily="49" charset="0"/>
+            </a:endParaRPr>
+          </a:p>
+          <a:p>
+            <a:endParaRPr lang="en-US" sz="1800" dirty="0">
+              <a:solidFill>
+                <a:srgbClr val="000000"/>
+              </a:solidFill>
+              <a:latin typeface="Courier New" panose="02070309020205020404" pitchFamily="49" charset="0"/>
+            </a:endParaRPr>
+          </a:p>
+          <a:p>
+            <a:endParaRPr lang="en-US" sz="1800" b="0" dirty="0">
+              <a:solidFill>
+                <a:srgbClr val="000000"/>
+              </a:solidFill>
+              <a:effectLst/>
+              <a:latin typeface="Courier New" panose="02070309020205020404" pitchFamily="49" charset="0"/>
+            </a:endParaRPr>
+          </a:p>
+          <a:p>
+            <a:endParaRPr lang="en-US" sz="1800" dirty="0">
+              <a:solidFill>
+                <a:srgbClr val="000000"/>
+              </a:solidFill>
+              <a:latin typeface="Courier New" panose="02070309020205020404" pitchFamily="49" charset="0"/>
+            </a:endParaRPr>
+          </a:p>
+          <a:p>
+            <a:pPr marL="0" indent="0">
+              <a:buNone/>
+            </a:pPr>
+            <a:endParaRPr lang="en-US" sz="1800" b="0" dirty="0">
+              <a:solidFill>
+                <a:srgbClr val="000000"/>
+              </a:solidFill>
+              <a:effectLst/>
+              <a:latin typeface="Courier New" panose="02070309020205020404" pitchFamily="49" charset="0"/>
+            </a:endParaRPr>
+          </a:p>
+          <a:p>
+            <a:endParaRPr lang="en-US" dirty="0"/>
+          </a:p>
+        </p:txBody>
+      </p:sp>
+      <p:pic>
+        <p:nvPicPr>
+          <p:cNvPr id="11" name="Picture 10">
+            <a:extLst>
+              <a:ext uri="{FF2B5EF4-FFF2-40B4-BE49-F238E27FC236}">
+                <a16:creationId xmlns:a16="http://schemas.microsoft.com/office/drawing/2014/main" id="{0F9C0ADD-E877-86C1-E09F-66DC241F163B}"/>
+              </a:ext>
+            </a:extLst>
+          </p:cNvPr>
+          <p:cNvPicPr>
+            <a:picLocks noChangeAspect="1"/>
+          </p:cNvPicPr>
+          <p:nvPr/>
+        </p:nvPicPr>
+        <p:blipFill>
+          <a:blip r:embed="rId3"/>
+          <a:stretch>
+            <a:fillRect/>
+          </a:stretch>
+        </p:blipFill>
+        <p:spPr>
+          <a:xfrm>
+            <a:off x="1014663" y="3181865"/>
+            <a:ext cx="2288268" cy="1017008"/>
+          </a:xfrm>
+          <a:prstGeom prst="rect">
+            <a:avLst/>
+          </a:prstGeom>
+        </p:spPr>
+      </p:pic>
+      <p:pic>
+        <p:nvPicPr>
+          <p:cNvPr id="10" name="Picture 9">
+            <a:extLst>
+              <a:ext uri="{FF2B5EF4-FFF2-40B4-BE49-F238E27FC236}">
+                <a16:creationId xmlns:a16="http://schemas.microsoft.com/office/drawing/2014/main" id="{7F10F22F-D263-0077-8750-6AD1827077B9}"/>
+              </a:ext>
+            </a:extLst>
+          </p:cNvPr>
+          <p:cNvPicPr>
+            <a:picLocks noChangeAspect="1"/>
+          </p:cNvPicPr>
+          <p:nvPr/>
+        </p:nvPicPr>
+        <p:blipFill>
+          <a:blip r:embed="rId4"/>
+          <a:stretch>
+            <a:fillRect/>
+          </a:stretch>
+        </p:blipFill>
+        <p:spPr>
+          <a:xfrm>
+            <a:off x="1014663" y="4646091"/>
+            <a:ext cx="2118205" cy="944605"/>
+          </a:xfrm>
+          <a:prstGeom prst="rect">
+            <a:avLst/>
+          </a:prstGeom>
+        </p:spPr>
+      </p:pic>
+    </p:spTree>
+    <p:extLst>
+      <p:ext uri="{BB962C8B-B14F-4D97-AF65-F5344CB8AC3E}">
+        <p14:creationId xmlns:p14="http://schemas.microsoft.com/office/powerpoint/2010/main" val="4097927943"/>
       </p:ext>
     </p:extLst>
   </p:cSld>

--- a/PPT/Class period 16.pptx
+++ b/PPT/Class period 16.pptx
@@ -269,7 +269,7 @@
           <a:p>
             <a:fld id="{27D31E1D-BADE-49B8-9826-9B4BF933C2FC}" type="datetimeFigureOut">
               <a:rPr lang="en-US" smtClean="0"/>
-              <a:t>5/20/2024</a:t>
+              <a:t>6/17/2024</a:t>
             </a:fld>
             <a:endParaRPr lang="en-US"/>
           </a:p>
@@ -467,7 +467,7 @@
           <a:p>
             <a:fld id="{27D31E1D-BADE-49B8-9826-9B4BF933C2FC}" type="datetimeFigureOut">
               <a:rPr lang="en-US" smtClean="0"/>
-              <a:t>5/20/2024</a:t>
+              <a:t>6/17/2024</a:t>
             </a:fld>
             <a:endParaRPr lang="en-US"/>
           </a:p>
@@ -675,7 +675,7 @@
           <a:p>
             <a:fld id="{27D31E1D-BADE-49B8-9826-9B4BF933C2FC}" type="datetimeFigureOut">
               <a:rPr lang="en-US" smtClean="0"/>
-              <a:t>5/20/2024</a:t>
+              <a:t>6/17/2024</a:t>
             </a:fld>
             <a:endParaRPr lang="en-US"/>
           </a:p>
@@ -873,7 +873,7 @@
           <a:p>
             <a:fld id="{27D31E1D-BADE-49B8-9826-9B4BF933C2FC}" type="datetimeFigureOut">
               <a:rPr lang="en-US" smtClean="0"/>
-              <a:t>5/20/2024</a:t>
+              <a:t>6/17/2024</a:t>
             </a:fld>
             <a:endParaRPr lang="en-US"/>
           </a:p>
@@ -1148,7 +1148,7 @@
           <a:p>
             <a:fld id="{27D31E1D-BADE-49B8-9826-9B4BF933C2FC}" type="datetimeFigureOut">
               <a:rPr lang="en-US" smtClean="0"/>
-              <a:t>5/20/2024</a:t>
+              <a:t>6/17/2024</a:t>
             </a:fld>
             <a:endParaRPr lang="en-US"/>
           </a:p>
@@ -1413,7 +1413,7 @@
           <a:p>
             <a:fld id="{27D31E1D-BADE-49B8-9826-9B4BF933C2FC}" type="datetimeFigureOut">
               <a:rPr lang="en-US" smtClean="0"/>
-              <a:t>5/20/2024</a:t>
+              <a:t>6/17/2024</a:t>
             </a:fld>
             <a:endParaRPr lang="en-US"/>
           </a:p>
@@ -1825,7 +1825,7 @@
           <a:p>
             <a:fld id="{27D31E1D-BADE-49B8-9826-9B4BF933C2FC}" type="datetimeFigureOut">
               <a:rPr lang="en-US" smtClean="0"/>
-              <a:t>5/20/2024</a:t>
+              <a:t>6/17/2024</a:t>
             </a:fld>
             <a:endParaRPr lang="en-US"/>
           </a:p>
@@ -1966,7 +1966,7 @@
           <a:p>
             <a:fld id="{27D31E1D-BADE-49B8-9826-9B4BF933C2FC}" type="datetimeFigureOut">
               <a:rPr lang="en-US" smtClean="0"/>
-              <a:t>5/20/2024</a:t>
+              <a:t>6/17/2024</a:t>
             </a:fld>
             <a:endParaRPr lang="en-US"/>
           </a:p>
@@ -2079,7 +2079,7 @@
           <a:p>
             <a:fld id="{27D31E1D-BADE-49B8-9826-9B4BF933C2FC}" type="datetimeFigureOut">
               <a:rPr lang="en-US" smtClean="0"/>
-              <a:t>5/20/2024</a:t>
+              <a:t>6/17/2024</a:t>
             </a:fld>
             <a:endParaRPr lang="en-US"/>
           </a:p>
@@ -2390,7 +2390,7 @@
           <a:p>
             <a:fld id="{27D31E1D-BADE-49B8-9826-9B4BF933C2FC}" type="datetimeFigureOut">
               <a:rPr lang="en-US" smtClean="0"/>
-              <a:t>5/20/2024</a:t>
+              <a:t>6/17/2024</a:t>
             </a:fld>
             <a:endParaRPr lang="en-US"/>
           </a:p>
@@ -2678,7 +2678,7 @@
           <a:p>
             <a:fld id="{27D31E1D-BADE-49B8-9826-9B4BF933C2FC}" type="datetimeFigureOut">
               <a:rPr lang="en-US" smtClean="0"/>
-              <a:t>5/20/2024</a:t>
+              <a:t>6/17/2024</a:t>
             </a:fld>
             <a:endParaRPr lang="en-US"/>
           </a:p>
@@ -2919,7 +2919,7 @@
           <a:p>
             <a:fld id="{27D31E1D-BADE-49B8-9826-9B4BF933C2FC}" type="datetimeFigureOut">
               <a:rPr lang="en-US" smtClean="0"/>
-              <a:t>5/20/2024</a:t>
+              <a:t>6/17/2024</a:t>
             </a:fld>
             <a:endParaRPr lang="en-US"/>
           </a:p>
@@ -3565,6 +3565,73 @@
           </a:p>
         </p:txBody>
       </p:sp>
+      <p:sp>
+        <p:nvSpPr>
+          <p:cNvPr id="7" name="TextBox 6">
+            <a:extLst>
+              <a:ext uri="{FF2B5EF4-FFF2-40B4-BE49-F238E27FC236}">
+                <a16:creationId xmlns:a16="http://schemas.microsoft.com/office/drawing/2014/main" id="{89696457-7DA7-BAB0-B58E-28D378280144}"/>
+              </a:ext>
+            </a:extLst>
+          </p:cNvPr>
+          <p:cNvSpPr txBox="1"/>
+          <p:nvPr/>
+        </p:nvSpPr>
+        <p:spPr>
+          <a:xfrm>
+            <a:off x="114677" y="6172611"/>
+            <a:ext cx="5532120" cy="461665"/>
+          </a:xfrm>
+          <a:prstGeom prst="rect">
+            <a:avLst/>
+          </a:prstGeom>
+          <a:noFill/>
+        </p:spPr>
+        <p:txBody>
+          <a:bodyPr wrap="square">
+            <a:spAutoFit/>
+          </a:bodyPr>
+          <a:lstStyle/>
+          <a:p>
+            <a:pPr algn="l"/>
+            <a:r>
+              <a:rPr lang="th-TH" sz="2400" dirty="0">
+                <a:latin typeface="TH SarabunPSK" panose="020B0500040200020003" pitchFamily="34" charset="-34"/>
+                <a:cs typeface="TH SarabunPSK" panose="020B0500040200020003" pitchFamily="34" charset="-34"/>
+              </a:rPr>
+              <a:t>โดย ผศ</a:t>
+            </a:r>
+            <a:r>
+              <a:rPr lang="en-US" sz="2400" dirty="0">
+                <a:latin typeface="TH SarabunPSK" panose="020B0500040200020003" pitchFamily="34" charset="-34"/>
+                <a:cs typeface="TH SarabunPSK" panose="020B0500040200020003" pitchFamily="34" charset="-34"/>
+              </a:rPr>
+              <a:t>. </a:t>
+            </a:r>
+            <a:r>
+              <a:rPr lang="th-TH" sz="2400" dirty="0">
+                <a:latin typeface="TH SarabunPSK" panose="020B0500040200020003" pitchFamily="34" charset="-34"/>
+                <a:cs typeface="TH SarabunPSK" panose="020B0500040200020003" pitchFamily="34" charset="-34"/>
+              </a:rPr>
+              <a:t>ดร</a:t>
+            </a:r>
+            <a:r>
+              <a:rPr lang="en-US" sz="2400" dirty="0">
+                <a:latin typeface="TH SarabunPSK" panose="020B0500040200020003" pitchFamily="34" charset="-34"/>
+                <a:cs typeface="TH SarabunPSK" panose="020B0500040200020003" pitchFamily="34" charset="-34"/>
+              </a:rPr>
+              <a:t>.</a:t>
+            </a:r>
+            <a:r>
+              <a:rPr lang="th-TH" sz="2400" dirty="0">
+                <a:latin typeface="TH SarabunPSK" panose="020B0500040200020003" pitchFamily="34" charset="-34"/>
+                <a:cs typeface="TH SarabunPSK" panose="020B0500040200020003" pitchFamily="34" charset="-34"/>
+              </a:rPr>
+              <a:t>ธนพงศ์ อินทระ สาขาวิชาสถิติ มหาวิทยาลัยขอนแก่น </a:t>
+            </a:r>
+          </a:p>
+        </p:txBody>
+      </p:sp>
     </p:spTree>
     <p:extLst>
       <p:ext uri="{BB962C8B-B14F-4D97-AF65-F5344CB8AC3E}">
@@ -4411,6 +4478,73 @@
           </a:prstGeom>
         </p:spPr>
       </p:pic>
+      <p:sp>
+        <p:nvSpPr>
+          <p:cNvPr id="5" name="TextBox 4">
+            <a:extLst>
+              <a:ext uri="{FF2B5EF4-FFF2-40B4-BE49-F238E27FC236}">
+                <a16:creationId xmlns:a16="http://schemas.microsoft.com/office/drawing/2014/main" id="{721785C5-4E07-45D2-981F-5D2D5DBDE80A}"/>
+              </a:ext>
+            </a:extLst>
+          </p:cNvPr>
+          <p:cNvSpPr txBox="1"/>
+          <p:nvPr/>
+        </p:nvSpPr>
+        <p:spPr>
+          <a:xfrm>
+            <a:off x="114677" y="6172611"/>
+            <a:ext cx="5532120" cy="461665"/>
+          </a:xfrm>
+          <a:prstGeom prst="rect">
+            <a:avLst/>
+          </a:prstGeom>
+          <a:noFill/>
+        </p:spPr>
+        <p:txBody>
+          <a:bodyPr wrap="square">
+            <a:spAutoFit/>
+          </a:bodyPr>
+          <a:lstStyle/>
+          <a:p>
+            <a:pPr algn="l"/>
+            <a:r>
+              <a:rPr lang="th-TH" sz="2400" dirty="0">
+                <a:latin typeface="TH SarabunPSK" panose="020B0500040200020003" pitchFamily="34" charset="-34"/>
+                <a:cs typeface="TH SarabunPSK" panose="020B0500040200020003" pitchFamily="34" charset="-34"/>
+              </a:rPr>
+              <a:t>โดย ผศ</a:t>
+            </a:r>
+            <a:r>
+              <a:rPr lang="en-US" sz="2400" dirty="0">
+                <a:latin typeface="TH SarabunPSK" panose="020B0500040200020003" pitchFamily="34" charset="-34"/>
+                <a:cs typeface="TH SarabunPSK" panose="020B0500040200020003" pitchFamily="34" charset="-34"/>
+              </a:rPr>
+              <a:t>. </a:t>
+            </a:r>
+            <a:r>
+              <a:rPr lang="th-TH" sz="2400" dirty="0">
+                <a:latin typeface="TH SarabunPSK" panose="020B0500040200020003" pitchFamily="34" charset="-34"/>
+                <a:cs typeface="TH SarabunPSK" panose="020B0500040200020003" pitchFamily="34" charset="-34"/>
+              </a:rPr>
+              <a:t>ดร</a:t>
+            </a:r>
+            <a:r>
+              <a:rPr lang="en-US" sz="2400" dirty="0">
+                <a:latin typeface="TH SarabunPSK" panose="020B0500040200020003" pitchFamily="34" charset="-34"/>
+                <a:cs typeface="TH SarabunPSK" panose="020B0500040200020003" pitchFamily="34" charset="-34"/>
+              </a:rPr>
+              <a:t>.</a:t>
+            </a:r>
+            <a:r>
+              <a:rPr lang="th-TH" sz="2400" dirty="0">
+                <a:latin typeface="TH SarabunPSK" panose="020B0500040200020003" pitchFamily="34" charset="-34"/>
+                <a:cs typeface="TH SarabunPSK" panose="020B0500040200020003" pitchFamily="34" charset="-34"/>
+              </a:rPr>
+              <a:t>ธนพงศ์ อินทระ สาขาวิชาสถิติ มหาวิทยาลัยขอนแก่น </a:t>
+            </a:r>
+          </a:p>
+        </p:txBody>
+      </p:sp>
     </p:spTree>
     <p:extLst>
       <p:ext uri="{BB962C8B-B14F-4D97-AF65-F5344CB8AC3E}">
@@ -5385,6 +5519,73 @@
           </a:prstGeom>
         </p:spPr>
       </p:pic>
+      <p:sp>
+        <p:nvSpPr>
+          <p:cNvPr id="5" name="TextBox 4">
+            <a:extLst>
+              <a:ext uri="{FF2B5EF4-FFF2-40B4-BE49-F238E27FC236}">
+                <a16:creationId xmlns:a16="http://schemas.microsoft.com/office/drawing/2014/main" id="{6055C0EE-D102-1EA7-55A7-5139D3FB9BFD}"/>
+              </a:ext>
+            </a:extLst>
+          </p:cNvPr>
+          <p:cNvSpPr txBox="1"/>
+          <p:nvPr/>
+        </p:nvSpPr>
+        <p:spPr>
+          <a:xfrm>
+            <a:off x="114677" y="6172611"/>
+            <a:ext cx="5532120" cy="461665"/>
+          </a:xfrm>
+          <a:prstGeom prst="rect">
+            <a:avLst/>
+          </a:prstGeom>
+          <a:noFill/>
+        </p:spPr>
+        <p:txBody>
+          <a:bodyPr wrap="square">
+            <a:spAutoFit/>
+          </a:bodyPr>
+          <a:lstStyle/>
+          <a:p>
+            <a:pPr algn="l"/>
+            <a:r>
+              <a:rPr lang="th-TH" sz="2400" dirty="0">
+                <a:latin typeface="TH SarabunPSK" panose="020B0500040200020003" pitchFamily="34" charset="-34"/>
+                <a:cs typeface="TH SarabunPSK" panose="020B0500040200020003" pitchFamily="34" charset="-34"/>
+              </a:rPr>
+              <a:t>โดย ผศ</a:t>
+            </a:r>
+            <a:r>
+              <a:rPr lang="en-US" sz="2400" dirty="0">
+                <a:latin typeface="TH SarabunPSK" panose="020B0500040200020003" pitchFamily="34" charset="-34"/>
+                <a:cs typeface="TH SarabunPSK" panose="020B0500040200020003" pitchFamily="34" charset="-34"/>
+              </a:rPr>
+              <a:t>. </a:t>
+            </a:r>
+            <a:r>
+              <a:rPr lang="th-TH" sz="2400" dirty="0">
+                <a:latin typeface="TH SarabunPSK" panose="020B0500040200020003" pitchFamily="34" charset="-34"/>
+                <a:cs typeface="TH SarabunPSK" panose="020B0500040200020003" pitchFamily="34" charset="-34"/>
+              </a:rPr>
+              <a:t>ดร</a:t>
+            </a:r>
+            <a:r>
+              <a:rPr lang="en-US" sz="2400" dirty="0">
+                <a:latin typeface="TH SarabunPSK" panose="020B0500040200020003" pitchFamily="34" charset="-34"/>
+                <a:cs typeface="TH SarabunPSK" panose="020B0500040200020003" pitchFamily="34" charset="-34"/>
+              </a:rPr>
+              <a:t>.</a:t>
+            </a:r>
+            <a:r>
+              <a:rPr lang="th-TH" sz="2400" dirty="0">
+                <a:latin typeface="TH SarabunPSK" panose="020B0500040200020003" pitchFamily="34" charset="-34"/>
+                <a:cs typeface="TH SarabunPSK" panose="020B0500040200020003" pitchFamily="34" charset="-34"/>
+              </a:rPr>
+              <a:t>ธนพงศ์ อินทระ สาขาวิชาสถิติ มหาวิทยาลัยขอนแก่น </a:t>
+            </a:r>
+          </a:p>
+        </p:txBody>
+      </p:sp>
     </p:spTree>
     <p:extLst>
       <p:ext uri="{BB962C8B-B14F-4D97-AF65-F5344CB8AC3E}">
@@ -5917,6 +6118,73 @@
           </a:p>
         </p:txBody>
       </p:sp>
+      <p:sp>
+        <p:nvSpPr>
+          <p:cNvPr id="9" name="TextBox 8">
+            <a:extLst>
+              <a:ext uri="{FF2B5EF4-FFF2-40B4-BE49-F238E27FC236}">
+                <a16:creationId xmlns:a16="http://schemas.microsoft.com/office/drawing/2014/main" id="{31AC41B6-86B4-38A5-3927-0540E6E722C0}"/>
+              </a:ext>
+            </a:extLst>
+          </p:cNvPr>
+          <p:cNvSpPr txBox="1"/>
+          <p:nvPr/>
+        </p:nvSpPr>
+        <p:spPr>
+          <a:xfrm>
+            <a:off x="114677" y="6172611"/>
+            <a:ext cx="5532120" cy="461665"/>
+          </a:xfrm>
+          <a:prstGeom prst="rect">
+            <a:avLst/>
+          </a:prstGeom>
+          <a:noFill/>
+        </p:spPr>
+        <p:txBody>
+          <a:bodyPr wrap="square">
+            <a:spAutoFit/>
+          </a:bodyPr>
+          <a:lstStyle/>
+          <a:p>
+            <a:pPr algn="l"/>
+            <a:r>
+              <a:rPr lang="th-TH" sz="2400" dirty="0">
+                <a:latin typeface="TH SarabunPSK" panose="020B0500040200020003" pitchFamily="34" charset="-34"/>
+                <a:cs typeface="TH SarabunPSK" panose="020B0500040200020003" pitchFamily="34" charset="-34"/>
+              </a:rPr>
+              <a:t>โดย ผศ</a:t>
+            </a:r>
+            <a:r>
+              <a:rPr lang="en-US" sz="2400" dirty="0">
+                <a:latin typeface="TH SarabunPSK" panose="020B0500040200020003" pitchFamily="34" charset="-34"/>
+                <a:cs typeface="TH SarabunPSK" panose="020B0500040200020003" pitchFamily="34" charset="-34"/>
+              </a:rPr>
+              <a:t>. </a:t>
+            </a:r>
+            <a:r>
+              <a:rPr lang="th-TH" sz="2400" dirty="0">
+                <a:latin typeface="TH SarabunPSK" panose="020B0500040200020003" pitchFamily="34" charset="-34"/>
+                <a:cs typeface="TH SarabunPSK" panose="020B0500040200020003" pitchFamily="34" charset="-34"/>
+              </a:rPr>
+              <a:t>ดร</a:t>
+            </a:r>
+            <a:r>
+              <a:rPr lang="en-US" sz="2400" dirty="0">
+                <a:latin typeface="TH SarabunPSK" panose="020B0500040200020003" pitchFamily="34" charset="-34"/>
+                <a:cs typeface="TH SarabunPSK" panose="020B0500040200020003" pitchFamily="34" charset="-34"/>
+              </a:rPr>
+              <a:t>.</a:t>
+            </a:r>
+            <a:r>
+              <a:rPr lang="th-TH" sz="2400" dirty="0">
+                <a:latin typeface="TH SarabunPSK" panose="020B0500040200020003" pitchFamily="34" charset="-34"/>
+                <a:cs typeface="TH SarabunPSK" panose="020B0500040200020003" pitchFamily="34" charset="-34"/>
+              </a:rPr>
+              <a:t>ธนพงศ์ อินทระ สาขาวิชาสถิติ มหาวิทยาลัยขอนแก่น </a:t>
+            </a:r>
+          </a:p>
+        </p:txBody>
+      </p:sp>
     </p:spTree>
     <p:extLst>
       <p:ext uri="{BB962C8B-B14F-4D97-AF65-F5344CB8AC3E}">
@@ -6583,6 +6851,73 @@
           </a:p>
         </p:txBody>
       </p:sp>
+      <p:sp>
+        <p:nvSpPr>
+          <p:cNvPr id="9" name="TextBox 8">
+            <a:extLst>
+              <a:ext uri="{FF2B5EF4-FFF2-40B4-BE49-F238E27FC236}">
+                <a16:creationId xmlns:a16="http://schemas.microsoft.com/office/drawing/2014/main" id="{961A1CC6-2B5E-7A82-FDC6-E27F498CD5D8}"/>
+              </a:ext>
+            </a:extLst>
+          </p:cNvPr>
+          <p:cNvSpPr txBox="1"/>
+          <p:nvPr/>
+        </p:nvSpPr>
+        <p:spPr>
+          <a:xfrm>
+            <a:off x="114677" y="6172611"/>
+            <a:ext cx="5532120" cy="461665"/>
+          </a:xfrm>
+          <a:prstGeom prst="rect">
+            <a:avLst/>
+          </a:prstGeom>
+          <a:noFill/>
+        </p:spPr>
+        <p:txBody>
+          <a:bodyPr wrap="square">
+            <a:spAutoFit/>
+          </a:bodyPr>
+          <a:lstStyle/>
+          <a:p>
+            <a:pPr algn="l"/>
+            <a:r>
+              <a:rPr lang="th-TH" sz="2400" dirty="0">
+                <a:latin typeface="TH SarabunPSK" panose="020B0500040200020003" pitchFamily="34" charset="-34"/>
+                <a:cs typeface="TH SarabunPSK" panose="020B0500040200020003" pitchFamily="34" charset="-34"/>
+              </a:rPr>
+              <a:t>โดย ผศ</a:t>
+            </a:r>
+            <a:r>
+              <a:rPr lang="en-US" sz="2400" dirty="0">
+                <a:latin typeface="TH SarabunPSK" panose="020B0500040200020003" pitchFamily="34" charset="-34"/>
+                <a:cs typeface="TH SarabunPSK" panose="020B0500040200020003" pitchFamily="34" charset="-34"/>
+              </a:rPr>
+              <a:t>. </a:t>
+            </a:r>
+            <a:r>
+              <a:rPr lang="th-TH" sz="2400" dirty="0">
+                <a:latin typeface="TH SarabunPSK" panose="020B0500040200020003" pitchFamily="34" charset="-34"/>
+                <a:cs typeface="TH SarabunPSK" panose="020B0500040200020003" pitchFamily="34" charset="-34"/>
+              </a:rPr>
+              <a:t>ดร</a:t>
+            </a:r>
+            <a:r>
+              <a:rPr lang="en-US" sz="2400" dirty="0">
+                <a:latin typeface="TH SarabunPSK" panose="020B0500040200020003" pitchFamily="34" charset="-34"/>
+                <a:cs typeface="TH SarabunPSK" panose="020B0500040200020003" pitchFamily="34" charset="-34"/>
+              </a:rPr>
+              <a:t>.</a:t>
+            </a:r>
+            <a:r>
+              <a:rPr lang="th-TH" sz="2400" dirty="0">
+                <a:latin typeface="TH SarabunPSK" panose="020B0500040200020003" pitchFamily="34" charset="-34"/>
+                <a:cs typeface="TH SarabunPSK" panose="020B0500040200020003" pitchFamily="34" charset="-34"/>
+              </a:rPr>
+              <a:t>ธนพงศ์ อินทระ สาขาวิชาสถิติ มหาวิทยาลัยขอนแก่น </a:t>
+            </a:r>
+          </a:p>
+        </p:txBody>
+      </p:sp>
     </p:spTree>
     <p:extLst>
       <p:ext uri="{BB962C8B-B14F-4D97-AF65-F5344CB8AC3E}">
@@ -7403,6 +7738,73 @@
           </a:prstGeom>
         </p:spPr>
       </p:pic>
+      <p:sp>
+        <p:nvSpPr>
+          <p:cNvPr id="11" name="TextBox 10">
+            <a:extLst>
+              <a:ext uri="{FF2B5EF4-FFF2-40B4-BE49-F238E27FC236}">
+                <a16:creationId xmlns:a16="http://schemas.microsoft.com/office/drawing/2014/main" id="{57411C83-BDB7-50FB-4D26-CA91BEE4936D}"/>
+              </a:ext>
+            </a:extLst>
+          </p:cNvPr>
+          <p:cNvSpPr txBox="1"/>
+          <p:nvPr/>
+        </p:nvSpPr>
+        <p:spPr>
+          <a:xfrm>
+            <a:off x="114677" y="6172611"/>
+            <a:ext cx="5532120" cy="461665"/>
+          </a:xfrm>
+          <a:prstGeom prst="rect">
+            <a:avLst/>
+          </a:prstGeom>
+          <a:noFill/>
+        </p:spPr>
+        <p:txBody>
+          <a:bodyPr wrap="square">
+            <a:spAutoFit/>
+          </a:bodyPr>
+          <a:lstStyle/>
+          <a:p>
+            <a:pPr algn="l"/>
+            <a:r>
+              <a:rPr lang="th-TH" sz="2400" dirty="0">
+                <a:latin typeface="TH SarabunPSK" panose="020B0500040200020003" pitchFamily="34" charset="-34"/>
+                <a:cs typeface="TH SarabunPSK" panose="020B0500040200020003" pitchFamily="34" charset="-34"/>
+              </a:rPr>
+              <a:t>โดย ผศ</a:t>
+            </a:r>
+            <a:r>
+              <a:rPr lang="en-US" sz="2400" dirty="0">
+                <a:latin typeface="TH SarabunPSK" panose="020B0500040200020003" pitchFamily="34" charset="-34"/>
+                <a:cs typeface="TH SarabunPSK" panose="020B0500040200020003" pitchFamily="34" charset="-34"/>
+              </a:rPr>
+              <a:t>. </a:t>
+            </a:r>
+            <a:r>
+              <a:rPr lang="th-TH" sz="2400" dirty="0">
+                <a:latin typeface="TH SarabunPSK" panose="020B0500040200020003" pitchFamily="34" charset="-34"/>
+                <a:cs typeface="TH SarabunPSK" panose="020B0500040200020003" pitchFamily="34" charset="-34"/>
+              </a:rPr>
+              <a:t>ดร</a:t>
+            </a:r>
+            <a:r>
+              <a:rPr lang="en-US" sz="2400" dirty="0">
+                <a:latin typeface="TH SarabunPSK" panose="020B0500040200020003" pitchFamily="34" charset="-34"/>
+                <a:cs typeface="TH SarabunPSK" panose="020B0500040200020003" pitchFamily="34" charset="-34"/>
+              </a:rPr>
+              <a:t>.</a:t>
+            </a:r>
+            <a:r>
+              <a:rPr lang="th-TH" sz="2400" dirty="0">
+                <a:latin typeface="TH SarabunPSK" panose="020B0500040200020003" pitchFamily="34" charset="-34"/>
+                <a:cs typeface="TH SarabunPSK" panose="020B0500040200020003" pitchFamily="34" charset="-34"/>
+              </a:rPr>
+              <a:t>ธนพงศ์ อินทระ สาขาวิชาสถิติ มหาวิทยาลัยขอนแก่น </a:t>
+            </a:r>
+          </a:p>
+        </p:txBody>
+      </p:sp>
     </p:spTree>
     <p:extLst>
       <p:ext uri="{BB962C8B-B14F-4D97-AF65-F5344CB8AC3E}">
@@ -8519,6 +8921,73 @@
           </a:p>
         </p:txBody>
       </p:sp>
+      <p:sp>
+        <p:nvSpPr>
+          <p:cNvPr id="12" name="TextBox 11">
+            <a:extLst>
+              <a:ext uri="{FF2B5EF4-FFF2-40B4-BE49-F238E27FC236}">
+                <a16:creationId xmlns:a16="http://schemas.microsoft.com/office/drawing/2014/main" id="{0A019704-34B5-402D-75BF-845D67FA572C}"/>
+              </a:ext>
+            </a:extLst>
+          </p:cNvPr>
+          <p:cNvSpPr txBox="1"/>
+          <p:nvPr/>
+        </p:nvSpPr>
+        <p:spPr>
+          <a:xfrm>
+            <a:off x="114677" y="6172611"/>
+            <a:ext cx="5532120" cy="461665"/>
+          </a:xfrm>
+          <a:prstGeom prst="rect">
+            <a:avLst/>
+          </a:prstGeom>
+          <a:noFill/>
+        </p:spPr>
+        <p:txBody>
+          <a:bodyPr wrap="square">
+            <a:spAutoFit/>
+          </a:bodyPr>
+          <a:lstStyle/>
+          <a:p>
+            <a:pPr algn="l"/>
+            <a:r>
+              <a:rPr lang="th-TH" sz="2400" dirty="0">
+                <a:latin typeface="TH SarabunPSK" panose="020B0500040200020003" pitchFamily="34" charset="-34"/>
+                <a:cs typeface="TH SarabunPSK" panose="020B0500040200020003" pitchFamily="34" charset="-34"/>
+              </a:rPr>
+              <a:t>โดย ผศ</a:t>
+            </a:r>
+            <a:r>
+              <a:rPr lang="en-US" sz="2400" dirty="0">
+                <a:latin typeface="TH SarabunPSK" panose="020B0500040200020003" pitchFamily="34" charset="-34"/>
+                <a:cs typeface="TH SarabunPSK" panose="020B0500040200020003" pitchFamily="34" charset="-34"/>
+              </a:rPr>
+              <a:t>. </a:t>
+            </a:r>
+            <a:r>
+              <a:rPr lang="th-TH" sz="2400" dirty="0">
+                <a:latin typeface="TH SarabunPSK" panose="020B0500040200020003" pitchFamily="34" charset="-34"/>
+                <a:cs typeface="TH SarabunPSK" panose="020B0500040200020003" pitchFamily="34" charset="-34"/>
+              </a:rPr>
+              <a:t>ดร</a:t>
+            </a:r>
+            <a:r>
+              <a:rPr lang="en-US" sz="2400" dirty="0">
+                <a:latin typeface="TH SarabunPSK" panose="020B0500040200020003" pitchFamily="34" charset="-34"/>
+                <a:cs typeface="TH SarabunPSK" panose="020B0500040200020003" pitchFamily="34" charset="-34"/>
+              </a:rPr>
+              <a:t>.</a:t>
+            </a:r>
+            <a:r>
+              <a:rPr lang="th-TH" sz="2400" dirty="0">
+                <a:latin typeface="TH SarabunPSK" panose="020B0500040200020003" pitchFamily="34" charset="-34"/>
+                <a:cs typeface="TH SarabunPSK" panose="020B0500040200020003" pitchFamily="34" charset="-34"/>
+              </a:rPr>
+              <a:t>ธนพงศ์ อินทระ สาขาวิชาสถิติ มหาวิทยาลัยขอนแก่น </a:t>
+            </a:r>
+          </a:p>
+        </p:txBody>
+      </p:sp>
     </p:spTree>
     <p:extLst>
       <p:ext uri="{BB962C8B-B14F-4D97-AF65-F5344CB8AC3E}">
@@ -9425,6 +9894,73 @@
           </a:p>
         </p:txBody>
       </p:sp>
+      <p:sp>
+        <p:nvSpPr>
+          <p:cNvPr id="9" name="TextBox 8">
+            <a:extLst>
+              <a:ext uri="{FF2B5EF4-FFF2-40B4-BE49-F238E27FC236}">
+                <a16:creationId xmlns:a16="http://schemas.microsoft.com/office/drawing/2014/main" id="{959C9083-5902-9C24-D8BA-C478F6761836}"/>
+              </a:ext>
+            </a:extLst>
+          </p:cNvPr>
+          <p:cNvSpPr txBox="1"/>
+          <p:nvPr/>
+        </p:nvSpPr>
+        <p:spPr>
+          <a:xfrm>
+            <a:off x="114677" y="6172611"/>
+            <a:ext cx="5532120" cy="461665"/>
+          </a:xfrm>
+          <a:prstGeom prst="rect">
+            <a:avLst/>
+          </a:prstGeom>
+          <a:noFill/>
+        </p:spPr>
+        <p:txBody>
+          <a:bodyPr wrap="square">
+            <a:spAutoFit/>
+          </a:bodyPr>
+          <a:lstStyle/>
+          <a:p>
+            <a:pPr algn="l"/>
+            <a:r>
+              <a:rPr lang="th-TH" sz="2400" dirty="0">
+                <a:latin typeface="TH SarabunPSK" panose="020B0500040200020003" pitchFamily="34" charset="-34"/>
+                <a:cs typeface="TH SarabunPSK" panose="020B0500040200020003" pitchFamily="34" charset="-34"/>
+              </a:rPr>
+              <a:t>โดย ผศ</a:t>
+            </a:r>
+            <a:r>
+              <a:rPr lang="en-US" sz="2400" dirty="0">
+                <a:latin typeface="TH SarabunPSK" panose="020B0500040200020003" pitchFamily="34" charset="-34"/>
+                <a:cs typeface="TH SarabunPSK" panose="020B0500040200020003" pitchFamily="34" charset="-34"/>
+              </a:rPr>
+              <a:t>. </a:t>
+            </a:r>
+            <a:r>
+              <a:rPr lang="th-TH" sz="2400" dirty="0">
+                <a:latin typeface="TH SarabunPSK" panose="020B0500040200020003" pitchFamily="34" charset="-34"/>
+                <a:cs typeface="TH SarabunPSK" panose="020B0500040200020003" pitchFamily="34" charset="-34"/>
+              </a:rPr>
+              <a:t>ดร</a:t>
+            </a:r>
+            <a:r>
+              <a:rPr lang="en-US" sz="2400" dirty="0">
+                <a:latin typeface="TH SarabunPSK" panose="020B0500040200020003" pitchFamily="34" charset="-34"/>
+                <a:cs typeface="TH SarabunPSK" panose="020B0500040200020003" pitchFamily="34" charset="-34"/>
+              </a:rPr>
+              <a:t>.</a:t>
+            </a:r>
+            <a:r>
+              <a:rPr lang="th-TH" sz="2400" dirty="0">
+                <a:latin typeface="TH SarabunPSK" panose="020B0500040200020003" pitchFamily="34" charset="-34"/>
+                <a:cs typeface="TH SarabunPSK" panose="020B0500040200020003" pitchFamily="34" charset="-34"/>
+              </a:rPr>
+              <a:t>ธนพงศ์ อินทระ สาขาวิชาสถิติ มหาวิทยาลัยขอนแก่น </a:t>
+            </a:r>
+          </a:p>
+        </p:txBody>
+      </p:sp>
     </p:spTree>
     <p:extLst>
       <p:ext uri="{BB962C8B-B14F-4D97-AF65-F5344CB8AC3E}">
@@ -10180,6 +10716,73 @@
           </a:prstGeom>
         </p:spPr>
       </p:pic>
+      <p:sp>
+        <p:nvSpPr>
+          <p:cNvPr id="10" name="TextBox 9">
+            <a:extLst>
+              <a:ext uri="{FF2B5EF4-FFF2-40B4-BE49-F238E27FC236}">
+                <a16:creationId xmlns:a16="http://schemas.microsoft.com/office/drawing/2014/main" id="{D190639D-42C3-E0CC-B31A-8CF2DC844F18}"/>
+              </a:ext>
+            </a:extLst>
+          </p:cNvPr>
+          <p:cNvSpPr txBox="1"/>
+          <p:nvPr/>
+        </p:nvSpPr>
+        <p:spPr>
+          <a:xfrm>
+            <a:off x="114677" y="6172611"/>
+            <a:ext cx="5532120" cy="461665"/>
+          </a:xfrm>
+          <a:prstGeom prst="rect">
+            <a:avLst/>
+          </a:prstGeom>
+          <a:noFill/>
+        </p:spPr>
+        <p:txBody>
+          <a:bodyPr wrap="square">
+            <a:spAutoFit/>
+          </a:bodyPr>
+          <a:lstStyle/>
+          <a:p>
+            <a:pPr algn="l"/>
+            <a:r>
+              <a:rPr lang="th-TH" sz="2400" dirty="0">
+                <a:latin typeface="TH SarabunPSK" panose="020B0500040200020003" pitchFamily="34" charset="-34"/>
+                <a:cs typeface="TH SarabunPSK" panose="020B0500040200020003" pitchFamily="34" charset="-34"/>
+              </a:rPr>
+              <a:t>โดย ผศ</a:t>
+            </a:r>
+            <a:r>
+              <a:rPr lang="en-US" sz="2400" dirty="0">
+                <a:latin typeface="TH SarabunPSK" panose="020B0500040200020003" pitchFamily="34" charset="-34"/>
+                <a:cs typeface="TH SarabunPSK" panose="020B0500040200020003" pitchFamily="34" charset="-34"/>
+              </a:rPr>
+              <a:t>. </a:t>
+            </a:r>
+            <a:r>
+              <a:rPr lang="th-TH" sz="2400" dirty="0">
+                <a:latin typeface="TH SarabunPSK" panose="020B0500040200020003" pitchFamily="34" charset="-34"/>
+                <a:cs typeface="TH SarabunPSK" panose="020B0500040200020003" pitchFamily="34" charset="-34"/>
+              </a:rPr>
+              <a:t>ดร</a:t>
+            </a:r>
+            <a:r>
+              <a:rPr lang="en-US" sz="2400" dirty="0">
+                <a:latin typeface="TH SarabunPSK" panose="020B0500040200020003" pitchFamily="34" charset="-34"/>
+                <a:cs typeface="TH SarabunPSK" panose="020B0500040200020003" pitchFamily="34" charset="-34"/>
+              </a:rPr>
+              <a:t>.</a:t>
+            </a:r>
+            <a:r>
+              <a:rPr lang="th-TH" sz="2400" dirty="0">
+                <a:latin typeface="TH SarabunPSK" panose="020B0500040200020003" pitchFamily="34" charset="-34"/>
+                <a:cs typeface="TH SarabunPSK" panose="020B0500040200020003" pitchFamily="34" charset="-34"/>
+              </a:rPr>
+              <a:t>ธนพงศ์ อินทระ สาขาวิชาสถิติ มหาวิทยาลัยขอนแก่น </a:t>
+            </a:r>
+          </a:p>
+        </p:txBody>
+      </p:sp>
     </p:spTree>
     <p:extLst>
       <p:ext uri="{BB962C8B-B14F-4D97-AF65-F5344CB8AC3E}">
@@ -10888,6 +11491,73 @@
           </a:prstGeom>
         </p:spPr>
       </p:pic>
+      <p:sp>
+        <p:nvSpPr>
+          <p:cNvPr id="11" name="TextBox 10">
+            <a:extLst>
+              <a:ext uri="{FF2B5EF4-FFF2-40B4-BE49-F238E27FC236}">
+                <a16:creationId xmlns:a16="http://schemas.microsoft.com/office/drawing/2014/main" id="{01AC75D4-CB4D-CFD4-80EE-B7EE4DAC7C19}"/>
+              </a:ext>
+            </a:extLst>
+          </p:cNvPr>
+          <p:cNvSpPr txBox="1"/>
+          <p:nvPr/>
+        </p:nvSpPr>
+        <p:spPr>
+          <a:xfrm>
+            <a:off x="114677" y="6172611"/>
+            <a:ext cx="5532120" cy="461665"/>
+          </a:xfrm>
+          <a:prstGeom prst="rect">
+            <a:avLst/>
+          </a:prstGeom>
+          <a:noFill/>
+        </p:spPr>
+        <p:txBody>
+          <a:bodyPr wrap="square">
+            <a:spAutoFit/>
+          </a:bodyPr>
+          <a:lstStyle/>
+          <a:p>
+            <a:pPr algn="l"/>
+            <a:r>
+              <a:rPr lang="th-TH" sz="2400" dirty="0">
+                <a:latin typeface="TH SarabunPSK" panose="020B0500040200020003" pitchFamily="34" charset="-34"/>
+                <a:cs typeface="TH SarabunPSK" panose="020B0500040200020003" pitchFamily="34" charset="-34"/>
+              </a:rPr>
+              <a:t>โดย ผศ</a:t>
+            </a:r>
+            <a:r>
+              <a:rPr lang="en-US" sz="2400" dirty="0">
+                <a:latin typeface="TH SarabunPSK" panose="020B0500040200020003" pitchFamily="34" charset="-34"/>
+                <a:cs typeface="TH SarabunPSK" panose="020B0500040200020003" pitchFamily="34" charset="-34"/>
+              </a:rPr>
+              <a:t>. </a:t>
+            </a:r>
+            <a:r>
+              <a:rPr lang="th-TH" sz="2400" dirty="0">
+                <a:latin typeface="TH SarabunPSK" panose="020B0500040200020003" pitchFamily="34" charset="-34"/>
+                <a:cs typeface="TH SarabunPSK" panose="020B0500040200020003" pitchFamily="34" charset="-34"/>
+              </a:rPr>
+              <a:t>ดร</a:t>
+            </a:r>
+            <a:r>
+              <a:rPr lang="en-US" sz="2400" dirty="0">
+                <a:latin typeface="TH SarabunPSK" panose="020B0500040200020003" pitchFamily="34" charset="-34"/>
+                <a:cs typeface="TH SarabunPSK" panose="020B0500040200020003" pitchFamily="34" charset="-34"/>
+              </a:rPr>
+              <a:t>.</a:t>
+            </a:r>
+            <a:r>
+              <a:rPr lang="th-TH" sz="2400" dirty="0">
+                <a:latin typeface="TH SarabunPSK" panose="020B0500040200020003" pitchFamily="34" charset="-34"/>
+                <a:cs typeface="TH SarabunPSK" panose="020B0500040200020003" pitchFamily="34" charset="-34"/>
+              </a:rPr>
+              <a:t>ธนพงศ์ อินทระ สาขาวิชาสถิติ มหาวิทยาลัยขอนแก่น </a:t>
+            </a:r>
+          </a:p>
+        </p:txBody>
+      </p:sp>
     </p:spTree>
     <p:extLst>
       <p:ext uri="{BB962C8B-B14F-4D97-AF65-F5344CB8AC3E}">
@@ -11735,6 +12405,73 @@
           </a:prstGeom>
         </p:spPr>
       </p:pic>
+      <p:sp>
+        <p:nvSpPr>
+          <p:cNvPr id="10" name="TextBox 9">
+            <a:extLst>
+              <a:ext uri="{FF2B5EF4-FFF2-40B4-BE49-F238E27FC236}">
+                <a16:creationId xmlns:a16="http://schemas.microsoft.com/office/drawing/2014/main" id="{0F438438-CD84-C799-FC73-0D29596DBED5}"/>
+              </a:ext>
+            </a:extLst>
+          </p:cNvPr>
+          <p:cNvSpPr txBox="1"/>
+          <p:nvPr/>
+        </p:nvSpPr>
+        <p:spPr>
+          <a:xfrm>
+            <a:off x="114677" y="6172611"/>
+            <a:ext cx="5532120" cy="461665"/>
+          </a:xfrm>
+          <a:prstGeom prst="rect">
+            <a:avLst/>
+          </a:prstGeom>
+          <a:noFill/>
+        </p:spPr>
+        <p:txBody>
+          <a:bodyPr wrap="square">
+            <a:spAutoFit/>
+          </a:bodyPr>
+          <a:lstStyle/>
+          <a:p>
+            <a:pPr algn="l"/>
+            <a:r>
+              <a:rPr lang="th-TH" sz="2400" dirty="0">
+                <a:latin typeface="TH SarabunPSK" panose="020B0500040200020003" pitchFamily="34" charset="-34"/>
+                <a:cs typeface="TH SarabunPSK" panose="020B0500040200020003" pitchFamily="34" charset="-34"/>
+              </a:rPr>
+              <a:t>โดย ผศ</a:t>
+            </a:r>
+            <a:r>
+              <a:rPr lang="en-US" sz="2400" dirty="0">
+                <a:latin typeface="TH SarabunPSK" panose="020B0500040200020003" pitchFamily="34" charset="-34"/>
+                <a:cs typeface="TH SarabunPSK" panose="020B0500040200020003" pitchFamily="34" charset="-34"/>
+              </a:rPr>
+              <a:t>. </a:t>
+            </a:r>
+            <a:r>
+              <a:rPr lang="th-TH" sz="2400" dirty="0">
+                <a:latin typeface="TH SarabunPSK" panose="020B0500040200020003" pitchFamily="34" charset="-34"/>
+                <a:cs typeface="TH SarabunPSK" panose="020B0500040200020003" pitchFamily="34" charset="-34"/>
+              </a:rPr>
+              <a:t>ดร</a:t>
+            </a:r>
+            <a:r>
+              <a:rPr lang="en-US" sz="2400" dirty="0">
+                <a:latin typeface="TH SarabunPSK" panose="020B0500040200020003" pitchFamily="34" charset="-34"/>
+                <a:cs typeface="TH SarabunPSK" panose="020B0500040200020003" pitchFamily="34" charset="-34"/>
+              </a:rPr>
+              <a:t>.</a:t>
+            </a:r>
+            <a:r>
+              <a:rPr lang="th-TH" sz="2400" dirty="0">
+                <a:latin typeface="TH SarabunPSK" panose="020B0500040200020003" pitchFamily="34" charset="-34"/>
+                <a:cs typeface="TH SarabunPSK" panose="020B0500040200020003" pitchFamily="34" charset="-34"/>
+              </a:rPr>
+              <a:t>ธนพงศ์ อินทระ สาขาวิชาสถิติ มหาวิทยาลัยขอนแก่น </a:t>
+            </a:r>
+          </a:p>
+        </p:txBody>
+      </p:sp>
     </p:spTree>
     <p:extLst>
       <p:ext uri="{BB962C8B-B14F-4D97-AF65-F5344CB8AC3E}">
